--- a/presentation.pptx
+++ b/presentation.pptx
@@ -13,6 +13,7 @@
     <p:sldId id="258" r:id="rId10"/>
     <p:sldId id="259" r:id="rId11"/>
     <p:sldId id="260" r:id="rId12"/>
+    <p:sldId id="261" r:id="rId13"/>
   </p:sldIdLst>
   <p:sldSz cx="13004800" cy="9753600"/>
   <p:notesSz cx="6858000" cy="9144000"/>
@@ -6076,6 +6077,217 @@
 </p:sld>
 </file>
 
+<file path=ppt/slides/slide6.xml><?xml version="1.0" encoding="utf-8"?>
+<p:sld xmlns:a="http://schemas.openxmlformats.org/drawingml/2006/main" xmlns:r="http://schemas.openxmlformats.org/officeDocument/2006/relationships" xmlns:p="http://schemas.openxmlformats.org/presentationml/2006/main" showMasterSp="1" showMasterPhAnim="1">
+  <p:cSld>
+    <p:spTree>
+      <p:nvGrpSpPr>
+        <p:cNvPr id="1" name=""/>
+        <p:cNvGrpSpPr/>
+        <p:nvPr/>
+      </p:nvGrpSpPr>
+      <p:grpSpPr>
+        <a:xfrm>
+          <a:off x="0" y="0"/>
+          <a:ext cx="0" cy="0"/>
+          <a:chOff x="0" y="0"/>
+          <a:chExt cx="0" cy="0"/>
+        </a:xfrm>
+      </p:grpSpPr>
+      <p:sp>
+        <p:nvSpPr>
+          <p:cNvPr id="59" name="Shape 59"/>
+          <p:cNvSpPr/>
+          <p:nvPr>
+            <p:ph type="title"/>
+          </p:nvPr>
+        </p:nvSpPr>
+        <p:spPr>
+          <a:prstGeom prst="rect">
+            <a:avLst/>
+          </a:prstGeom>
+        </p:spPr>
+        <p:txBody>
+          <a:bodyPr/>
+          <a:lstStyle/>
+          <a:p>
+            <a:pPr lvl="0" algn="l" defTabSz="578358">
+              <a:spcBef>
+                <a:spcPts val="1500"/>
+              </a:spcBef>
+              <a:defRPr sz="1800">
+                <a:solidFill>
+                  <a:srgbClr val="000000"/>
+                </a:solidFill>
+              </a:defRPr>
+            </a:pPr>
+            <a:r>
+              <a:rPr sz="6930">
+                <a:solidFill>
+                  <a:srgbClr val="D93E2B"/>
+                </a:solidFill>
+                <a:latin typeface="Bodoni SvtyTwo ITC TT-Bold"/>
+                <a:ea typeface="Bodoni SvtyTwo ITC TT-Bold"/>
+                <a:cs typeface="Bodoni SvtyTwo ITC TT-Bold"/>
+                <a:sym typeface="Bodoni SvtyTwo ITC TT-Bold"/>
+              </a:rPr>
+              <a:t>데이터 개요:</a:t>
+            </a:r>
+            <a:r>
+              <a:rPr sz="6930">
+                <a:solidFill>
+                  <a:srgbClr val="D93E2B"/>
+                </a:solidFill>
+              </a:rPr>
+              <a:t> </a:t>
+            </a:r>
+            <a:r>
+              <a:rPr sz="5940">
+                <a:solidFill>
+                  <a:srgbClr val="D93E2B"/>
+                </a:solidFill>
+                <a:latin typeface="Bodoni SvtyTwo ITC TT-BookIta"/>
+                <a:ea typeface="Bodoni SvtyTwo ITC TT-BookIta"/>
+                <a:cs typeface="Bodoni SvtyTwo ITC TT-BookIta"/>
+                <a:sym typeface="Bodoni SvtyTwo ITC TT-BookIta"/>
+              </a:rPr>
+              <a:t>초기 설정</a:t>
+            </a:r>
+          </a:p>
+        </p:txBody>
+      </p:sp>
+      <p:sp>
+        <p:nvSpPr>
+          <p:cNvPr id="60" name="Shape 60"/>
+          <p:cNvSpPr/>
+          <p:nvPr>
+            <p:ph type="body" idx="1"/>
+          </p:nvPr>
+        </p:nvSpPr>
+        <p:spPr>
+          <a:prstGeom prst="rect">
+            <a:avLst/>
+          </a:prstGeom>
+        </p:spPr>
+        <p:txBody>
+          <a:bodyPr/>
+          <a:lstStyle/>
+          <a:p>
+            <a:pPr lvl="0">
+              <a:defRPr sz="1800">
+                <a:solidFill>
+                  <a:srgbClr val="000000"/>
+                </a:solidFill>
+              </a:defRPr>
+            </a:pPr>
+            <a:r>
+              <a:rPr sz="3600">
+                <a:solidFill>
+                  <a:srgbClr val="414141"/>
+                </a:solidFill>
+              </a:rPr>
+              <a:t>SOCIAL_CODE, PROVINCE_CODE 제외</a:t>
+            </a:r>
+            <a:endParaRPr sz="3600">
+              <a:solidFill>
+                <a:srgbClr val="414141"/>
+              </a:solidFill>
+            </a:endParaRPr>
+          </a:p>
+          <a:p>
+            <a:pPr lvl="0">
+              <a:defRPr sz="1800">
+                <a:solidFill>
+                  <a:srgbClr val="000000"/>
+                </a:solidFill>
+              </a:defRPr>
+            </a:pPr>
+            <a:r>
+              <a:rPr sz="3600">
+                <a:solidFill>
+                  <a:srgbClr val="414141"/>
+                </a:solidFill>
+              </a:rPr>
+              <a:t>AGE가 -1 인 행 제거</a:t>
+            </a:r>
+            <a:endParaRPr sz="3600">
+              <a:solidFill>
+                <a:srgbClr val="414141"/>
+              </a:solidFill>
+            </a:endParaRPr>
+          </a:p>
+          <a:p>
+            <a:pPr lvl="0">
+              <a:defRPr sz="1800">
+                <a:solidFill>
+                  <a:srgbClr val="000000"/>
+                </a:solidFill>
+              </a:defRPr>
+            </a:pPr>
+            <a:r>
+              <a:rPr sz="3600">
+                <a:solidFill>
+                  <a:srgbClr val="414141"/>
+                </a:solidFill>
+              </a:rPr>
+              <a:t>NA 행 제거</a:t>
+            </a:r>
+            <a:endParaRPr sz="3600">
+              <a:solidFill>
+                <a:srgbClr val="414141"/>
+              </a:solidFill>
+            </a:endParaRPr>
+          </a:p>
+          <a:p>
+            <a:pPr lvl="0">
+              <a:defRPr sz="1800">
+                <a:solidFill>
+                  <a:srgbClr val="000000"/>
+                </a:solidFill>
+              </a:defRPr>
+            </a:pPr>
+            <a:r>
+              <a:rPr sz="3600">
+                <a:solidFill>
+                  <a:srgbClr val="414141"/>
+                </a:solidFill>
+              </a:rPr>
+              <a:t>데이터 수: 2859X34 -&gt; 2382X32</a:t>
+            </a:r>
+            <a:endParaRPr sz="3600">
+              <a:solidFill>
+                <a:srgbClr val="414141"/>
+              </a:solidFill>
+            </a:endParaRPr>
+          </a:p>
+          <a:p>
+            <a:pPr lvl="0">
+              <a:defRPr sz="1800">
+                <a:solidFill>
+                  <a:srgbClr val="000000"/>
+                </a:solidFill>
+              </a:defRPr>
+            </a:pPr>
+            <a:r>
+              <a:rPr sz="3600">
+                <a:solidFill>
+                  <a:srgbClr val="414141"/>
+                </a:solidFill>
+              </a:rPr>
+              <a:t>반응변수: BANKRUPTCY(YES, NO) - 기업의 부도 여부</a:t>
+            </a:r>
+          </a:p>
+        </p:txBody>
+      </p:sp>
+    </p:spTree>
+  </p:cSld>
+  <p:clrMapOvr>
+    <a:masterClrMapping/>
+  </p:clrMapOvr>
+  <p:transition spd="med" advClick="1"/>
+</p:sld>
+</file>
+
 <file path=ppt/theme/theme1.xml><?xml version="1.0" encoding="utf-8"?>
 <a:theme xmlns:a="http://schemas.openxmlformats.org/drawingml/2006/main" xmlns:r="http://schemas.openxmlformats.org/officeDocument/2006/relationships" name="New_Template4">
   <a:themeElements>

--- a/presentation.pptx
+++ b/presentation.pptx
@@ -14,6 +14,22 @@
     <p:sldId id="259" r:id="rId11"/>
     <p:sldId id="260" r:id="rId12"/>
     <p:sldId id="261" r:id="rId13"/>
+    <p:sldId id="262" r:id="rId14"/>
+    <p:sldId id="263" r:id="rId15"/>
+    <p:sldId id="264" r:id="rId16"/>
+    <p:sldId id="265" r:id="rId17"/>
+    <p:sldId id="266" r:id="rId18"/>
+    <p:sldId id="267" r:id="rId19"/>
+    <p:sldId id="268" r:id="rId20"/>
+    <p:sldId id="269" r:id="rId21"/>
+    <p:sldId id="270" r:id="rId22"/>
+    <p:sldId id="271" r:id="rId23"/>
+    <p:sldId id="272" r:id="rId24"/>
+    <p:sldId id="273" r:id="rId25"/>
+    <p:sldId id="274" r:id="rId26"/>
+    <p:sldId id="275" r:id="rId27"/>
+    <p:sldId id="276" r:id="rId28"/>
+    <p:sldId id="277" r:id="rId29"/>
   </p:sldIdLst>
   <p:sldSz cx="13004800" cy="9753600"/>
   <p:notesSz cx="6858000" cy="9144000"/>
@@ -3436,6 +3452,3914 @@
 </p:sld>
 </file>
 
+<file path=ppt/slides/slide10.xml><?xml version="1.0" encoding="utf-8"?>
+<p:sld xmlns:a="http://schemas.openxmlformats.org/drawingml/2006/main" xmlns:r="http://schemas.openxmlformats.org/officeDocument/2006/relationships" xmlns:p="http://schemas.openxmlformats.org/presentationml/2006/main" showMasterSp="1" showMasterPhAnim="1">
+  <p:cSld>
+    <p:spTree>
+      <p:nvGrpSpPr>
+        <p:cNvPr id="1" name=""/>
+        <p:cNvGrpSpPr/>
+        <p:nvPr/>
+      </p:nvGrpSpPr>
+      <p:grpSpPr>
+        <a:xfrm>
+          <a:off x="0" y="0"/>
+          <a:ext cx="0" cy="0"/>
+          <a:chOff x="0" y="0"/>
+          <a:chExt cx="0" cy="0"/>
+        </a:xfrm>
+      </p:grpSpPr>
+      <p:pic>
+        <p:nvPicPr>
+          <p:cNvPr id="73" name="pasted-image.png"/>
+          <p:cNvPicPr/>
+          <p:nvPr/>
+        </p:nvPicPr>
+        <p:blipFill>
+          <a:blip r:embed="rId2">
+            <a:extLst/>
+          </a:blip>
+          <a:stretch>
+            <a:fillRect/>
+          </a:stretch>
+        </p:blipFill>
+        <p:spPr>
+          <a:xfrm>
+            <a:off x="3553767" y="2216150"/>
+            <a:ext cx="6096001" cy="6096000"/>
+          </a:xfrm>
+          <a:prstGeom prst="rect">
+            <a:avLst/>
+          </a:prstGeom>
+          <a:ln w="12700">
+            <a:miter lim="400000"/>
+          </a:ln>
+        </p:spPr>
+      </p:pic>
+      <p:sp>
+        <p:nvSpPr>
+          <p:cNvPr id="74" name="Shape 74"/>
+          <p:cNvSpPr/>
+          <p:nvPr>
+            <p:ph type="title"/>
+          </p:nvPr>
+        </p:nvSpPr>
+        <p:spPr>
+          <a:prstGeom prst="rect">
+            <a:avLst/>
+          </a:prstGeom>
+        </p:spPr>
+        <p:txBody>
+          <a:bodyPr/>
+          <a:lstStyle/>
+          <a:p>
+            <a:pPr lvl="0" algn="l" defTabSz="578358">
+              <a:spcBef>
+                <a:spcPts val="1500"/>
+              </a:spcBef>
+              <a:defRPr sz="1800">
+                <a:solidFill>
+                  <a:srgbClr val="000000"/>
+                </a:solidFill>
+              </a:defRPr>
+            </a:pPr>
+            <a:r>
+              <a:rPr sz="6930">
+                <a:solidFill>
+                  <a:srgbClr val="D93E2B"/>
+                </a:solidFill>
+              </a:rPr>
+              <a:t>변수 선택</a:t>
+            </a:r>
+            <a:r>
+              <a:rPr sz="6930">
+                <a:solidFill>
+                  <a:srgbClr val="D93E2B"/>
+                </a:solidFill>
+                <a:latin typeface="Bodoni SvtyTwo ITC TT-Bold"/>
+                <a:ea typeface="Bodoni SvtyTwo ITC TT-Bold"/>
+                <a:cs typeface="Bodoni SvtyTwo ITC TT-Bold"/>
+                <a:sym typeface="Bodoni SvtyTwo ITC TT-Bold"/>
+              </a:rPr>
+              <a:t>:</a:t>
+            </a:r>
+            <a:r>
+              <a:rPr sz="6930">
+                <a:solidFill>
+                  <a:srgbClr val="D93E2B"/>
+                </a:solidFill>
+              </a:rPr>
+              <a:t> </a:t>
+            </a:r>
+            <a:r>
+              <a:rPr sz="5940">
+                <a:solidFill>
+                  <a:srgbClr val="D93E2B"/>
+                </a:solidFill>
+                <a:latin typeface="Bodoni SvtyTwo ITC TT-BookIta"/>
+                <a:ea typeface="Bodoni SvtyTwo ITC TT-BookIta"/>
+                <a:cs typeface="Bodoni SvtyTwo ITC TT-BookIta"/>
+                <a:sym typeface="Bodoni SvtyTwo ITC TT-BookIta"/>
+              </a:rPr>
+              <a:t>Backward selection</a:t>
+            </a:r>
+          </a:p>
+        </p:txBody>
+      </p:sp>
+      <p:graphicFrame>
+        <p:nvGraphicFramePr>
+          <p:cNvPr id="75" name="Table 75"/>
+          <p:cNvGraphicFramePr/>
+          <p:nvPr/>
+        </p:nvGraphicFramePr>
+        <p:xfrm>
+          <a:off x="1549400" y="8077200"/>
+          <a:ext cx="8108355" cy="1460500"/>
+        </p:xfrm>
+        <a:graphic xmlns:a="http://schemas.openxmlformats.org/drawingml/2006/main">
+          <a:graphicData uri="http://schemas.openxmlformats.org/drawingml/2006/table">
+            <a:tbl>
+              <a:tblPr firstCol="1" firstRow="1" lastCol="0" lastRow="0" bandCol="0" bandRow="0" rtl="0">
+                <a:tableStyleId>{33BA23B1-9221-436E-865A-0063620EA4FD}</a:tableStyleId>
+              </a:tblPr>
+              <a:tblGrid>
+                <a:gridCol w="2027088"/>
+                <a:gridCol w="2027088"/>
+                <a:gridCol w="2027088"/>
+                <a:gridCol w="2027088"/>
+              </a:tblGrid>
+              <a:tr h="730250">
+                <a:tc>
+                  <a:txBody>
+                    <a:bodyPr/>
+                    <a:lstStyle/>
+                    <a:p>
+                      <a:pPr lvl="0" defTabSz="914400">
+                        <a:defRPr sz="2600"/>
+                      </a:pPr>
+                    </a:p>
+                  </a:txBody>
+                  <a:tcPr marL="50800" marR="50800" marT="50800" marB="50800" anchor="ctr" anchorCtr="0" horzOverflow="overflow"/>
+                </a:tc>
+                <a:tc>
+                  <a:txBody>
+                    <a:bodyPr/>
+                    <a:lstStyle/>
+                    <a:p>
+                      <a:pPr lvl="0" defTabSz="914400">
+                        <a:defRPr>
+                          <a:solidFill>
+                            <a:srgbClr val="000000"/>
+                          </a:solidFill>
+                        </a:defRPr>
+                      </a:pPr>
+                      <a:r>
+                        <a:rPr sz="2000">
+                          <a:solidFill>
+                            <a:srgbClr val="FFFFFF"/>
+                          </a:solidFill>
+                        </a:rPr>
+                        <a:t>Cp</a:t>
+                      </a:r>
+                    </a:p>
+                  </a:txBody>
+                  <a:tcPr marL="50800" marR="50800" marT="50800" marB="50800" anchor="ctr" anchorCtr="0" horzOverflow="overflow"/>
+                </a:tc>
+                <a:tc>
+                  <a:txBody>
+                    <a:bodyPr/>
+                    <a:lstStyle/>
+                    <a:p>
+                      <a:pPr lvl="0" defTabSz="914400">
+                        <a:defRPr>
+                          <a:solidFill>
+                            <a:srgbClr val="000000"/>
+                          </a:solidFill>
+                        </a:defRPr>
+                      </a:pPr>
+                      <a:r>
+                        <a:rPr sz="2000">
+                          <a:solidFill>
+                            <a:srgbClr val="FFFFFF"/>
+                          </a:solidFill>
+                        </a:rPr>
+                        <a:t>BIC</a:t>
+                      </a:r>
+                    </a:p>
+                  </a:txBody>
+                  <a:tcPr marL="50800" marR="50800" marT="50800" marB="50800" anchor="ctr" anchorCtr="0" horzOverflow="overflow"/>
+                </a:tc>
+                <a:tc>
+                  <a:txBody>
+                    <a:bodyPr/>
+                    <a:lstStyle/>
+                    <a:p>
+                      <a:pPr lvl="0" defTabSz="914400">
+                        <a:defRPr>
+                          <a:solidFill>
+                            <a:srgbClr val="000000"/>
+                          </a:solidFill>
+                        </a:defRPr>
+                      </a:pPr>
+                      <a:r>
+                        <a:rPr sz="2000">
+                          <a:solidFill>
+                            <a:srgbClr val="FFFFFF"/>
+                          </a:solidFill>
+                        </a:rPr>
+                        <a:t>AdjR^2</a:t>
+                      </a:r>
+                    </a:p>
+                  </a:txBody>
+                  <a:tcPr marL="50800" marR="50800" marT="50800" marB="50800" anchor="ctr" anchorCtr="0" horzOverflow="overflow"/>
+                </a:tc>
+              </a:tr>
+              <a:tr h="730250">
+                <a:tc>
+                  <a:txBody>
+                    <a:bodyPr/>
+                    <a:lstStyle/>
+                    <a:p>
+                      <a:pPr lvl="0" defTabSz="914400">
+                        <a:defRPr>
+                          <a:solidFill>
+                            <a:srgbClr val="000000"/>
+                          </a:solidFill>
+                        </a:defRPr>
+                      </a:pPr>
+                      <a:r>
+                        <a:rPr sz="2000">
+                          <a:solidFill>
+                            <a:srgbClr val="FFFFFF"/>
+                          </a:solidFill>
+                        </a:rPr>
+                        <a:t>변수 개수</a:t>
+                      </a:r>
+                    </a:p>
+                  </a:txBody>
+                  <a:tcPr marL="50800" marR="50800" marT="50800" marB="50800" anchor="ctr" anchorCtr="0" horzOverflow="overflow"/>
+                </a:tc>
+                <a:tc>
+                  <a:txBody>
+                    <a:bodyPr/>
+                    <a:lstStyle/>
+                    <a:p>
+                      <a:pPr lvl="0" defTabSz="914400">
+                        <a:defRPr>
+                          <a:solidFill>
+                            <a:srgbClr val="000000"/>
+                          </a:solidFill>
+                        </a:defRPr>
+                      </a:pPr>
+                      <a:r>
+                        <a:rPr sz="2600">
+                          <a:solidFill>
+                            <a:srgbClr val="414141"/>
+                          </a:solidFill>
+                        </a:rPr>
+                        <a:t>14</a:t>
+                      </a:r>
+                    </a:p>
+                  </a:txBody>
+                  <a:tcPr marL="50800" marR="50800" marT="50800" marB="50800" anchor="ctr" anchorCtr="0" horzOverflow="overflow">
+                    <a:lnB w="12700">
+                      <a:miter lim="400000"/>
+                    </a:lnB>
+                  </a:tcPr>
+                </a:tc>
+                <a:tc>
+                  <a:txBody>
+                    <a:bodyPr/>
+                    <a:lstStyle/>
+                    <a:p>
+                      <a:pPr lvl="0" defTabSz="914400">
+                        <a:defRPr>
+                          <a:solidFill>
+                            <a:srgbClr val="000000"/>
+                          </a:solidFill>
+                        </a:defRPr>
+                      </a:pPr>
+                      <a:r>
+                        <a:rPr sz="2600">
+                          <a:solidFill>
+                            <a:srgbClr val="414141"/>
+                          </a:solidFill>
+                        </a:rPr>
+                        <a:t>7</a:t>
+                      </a:r>
+                    </a:p>
+                  </a:txBody>
+                  <a:tcPr marL="50800" marR="50800" marT="50800" marB="50800" anchor="ctr" anchorCtr="0" horzOverflow="overflow">
+                    <a:lnB w="12700">
+                      <a:miter lim="400000"/>
+                    </a:lnB>
+                  </a:tcPr>
+                </a:tc>
+                <a:tc>
+                  <a:txBody>
+                    <a:bodyPr/>
+                    <a:lstStyle/>
+                    <a:p>
+                      <a:pPr lvl="0" defTabSz="914400">
+                        <a:defRPr>
+                          <a:solidFill>
+                            <a:srgbClr val="000000"/>
+                          </a:solidFill>
+                        </a:defRPr>
+                      </a:pPr>
+                      <a:r>
+                        <a:rPr sz="2600">
+                          <a:solidFill>
+                            <a:srgbClr val="414141"/>
+                          </a:solidFill>
+                        </a:rPr>
+                        <a:t>16</a:t>
+                      </a:r>
+                    </a:p>
+                  </a:txBody>
+                  <a:tcPr marL="50800" marR="50800" marT="50800" marB="50800" anchor="ctr" anchorCtr="0" horzOverflow="overflow">
+                    <a:lnR w="12700">
+                      <a:miter lim="400000"/>
+                    </a:lnR>
+                    <a:lnB w="12700">
+                      <a:miter lim="400000"/>
+                    </a:lnB>
+                  </a:tcPr>
+                </a:tc>
+              </a:tr>
+            </a:tbl>
+          </a:graphicData>
+        </a:graphic>
+      </p:graphicFrame>
+    </p:spTree>
+  </p:cSld>
+  <p:clrMapOvr>
+    <a:masterClrMapping/>
+  </p:clrMapOvr>
+  <p:transition spd="med" advClick="1"/>
+</p:sld>
+</file>
+
+<file path=ppt/slides/slide11.xml><?xml version="1.0" encoding="utf-8"?>
+<p:sld xmlns:a="http://schemas.openxmlformats.org/drawingml/2006/main" xmlns:r="http://schemas.openxmlformats.org/officeDocument/2006/relationships" xmlns:p="http://schemas.openxmlformats.org/presentationml/2006/main" showMasterSp="1" showMasterPhAnim="1">
+  <p:cSld>
+    <p:spTree>
+      <p:nvGrpSpPr>
+        <p:cNvPr id="1" name=""/>
+        <p:cNvGrpSpPr/>
+        <p:nvPr/>
+      </p:nvGrpSpPr>
+      <p:grpSpPr>
+        <a:xfrm>
+          <a:off x="0" y="0"/>
+          <a:ext cx="0" cy="0"/>
+          <a:chOff x="0" y="0"/>
+          <a:chExt cx="0" cy="0"/>
+        </a:xfrm>
+      </p:grpSpPr>
+      <p:sp>
+        <p:nvSpPr>
+          <p:cNvPr id="77" name="Shape 77"/>
+          <p:cNvSpPr/>
+          <p:nvPr>
+            <p:ph type="title"/>
+          </p:nvPr>
+        </p:nvSpPr>
+        <p:spPr>
+          <a:prstGeom prst="rect">
+            <a:avLst/>
+          </a:prstGeom>
+        </p:spPr>
+        <p:txBody>
+          <a:bodyPr/>
+          <a:lstStyle/>
+          <a:p>
+            <a:pPr lvl="0" algn="l" defTabSz="578358">
+              <a:spcBef>
+                <a:spcPts val="1500"/>
+              </a:spcBef>
+              <a:defRPr sz="1800">
+                <a:solidFill>
+                  <a:srgbClr val="000000"/>
+                </a:solidFill>
+              </a:defRPr>
+            </a:pPr>
+            <a:r>
+              <a:rPr sz="6930">
+                <a:solidFill>
+                  <a:srgbClr val="D93E2B"/>
+                </a:solidFill>
+              </a:rPr>
+              <a:t>변수 선택</a:t>
+            </a:r>
+            <a:r>
+              <a:rPr sz="6930">
+                <a:solidFill>
+                  <a:srgbClr val="D93E2B"/>
+                </a:solidFill>
+                <a:latin typeface="Bodoni SvtyTwo ITC TT-Bold"/>
+                <a:ea typeface="Bodoni SvtyTwo ITC TT-Bold"/>
+                <a:cs typeface="Bodoni SvtyTwo ITC TT-Bold"/>
+                <a:sym typeface="Bodoni SvtyTwo ITC TT-Bold"/>
+              </a:rPr>
+              <a:t>:</a:t>
+            </a:r>
+            <a:r>
+              <a:rPr sz="6930">
+                <a:solidFill>
+                  <a:srgbClr val="D93E2B"/>
+                </a:solidFill>
+              </a:rPr>
+              <a:t> </a:t>
+            </a:r>
+            <a:r>
+              <a:rPr sz="5940">
+                <a:solidFill>
+                  <a:srgbClr val="D93E2B"/>
+                </a:solidFill>
+                <a:latin typeface="Bodoni SvtyTwo ITC TT-BookIta"/>
+                <a:ea typeface="Bodoni SvtyTwo ITC TT-BookIta"/>
+                <a:cs typeface="Bodoni SvtyTwo ITC TT-BookIta"/>
+                <a:sym typeface="Bodoni SvtyTwo ITC TT-BookIta"/>
+              </a:rPr>
+              <a:t>Ridge</a:t>
+            </a:r>
+          </a:p>
+        </p:txBody>
+      </p:sp>
+      <p:sp>
+        <p:nvSpPr>
+          <p:cNvPr id="78" name="Shape 78"/>
+          <p:cNvSpPr/>
+          <p:nvPr>
+            <p:ph type="body" idx="1"/>
+          </p:nvPr>
+        </p:nvSpPr>
+        <p:spPr>
+          <a:xfrm>
+            <a:off x="6552803" y="2324100"/>
+            <a:ext cx="5943997" cy="6096000"/>
+          </a:xfrm>
+          <a:prstGeom prst="rect">
+            <a:avLst/>
+          </a:prstGeom>
+        </p:spPr>
+        <p:txBody>
+          <a:bodyPr/>
+          <a:lstStyle/>
+          <a:p>
+            <a:pPr lvl="0">
+              <a:defRPr sz="1800">
+                <a:solidFill>
+                  <a:srgbClr val="000000"/>
+                </a:solidFill>
+              </a:defRPr>
+            </a:pPr>
+            <a:r>
+              <a:rPr sz="3600">
+                <a:solidFill>
+                  <a:srgbClr val="414141"/>
+                </a:solidFill>
+              </a:rPr>
+              <a:t>lambda = 0.002977314</a:t>
+            </a:r>
+            <a:endParaRPr sz="3600">
+              <a:solidFill>
+                <a:srgbClr val="414141"/>
+              </a:solidFill>
+            </a:endParaRPr>
+          </a:p>
+          <a:p>
+            <a:pPr lvl="0">
+              <a:defRPr sz="1800">
+                <a:solidFill>
+                  <a:srgbClr val="000000"/>
+                </a:solidFill>
+              </a:defRPr>
+            </a:pPr>
+            <a:r>
+              <a:rPr sz="3600">
+                <a:solidFill>
+                  <a:srgbClr val="414141"/>
+                </a:solidFill>
+              </a:rPr>
+              <a:t>모든 변수가 선택됨</a:t>
+            </a:r>
+          </a:p>
+        </p:txBody>
+      </p:sp>
+      <p:pic>
+        <p:nvPicPr>
+          <p:cNvPr id="79" name="pasted-image.png"/>
+          <p:cNvPicPr/>
+          <p:nvPr/>
+        </p:nvPicPr>
+        <p:blipFill>
+          <a:blip r:embed="rId2">
+            <a:extLst/>
+          </a:blip>
+          <a:stretch>
+            <a:fillRect/>
+          </a:stretch>
+        </p:blipFill>
+        <p:spPr>
+          <a:xfrm>
+            <a:off x="419100" y="2717800"/>
+            <a:ext cx="6096000" cy="6096000"/>
+          </a:xfrm>
+          <a:prstGeom prst="rect">
+            <a:avLst/>
+          </a:prstGeom>
+          <a:ln w="12700">
+            <a:miter lim="400000"/>
+          </a:ln>
+        </p:spPr>
+      </p:pic>
+    </p:spTree>
+  </p:cSld>
+  <p:clrMapOvr>
+    <a:masterClrMapping/>
+  </p:clrMapOvr>
+  <p:transition spd="med" advClick="1"/>
+</p:sld>
+</file>
+
+<file path=ppt/slides/slide12.xml><?xml version="1.0" encoding="utf-8"?>
+<p:sld xmlns:a="http://schemas.openxmlformats.org/drawingml/2006/main" xmlns:r="http://schemas.openxmlformats.org/officeDocument/2006/relationships" xmlns:p="http://schemas.openxmlformats.org/presentationml/2006/main" showMasterSp="1" showMasterPhAnim="1">
+  <p:cSld>
+    <p:spTree>
+      <p:nvGrpSpPr>
+        <p:cNvPr id="1" name=""/>
+        <p:cNvGrpSpPr/>
+        <p:nvPr/>
+      </p:nvGrpSpPr>
+      <p:grpSpPr>
+        <a:xfrm>
+          <a:off x="0" y="0"/>
+          <a:ext cx="0" cy="0"/>
+          <a:chOff x="0" y="0"/>
+          <a:chExt cx="0" cy="0"/>
+        </a:xfrm>
+      </p:grpSpPr>
+      <p:sp>
+        <p:nvSpPr>
+          <p:cNvPr id="81" name="Shape 81"/>
+          <p:cNvSpPr/>
+          <p:nvPr>
+            <p:ph type="title"/>
+          </p:nvPr>
+        </p:nvSpPr>
+        <p:spPr>
+          <a:prstGeom prst="rect">
+            <a:avLst/>
+          </a:prstGeom>
+        </p:spPr>
+        <p:txBody>
+          <a:bodyPr/>
+          <a:lstStyle/>
+          <a:p>
+            <a:pPr lvl="0" algn="l" defTabSz="578358">
+              <a:spcBef>
+                <a:spcPts val="1500"/>
+              </a:spcBef>
+              <a:defRPr sz="1800">
+                <a:solidFill>
+                  <a:srgbClr val="000000"/>
+                </a:solidFill>
+              </a:defRPr>
+            </a:pPr>
+            <a:r>
+              <a:rPr sz="6930">
+                <a:solidFill>
+                  <a:srgbClr val="D93E2B"/>
+                </a:solidFill>
+              </a:rPr>
+              <a:t>변수 선택</a:t>
+            </a:r>
+            <a:r>
+              <a:rPr sz="6930">
+                <a:solidFill>
+                  <a:srgbClr val="D93E2B"/>
+                </a:solidFill>
+                <a:latin typeface="Bodoni SvtyTwo ITC TT-Bold"/>
+                <a:ea typeface="Bodoni SvtyTwo ITC TT-Bold"/>
+                <a:cs typeface="Bodoni SvtyTwo ITC TT-Bold"/>
+                <a:sym typeface="Bodoni SvtyTwo ITC TT-Bold"/>
+              </a:rPr>
+              <a:t>:</a:t>
+            </a:r>
+            <a:r>
+              <a:rPr sz="6930">
+                <a:solidFill>
+                  <a:srgbClr val="D93E2B"/>
+                </a:solidFill>
+              </a:rPr>
+              <a:t> </a:t>
+            </a:r>
+            <a:r>
+              <a:rPr sz="5940">
+                <a:solidFill>
+                  <a:srgbClr val="D93E2B"/>
+                </a:solidFill>
+                <a:latin typeface="Bodoni SvtyTwo ITC TT-BookIta"/>
+                <a:ea typeface="Bodoni SvtyTwo ITC TT-BookIta"/>
+                <a:cs typeface="Bodoni SvtyTwo ITC TT-BookIta"/>
+                <a:sym typeface="Bodoni SvtyTwo ITC TT-BookIta"/>
+              </a:rPr>
+              <a:t>Lasso</a:t>
+            </a:r>
+          </a:p>
+        </p:txBody>
+      </p:sp>
+      <p:sp>
+        <p:nvSpPr>
+          <p:cNvPr id="82" name="Shape 82"/>
+          <p:cNvSpPr/>
+          <p:nvPr>
+            <p:ph type="body" idx="1"/>
+          </p:nvPr>
+        </p:nvSpPr>
+        <p:spPr>
+          <a:xfrm>
+            <a:off x="6552803" y="2324100"/>
+            <a:ext cx="5943997" cy="6096000"/>
+          </a:xfrm>
+          <a:prstGeom prst="rect">
+            <a:avLst/>
+          </a:prstGeom>
+        </p:spPr>
+        <p:txBody>
+          <a:bodyPr/>
+          <a:lstStyle/>
+          <a:p>
+            <a:pPr lvl="0">
+              <a:defRPr sz="1800">
+                <a:solidFill>
+                  <a:srgbClr val="000000"/>
+                </a:solidFill>
+              </a:defRPr>
+            </a:pPr>
+            <a:r>
+              <a:rPr sz="3600">
+                <a:solidFill>
+                  <a:srgbClr val="414141"/>
+                </a:solidFill>
+              </a:rPr>
+              <a:t>lambda = 0.001071593</a:t>
+            </a:r>
+            <a:endParaRPr sz="3600">
+              <a:solidFill>
+                <a:srgbClr val="414141"/>
+              </a:solidFill>
+            </a:endParaRPr>
+          </a:p>
+          <a:p>
+            <a:pPr lvl="0">
+              <a:defRPr sz="1800">
+                <a:solidFill>
+                  <a:srgbClr val="000000"/>
+                </a:solidFill>
+              </a:defRPr>
+            </a:pPr>
+            <a:r>
+              <a:rPr sz="3600">
+                <a:solidFill>
+                  <a:srgbClr val="414141"/>
+                </a:solidFill>
+              </a:rPr>
+              <a:t>선택된 변수 개수: 13개(factor별 질적변수=1개)</a:t>
+            </a:r>
+          </a:p>
+        </p:txBody>
+      </p:sp>
+      <p:pic>
+        <p:nvPicPr>
+          <p:cNvPr id="83" name="pasted-image.png"/>
+          <p:cNvPicPr/>
+          <p:nvPr/>
+        </p:nvPicPr>
+        <p:blipFill>
+          <a:blip r:embed="rId2">
+            <a:extLst/>
+          </a:blip>
+          <a:stretch>
+            <a:fillRect/>
+          </a:stretch>
+        </p:blipFill>
+        <p:spPr>
+          <a:xfrm>
+            <a:off x="419100" y="2717800"/>
+            <a:ext cx="6096000" cy="6096000"/>
+          </a:xfrm>
+          <a:prstGeom prst="rect">
+            <a:avLst/>
+          </a:prstGeom>
+          <a:ln w="12700">
+            <a:miter lim="400000"/>
+          </a:ln>
+        </p:spPr>
+      </p:pic>
+    </p:spTree>
+  </p:cSld>
+  <p:clrMapOvr>
+    <a:masterClrMapping/>
+  </p:clrMapOvr>
+  <p:transition spd="med" advClick="1"/>
+</p:sld>
+</file>
+
+<file path=ppt/slides/slide13.xml><?xml version="1.0" encoding="utf-8"?>
+<p:sld xmlns:a="http://schemas.openxmlformats.org/drawingml/2006/main" xmlns:r="http://schemas.openxmlformats.org/officeDocument/2006/relationships" xmlns:p="http://schemas.openxmlformats.org/presentationml/2006/main" showMasterSp="1" showMasterPhAnim="1">
+  <p:cSld>
+    <p:spTree>
+      <p:nvGrpSpPr>
+        <p:cNvPr id="1" name=""/>
+        <p:cNvGrpSpPr/>
+        <p:nvPr/>
+      </p:nvGrpSpPr>
+      <p:grpSpPr>
+        <a:xfrm>
+          <a:off x="0" y="0"/>
+          <a:ext cx="0" cy="0"/>
+          <a:chOff x="0" y="0"/>
+          <a:chExt cx="0" cy="0"/>
+        </a:xfrm>
+      </p:grpSpPr>
+      <p:sp>
+        <p:nvSpPr>
+          <p:cNvPr id="85" name="Shape 85"/>
+          <p:cNvSpPr/>
+          <p:nvPr>
+            <p:ph type="title"/>
+          </p:nvPr>
+        </p:nvSpPr>
+        <p:spPr>
+          <a:prstGeom prst="rect">
+            <a:avLst/>
+          </a:prstGeom>
+        </p:spPr>
+        <p:txBody>
+          <a:bodyPr/>
+          <a:lstStyle>
+            <a:lvl1pPr defTabSz="578358">
+              <a:spcBef>
+                <a:spcPts val="1500"/>
+              </a:spcBef>
+              <a:defRPr sz="6930"/>
+            </a:lvl1pPr>
+          </a:lstStyle>
+          <a:p>
+            <a:pPr lvl="0">
+              <a:defRPr sz="1800">
+                <a:solidFill>
+                  <a:srgbClr val="000000"/>
+                </a:solidFill>
+              </a:defRPr>
+            </a:pPr>
+            <a:r>
+              <a:rPr sz="6930">
+                <a:solidFill>
+                  <a:srgbClr val="D93E2B"/>
+                </a:solidFill>
+              </a:rPr>
+              <a:t>최종 모델 선택</a:t>
+            </a:r>
+          </a:p>
+        </p:txBody>
+      </p:sp>
+    </p:spTree>
+  </p:cSld>
+  <p:clrMapOvr>
+    <a:masterClrMapping/>
+  </p:clrMapOvr>
+  <p:transition spd="med" advClick="1"/>
+</p:sld>
+</file>
+
+<file path=ppt/slides/slide14.xml><?xml version="1.0" encoding="utf-8"?>
+<p:sld xmlns:a="http://schemas.openxmlformats.org/drawingml/2006/main" xmlns:r="http://schemas.openxmlformats.org/officeDocument/2006/relationships" xmlns:p="http://schemas.openxmlformats.org/presentationml/2006/main" showMasterSp="1" showMasterPhAnim="1">
+  <p:cSld>
+    <p:spTree>
+      <p:nvGrpSpPr>
+        <p:cNvPr id="1" name=""/>
+        <p:cNvGrpSpPr/>
+        <p:nvPr/>
+      </p:nvGrpSpPr>
+      <p:grpSpPr>
+        <a:xfrm>
+          <a:off x="0" y="0"/>
+          <a:ext cx="0" cy="0"/>
+          <a:chOff x="0" y="0"/>
+          <a:chExt cx="0" cy="0"/>
+        </a:xfrm>
+      </p:grpSpPr>
+      <p:sp>
+        <p:nvSpPr>
+          <p:cNvPr id="87" name="Shape 87"/>
+          <p:cNvSpPr/>
+          <p:nvPr>
+            <p:ph type="title"/>
+          </p:nvPr>
+        </p:nvSpPr>
+        <p:spPr>
+          <a:prstGeom prst="rect">
+            <a:avLst/>
+          </a:prstGeom>
+        </p:spPr>
+        <p:txBody>
+          <a:bodyPr/>
+          <a:lstStyle>
+            <a:lvl1pPr>
+              <a:defRPr>
+                <a:latin typeface="Bodoni SvtyTwo ITC TT-Bold"/>
+                <a:ea typeface="Bodoni SvtyTwo ITC TT-Bold"/>
+                <a:cs typeface="Bodoni SvtyTwo ITC TT-Bold"/>
+                <a:sym typeface="Bodoni SvtyTwo ITC TT-Bold"/>
+              </a:defRPr>
+            </a:lvl1pPr>
+          </a:lstStyle>
+          <a:p>
+            <a:pPr lvl="0">
+              <a:defRPr sz="1800">
+                <a:solidFill>
+                  <a:srgbClr val="000000"/>
+                </a:solidFill>
+              </a:defRPr>
+            </a:pPr>
+            <a:r>
+              <a:rPr sz="7000">
+                <a:solidFill>
+                  <a:srgbClr val="D93E2B"/>
+                </a:solidFill>
+              </a:rPr>
+              <a:t>분류 방법 비교</a:t>
+            </a:r>
+          </a:p>
+        </p:txBody>
+      </p:sp>
+      <p:sp>
+        <p:nvSpPr>
+          <p:cNvPr id="88" name="Shape 88"/>
+          <p:cNvSpPr/>
+          <p:nvPr>
+            <p:ph type="body" idx="1"/>
+          </p:nvPr>
+        </p:nvSpPr>
+        <p:spPr>
+          <a:xfrm>
+            <a:off x="520700" y="2178050"/>
+            <a:ext cx="11988800" cy="2740025"/>
+          </a:xfrm>
+          <a:prstGeom prst="rect">
+            <a:avLst/>
+          </a:prstGeom>
+        </p:spPr>
+        <p:txBody>
+          <a:bodyPr/>
+          <a:lstStyle/>
+          <a:p>
+            <a:pPr lvl="0">
+              <a:defRPr sz="1800">
+                <a:solidFill>
+                  <a:srgbClr val="000000"/>
+                </a:solidFill>
+              </a:defRPr>
+            </a:pPr>
+            <a:r>
+              <a:rPr sz="3600">
+                <a:solidFill>
+                  <a:srgbClr val="414141"/>
+                </a:solidFill>
+              </a:rPr>
+              <a:t>변수 선택 방법으로 선택된 최종 모델을 이용</a:t>
+            </a:r>
+            <a:endParaRPr sz="3600">
+              <a:solidFill>
+                <a:srgbClr val="414141"/>
+              </a:solidFill>
+            </a:endParaRPr>
+          </a:p>
+          <a:p>
+            <a:pPr lvl="0">
+              <a:defRPr sz="1800">
+                <a:solidFill>
+                  <a:srgbClr val="000000"/>
+                </a:solidFill>
+              </a:defRPr>
+            </a:pPr>
+            <a:r>
+              <a:rPr sz="3600">
+                <a:solidFill>
+                  <a:srgbClr val="414141"/>
+                </a:solidFill>
+              </a:rPr>
+              <a:t>Logistic regression, LDA, QDA, KNN 분류 방법 비교</a:t>
+            </a:r>
+          </a:p>
+        </p:txBody>
+      </p:sp>
+      <p:graphicFrame>
+        <p:nvGraphicFramePr>
+          <p:cNvPr id="89" name="Table 89"/>
+          <p:cNvGraphicFramePr/>
+          <p:nvPr/>
+        </p:nvGraphicFramePr>
+        <p:xfrm>
+          <a:off x="1943100" y="4584700"/>
+          <a:ext cx="9044236" cy="4517827"/>
+        </p:xfrm>
+        <a:graphic xmlns:a="http://schemas.openxmlformats.org/drawingml/2006/main">
+          <a:graphicData uri="http://schemas.openxmlformats.org/drawingml/2006/table">
+            <a:tbl>
+              <a:tblPr firstCol="0" firstRow="1" lastCol="0" lastRow="0" bandCol="0" bandRow="0" rtl="0">
+                <a:tableStyleId>{33BA23B1-9221-436E-865A-0063620EA4FD}</a:tableStyleId>
+              </a:tblPr>
+              <a:tblGrid>
+                <a:gridCol w="3014745"/>
+                <a:gridCol w="3014745"/>
+                <a:gridCol w="3014745"/>
+              </a:tblGrid>
+              <a:tr h="564728">
+                <a:tc>
+                  <a:txBody>
+                    <a:bodyPr/>
+                    <a:lstStyle/>
+                    <a:p>
+                      <a:pPr lvl="0" defTabSz="914400">
+                        <a:defRPr>
+                          <a:solidFill>
+                            <a:srgbClr val="000000"/>
+                          </a:solidFill>
+                        </a:defRPr>
+                      </a:pPr>
+                      <a:r>
+                        <a:rPr sz="2200">
+                          <a:solidFill>
+                            <a:srgbClr val="FFFFFF"/>
+                          </a:solidFill>
+                        </a:rPr>
+                        <a:t>변수 이름</a:t>
+                      </a:r>
+                    </a:p>
+                  </a:txBody>
+                  <a:tcPr marL="50800" marR="50800" marT="50800" marB="50800" anchor="ctr" anchorCtr="0" horzOverflow="overflow"/>
+                </a:tc>
+                <a:tc>
+                  <a:txBody>
+                    <a:bodyPr/>
+                    <a:lstStyle/>
+                    <a:p>
+                      <a:pPr lvl="0" defTabSz="914400">
+                        <a:defRPr>
+                          <a:solidFill>
+                            <a:srgbClr val="000000"/>
+                          </a:solidFill>
+                        </a:defRPr>
+                      </a:pPr>
+                      <a:r>
+                        <a:rPr sz="2200">
+                          <a:solidFill>
+                            <a:srgbClr val="FFFFFF"/>
+                          </a:solidFill>
+                        </a:rPr>
+                        <a:t>범위</a:t>
+                      </a:r>
+                    </a:p>
+                  </a:txBody>
+                  <a:tcPr marL="50800" marR="50800" marT="50800" marB="50800" anchor="ctr" anchorCtr="0" horzOverflow="overflow"/>
+                </a:tc>
+                <a:tc>
+                  <a:txBody>
+                    <a:bodyPr/>
+                    <a:lstStyle/>
+                    <a:p>
+                      <a:pPr lvl="0" defTabSz="914400">
+                        <a:defRPr>
+                          <a:solidFill>
+                            <a:srgbClr val="000000"/>
+                          </a:solidFill>
+                        </a:defRPr>
+                      </a:pPr>
+                      <a:r>
+                        <a:rPr sz="2600">
+                          <a:solidFill>
+                            <a:srgbClr val="FFFFFF"/>
+                          </a:solidFill>
+                        </a:rPr>
+                        <a:t>설명</a:t>
+                      </a:r>
+                    </a:p>
+                  </a:txBody>
+                  <a:tcPr marL="50800" marR="50800" marT="50800" marB="50800" anchor="ctr" anchorCtr="0" horzOverflow="overflow"/>
+                </a:tc>
+              </a:tr>
+              <a:tr h="564728">
+                <a:tc>
+                  <a:txBody>
+                    <a:bodyPr/>
+                    <a:lstStyle/>
+                    <a:p>
+                      <a:pPr lvl="0" defTabSz="914400">
+                        <a:defRPr>
+                          <a:solidFill>
+                            <a:srgbClr val="000000"/>
+                          </a:solidFill>
+                        </a:defRPr>
+                      </a:pPr>
+                      <a:r>
+                        <a:rPr sz="2200">
+                          <a:solidFill>
+                            <a:srgbClr val="414141"/>
+                          </a:solidFill>
+                        </a:rPr>
+                        <a:t>SIZE</a:t>
+                      </a:r>
+                    </a:p>
+                  </a:txBody>
+                  <a:tcPr marL="50800" marR="50800" marT="50800" marB="50800" anchor="ctr" anchorCtr="0" horzOverflow="overflow">
+                    <a:lnL w="12700">
+                      <a:miter lim="400000"/>
+                    </a:lnL>
+                  </a:tcPr>
+                </a:tc>
+                <a:tc>
+                  <a:txBody>
+                    <a:bodyPr/>
+                    <a:lstStyle/>
+                    <a:p>
+                      <a:pPr lvl="0" defTabSz="914400">
+                        <a:defRPr>
+                          <a:solidFill>
+                            <a:srgbClr val="000000"/>
+                          </a:solidFill>
+                        </a:defRPr>
+                      </a:pPr>
+                      <a:r>
+                        <a:rPr sz="2200">
+                          <a:solidFill>
+                            <a:srgbClr val="414141"/>
+                          </a:solidFill>
+                        </a:rPr>
+                        <a:t>small, medium, big</a:t>
+                      </a:r>
+                    </a:p>
+                  </a:txBody>
+                  <a:tcPr marL="50800" marR="50800" marT="50800" marB="50800" anchor="ctr" anchorCtr="0" horzOverflow="overflow"/>
+                </a:tc>
+                <a:tc>
+                  <a:txBody>
+                    <a:bodyPr/>
+                    <a:lstStyle/>
+                    <a:p>
+                      <a:pPr lvl="0" defTabSz="914400">
+                        <a:defRPr>
+                          <a:solidFill>
+                            <a:srgbClr val="000000"/>
+                          </a:solidFill>
+                        </a:defRPr>
+                      </a:pPr>
+                      <a:r>
+                        <a:rPr sz="2600">
+                          <a:solidFill>
+                            <a:srgbClr val="414141"/>
+                          </a:solidFill>
+                        </a:rPr>
+                        <a:t>기업의 크기</a:t>
+                      </a:r>
+                    </a:p>
+                  </a:txBody>
+                  <a:tcPr marL="50800" marR="50800" marT="50800" marB="50800" anchor="ctr" anchorCtr="0" horzOverflow="overflow">
+                    <a:lnR w="12700">
+                      <a:miter lim="400000"/>
+                    </a:lnR>
+                  </a:tcPr>
+                </a:tc>
+              </a:tr>
+              <a:tr h="564728">
+                <a:tc>
+                  <a:txBody>
+                    <a:bodyPr/>
+                    <a:lstStyle/>
+                    <a:p>
+                      <a:pPr lvl="0" defTabSz="914400">
+                        <a:defRPr>
+                          <a:solidFill>
+                            <a:srgbClr val="000000"/>
+                          </a:solidFill>
+                        </a:defRPr>
+                      </a:pPr>
+                      <a:r>
+                        <a:rPr sz="2200">
+                          <a:solidFill>
+                            <a:srgbClr val="414141"/>
+                          </a:solidFill>
+                        </a:rPr>
+                        <a:t>DEBT_COST</a:t>
+                      </a:r>
+                    </a:p>
+                  </a:txBody>
+                  <a:tcPr marL="50800" marR="50800" marT="50800" marB="50800" anchor="ctr" anchorCtr="0" horzOverflow="overflow">
+                    <a:lnL w="12700">
+                      <a:miter lim="400000"/>
+                    </a:lnL>
+                  </a:tcPr>
+                </a:tc>
+                <a:tc>
+                  <a:txBody>
+                    <a:bodyPr/>
+                    <a:lstStyle/>
+                    <a:p>
+                      <a:pPr lvl="0" defTabSz="914400">
+                        <a:defRPr>
+                          <a:solidFill>
+                            <a:srgbClr val="000000"/>
+                          </a:solidFill>
+                        </a:defRPr>
+                      </a:pPr>
+                      <a:r>
+                        <a:rPr sz="2200">
+                          <a:solidFill>
+                            <a:srgbClr val="414141"/>
+                          </a:solidFill>
+                        </a:rPr>
+                        <a:t>-0.87~8151.25</a:t>
+                      </a:r>
+                    </a:p>
+                  </a:txBody>
+                  <a:tcPr marL="50800" marR="50800" marT="50800" marB="50800" anchor="ctr" anchorCtr="0" horzOverflow="overflow"/>
+                </a:tc>
+                <a:tc>
+                  <a:txBody>
+                    <a:bodyPr/>
+                    <a:lstStyle/>
+                    <a:p>
+                      <a:pPr lvl="0" defTabSz="914400">
+                        <a:defRPr>
+                          <a:solidFill>
+                            <a:srgbClr val="000000"/>
+                          </a:solidFill>
+                        </a:defRPr>
+                      </a:pPr>
+                      <a:r>
+                        <a:rPr sz="2600">
+                          <a:solidFill>
+                            <a:srgbClr val="414141"/>
+                          </a:solidFill>
+                        </a:rPr>
+                        <a:t>부채 비용</a:t>
+                      </a:r>
+                    </a:p>
+                  </a:txBody>
+                  <a:tcPr marL="50800" marR="50800" marT="50800" marB="50800" anchor="ctr" anchorCtr="0" horzOverflow="overflow">
+                    <a:lnR w="12700">
+                      <a:miter lim="400000"/>
+                    </a:lnR>
+                  </a:tcPr>
+                </a:tc>
+              </a:tr>
+              <a:tr h="564728">
+                <a:tc>
+                  <a:txBody>
+                    <a:bodyPr/>
+                    <a:lstStyle/>
+                    <a:p>
+                      <a:pPr lvl="0" defTabSz="914400">
+                        <a:defRPr>
+                          <a:solidFill>
+                            <a:srgbClr val="000000"/>
+                          </a:solidFill>
+                        </a:defRPr>
+                      </a:pPr>
+                      <a:r>
+                        <a:rPr sz="2200">
+                          <a:solidFill>
+                            <a:srgbClr val="414141"/>
+                          </a:solidFill>
+                        </a:rPr>
+                        <a:t>RETURN_EQUITY</a:t>
+                      </a:r>
+                    </a:p>
+                  </a:txBody>
+                  <a:tcPr marL="50800" marR="50800" marT="50800" marB="50800" anchor="ctr" anchorCtr="0" horzOverflow="overflow">
+                    <a:lnL w="12700">
+                      <a:miter lim="400000"/>
+                    </a:lnL>
+                  </a:tcPr>
+                </a:tc>
+                <a:tc>
+                  <a:txBody>
+                    <a:bodyPr/>
+                    <a:lstStyle/>
+                    <a:p>
+                      <a:pPr lvl="0" defTabSz="914400">
+                        <a:defRPr>
+                          <a:solidFill>
+                            <a:srgbClr val="000000"/>
+                          </a:solidFill>
+                        </a:defRPr>
+                      </a:pPr>
+                      <a:r>
+                        <a:rPr sz="2200">
+                          <a:solidFill>
+                            <a:srgbClr val="414141"/>
+                          </a:solidFill>
+                        </a:rPr>
+                        <a:t>-1825426 ~ 9349.018</a:t>
+                      </a:r>
+                    </a:p>
+                  </a:txBody>
+                  <a:tcPr marL="50800" marR="50800" marT="50800" marB="50800" anchor="ctr" anchorCtr="0" horzOverflow="overflow"/>
+                </a:tc>
+                <a:tc>
+                  <a:txBody>
+                    <a:bodyPr/>
+                    <a:lstStyle/>
+                    <a:p>
+                      <a:pPr lvl="0" defTabSz="914400">
+                        <a:defRPr>
+                          <a:solidFill>
+                            <a:srgbClr val="000000"/>
+                          </a:solidFill>
+                        </a:defRPr>
+                      </a:pPr>
+                      <a:r>
+                        <a:rPr sz="2600">
+                          <a:solidFill>
+                            <a:srgbClr val="414141"/>
+                          </a:solidFill>
+                        </a:rPr>
+                        <a:t>자기자본이익률</a:t>
+                      </a:r>
+                    </a:p>
+                  </a:txBody>
+                  <a:tcPr marL="50800" marR="50800" marT="50800" marB="50800" anchor="ctr" anchorCtr="0" horzOverflow="overflow">
+                    <a:lnR w="12700">
+                      <a:miter lim="400000"/>
+                    </a:lnR>
+                  </a:tcPr>
+                </a:tc>
+              </a:tr>
+              <a:tr h="564728">
+                <a:tc>
+                  <a:txBody>
+                    <a:bodyPr/>
+                    <a:lstStyle/>
+                    <a:p>
+                      <a:pPr lvl="0" defTabSz="914400">
+                        <a:defRPr>
+                          <a:solidFill>
+                            <a:srgbClr val="000000"/>
+                          </a:solidFill>
+                        </a:defRPr>
+                      </a:pPr>
+                      <a:r>
+                        <a:rPr sz="2200">
+                          <a:solidFill>
+                            <a:srgbClr val="414141"/>
+                          </a:solidFill>
+                        </a:rPr>
+                        <a:t>RETURN_ASSETS</a:t>
+                      </a:r>
+                    </a:p>
+                  </a:txBody>
+                  <a:tcPr marL="50800" marR="50800" marT="50800" marB="50800" anchor="ctr" anchorCtr="0" horzOverflow="overflow">
+                    <a:lnL w="12700">
+                      <a:miter lim="400000"/>
+                    </a:lnL>
+                  </a:tcPr>
+                </a:tc>
+                <a:tc>
+                  <a:txBody>
+                    <a:bodyPr/>
+                    <a:lstStyle/>
+                    <a:p>
+                      <a:pPr lvl="0" defTabSz="914400">
+                        <a:defRPr>
+                          <a:solidFill>
+                            <a:srgbClr val="000000"/>
+                          </a:solidFill>
+                        </a:defRPr>
+                      </a:pPr>
+                      <a:r>
+                        <a:rPr>
+                          <a:solidFill>
+                            <a:srgbClr val="414141"/>
+                          </a:solidFill>
+                        </a:rPr>
+                        <a:t>-481.07 ~ 711.22</a:t>
+                      </a:r>
+                    </a:p>
+                  </a:txBody>
+                  <a:tcPr marL="50800" marR="50800" marT="50800" marB="50800" anchor="ctr" anchorCtr="0" horzOverflow="overflow"/>
+                </a:tc>
+                <a:tc>
+                  <a:txBody>
+                    <a:bodyPr/>
+                    <a:lstStyle/>
+                    <a:p>
+                      <a:pPr lvl="0" defTabSz="914400">
+                        <a:defRPr>
+                          <a:solidFill>
+                            <a:srgbClr val="000000"/>
+                          </a:solidFill>
+                        </a:defRPr>
+                      </a:pPr>
+                      <a:r>
+                        <a:rPr sz="2600">
+                          <a:solidFill>
+                            <a:srgbClr val="414141"/>
+                          </a:solidFill>
+                        </a:rPr>
+                        <a:t>총자산순이익률</a:t>
+                      </a:r>
+                    </a:p>
+                  </a:txBody>
+                  <a:tcPr marL="50800" marR="50800" marT="50800" marB="50800" anchor="ctr" anchorCtr="0" horzOverflow="overflow">
+                    <a:lnR w="12700">
+                      <a:miter lim="400000"/>
+                    </a:lnR>
+                  </a:tcPr>
+                </a:tc>
+              </a:tr>
+              <a:tr h="564728">
+                <a:tc>
+                  <a:txBody>
+                    <a:bodyPr/>
+                    <a:lstStyle/>
+                    <a:p>
+                      <a:pPr lvl="0" defTabSz="914400">
+                        <a:defRPr>
+                          <a:solidFill>
+                            <a:srgbClr val="000000"/>
+                          </a:solidFill>
+                        </a:defRPr>
+                      </a:pPr>
+                      <a:r>
+                        <a:rPr sz="1100">
+                          <a:solidFill>
+                            <a:srgbClr val="414141"/>
+                          </a:solidFill>
+                        </a:rPr>
+                        <a:t>NUMBER_JUDICIAL_INCIDENCES_YEAR</a:t>
+                      </a:r>
+                    </a:p>
+                  </a:txBody>
+                  <a:tcPr marL="50800" marR="50800" marT="50800" marB="50800" anchor="ctr" anchorCtr="0" horzOverflow="overflow">
+                    <a:lnL w="12700">
+                      <a:miter lim="400000"/>
+                    </a:lnL>
+                  </a:tcPr>
+                </a:tc>
+                <a:tc>
+                  <a:txBody>
+                    <a:bodyPr/>
+                    <a:lstStyle/>
+                    <a:p>
+                      <a:pPr lvl="0" defTabSz="914400">
+                        <a:defRPr>
+                          <a:solidFill>
+                            <a:srgbClr val="000000"/>
+                          </a:solidFill>
+                        </a:defRPr>
+                      </a:pPr>
+                      <a:r>
+                        <a:rPr sz="2200">
+                          <a:solidFill>
+                            <a:srgbClr val="414141"/>
+                          </a:solidFill>
+                        </a:rPr>
+                        <a:t>0 ~ 1</a:t>
+                      </a:r>
+                    </a:p>
+                  </a:txBody>
+                  <a:tcPr marL="50800" marR="50800" marT="50800" marB="50800" anchor="ctr" anchorCtr="0" horzOverflow="overflow"/>
+                </a:tc>
+                <a:tc>
+                  <a:txBody>
+                    <a:bodyPr/>
+                    <a:lstStyle/>
+                    <a:p>
+                      <a:pPr lvl="0" defTabSz="914400">
+                        <a:defRPr>
+                          <a:solidFill>
+                            <a:srgbClr val="000000"/>
+                          </a:solidFill>
+                        </a:defRPr>
+                      </a:pPr>
+                      <a:r>
+                        <a:rPr sz="2600">
+                          <a:solidFill>
+                            <a:srgbClr val="414141"/>
+                          </a:solidFill>
+                        </a:rPr>
+                        <a:t>법적 분쟁 발생 수</a:t>
+                      </a:r>
+                    </a:p>
+                  </a:txBody>
+                  <a:tcPr marL="50800" marR="50800" marT="50800" marB="50800" anchor="ctr" anchorCtr="0" horzOverflow="overflow">
+                    <a:lnR w="12700">
+                      <a:miter lim="400000"/>
+                    </a:lnR>
+                  </a:tcPr>
+                </a:tc>
+              </a:tr>
+              <a:tr h="564728">
+                <a:tc>
+                  <a:txBody>
+                    <a:bodyPr/>
+                    <a:lstStyle/>
+                    <a:p>
+                      <a:pPr lvl="0" defTabSz="914400">
+                        <a:defRPr>
+                          <a:solidFill>
+                            <a:srgbClr val="000000"/>
+                          </a:solidFill>
+                        </a:defRPr>
+                      </a:pPr>
+                      <a:r>
+                        <a:rPr sz="1100">
+                          <a:solidFill>
+                            <a:srgbClr val="414141"/>
+                          </a:solidFill>
+                        </a:rPr>
+                        <a:t>SPENT_JUDICAL_INCIDENCES_TOTAL</a:t>
+                      </a:r>
+                    </a:p>
+                  </a:txBody>
+                  <a:tcPr marL="50800" marR="50800" marT="50800" marB="50800" anchor="ctr" anchorCtr="0" horzOverflow="overflow">
+                    <a:lnL w="12700">
+                      <a:miter lim="400000"/>
+                    </a:lnL>
+                  </a:tcPr>
+                </a:tc>
+                <a:tc>
+                  <a:txBody>
+                    <a:bodyPr/>
+                    <a:lstStyle/>
+                    <a:p>
+                      <a:pPr lvl="0" defTabSz="914400">
+                        <a:defRPr>
+                          <a:solidFill>
+                            <a:srgbClr val="000000"/>
+                          </a:solidFill>
+                        </a:defRPr>
+                      </a:pPr>
+                      <a:r>
+                        <a:rPr sz="2200">
+                          <a:solidFill>
+                            <a:srgbClr val="414141"/>
+                          </a:solidFill>
+                        </a:rPr>
+                        <a:t>0 ~ 448342.4</a:t>
+                      </a:r>
+                    </a:p>
+                  </a:txBody>
+                  <a:tcPr marL="50800" marR="50800" marT="50800" marB="50800" anchor="ctr" anchorCtr="0" horzOverflow="overflow"/>
+                </a:tc>
+                <a:tc>
+                  <a:txBody>
+                    <a:bodyPr/>
+                    <a:lstStyle/>
+                    <a:p>
+                      <a:pPr lvl="0" defTabSz="914400">
+                        <a:defRPr>
+                          <a:solidFill>
+                            <a:srgbClr val="000000"/>
+                          </a:solidFill>
+                        </a:defRPr>
+                      </a:pPr>
+                      <a:r>
+                        <a:rPr sz="2600">
+                          <a:solidFill>
+                            <a:srgbClr val="414141"/>
+                          </a:solidFill>
+                        </a:rPr>
+                        <a:t>법적 분쟁 부담 비용</a:t>
+                      </a:r>
+                    </a:p>
+                  </a:txBody>
+                  <a:tcPr marL="50800" marR="50800" marT="50800" marB="50800" anchor="ctr" anchorCtr="0" horzOverflow="overflow">
+                    <a:lnR w="12700">
+                      <a:miter lim="400000"/>
+                    </a:lnR>
+                  </a:tcPr>
+                </a:tc>
+              </a:tr>
+              <a:tr h="564728">
+                <a:tc>
+                  <a:txBody>
+                    <a:bodyPr/>
+                    <a:lstStyle/>
+                    <a:p>
+                      <a:pPr lvl="0" defTabSz="914400">
+                        <a:defRPr>
+                          <a:solidFill>
+                            <a:srgbClr val="000000"/>
+                          </a:solidFill>
+                        </a:defRPr>
+                      </a:pPr>
+                      <a:r>
+                        <a:rPr sz="2200">
+                          <a:solidFill>
+                            <a:srgbClr val="414141"/>
+                          </a:solidFill>
+                        </a:rPr>
+                        <a:t>AUDITED</a:t>
+                      </a:r>
+                    </a:p>
+                  </a:txBody>
+                  <a:tcPr marL="50800" marR="50800" marT="50800" marB="50800" anchor="ctr" anchorCtr="0" horzOverflow="overflow">
+                    <a:lnL w="12700">
+                      <a:miter lim="400000"/>
+                    </a:lnL>
+                    <a:lnB w="12700">
+                      <a:miter lim="400000"/>
+                    </a:lnB>
+                  </a:tcPr>
+                </a:tc>
+                <a:tc>
+                  <a:txBody>
+                    <a:bodyPr/>
+                    <a:lstStyle/>
+                    <a:p>
+                      <a:pPr lvl="0" defTabSz="914400">
+                        <a:defRPr>
+                          <a:solidFill>
+                            <a:srgbClr val="000000"/>
+                          </a:solidFill>
+                        </a:defRPr>
+                      </a:pPr>
+                      <a:r>
+                        <a:rPr sz="2200">
+                          <a:solidFill>
+                            <a:srgbClr val="414141"/>
+                          </a:solidFill>
+                        </a:rPr>
+                        <a:t>no, yes</a:t>
+                      </a:r>
+                    </a:p>
+                  </a:txBody>
+                  <a:tcPr marL="50800" marR="50800" marT="50800" marB="50800" anchor="ctr" anchorCtr="0" horzOverflow="overflow">
+                    <a:lnB w="12700">
+                      <a:miter lim="400000"/>
+                    </a:lnB>
+                  </a:tcPr>
+                </a:tc>
+                <a:tc>
+                  <a:txBody>
+                    <a:bodyPr/>
+                    <a:lstStyle/>
+                    <a:p>
+                      <a:pPr lvl="0" defTabSz="914400">
+                        <a:defRPr>
+                          <a:solidFill>
+                            <a:srgbClr val="000000"/>
+                          </a:solidFill>
+                        </a:defRPr>
+                      </a:pPr>
+                      <a:r>
+                        <a:rPr sz="2600">
+                          <a:solidFill>
+                            <a:srgbClr val="414141"/>
+                          </a:solidFill>
+                        </a:rPr>
+                        <a:t>감사 여부</a:t>
+                      </a:r>
+                    </a:p>
+                  </a:txBody>
+                  <a:tcPr marL="50800" marR="50800" marT="50800" marB="50800" anchor="ctr" anchorCtr="0" horzOverflow="overflow">
+                    <a:lnR w="12700">
+                      <a:miter lim="400000"/>
+                    </a:lnR>
+                    <a:lnB w="12700">
+                      <a:miter lim="400000"/>
+                    </a:lnB>
+                  </a:tcPr>
+                </a:tc>
+              </a:tr>
+            </a:tbl>
+          </a:graphicData>
+        </a:graphic>
+      </p:graphicFrame>
+    </p:spTree>
+  </p:cSld>
+  <p:clrMapOvr>
+    <a:masterClrMapping/>
+  </p:clrMapOvr>
+  <p:transition spd="med" advClick="1"/>
+</p:sld>
+</file>
+
+<file path=ppt/slides/slide15.xml><?xml version="1.0" encoding="utf-8"?>
+<p:sld xmlns:a="http://schemas.openxmlformats.org/drawingml/2006/main" xmlns:r="http://schemas.openxmlformats.org/officeDocument/2006/relationships" xmlns:p="http://schemas.openxmlformats.org/presentationml/2006/main" showMasterSp="1" showMasterPhAnim="1">
+  <p:cSld>
+    <p:spTree>
+      <p:nvGrpSpPr>
+        <p:cNvPr id="1" name=""/>
+        <p:cNvGrpSpPr/>
+        <p:nvPr/>
+      </p:nvGrpSpPr>
+      <p:grpSpPr>
+        <a:xfrm>
+          <a:off x="0" y="0"/>
+          <a:ext cx="0" cy="0"/>
+          <a:chOff x="0" y="0"/>
+          <a:chExt cx="0" cy="0"/>
+        </a:xfrm>
+      </p:grpSpPr>
+      <p:sp>
+        <p:nvSpPr>
+          <p:cNvPr id="91" name="Shape 91"/>
+          <p:cNvSpPr/>
+          <p:nvPr>
+            <p:ph type="title"/>
+          </p:nvPr>
+        </p:nvSpPr>
+        <p:spPr>
+          <a:prstGeom prst="rect">
+            <a:avLst/>
+          </a:prstGeom>
+        </p:spPr>
+        <p:txBody>
+          <a:bodyPr/>
+          <a:lstStyle/>
+          <a:p>
+            <a:pPr lvl="0" algn="l" defTabSz="578358">
+              <a:spcBef>
+                <a:spcPts val="1500"/>
+              </a:spcBef>
+              <a:defRPr sz="1800">
+                <a:solidFill>
+                  <a:srgbClr val="000000"/>
+                </a:solidFill>
+              </a:defRPr>
+            </a:pPr>
+            <a:r>
+              <a:rPr sz="6930">
+                <a:solidFill>
+                  <a:srgbClr val="D93E2B"/>
+                </a:solidFill>
+              </a:rPr>
+              <a:t>분류 방법 비교</a:t>
+            </a:r>
+            <a:r>
+              <a:rPr sz="6930">
+                <a:solidFill>
+                  <a:srgbClr val="D93E2B"/>
+                </a:solidFill>
+                <a:latin typeface="Bodoni SvtyTwo ITC TT-Bold"/>
+                <a:ea typeface="Bodoni SvtyTwo ITC TT-Bold"/>
+                <a:cs typeface="Bodoni SvtyTwo ITC TT-Bold"/>
+                <a:sym typeface="Bodoni SvtyTwo ITC TT-Bold"/>
+              </a:rPr>
+              <a:t>:</a:t>
+            </a:r>
+            <a:r>
+              <a:rPr sz="6930">
+                <a:solidFill>
+                  <a:srgbClr val="D93E2B"/>
+                </a:solidFill>
+              </a:rPr>
+              <a:t> </a:t>
+            </a:r>
+            <a:r>
+              <a:rPr sz="5940">
+                <a:solidFill>
+                  <a:srgbClr val="D93E2B"/>
+                </a:solidFill>
+                <a:latin typeface="Bodoni SvtyTwo ITC TT-BookIta"/>
+                <a:ea typeface="Bodoni SvtyTwo ITC TT-BookIta"/>
+                <a:cs typeface="Bodoni SvtyTwo ITC TT-BookIta"/>
+                <a:sym typeface="Bodoni SvtyTwo ITC TT-BookIta"/>
+              </a:rPr>
+              <a:t>데이터셋 설정</a:t>
+            </a:r>
+          </a:p>
+        </p:txBody>
+      </p:sp>
+      <p:sp>
+        <p:nvSpPr>
+          <p:cNvPr id="92" name="Shape 92"/>
+          <p:cNvSpPr/>
+          <p:nvPr>
+            <p:ph type="body" idx="1"/>
+          </p:nvPr>
+        </p:nvSpPr>
+        <p:spPr>
+          <a:xfrm>
+            <a:off x="508000" y="2628900"/>
+            <a:ext cx="11988800" cy="2111375"/>
+          </a:xfrm>
+          <a:prstGeom prst="rect">
+            <a:avLst/>
+          </a:prstGeom>
+        </p:spPr>
+        <p:txBody>
+          <a:bodyPr/>
+          <a:lstStyle>
+            <a:lvl1pPr marL="443794" indent="-443794">
+              <a:defRPr sz="3400"/>
+            </a:lvl1pPr>
+          </a:lstStyle>
+          <a:p>
+            <a:pPr lvl="0">
+              <a:defRPr sz="1800">
+                <a:solidFill>
+                  <a:srgbClr val="000000"/>
+                </a:solidFill>
+              </a:defRPr>
+            </a:pPr>
+            <a:r>
+              <a:rPr sz="3400">
+                <a:solidFill>
+                  <a:srgbClr val="414141"/>
+                </a:solidFill>
+              </a:rPr>
+              <a:t>랜덤으로 Training dataset과 Test dataset을 7:3비율로 설정</a:t>
+            </a:r>
+          </a:p>
+        </p:txBody>
+      </p:sp>
+      <p:pic>
+        <p:nvPicPr>
+          <p:cNvPr id="93" name="image4.png"/>
+          <p:cNvPicPr/>
+          <p:nvPr/>
+        </p:nvPicPr>
+        <p:blipFill>
+          <a:blip r:embed="rId2">
+            <a:extLst/>
+          </a:blip>
+          <a:stretch>
+            <a:fillRect/>
+          </a:stretch>
+        </p:blipFill>
+        <p:spPr>
+          <a:xfrm>
+            <a:off x="853591" y="5349874"/>
+            <a:ext cx="11043955" cy="1936475"/>
+          </a:xfrm>
+          <a:prstGeom prst="rect">
+            <a:avLst/>
+          </a:prstGeom>
+          <a:ln w="12700">
+            <a:miter lim="400000"/>
+          </a:ln>
+        </p:spPr>
+      </p:pic>
+    </p:spTree>
+  </p:cSld>
+  <p:clrMapOvr>
+    <a:masterClrMapping/>
+  </p:clrMapOvr>
+  <p:transition spd="med" advClick="1"/>
+</p:sld>
+</file>
+
+<file path=ppt/slides/slide16.xml><?xml version="1.0" encoding="utf-8"?>
+<p:sld xmlns:a="http://schemas.openxmlformats.org/drawingml/2006/main" xmlns:r="http://schemas.openxmlformats.org/officeDocument/2006/relationships" xmlns:p="http://schemas.openxmlformats.org/presentationml/2006/main" showMasterSp="1" showMasterPhAnim="1">
+  <p:cSld>
+    <p:spTree>
+      <p:nvGrpSpPr>
+        <p:cNvPr id="1" name=""/>
+        <p:cNvGrpSpPr/>
+        <p:nvPr/>
+      </p:nvGrpSpPr>
+      <p:grpSpPr>
+        <a:xfrm>
+          <a:off x="0" y="0"/>
+          <a:ext cx="0" cy="0"/>
+          <a:chOff x="0" y="0"/>
+          <a:chExt cx="0" cy="0"/>
+        </a:xfrm>
+      </p:grpSpPr>
+      <p:sp>
+        <p:nvSpPr>
+          <p:cNvPr id="95" name="Shape 95"/>
+          <p:cNvSpPr/>
+          <p:nvPr>
+            <p:ph type="title"/>
+          </p:nvPr>
+        </p:nvSpPr>
+        <p:spPr>
+          <a:prstGeom prst="rect">
+            <a:avLst/>
+          </a:prstGeom>
+        </p:spPr>
+        <p:txBody>
+          <a:bodyPr/>
+          <a:lstStyle/>
+          <a:p>
+            <a:pPr lvl="0" algn="l" defTabSz="578358">
+              <a:spcBef>
+                <a:spcPts val="1500"/>
+              </a:spcBef>
+              <a:defRPr sz="1800">
+                <a:solidFill>
+                  <a:srgbClr val="000000"/>
+                </a:solidFill>
+              </a:defRPr>
+            </a:pPr>
+            <a:r>
+              <a:rPr sz="6930">
+                <a:solidFill>
+                  <a:srgbClr val="D93E2B"/>
+                </a:solidFill>
+              </a:rPr>
+              <a:t>분류 방법 비교</a:t>
+            </a:r>
+            <a:r>
+              <a:rPr sz="6930">
+                <a:solidFill>
+                  <a:srgbClr val="D93E2B"/>
+                </a:solidFill>
+                <a:latin typeface="Bodoni SvtyTwo ITC TT-Bold"/>
+                <a:ea typeface="Bodoni SvtyTwo ITC TT-Bold"/>
+                <a:cs typeface="Bodoni SvtyTwo ITC TT-Bold"/>
+                <a:sym typeface="Bodoni SvtyTwo ITC TT-Bold"/>
+              </a:rPr>
+              <a:t>:</a:t>
+            </a:r>
+            <a:r>
+              <a:rPr sz="6930">
+                <a:solidFill>
+                  <a:srgbClr val="D93E2B"/>
+                </a:solidFill>
+              </a:rPr>
+              <a:t> </a:t>
+            </a:r>
+            <a:r>
+              <a:rPr sz="5940">
+                <a:solidFill>
+                  <a:srgbClr val="D93E2B"/>
+                </a:solidFill>
+                <a:latin typeface="Bodoni SvtyTwo ITC TT-BookIta"/>
+                <a:ea typeface="Bodoni SvtyTwo ITC TT-BookIta"/>
+                <a:cs typeface="Bodoni SvtyTwo ITC TT-BookIta"/>
+                <a:sym typeface="Bodoni SvtyTwo ITC TT-BookIta"/>
+              </a:rPr>
+              <a:t>Logistic Regression</a:t>
+            </a:r>
+          </a:p>
+        </p:txBody>
+      </p:sp>
+      <p:pic>
+        <p:nvPicPr>
+          <p:cNvPr id="96" name="image5.png"/>
+          <p:cNvPicPr/>
+          <p:nvPr/>
+        </p:nvPicPr>
+        <p:blipFill>
+          <a:blip r:embed="rId2">
+            <a:extLst/>
+          </a:blip>
+          <a:stretch>
+            <a:fillRect/>
+          </a:stretch>
+        </p:blipFill>
+        <p:spPr>
+          <a:xfrm>
+            <a:off x="108980" y="2963930"/>
+            <a:ext cx="12786840" cy="3516383"/>
+          </a:xfrm>
+          <a:prstGeom prst="rect">
+            <a:avLst/>
+          </a:prstGeom>
+          <a:ln w="12700">
+            <a:miter lim="400000"/>
+          </a:ln>
+        </p:spPr>
+      </p:pic>
+      <p:sp>
+        <p:nvSpPr>
+          <p:cNvPr id="97" name="Shape 97"/>
+          <p:cNvSpPr/>
+          <p:nvPr>
+            <p:ph type="body" idx="1"/>
+          </p:nvPr>
+        </p:nvSpPr>
+        <p:spPr>
+          <a:xfrm>
+            <a:off x="508000" y="6480311"/>
+            <a:ext cx="11988800" cy="2244588"/>
+          </a:xfrm>
+          <a:prstGeom prst="rect">
+            <a:avLst/>
+          </a:prstGeom>
+        </p:spPr>
+        <p:txBody>
+          <a:bodyPr/>
+          <a:lstStyle/>
+          <a:p>
+            <a:pPr lvl="0">
+              <a:defRPr sz="1800">
+                <a:solidFill>
+                  <a:srgbClr val="000000"/>
+                </a:solidFill>
+              </a:defRPr>
+            </a:pPr>
+            <a:r>
+              <a:rPr sz="3600">
+                <a:solidFill>
+                  <a:srgbClr val="414141"/>
+                </a:solidFill>
+              </a:rPr>
+              <a:t>Threshold=0.05</a:t>
+            </a:r>
+            <a:r>
+              <a:rPr sz="3600">
+                <a:solidFill>
+                  <a:srgbClr val="414141"/>
+                </a:solidFill>
+              </a:rPr>
+              <a:t>로 설정</a:t>
+            </a:r>
+          </a:p>
+        </p:txBody>
+      </p:sp>
+    </p:spTree>
+  </p:cSld>
+  <p:clrMapOvr>
+    <a:masterClrMapping/>
+  </p:clrMapOvr>
+  <p:transition spd="med" advClick="1"/>
+</p:sld>
+</file>
+
+<file path=ppt/slides/slide17.xml><?xml version="1.0" encoding="utf-8"?>
+<p:sld xmlns:a="http://schemas.openxmlformats.org/drawingml/2006/main" xmlns:r="http://schemas.openxmlformats.org/officeDocument/2006/relationships" xmlns:p="http://schemas.openxmlformats.org/presentationml/2006/main" showMasterSp="1" showMasterPhAnim="1">
+  <p:cSld>
+    <p:spTree>
+      <p:nvGrpSpPr>
+        <p:cNvPr id="1" name=""/>
+        <p:cNvGrpSpPr/>
+        <p:nvPr/>
+      </p:nvGrpSpPr>
+      <p:grpSpPr>
+        <a:xfrm>
+          <a:off x="0" y="0"/>
+          <a:ext cx="0" cy="0"/>
+          <a:chOff x="0" y="0"/>
+          <a:chExt cx="0" cy="0"/>
+        </a:xfrm>
+      </p:grpSpPr>
+      <p:sp>
+        <p:nvSpPr>
+          <p:cNvPr id="99" name="Shape 99"/>
+          <p:cNvSpPr/>
+          <p:nvPr>
+            <p:ph type="title"/>
+          </p:nvPr>
+        </p:nvSpPr>
+        <p:spPr>
+          <a:prstGeom prst="rect">
+            <a:avLst/>
+          </a:prstGeom>
+        </p:spPr>
+        <p:txBody>
+          <a:bodyPr/>
+          <a:lstStyle/>
+          <a:p>
+            <a:pPr lvl="0" algn="l" defTabSz="578358">
+              <a:spcBef>
+                <a:spcPts val="1500"/>
+              </a:spcBef>
+              <a:defRPr sz="1800">
+                <a:solidFill>
+                  <a:srgbClr val="000000"/>
+                </a:solidFill>
+              </a:defRPr>
+            </a:pPr>
+            <a:r>
+              <a:rPr sz="6930">
+                <a:solidFill>
+                  <a:srgbClr val="D93E2B"/>
+                </a:solidFill>
+              </a:rPr>
+              <a:t>분류 방법 비교</a:t>
+            </a:r>
+            <a:r>
+              <a:rPr sz="6930">
+                <a:solidFill>
+                  <a:srgbClr val="D93E2B"/>
+                </a:solidFill>
+                <a:latin typeface="Bodoni SvtyTwo ITC TT-Bold"/>
+                <a:ea typeface="Bodoni SvtyTwo ITC TT-Bold"/>
+                <a:cs typeface="Bodoni SvtyTwo ITC TT-Bold"/>
+                <a:sym typeface="Bodoni SvtyTwo ITC TT-Bold"/>
+              </a:rPr>
+              <a:t>:</a:t>
+            </a:r>
+            <a:r>
+              <a:rPr sz="6930">
+                <a:solidFill>
+                  <a:srgbClr val="D93E2B"/>
+                </a:solidFill>
+              </a:rPr>
+              <a:t> </a:t>
+            </a:r>
+            <a:r>
+              <a:rPr sz="5940">
+                <a:solidFill>
+                  <a:srgbClr val="D93E2B"/>
+                </a:solidFill>
+                <a:latin typeface="Bodoni SvtyTwo ITC TT-BookIta"/>
+                <a:ea typeface="Bodoni SvtyTwo ITC TT-BookIta"/>
+                <a:cs typeface="Bodoni SvtyTwo ITC TT-BookIta"/>
+                <a:sym typeface="Bodoni SvtyTwo ITC TT-BookIta"/>
+              </a:rPr>
+              <a:t>Logistic Regression</a:t>
+            </a:r>
+          </a:p>
+        </p:txBody>
+      </p:sp>
+      <p:sp>
+        <p:nvSpPr>
+          <p:cNvPr id="100" name="Shape 100"/>
+          <p:cNvSpPr/>
+          <p:nvPr>
+            <p:ph type="body" idx="1"/>
+          </p:nvPr>
+        </p:nvSpPr>
+        <p:spPr>
+          <a:xfrm>
+            <a:off x="4037359" y="8183184"/>
+            <a:ext cx="5765355" cy="1072931"/>
+          </a:xfrm>
+          <a:prstGeom prst="rect">
+            <a:avLst/>
+          </a:prstGeom>
+        </p:spPr>
+        <p:txBody>
+          <a:bodyPr/>
+          <a:lstStyle/>
+          <a:p>
+            <a:pPr lvl="0">
+              <a:defRPr sz="1800">
+                <a:solidFill>
+                  <a:srgbClr val="000000"/>
+                </a:solidFill>
+              </a:defRPr>
+            </a:pPr>
+            <a:r>
+              <a:rPr sz="3600">
+                <a:solidFill>
+                  <a:srgbClr val="414141"/>
+                </a:solidFill>
+              </a:rPr>
+              <a:t>Error rate = 0.08811189</a:t>
+            </a:r>
+          </a:p>
+        </p:txBody>
+      </p:sp>
+      <p:graphicFrame>
+        <p:nvGraphicFramePr>
+          <p:cNvPr id="101" name="Table 101"/>
+          <p:cNvGraphicFramePr/>
+          <p:nvPr/>
+        </p:nvGraphicFramePr>
+        <p:xfrm>
+          <a:off x="4271516" y="3091557"/>
+          <a:ext cx="4927402" cy="5019477"/>
+        </p:xfrm>
+        <a:graphic xmlns:a="http://schemas.openxmlformats.org/drawingml/2006/main">
+          <a:graphicData uri="http://schemas.openxmlformats.org/drawingml/2006/table">
+            <a:tbl>
+              <a:tblPr firstCol="1" firstRow="1" lastCol="0" lastRow="0" bandCol="0" bandRow="0" rtl="0">
+                <a:tableStyleId>{33BA23B1-9221-436E-865A-0063620EA4FD}</a:tableStyleId>
+              </a:tblPr>
+              <a:tblGrid>
+                <a:gridCol w="1231850"/>
+                <a:gridCol w="1231850"/>
+                <a:gridCol w="1231850"/>
+                <a:gridCol w="1231850"/>
+              </a:tblGrid>
+              <a:tr h="1254869">
+                <a:tc>
+                  <a:txBody>
+                    <a:bodyPr/>
+                    <a:lstStyle/>
+                    <a:p>
+                      <a:pPr lvl="0" defTabSz="914400">
+                        <a:defRPr sz="2600"/>
+                      </a:pPr>
+                    </a:p>
+                  </a:txBody>
+                  <a:tcPr marL="50800" marR="50800" marT="50800" marB="50800" anchor="ctr" anchorCtr="0" horzOverflow="overflow"/>
+                </a:tc>
+                <a:tc>
+                  <a:txBody>
+                    <a:bodyPr/>
+                    <a:lstStyle/>
+                    <a:p>
+                      <a:pPr lvl="0" defTabSz="914400">
+                        <a:defRPr>
+                          <a:solidFill>
+                            <a:srgbClr val="000000"/>
+                          </a:solidFill>
+                        </a:defRPr>
+                      </a:pPr>
+                      <a:r>
+                        <a:rPr sz="2600">
+                          <a:solidFill>
+                            <a:srgbClr val="FFFFFF"/>
+                          </a:solidFill>
+                        </a:rPr>
+                        <a:t>NO</a:t>
+                      </a:r>
+                    </a:p>
+                  </a:txBody>
+                  <a:tcPr marL="50800" marR="50800" marT="50800" marB="50800" anchor="ctr" anchorCtr="0" horzOverflow="overflow"/>
+                </a:tc>
+                <a:tc>
+                  <a:txBody>
+                    <a:bodyPr/>
+                    <a:lstStyle/>
+                    <a:p>
+                      <a:pPr lvl="0" defTabSz="914400">
+                        <a:defRPr>
+                          <a:solidFill>
+                            <a:srgbClr val="000000"/>
+                          </a:solidFill>
+                        </a:defRPr>
+                      </a:pPr>
+                      <a:r>
+                        <a:rPr sz="2600">
+                          <a:solidFill>
+                            <a:srgbClr val="FFFFFF"/>
+                          </a:solidFill>
+                        </a:rPr>
+                        <a:t>YES</a:t>
+                      </a:r>
+                    </a:p>
+                  </a:txBody>
+                  <a:tcPr marL="50800" marR="50800" marT="50800" marB="50800" anchor="ctr" anchorCtr="0" horzOverflow="overflow"/>
+                </a:tc>
+                <a:tc>
+                  <a:txBody>
+                    <a:bodyPr/>
+                    <a:lstStyle/>
+                    <a:p>
+                      <a:pPr lvl="0" defTabSz="914400">
+                        <a:defRPr>
+                          <a:solidFill>
+                            <a:srgbClr val="000000"/>
+                          </a:solidFill>
+                        </a:defRPr>
+                      </a:pPr>
+                      <a:r>
+                        <a:rPr sz="2600">
+                          <a:solidFill>
+                            <a:srgbClr val="FFFFFF"/>
+                          </a:solidFill>
+                        </a:rPr>
+                        <a:t>Total</a:t>
+                      </a:r>
+                    </a:p>
+                  </a:txBody>
+                  <a:tcPr marL="50800" marR="50800" marT="50800" marB="50800" anchor="ctr" anchorCtr="0" horzOverflow="overflow"/>
+                </a:tc>
+              </a:tr>
+              <a:tr h="1254869">
+                <a:tc>
+                  <a:txBody>
+                    <a:bodyPr/>
+                    <a:lstStyle/>
+                    <a:p>
+                      <a:pPr lvl="0" defTabSz="914400">
+                        <a:defRPr>
+                          <a:solidFill>
+                            <a:srgbClr val="000000"/>
+                          </a:solidFill>
+                        </a:defRPr>
+                      </a:pPr>
+                      <a:r>
+                        <a:rPr sz="2600">
+                          <a:solidFill>
+                            <a:srgbClr val="FFFFFF"/>
+                          </a:solidFill>
+                        </a:rPr>
+                        <a:t>NO</a:t>
+                      </a:r>
+                    </a:p>
+                  </a:txBody>
+                  <a:tcPr marL="50800" marR="50800" marT="50800" marB="50800" anchor="ctr" anchorCtr="0" horzOverflow="overflow"/>
+                </a:tc>
+                <a:tc>
+                  <a:txBody>
+                    <a:bodyPr/>
+                    <a:lstStyle/>
+                    <a:p>
+                      <a:pPr lvl="0" defTabSz="914400">
+                        <a:defRPr>
+                          <a:solidFill>
+                            <a:srgbClr val="000000"/>
+                          </a:solidFill>
+                        </a:defRPr>
+                      </a:pPr>
+                      <a:r>
+                        <a:rPr sz="2600">
+                          <a:solidFill>
+                            <a:srgbClr val="414141"/>
+                          </a:solidFill>
+                        </a:rPr>
+                        <a:t>646</a:t>
+                      </a:r>
+                    </a:p>
+                  </a:txBody>
+                  <a:tcPr marL="50800" marR="50800" marT="50800" marB="50800" anchor="ctr" anchorCtr="0" horzOverflow="overflow"/>
+                </a:tc>
+                <a:tc>
+                  <a:txBody>
+                    <a:bodyPr/>
+                    <a:lstStyle/>
+                    <a:p>
+                      <a:pPr lvl="0" defTabSz="914400">
+                        <a:defRPr>
+                          <a:solidFill>
+                            <a:srgbClr val="000000"/>
+                          </a:solidFill>
+                        </a:defRPr>
+                      </a:pPr>
+                      <a:r>
+                        <a:rPr sz="2600">
+                          <a:solidFill>
+                            <a:srgbClr val="414141"/>
+                          </a:solidFill>
+                        </a:rPr>
+                        <a:t>8</a:t>
+                      </a:r>
+                    </a:p>
+                  </a:txBody>
+                  <a:tcPr marL="50800" marR="50800" marT="50800" marB="50800" anchor="ctr" anchorCtr="0" horzOverflow="overflow"/>
+                </a:tc>
+                <a:tc>
+                  <a:txBody>
+                    <a:bodyPr/>
+                    <a:lstStyle/>
+                    <a:p>
+                      <a:pPr lvl="0" defTabSz="914400">
+                        <a:defRPr>
+                          <a:solidFill>
+                            <a:srgbClr val="000000"/>
+                          </a:solidFill>
+                        </a:defRPr>
+                      </a:pPr>
+                      <a:r>
+                        <a:rPr sz="2600">
+                          <a:solidFill>
+                            <a:srgbClr val="414141"/>
+                          </a:solidFill>
+                        </a:rPr>
+                        <a:t>654</a:t>
+                      </a:r>
+                    </a:p>
+                  </a:txBody>
+                  <a:tcPr marL="50800" marR="50800" marT="50800" marB="50800" anchor="ctr" anchorCtr="0" horzOverflow="overflow">
+                    <a:lnR w="12700">
+                      <a:miter lim="400000"/>
+                    </a:lnR>
+                  </a:tcPr>
+                </a:tc>
+              </a:tr>
+              <a:tr h="1254869">
+                <a:tc>
+                  <a:txBody>
+                    <a:bodyPr/>
+                    <a:lstStyle/>
+                    <a:p>
+                      <a:pPr lvl="0" defTabSz="914400">
+                        <a:defRPr>
+                          <a:solidFill>
+                            <a:srgbClr val="000000"/>
+                          </a:solidFill>
+                        </a:defRPr>
+                      </a:pPr>
+                      <a:r>
+                        <a:rPr sz="2600">
+                          <a:solidFill>
+                            <a:srgbClr val="FFFFFF"/>
+                          </a:solidFill>
+                        </a:rPr>
+                        <a:t>YES</a:t>
+                      </a:r>
+                    </a:p>
+                  </a:txBody>
+                  <a:tcPr marL="50800" marR="50800" marT="50800" marB="50800" anchor="ctr" anchorCtr="0" horzOverflow="overflow"/>
+                </a:tc>
+                <a:tc>
+                  <a:txBody>
+                    <a:bodyPr/>
+                    <a:lstStyle/>
+                    <a:p>
+                      <a:pPr lvl="0" defTabSz="914400">
+                        <a:defRPr>
+                          <a:solidFill>
+                            <a:srgbClr val="000000"/>
+                          </a:solidFill>
+                        </a:defRPr>
+                      </a:pPr>
+                      <a:r>
+                        <a:rPr sz="2600">
+                          <a:solidFill>
+                            <a:srgbClr val="414141"/>
+                          </a:solidFill>
+                        </a:rPr>
+                        <a:t>55</a:t>
+                      </a:r>
+                    </a:p>
+                  </a:txBody>
+                  <a:tcPr marL="50800" marR="50800" marT="50800" marB="50800" anchor="ctr" anchorCtr="0" horzOverflow="overflow"/>
+                </a:tc>
+                <a:tc>
+                  <a:txBody>
+                    <a:bodyPr/>
+                    <a:lstStyle/>
+                    <a:p>
+                      <a:pPr lvl="0" defTabSz="914400">
+                        <a:defRPr>
+                          <a:solidFill>
+                            <a:srgbClr val="000000"/>
+                          </a:solidFill>
+                        </a:defRPr>
+                      </a:pPr>
+                      <a:r>
+                        <a:rPr sz="2600">
+                          <a:solidFill>
+                            <a:srgbClr val="414141"/>
+                          </a:solidFill>
+                        </a:rPr>
+                        <a:t>6</a:t>
+                      </a:r>
+                    </a:p>
+                  </a:txBody>
+                  <a:tcPr marL="50800" marR="50800" marT="50800" marB="50800" anchor="ctr" anchorCtr="0" horzOverflow="overflow"/>
+                </a:tc>
+                <a:tc>
+                  <a:txBody>
+                    <a:bodyPr/>
+                    <a:lstStyle/>
+                    <a:p>
+                      <a:pPr lvl="0" defTabSz="914400">
+                        <a:defRPr>
+                          <a:solidFill>
+                            <a:srgbClr val="000000"/>
+                          </a:solidFill>
+                        </a:defRPr>
+                      </a:pPr>
+                      <a:r>
+                        <a:rPr sz="2600">
+                          <a:solidFill>
+                            <a:srgbClr val="414141"/>
+                          </a:solidFill>
+                        </a:rPr>
+                        <a:t>61</a:t>
+                      </a:r>
+                    </a:p>
+                  </a:txBody>
+                  <a:tcPr marL="50800" marR="50800" marT="50800" marB="50800" anchor="ctr" anchorCtr="0" horzOverflow="overflow">
+                    <a:lnR w="12700">
+                      <a:miter lim="400000"/>
+                    </a:lnR>
+                  </a:tcPr>
+                </a:tc>
+              </a:tr>
+              <a:tr h="1254869">
+                <a:tc>
+                  <a:txBody>
+                    <a:bodyPr/>
+                    <a:lstStyle/>
+                    <a:p>
+                      <a:pPr lvl="0" defTabSz="914400">
+                        <a:defRPr>
+                          <a:solidFill>
+                            <a:srgbClr val="000000"/>
+                          </a:solidFill>
+                        </a:defRPr>
+                      </a:pPr>
+                      <a:r>
+                        <a:rPr sz="2600">
+                          <a:solidFill>
+                            <a:srgbClr val="FFFFFF"/>
+                          </a:solidFill>
+                        </a:rPr>
+                        <a:t>Total</a:t>
+                      </a:r>
+                    </a:p>
+                  </a:txBody>
+                  <a:tcPr marL="50800" marR="50800" marT="50800" marB="50800" anchor="ctr" anchorCtr="0" horzOverflow="overflow"/>
+                </a:tc>
+                <a:tc>
+                  <a:txBody>
+                    <a:bodyPr/>
+                    <a:lstStyle/>
+                    <a:p>
+                      <a:pPr lvl="0" defTabSz="914400">
+                        <a:defRPr>
+                          <a:solidFill>
+                            <a:srgbClr val="000000"/>
+                          </a:solidFill>
+                        </a:defRPr>
+                      </a:pPr>
+                      <a:r>
+                        <a:rPr sz="2600">
+                          <a:solidFill>
+                            <a:srgbClr val="414141"/>
+                          </a:solidFill>
+                        </a:rPr>
+                        <a:t>701</a:t>
+                      </a:r>
+                    </a:p>
+                  </a:txBody>
+                  <a:tcPr marL="50800" marR="50800" marT="50800" marB="50800" anchor="ctr" anchorCtr="0" horzOverflow="overflow">
+                    <a:lnB w="12700">
+                      <a:miter lim="400000"/>
+                    </a:lnB>
+                  </a:tcPr>
+                </a:tc>
+                <a:tc>
+                  <a:txBody>
+                    <a:bodyPr/>
+                    <a:lstStyle/>
+                    <a:p>
+                      <a:pPr lvl="0" defTabSz="914400">
+                        <a:defRPr>
+                          <a:solidFill>
+                            <a:srgbClr val="000000"/>
+                          </a:solidFill>
+                        </a:defRPr>
+                      </a:pPr>
+                      <a:r>
+                        <a:rPr sz="2600">
+                          <a:solidFill>
+                            <a:srgbClr val="414141"/>
+                          </a:solidFill>
+                        </a:rPr>
+                        <a:t>14</a:t>
+                      </a:r>
+                    </a:p>
+                  </a:txBody>
+                  <a:tcPr marL="50800" marR="50800" marT="50800" marB="50800" anchor="ctr" anchorCtr="0" horzOverflow="overflow">
+                    <a:lnB w="12700">
+                      <a:miter lim="400000"/>
+                    </a:lnB>
+                  </a:tcPr>
+                </a:tc>
+                <a:tc>
+                  <a:txBody>
+                    <a:bodyPr/>
+                    <a:lstStyle/>
+                    <a:p>
+                      <a:pPr lvl="0" defTabSz="914400">
+                        <a:defRPr>
+                          <a:solidFill>
+                            <a:srgbClr val="000000"/>
+                          </a:solidFill>
+                        </a:defRPr>
+                      </a:pPr>
+                      <a:r>
+                        <a:rPr sz="2600">
+                          <a:solidFill>
+                            <a:srgbClr val="414141"/>
+                          </a:solidFill>
+                        </a:rPr>
+                        <a:t>715</a:t>
+                      </a:r>
+                    </a:p>
+                  </a:txBody>
+                  <a:tcPr marL="50800" marR="50800" marT="50800" marB="50800" anchor="ctr" anchorCtr="0" horzOverflow="overflow">
+                    <a:lnR w="12700">
+                      <a:miter lim="400000"/>
+                    </a:lnR>
+                    <a:lnB w="12700">
+                      <a:miter lim="400000"/>
+                    </a:lnB>
+                  </a:tcPr>
+                </a:tc>
+              </a:tr>
+            </a:tbl>
+          </a:graphicData>
+        </a:graphic>
+      </p:graphicFrame>
+      <p:sp>
+        <p:nvSpPr>
+          <p:cNvPr id="102" name="Shape 102"/>
+          <p:cNvSpPr/>
+          <p:nvPr/>
+        </p:nvSpPr>
+        <p:spPr>
+          <a:xfrm>
+            <a:off x="5734496" y="2374599"/>
+            <a:ext cx="3172273" cy="520409"/>
+          </a:xfrm>
+          <a:prstGeom prst="rect">
+            <a:avLst/>
+          </a:prstGeom>
+          <a:ln w="12700">
+            <a:miter lim="400000"/>
+          </a:ln>
+          <a:extLst>
+            <a:ext uri="{C572A759-6A51-4108-AA02-DFA0A04FC94B}">
+              <ma14:wrappingTextBoxFlag xmlns:ma14="http://schemas.microsoft.com/office/mac/drawingml/2011/main" val="1"/>
+            </a:ext>
+          </a:extLst>
+        </p:spPr>
+        <p:txBody>
+          <a:bodyPr lIns="50800" tIns="50800" rIns="50800" bIns="50800" anchor="ctr">
+            <a:spAutoFit/>
+          </a:bodyPr>
+          <a:lstStyle/>
+          <a:p>
+            <a:pPr lvl="0">
+              <a:defRPr sz="1800">
+                <a:solidFill>
+                  <a:srgbClr val="000000"/>
+                </a:solidFill>
+              </a:defRPr>
+            </a:pPr>
+            <a:r>
+              <a:rPr sz="2400">
+                <a:solidFill>
+                  <a:srgbClr val="414141"/>
+                </a:solidFill>
+              </a:rPr>
+              <a:t>실제 데이터 값</a:t>
+            </a:r>
+          </a:p>
+        </p:txBody>
+      </p:sp>
+      <p:sp>
+        <p:nvSpPr>
+          <p:cNvPr id="103" name="Shape 103"/>
+          <p:cNvSpPr/>
+          <p:nvPr/>
+        </p:nvSpPr>
+        <p:spPr>
+          <a:xfrm rot="16200000">
+            <a:off x="2712342" y="5950923"/>
+            <a:ext cx="2093716" cy="520410"/>
+          </a:xfrm>
+          <a:prstGeom prst="rect">
+            <a:avLst/>
+          </a:prstGeom>
+          <a:ln w="12700">
+            <a:miter lim="400000"/>
+          </a:ln>
+          <a:extLst>
+            <a:ext uri="{C572A759-6A51-4108-AA02-DFA0A04FC94B}">
+              <ma14:wrappingTextBoxFlag xmlns:ma14="http://schemas.microsoft.com/office/mac/drawingml/2011/main" val="1"/>
+            </a:ext>
+          </a:extLst>
+        </p:spPr>
+        <p:txBody>
+          <a:bodyPr wrap="none" lIns="50800" tIns="50800" rIns="50800" bIns="50800" anchor="ctr">
+            <a:spAutoFit/>
+          </a:bodyPr>
+          <a:lstStyle/>
+          <a:p>
+            <a:pPr lvl="0">
+              <a:defRPr sz="1800">
+                <a:solidFill>
+                  <a:srgbClr val="000000"/>
+                </a:solidFill>
+              </a:defRPr>
+            </a:pPr>
+            <a:r>
+              <a:rPr sz="2400">
+                <a:solidFill>
+                  <a:srgbClr val="414141"/>
+                </a:solidFill>
+              </a:rPr>
+              <a:t>예측 데이터 값</a:t>
+            </a:r>
+          </a:p>
+        </p:txBody>
+      </p:sp>
+    </p:spTree>
+  </p:cSld>
+  <p:clrMapOvr>
+    <a:masterClrMapping/>
+  </p:clrMapOvr>
+  <p:transition spd="med" advClick="1"/>
+</p:sld>
+</file>
+
+<file path=ppt/slides/slide18.xml><?xml version="1.0" encoding="utf-8"?>
+<p:sld xmlns:a="http://schemas.openxmlformats.org/drawingml/2006/main" xmlns:r="http://schemas.openxmlformats.org/officeDocument/2006/relationships" xmlns:p="http://schemas.openxmlformats.org/presentationml/2006/main" showMasterSp="1" showMasterPhAnim="1">
+  <p:cSld>
+    <p:spTree>
+      <p:nvGrpSpPr>
+        <p:cNvPr id="1" name=""/>
+        <p:cNvGrpSpPr/>
+        <p:nvPr/>
+      </p:nvGrpSpPr>
+      <p:grpSpPr>
+        <a:xfrm>
+          <a:off x="0" y="0"/>
+          <a:ext cx="0" cy="0"/>
+          <a:chOff x="0" y="0"/>
+          <a:chExt cx="0" cy="0"/>
+        </a:xfrm>
+      </p:grpSpPr>
+      <p:sp>
+        <p:nvSpPr>
+          <p:cNvPr id="105" name="Shape 105"/>
+          <p:cNvSpPr/>
+          <p:nvPr>
+            <p:ph type="title"/>
+          </p:nvPr>
+        </p:nvSpPr>
+        <p:spPr>
+          <a:prstGeom prst="rect">
+            <a:avLst/>
+          </a:prstGeom>
+        </p:spPr>
+        <p:txBody>
+          <a:bodyPr/>
+          <a:lstStyle/>
+          <a:p>
+            <a:pPr lvl="0" algn="l" defTabSz="578358">
+              <a:spcBef>
+                <a:spcPts val="1500"/>
+              </a:spcBef>
+              <a:defRPr sz="1800">
+                <a:solidFill>
+                  <a:srgbClr val="000000"/>
+                </a:solidFill>
+              </a:defRPr>
+            </a:pPr>
+            <a:r>
+              <a:rPr sz="6930">
+                <a:solidFill>
+                  <a:srgbClr val="D93E2B"/>
+                </a:solidFill>
+              </a:rPr>
+              <a:t>분류 방법 비교</a:t>
+            </a:r>
+            <a:r>
+              <a:rPr sz="6930">
+                <a:solidFill>
+                  <a:srgbClr val="D93E2B"/>
+                </a:solidFill>
+                <a:latin typeface="Bodoni SvtyTwo ITC TT-Bold"/>
+                <a:ea typeface="Bodoni SvtyTwo ITC TT-Bold"/>
+                <a:cs typeface="Bodoni SvtyTwo ITC TT-Bold"/>
+                <a:sym typeface="Bodoni SvtyTwo ITC TT-Bold"/>
+              </a:rPr>
+              <a:t>:</a:t>
+            </a:r>
+            <a:r>
+              <a:rPr sz="6930">
+                <a:solidFill>
+                  <a:srgbClr val="D93E2B"/>
+                </a:solidFill>
+              </a:rPr>
+              <a:t> </a:t>
+            </a:r>
+            <a:r>
+              <a:rPr sz="5940">
+                <a:solidFill>
+                  <a:srgbClr val="D93E2B"/>
+                </a:solidFill>
+                <a:latin typeface="Bodoni SvtyTwo ITC TT-BookIta"/>
+                <a:ea typeface="Bodoni SvtyTwo ITC TT-BookIta"/>
+                <a:cs typeface="Bodoni SvtyTwo ITC TT-BookIta"/>
+                <a:sym typeface="Bodoni SvtyTwo ITC TT-BookIta"/>
+              </a:rPr>
+              <a:t>LDA</a:t>
+            </a:r>
+          </a:p>
+        </p:txBody>
+      </p:sp>
+      <p:sp>
+        <p:nvSpPr>
+          <p:cNvPr id="106" name="Shape 106"/>
+          <p:cNvSpPr/>
+          <p:nvPr>
+            <p:ph type="body" idx="1"/>
+          </p:nvPr>
+        </p:nvSpPr>
+        <p:spPr>
+          <a:xfrm>
+            <a:off x="4037359" y="8183184"/>
+            <a:ext cx="5765355" cy="1072931"/>
+          </a:xfrm>
+          <a:prstGeom prst="rect">
+            <a:avLst/>
+          </a:prstGeom>
+        </p:spPr>
+        <p:txBody>
+          <a:bodyPr/>
+          <a:lstStyle/>
+          <a:p>
+            <a:pPr lvl="0">
+              <a:defRPr sz="1800">
+                <a:solidFill>
+                  <a:srgbClr val="000000"/>
+                </a:solidFill>
+              </a:defRPr>
+            </a:pPr>
+            <a:r>
+              <a:rPr sz="3600">
+                <a:solidFill>
+                  <a:srgbClr val="414141"/>
+                </a:solidFill>
+              </a:rPr>
+              <a:t>Error rate = 0.05174825</a:t>
+            </a:r>
+          </a:p>
+        </p:txBody>
+      </p:sp>
+      <p:graphicFrame>
+        <p:nvGraphicFramePr>
+          <p:cNvPr id="107" name="Table 107"/>
+          <p:cNvGraphicFramePr/>
+          <p:nvPr/>
+        </p:nvGraphicFramePr>
+        <p:xfrm>
+          <a:off x="4271516" y="3091557"/>
+          <a:ext cx="4927402" cy="5019477"/>
+        </p:xfrm>
+        <a:graphic xmlns:a="http://schemas.openxmlformats.org/drawingml/2006/main">
+          <a:graphicData uri="http://schemas.openxmlformats.org/drawingml/2006/table">
+            <a:tbl>
+              <a:tblPr firstCol="1" firstRow="1" lastCol="0" lastRow="0" bandCol="0" bandRow="0" rtl="0">
+                <a:tableStyleId>{33BA23B1-9221-436E-865A-0063620EA4FD}</a:tableStyleId>
+              </a:tblPr>
+              <a:tblGrid>
+                <a:gridCol w="1231850"/>
+                <a:gridCol w="1231850"/>
+                <a:gridCol w="1231850"/>
+                <a:gridCol w="1231850"/>
+              </a:tblGrid>
+              <a:tr h="1254869">
+                <a:tc>
+                  <a:txBody>
+                    <a:bodyPr/>
+                    <a:lstStyle/>
+                    <a:p>
+                      <a:pPr lvl="0" defTabSz="914400">
+                        <a:defRPr sz="2600"/>
+                      </a:pPr>
+                    </a:p>
+                  </a:txBody>
+                  <a:tcPr marL="50800" marR="50800" marT="50800" marB="50800" anchor="ctr" anchorCtr="0" horzOverflow="overflow"/>
+                </a:tc>
+                <a:tc>
+                  <a:txBody>
+                    <a:bodyPr/>
+                    <a:lstStyle/>
+                    <a:p>
+                      <a:pPr lvl="0" defTabSz="914400">
+                        <a:defRPr>
+                          <a:solidFill>
+                            <a:srgbClr val="000000"/>
+                          </a:solidFill>
+                        </a:defRPr>
+                      </a:pPr>
+                      <a:r>
+                        <a:rPr sz="2600">
+                          <a:solidFill>
+                            <a:srgbClr val="FFFFFF"/>
+                          </a:solidFill>
+                        </a:rPr>
+                        <a:t>NO</a:t>
+                      </a:r>
+                    </a:p>
+                  </a:txBody>
+                  <a:tcPr marL="50800" marR="50800" marT="50800" marB="50800" anchor="ctr" anchorCtr="0" horzOverflow="overflow"/>
+                </a:tc>
+                <a:tc>
+                  <a:txBody>
+                    <a:bodyPr/>
+                    <a:lstStyle/>
+                    <a:p>
+                      <a:pPr lvl="0" defTabSz="914400">
+                        <a:defRPr>
+                          <a:solidFill>
+                            <a:srgbClr val="000000"/>
+                          </a:solidFill>
+                        </a:defRPr>
+                      </a:pPr>
+                      <a:r>
+                        <a:rPr sz="2600">
+                          <a:solidFill>
+                            <a:srgbClr val="FFFFFF"/>
+                          </a:solidFill>
+                        </a:rPr>
+                        <a:t>YES</a:t>
+                      </a:r>
+                    </a:p>
+                  </a:txBody>
+                  <a:tcPr marL="50800" marR="50800" marT="50800" marB="50800" anchor="ctr" anchorCtr="0" horzOverflow="overflow"/>
+                </a:tc>
+                <a:tc>
+                  <a:txBody>
+                    <a:bodyPr/>
+                    <a:lstStyle/>
+                    <a:p>
+                      <a:pPr lvl="0" defTabSz="914400">
+                        <a:defRPr>
+                          <a:solidFill>
+                            <a:srgbClr val="000000"/>
+                          </a:solidFill>
+                        </a:defRPr>
+                      </a:pPr>
+                      <a:r>
+                        <a:rPr sz="2600">
+                          <a:solidFill>
+                            <a:srgbClr val="FFFFFF"/>
+                          </a:solidFill>
+                        </a:rPr>
+                        <a:t>Total</a:t>
+                      </a:r>
+                    </a:p>
+                  </a:txBody>
+                  <a:tcPr marL="50800" marR="50800" marT="50800" marB="50800" anchor="ctr" anchorCtr="0" horzOverflow="overflow"/>
+                </a:tc>
+              </a:tr>
+              <a:tr h="1254869">
+                <a:tc>
+                  <a:txBody>
+                    <a:bodyPr/>
+                    <a:lstStyle/>
+                    <a:p>
+                      <a:pPr lvl="0" defTabSz="914400">
+                        <a:defRPr>
+                          <a:solidFill>
+                            <a:srgbClr val="000000"/>
+                          </a:solidFill>
+                        </a:defRPr>
+                      </a:pPr>
+                      <a:r>
+                        <a:rPr sz="2600">
+                          <a:solidFill>
+                            <a:srgbClr val="FFFFFF"/>
+                          </a:solidFill>
+                        </a:rPr>
+                        <a:t>NO</a:t>
+                      </a:r>
+                    </a:p>
+                  </a:txBody>
+                  <a:tcPr marL="50800" marR="50800" marT="50800" marB="50800" anchor="ctr" anchorCtr="0" horzOverflow="overflow"/>
+                </a:tc>
+                <a:tc>
+                  <a:txBody>
+                    <a:bodyPr/>
+                    <a:lstStyle/>
+                    <a:p>
+                      <a:pPr lvl="0" defTabSz="914400">
+                        <a:defRPr>
+                          <a:solidFill>
+                            <a:srgbClr val="000000"/>
+                          </a:solidFill>
+                        </a:defRPr>
+                      </a:pPr>
+                      <a:r>
+                        <a:rPr sz="2600">
+                          <a:solidFill>
+                            <a:srgbClr val="414141"/>
+                          </a:solidFill>
+                        </a:rPr>
+                        <a:t>676</a:t>
+                      </a:r>
+                    </a:p>
+                  </a:txBody>
+                  <a:tcPr marL="50800" marR="50800" marT="50800" marB="50800" anchor="ctr" anchorCtr="0" horzOverflow="overflow"/>
+                </a:tc>
+                <a:tc>
+                  <a:txBody>
+                    <a:bodyPr/>
+                    <a:lstStyle/>
+                    <a:p>
+                      <a:pPr lvl="0" defTabSz="914400">
+                        <a:defRPr>
+                          <a:solidFill>
+                            <a:srgbClr val="000000"/>
+                          </a:solidFill>
+                        </a:defRPr>
+                      </a:pPr>
+                      <a:r>
+                        <a:rPr sz="2600">
+                          <a:solidFill>
+                            <a:srgbClr val="414141"/>
+                          </a:solidFill>
+                        </a:rPr>
+                        <a:t>12</a:t>
+                      </a:r>
+                    </a:p>
+                  </a:txBody>
+                  <a:tcPr marL="50800" marR="50800" marT="50800" marB="50800" anchor="ctr" anchorCtr="0" horzOverflow="overflow"/>
+                </a:tc>
+                <a:tc>
+                  <a:txBody>
+                    <a:bodyPr/>
+                    <a:lstStyle/>
+                    <a:p>
+                      <a:pPr lvl="0" defTabSz="914400">
+                        <a:defRPr>
+                          <a:solidFill>
+                            <a:srgbClr val="000000"/>
+                          </a:solidFill>
+                        </a:defRPr>
+                      </a:pPr>
+                      <a:r>
+                        <a:rPr sz="2600">
+                          <a:solidFill>
+                            <a:srgbClr val="414141"/>
+                          </a:solidFill>
+                        </a:rPr>
+                        <a:t>688</a:t>
+                      </a:r>
+                    </a:p>
+                  </a:txBody>
+                  <a:tcPr marL="50800" marR="50800" marT="50800" marB="50800" anchor="ctr" anchorCtr="0" horzOverflow="overflow">
+                    <a:lnR w="12700">
+                      <a:miter lim="400000"/>
+                    </a:lnR>
+                  </a:tcPr>
+                </a:tc>
+              </a:tr>
+              <a:tr h="1254869">
+                <a:tc>
+                  <a:txBody>
+                    <a:bodyPr/>
+                    <a:lstStyle/>
+                    <a:p>
+                      <a:pPr lvl="0" defTabSz="914400">
+                        <a:defRPr>
+                          <a:solidFill>
+                            <a:srgbClr val="000000"/>
+                          </a:solidFill>
+                        </a:defRPr>
+                      </a:pPr>
+                      <a:r>
+                        <a:rPr sz="2600">
+                          <a:solidFill>
+                            <a:srgbClr val="FFFFFF"/>
+                          </a:solidFill>
+                        </a:rPr>
+                        <a:t>YES</a:t>
+                      </a:r>
+                    </a:p>
+                  </a:txBody>
+                  <a:tcPr marL="50800" marR="50800" marT="50800" marB="50800" anchor="ctr" anchorCtr="0" horzOverflow="overflow"/>
+                </a:tc>
+                <a:tc>
+                  <a:txBody>
+                    <a:bodyPr/>
+                    <a:lstStyle/>
+                    <a:p>
+                      <a:pPr lvl="0" defTabSz="914400">
+                        <a:defRPr>
+                          <a:solidFill>
+                            <a:srgbClr val="000000"/>
+                          </a:solidFill>
+                        </a:defRPr>
+                      </a:pPr>
+                      <a:r>
+                        <a:rPr sz="2600">
+                          <a:solidFill>
+                            <a:srgbClr val="414141"/>
+                          </a:solidFill>
+                        </a:rPr>
+                        <a:t>25</a:t>
+                      </a:r>
+                    </a:p>
+                  </a:txBody>
+                  <a:tcPr marL="50800" marR="50800" marT="50800" marB="50800" anchor="ctr" anchorCtr="0" horzOverflow="overflow"/>
+                </a:tc>
+                <a:tc>
+                  <a:txBody>
+                    <a:bodyPr/>
+                    <a:lstStyle/>
+                    <a:p>
+                      <a:pPr lvl="0" defTabSz="914400">
+                        <a:defRPr>
+                          <a:solidFill>
+                            <a:srgbClr val="000000"/>
+                          </a:solidFill>
+                        </a:defRPr>
+                      </a:pPr>
+                      <a:r>
+                        <a:rPr sz="2600">
+                          <a:solidFill>
+                            <a:srgbClr val="414141"/>
+                          </a:solidFill>
+                        </a:rPr>
+                        <a:t>2</a:t>
+                      </a:r>
+                    </a:p>
+                  </a:txBody>
+                  <a:tcPr marL="50800" marR="50800" marT="50800" marB="50800" anchor="ctr" anchorCtr="0" horzOverflow="overflow"/>
+                </a:tc>
+                <a:tc>
+                  <a:txBody>
+                    <a:bodyPr/>
+                    <a:lstStyle/>
+                    <a:p>
+                      <a:pPr lvl="0" defTabSz="914400">
+                        <a:defRPr>
+                          <a:solidFill>
+                            <a:srgbClr val="000000"/>
+                          </a:solidFill>
+                        </a:defRPr>
+                      </a:pPr>
+                      <a:r>
+                        <a:rPr sz="2600">
+                          <a:solidFill>
+                            <a:srgbClr val="414141"/>
+                          </a:solidFill>
+                        </a:rPr>
+                        <a:t>27</a:t>
+                      </a:r>
+                    </a:p>
+                  </a:txBody>
+                  <a:tcPr marL="50800" marR="50800" marT="50800" marB="50800" anchor="ctr" anchorCtr="0" horzOverflow="overflow">
+                    <a:lnR w="12700">
+                      <a:miter lim="400000"/>
+                    </a:lnR>
+                  </a:tcPr>
+                </a:tc>
+              </a:tr>
+              <a:tr h="1254869">
+                <a:tc>
+                  <a:txBody>
+                    <a:bodyPr/>
+                    <a:lstStyle/>
+                    <a:p>
+                      <a:pPr lvl="0" defTabSz="914400">
+                        <a:defRPr>
+                          <a:solidFill>
+                            <a:srgbClr val="000000"/>
+                          </a:solidFill>
+                        </a:defRPr>
+                      </a:pPr>
+                      <a:r>
+                        <a:rPr sz="2600">
+                          <a:solidFill>
+                            <a:srgbClr val="FFFFFF"/>
+                          </a:solidFill>
+                        </a:rPr>
+                        <a:t>Total</a:t>
+                      </a:r>
+                    </a:p>
+                  </a:txBody>
+                  <a:tcPr marL="50800" marR="50800" marT="50800" marB="50800" anchor="ctr" anchorCtr="0" horzOverflow="overflow"/>
+                </a:tc>
+                <a:tc>
+                  <a:txBody>
+                    <a:bodyPr/>
+                    <a:lstStyle/>
+                    <a:p>
+                      <a:pPr lvl="0" defTabSz="914400">
+                        <a:defRPr>
+                          <a:solidFill>
+                            <a:srgbClr val="000000"/>
+                          </a:solidFill>
+                        </a:defRPr>
+                      </a:pPr>
+                      <a:r>
+                        <a:rPr sz="2600">
+                          <a:solidFill>
+                            <a:srgbClr val="414141"/>
+                          </a:solidFill>
+                        </a:rPr>
+                        <a:t>701</a:t>
+                      </a:r>
+                    </a:p>
+                  </a:txBody>
+                  <a:tcPr marL="50800" marR="50800" marT="50800" marB="50800" anchor="ctr" anchorCtr="0" horzOverflow="overflow">
+                    <a:lnB w="12700">
+                      <a:miter lim="400000"/>
+                    </a:lnB>
+                  </a:tcPr>
+                </a:tc>
+                <a:tc>
+                  <a:txBody>
+                    <a:bodyPr/>
+                    <a:lstStyle/>
+                    <a:p>
+                      <a:pPr lvl="0" defTabSz="914400">
+                        <a:defRPr>
+                          <a:solidFill>
+                            <a:srgbClr val="000000"/>
+                          </a:solidFill>
+                        </a:defRPr>
+                      </a:pPr>
+                      <a:r>
+                        <a:rPr sz="2600">
+                          <a:solidFill>
+                            <a:srgbClr val="414141"/>
+                          </a:solidFill>
+                        </a:rPr>
+                        <a:t>14</a:t>
+                      </a:r>
+                    </a:p>
+                  </a:txBody>
+                  <a:tcPr marL="50800" marR="50800" marT="50800" marB="50800" anchor="ctr" anchorCtr="0" horzOverflow="overflow">
+                    <a:lnB w="12700">
+                      <a:miter lim="400000"/>
+                    </a:lnB>
+                  </a:tcPr>
+                </a:tc>
+                <a:tc>
+                  <a:txBody>
+                    <a:bodyPr/>
+                    <a:lstStyle/>
+                    <a:p>
+                      <a:pPr lvl="0" defTabSz="914400">
+                        <a:defRPr>
+                          <a:solidFill>
+                            <a:srgbClr val="000000"/>
+                          </a:solidFill>
+                        </a:defRPr>
+                      </a:pPr>
+                      <a:r>
+                        <a:rPr sz="2600">
+                          <a:solidFill>
+                            <a:srgbClr val="414141"/>
+                          </a:solidFill>
+                        </a:rPr>
+                        <a:t>715</a:t>
+                      </a:r>
+                    </a:p>
+                  </a:txBody>
+                  <a:tcPr marL="50800" marR="50800" marT="50800" marB="50800" anchor="ctr" anchorCtr="0" horzOverflow="overflow">
+                    <a:lnR w="12700">
+                      <a:miter lim="400000"/>
+                    </a:lnR>
+                    <a:lnB w="12700">
+                      <a:miter lim="400000"/>
+                    </a:lnB>
+                  </a:tcPr>
+                </a:tc>
+              </a:tr>
+            </a:tbl>
+          </a:graphicData>
+        </a:graphic>
+      </p:graphicFrame>
+      <p:sp>
+        <p:nvSpPr>
+          <p:cNvPr id="108" name="Shape 108"/>
+          <p:cNvSpPr/>
+          <p:nvPr/>
+        </p:nvSpPr>
+        <p:spPr>
+          <a:xfrm>
+            <a:off x="5734496" y="2374599"/>
+            <a:ext cx="3172273" cy="520409"/>
+          </a:xfrm>
+          <a:prstGeom prst="rect">
+            <a:avLst/>
+          </a:prstGeom>
+          <a:ln w="12700">
+            <a:miter lim="400000"/>
+          </a:ln>
+          <a:extLst>
+            <a:ext uri="{C572A759-6A51-4108-AA02-DFA0A04FC94B}">
+              <ma14:wrappingTextBoxFlag xmlns:ma14="http://schemas.microsoft.com/office/mac/drawingml/2011/main" val="1"/>
+            </a:ext>
+          </a:extLst>
+        </p:spPr>
+        <p:txBody>
+          <a:bodyPr lIns="50800" tIns="50800" rIns="50800" bIns="50800" anchor="ctr">
+            <a:spAutoFit/>
+          </a:bodyPr>
+          <a:lstStyle/>
+          <a:p>
+            <a:pPr lvl="0">
+              <a:defRPr sz="1800">
+                <a:solidFill>
+                  <a:srgbClr val="000000"/>
+                </a:solidFill>
+              </a:defRPr>
+            </a:pPr>
+            <a:r>
+              <a:rPr sz="2400">
+                <a:solidFill>
+                  <a:srgbClr val="414141"/>
+                </a:solidFill>
+              </a:rPr>
+              <a:t>실제 데이터 값</a:t>
+            </a:r>
+          </a:p>
+        </p:txBody>
+      </p:sp>
+      <p:sp>
+        <p:nvSpPr>
+          <p:cNvPr id="109" name="Shape 109"/>
+          <p:cNvSpPr/>
+          <p:nvPr/>
+        </p:nvSpPr>
+        <p:spPr>
+          <a:xfrm rot="16200000">
+            <a:off x="2712342" y="5950923"/>
+            <a:ext cx="2093716" cy="520410"/>
+          </a:xfrm>
+          <a:prstGeom prst="rect">
+            <a:avLst/>
+          </a:prstGeom>
+          <a:ln w="12700">
+            <a:miter lim="400000"/>
+          </a:ln>
+          <a:extLst>
+            <a:ext uri="{C572A759-6A51-4108-AA02-DFA0A04FC94B}">
+              <ma14:wrappingTextBoxFlag xmlns:ma14="http://schemas.microsoft.com/office/mac/drawingml/2011/main" val="1"/>
+            </a:ext>
+          </a:extLst>
+        </p:spPr>
+        <p:txBody>
+          <a:bodyPr wrap="none" lIns="50800" tIns="50800" rIns="50800" bIns="50800" anchor="ctr">
+            <a:spAutoFit/>
+          </a:bodyPr>
+          <a:lstStyle/>
+          <a:p>
+            <a:pPr lvl="0">
+              <a:defRPr sz="1800">
+                <a:solidFill>
+                  <a:srgbClr val="000000"/>
+                </a:solidFill>
+              </a:defRPr>
+            </a:pPr>
+            <a:r>
+              <a:rPr sz="2400">
+                <a:solidFill>
+                  <a:srgbClr val="414141"/>
+                </a:solidFill>
+              </a:rPr>
+              <a:t>예측 데이터 값</a:t>
+            </a:r>
+          </a:p>
+        </p:txBody>
+      </p:sp>
+    </p:spTree>
+  </p:cSld>
+  <p:clrMapOvr>
+    <a:masterClrMapping/>
+  </p:clrMapOvr>
+  <p:transition spd="med" advClick="1"/>
+</p:sld>
+</file>
+
+<file path=ppt/slides/slide19.xml><?xml version="1.0" encoding="utf-8"?>
+<p:sld xmlns:a="http://schemas.openxmlformats.org/drawingml/2006/main" xmlns:r="http://schemas.openxmlformats.org/officeDocument/2006/relationships" xmlns:p="http://schemas.openxmlformats.org/presentationml/2006/main" showMasterSp="1" showMasterPhAnim="1">
+  <p:cSld>
+    <p:spTree>
+      <p:nvGrpSpPr>
+        <p:cNvPr id="1" name=""/>
+        <p:cNvGrpSpPr/>
+        <p:nvPr/>
+      </p:nvGrpSpPr>
+      <p:grpSpPr>
+        <a:xfrm>
+          <a:off x="0" y="0"/>
+          <a:ext cx="0" cy="0"/>
+          <a:chOff x="0" y="0"/>
+          <a:chExt cx="0" cy="0"/>
+        </a:xfrm>
+      </p:grpSpPr>
+      <p:sp>
+        <p:nvSpPr>
+          <p:cNvPr id="111" name="Shape 111"/>
+          <p:cNvSpPr/>
+          <p:nvPr>
+            <p:ph type="title"/>
+          </p:nvPr>
+        </p:nvSpPr>
+        <p:spPr>
+          <a:prstGeom prst="rect">
+            <a:avLst/>
+          </a:prstGeom>
+        </p:spPr>
+        <p:txBody>
+          <a:bodyPr/>
+          <a:lstStyle/>
+          <a:p>
+            <a:pPr lvl="0" algn="l" defTabSz="578358">
+              <a:spcBef>
+                <a:spcPts val="1500"/>
+              </a:spcBef>
+              <a:defRPr sz="1800">
+                <a:solidFill>
+                  <a:srgbClr val="000000"/>
+                </a:solidFill>
+              </a:defRPr>
+            </a:pPr>
+            <a:r>
+              <a:rPr sz="6930">
+                <a:solidFill>
+                  <a:srgbClr val="D93E2B"/>
+                </a:solidFill>
+              </a:rPr>
+              <a:t>분류 방법 비교</a:t>
+            </a:r>
+            <a:r>
+              <a:rPr sz="6930">
+                <a:solidFill>
+                  <a:srgbClr val="D93E2B"/>
+                </a:solidFill>
+                <a:latin typeface="Bodoni SvtyTwo ITC TT-Bold"/>
+                <a:ea typeface="Bodoni SvtyTwo ITC TT-Bold"/>
+                <a:cs typeface="Bodoni SvtyTwo ITC TT-Bold"/>
+                <a:sym typeface="Bodoni SvtyTwo ITC TT-Bold"/>
+              </a:rPr>
+              <a:t>:</a:t>
+            </a:r>
+            <a:r>
+              <a:rPr sz="6930">
+                <a:solidFill>
+                  <a:srgbClr val="D93E2B"/>
+                </a:solidFill>
+              </a:rPr>
+              <a:t> </a:t>
+            </a:r>
+            <a:r>
+              <a:rPr sz="5940">
+                <a:solidFill>
+                  <a:srgbClr val="D93E2B"/>
+                </a:solidFill>
+                <a:latin typeface="Bodoni SvtyTwo ITC TT-BookIta"/>
+                <a:ea typeface="Bodoni SvtyTwo ITC TT-BookIta"/>
+                <a:cs typeface="Bodoni SvtyTwo ITC TT-BookIta"/>
+                <a:sym typeface="Bodoni SvtyTwo ITC TT-BookIta"/>
+              </a:rPr>
+              <a:t>QDA</a:t>
+            </a:r>
+          </a:p>
+        </p:txBody>
+      </p:sp>
+      <p:sp>
+        <p:nvSpPr>
+          <p:cNvPr id="112" name="Shape 112"/>
+          <p:cNvSpPr/>
+          <p:nvPr>
+            <p:ph type="body" idx="1"/>
+          </p:nvPr>
+        </p:nvSpPr>
+        <p:spPr>
+          <a:xfrm>
+            <a:off x="4037359" y="8183184"/>
+            <a:ext cx="5765355" cy="1072931"/>
+          </a:xfrm>
+          <a:prstGeom prst="rect">
+            <a:avLst/>
+          </a:prstGeom>
+        </p:spPr>
+        <p:txBody>
+          <a:bodyPr/>
+          <a:lstStyle/>
+          <a:p>
+            <a:pPr lvl="0">
+              <a:defRPr sz="1800">
+                <a:solidFill>
+                  <a:srgbClr val="000000"/>
+                </a:solidFill>
+              </a:defRPr>
+            </a:pPr>
+            <a:r>
+              <a:rPr sz="3600">
+                <a:solidFill>
+                  <a:srgbClr val="414141"/>
+                </a:solidFill>
+              </a:rPr>
+              <a:t>Error rate = 0.07132867</a:t>
+            </a:r>
+          </a:p>
+        </p:txBody>
+      </p:sp>
+      <p:graphicFrame>
+        <p:nvGraphicFramePr>
+          <p:cNvPr id="113" name="Table 113"/>
+          <p:cNvGraphicFramePr/>
+          <p:nvPr/>
+        </p:nvGraphicFramePr>
+        <p:xfrm>
+          <a:off x="4271516" y="3091557"/>
+          <a:ext cx="4927402" cy="5019477"/>
+        </p:xfrm>
+        <a:graphic xmlns:a="http://schemas.openxmlformats.org/drawingml/2006/main">
+          <a:graphicData uri="http://schemas.openxmlformats.org/drawingml/2006/table">
+            <a:tbl>
+              <a:tblPr firstCol="1" firstRow="1" lastCol="0" lastRow="0" bandCol="0" bandRow="0" rtl="0">
+                <a:tableStyleId>{33BA23B1-9221-436E-865A-0063620EA4FD}</a:tableStyleId>
+              </a:tblPr>
+              <a:tblGrid>
+                <a:gridCol w="1231850"/>
+                <a:gridCol w="1231850"/>
+                <a:gridCol w="1231850"/>
+                <a:gridCol w="1231850"/>
+              </a:tblGrid>
+              <a:tr h="1254869">
+                <a:tc>
+                  <a:txBody>
+                    <a:bodyPr/>
+                    <a:lstStyle/>
+                    <a:p>
+                      <a:pPr lvl="0" defTabSz="914400">
+                        <a:defRPr sz="2600"/>
+                      </a:pPr>
+                    </a:p>
+                  </a:txBody>
+                  <a:tcPr marL="50800" marR="50800" marT="50800" marB="50800" anchor="ctr" anchorCtr="0" horzOverflow="overflow"/>
+                </a:tc>
+                <a:tc>
+                  <a:txBody>
+                    <a:bodyPr/>
+                    <a:lstStyle/>
+                    <a:p>
+                      <a:pPr lvl="0" defTabSz="914400">
+                        <a:defRPr>
+                          <a:solidFill>
+                            <a:srgbClr val="000000"/>
+                          </a:solidFill>
+                        </a:defRPr>
+                      </a:pPr>
+                      <a:r>
+                        <a:rPr sz="2600">
+                          <a:solidFill>
+                            <a:srgbClr val="FFFFFF"/>
+                          </a:solidFill>
+                        </a:rPr>
+                        <a:t>NO</a:t>
+                      </a:r>
+                    </a:p>
+                  </a:txBody>
+                  <a:tcPr marL="50800" marR="50800" marT="50800" marB="50800" anchor="ctr" anchorCtr="0" horzOverflow="overflow"/>
+                </a:tc>
+                <a:tc>
+                  <a:txBody>
+                    <a:bodyPr/>
+                    <a:lstStyle/>
+                    <a:p>
+                      <a:pPr lvl="0" defTabSz="914400">
+                        <a:defRPr>
+                          <a:solidFill>
+                            <a:srgbClr val="000000"/>
+                          </a:solidFill>
+                        </a:defRPr>
+                      </a:pPr>
+                      <a:r>
+                        <a:rPr sz="2600">
+                          <a:solidFill>
+                            <a:srgbClr val="FFFFFF"/>
+                          </a:solidFill>
+                        </a:rPr>
+                        <a:t>YES</a:t>
+                      </a:r>
+                    </a:p>
+                  </a:txBody>
+                  <a:tcPr marL="50800" marR="50800" marT="50800" marB="50800" anchor="ctr" anchorCtr="0" horzOverflow="overflow"/>
+                </a:tc>
+                <a:tc>
+                  <a:txBody>
+                    <a:bodyPr/>
+                    <a:lstStyle/>
+                    <a:p>
+                      <a:pPr lvl="0" defTabSz="914400">
+                        <a:defRPr>
+                          <a:solidFill>
+                            <a:srgbClr val="000000"/>
+                          </a:solidFill>
+                        </a:defRPr>
+                      </a:pPr>
+                      <a:r>
+                        <a:rPr sz="2600">
+                          <a:solidFill>
+                            <a:srgbClr val="FFFFFF"/>
+                          </a:solidFill>
+                        </a:rPr>
+                        <a:t>Total</a:t>
+                      </a:r>
+                    </a:p>
+                  </a:txBody>
+                  <a:tcPr marL="50800" marR="50800" marT="50800" marB="50800" anchor="ctr" anchorCtr="0" horzOverflow="overflow"/>
+                </a:tc>
+              </a:tr>
+              <a:tr h="1254869">
+                <a:tc>
+                  <a:txBody>
+                    <a:bodyPr/>
+                    <a:lstStyle/>
+                    <a:p>
+                      <a:pPr lvl="0" defTabSz="914400">
+                        <a:defRPr>
+                          <a:solidFill>
+                            <a:srgbClr val="000000"/>
+                          </a:solidFill>
+                        </a:defRPr>
+                      </a:pPr>
+                      <a:r>
+                        <a:rPr sz="2600">
+                          <a:solidFill>
+                            <a:srgbClr val="FFFFFF"/>
+                          </a:solidFill>
+                        </a:rPr>
+                        <a:t>NO</a:t>
+                      </a:r>
+                    </a:p>
+                  </a:txBody>
+                  <a:tcPr marL="50800" marR="50800" marT="50800" marB="50800" anchor="ctr" anchorCtr="0" horzOverflow="overflow"/>
+                </a:tc>
+                <a:tc>
+                  <a:txBody>
+                    <a:bodyPr/>
+                    <a:lstStyle/>
+                    <a:p>
+                      <a:pPr lvl="0" defTabSz="914400">
+                        <a:defRPr>
+                          <a:solidFill>
+                            <a:srgbClr val="000000"/>
+                          </a:solidFill>
+                        </a:defRPr>
+                      </a:pPr>
+                      <a:r>
+                        <a:rPr sz="2600">
+                          <a:solidFill>
+                            <a:srgbClr val="414141"/>
+                          </a:solidFill>
+                        </a:rPr>
+                        <a:t>660</a:t>
+                      </a:r>
+                    </a:p>
+                  </a:txBody>
+                  <a:tcPr marL="50800" marR="50800" marT="50800" marB="50800" anchor="ctr" anchorCtr="0" horzOverflow="overflow"/>
+                </a:tc>
+                <a:tc>
+                  <a:txBody>
+                    <a:bodyPr/>
+                    <a:lstStyle/>
+                    <a:p>
+                      <a:pPr lvl="0" defTabSz="914400">
+                        <a:defRPr>
+                          <a:solidFill>
+                            <a:srgbClr val="000000"/>
+                          </a:solidFill>
+                        </a:defRPr>
+                      </a:pPr>
+                      <a:r>
+                        <a:rPr sz="2600">
+                          <a:solidFill>
+                            <a:srgbClr val="414141"/>
+                          </a:solidFill>
+                        </a:rPr>
+                        <a:t>10</a:t>
+                      </a:r>
+                    </a:p>
+                  </a:txBody>
+                  <a:tcPr marL="50800" marR="50800" marT="50800" marB="50800" anchor="ctr" anchorCtr="0" horzOverflow="overflow"/>
+                </a:tc>
+                <a:tc>
+                  <a:txBody>
+                    <a:bodyPr/>
+                    <a:lstStyle/>
+                    <a:p>
+                      <a:pPr lvl="0" defTabSz="914400">
+                        <a:defRPr>
+                          <a:solidFill>
+                            <a:srgbClr val="000000"/>
+                          </a:solidFill>
+                        </a:defRPr>
+                      </a:pPr>
+                      <a:r>
+                        <a:rPr sz="2600">
+                          <a:solidFill>
+                            <a:srgbClr val="414141"/>
+                          </a:solidFill>
+                        </a:rPr>
+                        <a:t>670</a:t>
+                      </a:r>
+                    </a:p>
+                  </a:txBody>
+                  <a:tcPr marL="50800" marR="50800" marT="50800" marB="50800" anchor="ctr" anchorCtr="0" horzOverflow="overflow">
+                    <a:lnR w="12700">
+                      <a:miter lim="400000"/>
+                    </a:lnR>
+                  </a:tcPr>
+                </a:tc>
+              </a:tr>
+              <a:tr h="1254869">
+                <a:tc>
+                  <a:txBody>
+                    <a:bodyPr/>
+                    <a:lstStyle/>
+                    <a:p>
+                      <a:pPr lvl="0" defTabSz="914400">
+                        <a:defRPr>
+                          <a:solidFill>
+                            <a:srgbClr val="000000"/>
+                          </a:solidFill>
+                        </a:defRPr>
+                      </a:pPr>
+                      <a:r>
+                        <a:rPr sz="2600">
+                          <a:solidFill>
+                            <a:srgbClr val="FFFFFF"/>
+                          </a:solidFill>
+                        </a:rPr>
+                        <a:t>YES</a:t>
+                      </a:r>
+                    </a:p>
+                  </a:txBody>
+                  <a:tcPr marL="50800" marR="50800" marT="50800" marB="50800" anchor="ctr" anchorCtr="0" horzOverflow="overflow"/>
+                </a:tc>
+                <a:tc>
+                  <a:txBody>
+                    <a:bodyPr/>
+                    <a:lstStyle/>
+                    <a:p>
+                      <a:pPr lvl="0" defTabSz="914400">
+                        <a:defRPr>
+                          <a:solidFill>
+                            <a:srgbClr val="000000"/>
+                          </a:solidFill>
+                        </a:defRPr>
+                      </a:pPr>
+                      <a:r>
+                        <a:rPr sz="2600">
+                          <a:solidFill>
+                            <a:srgbClr val="414141"/>
+                          </a:solidFill>
+                        </a:rPr>
+                        <a:t>41</a:t>
+                      </a:r>
+                    </a:p>
+                  </a:txBody>
+                  <a:tcPr marL="50800" marR="50800" marT="50800" marB="50800" anchor="ctr" anchorCtr="0" horzOverflow="overflow"/>
+                </a:tc>
+                <a:tc>
+                  <a:txBody>
+                    <a:bodyPr/>
+                    <a:lstStyle/>
+                    <a:p>
+                      <a:pPr lvl="0" defTabSz="914400">
+                        <a:defRPr>
+                          <a:solidFill>
+                            <a:srgbClr val="000000"/>
+                          </a:solidFill>
+                        </a:defRPr>
+                      </a:pPr>
+                      <a:r>
+                        <a:rPr sz="2600">
+                          <a:solidFill>
+                            <a:srgbClr val="414141"/>
+                          </a:solidFill>
+                        </a:rPr>
+                        <a:t>4</a:t>
+                      </a:r>
+                    </a:p>
+                  </a:txBody>
+                  <a:tcPr marL="50800" marR="50800" marT="50800" marB="50800" anchor="ctr" anchorCtr="0" horzOverflow="overflow"/>
+                </a:tc>
+                <a:tc>
+                  <a:txBody>
+                    <a:bodyPr/>
+                    <a:lstStyle/>
+                    <a:p>
+                      <a:pPr lvl="0" defTabSz="914400">
+                        <a:defRPr>
+                          <a:solidFill>
+                            <a:srgbClr val="000000"/>
+                          </a:solidFill>
+                        </a:defRPr>
+                      </a:pPr>
+                      <a:r>
+                        <a:rPr sz="2600">
+                          <a:solidFill>
+                            <a:srgbClr val="414141"/>
+                          </a:solidFill>
+                        </a:rPr>
+                        <a:t>45</a:t>
+                      </a:r>
+                    </a:p>
+                  </a:txBody>
+                  <a:tcPr marL="50800" marR="50800" marT="50800" marB="50800" anchor="ctr" anchorCtr="0" horzOverflow="overflow">
+                    <a:lnR w="12700">
+                      <a:miter lim="400000"/>
+                    </a:lnR>
+                  </a:tcPr>
+                </a:tc>
+              </a:tr>
+              <a:tr h="1254869">
+                <a:tc>
+                  <a:txBody>
+                    <a:bodyPr/>
+                    <a:lstStyle/>
+                    <a:p>
+                      <a:pPr lvl="0" defTabSz="914400">
+                        <a:defRPr>
+                          <a:solidFill>
+                            <a:srgbClr val="000000"/>
+                          </a:solidFill>
+                        </a:defRPr>
+                      </a:pPr>
+                      <a:r>
+                        <a:rPr sz="2600">
+                          <a:solidFill>
+                            <a:srgbClr val="FFFFFF"/>
+                          </a:solidFill>
+                        </a:rPr>
+                        <a:t>Total</a:t>
+                      </a:r>
+                    </a:p>
+                  </a:txBody>
+                  <a:tcPr marL="50800" marR="50800" marT="50800" marB="50800" anchor="ctr" anchorCtr="0" horzOverflow="overflow"/>
+                </a:tc>
+                <a:tc>
+                  <a:txBody>
+                    <a:bodyPr/>
+                    <a:lstStyle/>
+                    <a:p>
+                      <a:pPr lvl="0" defTabSz="914400">
+                        <a:defRPr>
+                          <a:solidFill>
+                            <a:srgbClr val="000000"/>
+                          </a:solidFill>
+                        </a:defRPr>
+                      </a:pPr>
+                      <a:r>
+                        <a:rPr sz="2600">
+                          <a:solidFill>
+                            <a:srgbClr val="414141"/>
+                          </a:solidFill>
+                        </a:rPr>
+                        <a:t>701</a:t>
+                      </a:r>
+                    </a:p>
+                  </a:txBody>
+                  <a:tcPr marL="50800" marR="50800" marT="50800" marB="50800" anchor="ctr" anchorCtr="0" horzOverflow="overflow">
+                    <a:lnB w="12700">
+                      <a:miter lim="400000"/>
+                    </a:lnB>
+                  </a:tcPr>
+                </a:tc>
+                <a:tc>
+                  <a:txBody>
+                    <a:bodyPr/>
+                    <a:lstStyle/>
+                    <a:p>
+                      <a:pPr lvl="0" defTabSz="914400">
+                        <a:defRPr>
+                          <a:solidFill>
+                            <a:srgbClr val="000000"/>
+                          </a:solidFill>
+                        </a:defRPr>
+                      </a:pPr>
+                      <a:r>
+                        <a:rPr sz="2600">
+                          <a:solidFill>
+                            <a:srgbClr val="414141"/>
+                          </a:solidFill>
+                        </a:rPr>
+                        <a:t>14</a:t>
+                      </a:r>
+                    </a:p>
+                  </a:txBody>
+                  <a:tcPr marL="50800" marR="50800" marT="50800" marB="50800" anchor="ctr" anchorCtr="0" horzOverflow="overflow">
+                    <a:lnB w="12700">
+                      <a:miter lim="400000"/>
+                    </a:lnB>
+                  </a:tcPr>
+                </a:tc>
+                <a:tc>
+                  <a:txBody>
+                    <a:bodyPr/>
+                    <a:lstStyle/>
+                    <a:p>
+                      <a:pPr lvl="0" defTabSz="914400">
+                        <a:defRPr>
+                          <a:solidFill>
+                            <a:srgbClr val="000000"/>
+                          </a:solidFill>
+                        </a:defRPr>
+                      </a:pPr>
+                      <a:r>
+                        <a:rPr sz="2600">
+                          <a:solidFill>
+                            <a:srgbClr val="414141"/>
+                          </a:solidFill>
+                        </a:rPr>
+                        <a:t>715</a:t>
+                      </a:r>
+                    </a:p>
+                  </a:txBody>
+                  <a:tcPr marL="50800" marR="50800" marT="50800" marB="50800" anchor="ctr" anchorCtr="0" horzOverflow="overflow">
+                    <a:lnR w="12700">
+                      <a:miter lim="400000"/>
+                    </a:lnR>
+                    <a:lnB w="12700">
+                      <a:miter lim="400000"/>
+                    </a:lnB>
+                  </a:tcPr>
+                </a:tc>
+              </a:tr>
+            </a:tbl>
+          </a:graphicData>
+        </a:graphic>
+      </p:graphicFrame>
+      <p:sp>
+        <p:nvSpPr>
+          <p:cNvPr id="114" name="Shape 114"/>
+          <p:cNvSpPr/>
+          <p:nvPr/>
+        </p:nvSpPr>
+        <p:spPr>
+          <a:xfrm>
+            <a:off x="5734496" y="2374599"/>
+            <a:ext cx="3172273" cy="520409"/>
+          </a:xfrm>
+          <a:prstGeom prst="rect">
+            <a:avLst/>
+          </a:prstGeom>
+          <a:ln w="12700">
+            <a:miter lim="400000"/>
+          </a:ln>
+          <a:extLst>
+            <a:ext uri="{C572A759-6A51-4108-AA02-DFA0A04FC94B}">
+              <ma14:wrappingTextBoxFlag xmlns:ma14="http://schemas.microsoft.com/office/mac/drawingml/2011/main" val="1"/>
+            </a:ext>
+          </a:extLst>
+        </p:spPr>
+        <p:txBody>
+          <a:bodyPr lIns="50800" tIns="50800" rIns="50800" bIns="50800" anchor="ctr">
+            <a:spAutoFit/>
+          </a:bodyPr>
+          <a:lstStyle/>
+          <a:p>
+            <a:pPr lvl="0">
+              <a:defRPr sz="1800">
+                <a:solidFill>
+                  <a:srgbClr val="000000"/>
+                </a:solidFill>
+              </a:defRPr>
+            </a:pPr>
+            <a:r>
+              <a:rPr sz="2400">
+                <a:solidFill>
+                  <a:srgbClr val="414141"/>
+                </a:solidFill>
+              </a:rPr>
+              <a:t>실제 데이터 값</a:t>
+            </a:r>
+          </a:p>
+        </p:txBody>
+      </p:sp>
+      <p:sp>
+        <p:nvSpPr>
+          <p:cNvPr id="115" name="Shape 115"/>
+          <p:cNvSpPr/>
+          <p:nvPr/>
+        </p:nvSpPr>
+        <p:spPr>
+          <a:xfrm rot="16200000">
+            <a:off x="2712342" y="5950923"/>
+            <a:ext cx="2093716" cy="520410"/>
+          </a:xfrm>
+          <a:prstGeom prst="rect">
+            <a:avLst/>
+          </a:prstGeom>
+          <a:ln w="12700">
+            <a:miter lim="400000"/>
+          </a:ln>
+          <a:extLst>
+            <a:ext uri="{C572A759-6A51-4108-AA02-DFA0A04FC94B}">
+              <ma14:wrappingTextBoxFlag xmlns:ma14="http://schemas.microsoft.com/office/mac/drawingml/2011/main" val="1"/>
+            </a:ext>
+          </a:extLst>
+        </p:spPr>
+        <p:txBody>
+          <a:bodyPr wrap="none" lIns="50800" tIns="50800" rIns="50800" bIns="50800" anchor="ctr">
+            <a:spAutoFit/>
+          </a:bodyPr>
+          <a:lstStyle/>
+          <a:p>
+            <a:pPr lvl="0">
+              <a:defRPr sz="1800">
+                <a:solidFill>
+                  <a:srgbClr val="000000"/>
+                </a:solidFill>
+              </a:defRPr>
+            </a:pPr>
+            <a:r>
+              <a:rPr sz="2400">
+                <a:solidFill>
+                  <a:srgbClr val="414141"/>
+                </a:solidFill>
+              </a:rPr>
+              <a:t>예측 데이터 값</a:t>
+            </a:r>
+          </a:p>
+        </p:txBody>
+      </p:sp>
+    </p:spTree>
+  </p:cSld>
+  <p:clrMapOvr>
+    <a:masterClrMapping/>
+  </p:clrMapOvr>
+  <p:transition spd="med" advClick="1"/>
+</p:sld>
+</file>
+
 <file path=ppt/slides/slide2.xml><?xml version="1.0" encoding="utf-8"?>
 <p:sld xmlns:a="http://schemas.openxmlformats.org/drawingml/2006/main" xmlns:r="http://schemas.openxmlformats.org/officeDocument/2006/relationships" xmlns:p="http://schemas.openxmlformats.org/presentationml/2006/main" showMasterSp="1" showMasterPhAnim="1">
   <p:cSld>
@@ -3505,7 +7429,1386 @@
           <a:bodyPr/>
           <a:lstStyle/>
           <a:p>
-            <a:pPr lvl="0"/>
+            <a:pPr lvl="0">
+              <a:defRPr sz="1800">
+                <a:solidFill>
+                  <a:srgbClr val="000000"/>
+                </a:solidFill>
+              </a:defRPr>
+            </a:pPr>
+            <a:r>
+              <a:rPr sz="3600">
+                <a:solidFill>
+                  <a:srgbClr val="414141"/>
+                </a:solidFill>
+              </a:rPr>
+              <a:t>기업별 재무제표와 상태정보 데이터를 분석</a:t>
+            </a:r>
+            <a:endParaRPr sz="3600">
+              <a:solidFill>
+                <a:srgbClr val="414141"/>
+              </a:solidFill>
+            </a:endParaRPr>
+          </a:p>
+          <a:p>
+            <a:pPr lvl="0">
+              <a:defRPr sz="1800">
+                <a:solidFill>
+                  <a:srgbClr val="000000"/>
+                </a:solidFill>
+              </a:defRPr>
+            </a:pPr>
+            <a:r>
+              <a:rPr sz="3600">
+                <a:solidFill>
+                  <a:srgbClr val="414141"/>
+                </a:solidFill>
+              </a:rPr>
+              <a:t>기업별 재무제표 상태로 부도 가능성 예측</a:t>
+            </a:r>
+            <a:endParaRPr sz="3600">
+              <a:solidFill>
+                <a:srgbClr val="414141"/>
+              </a:solidFill>
+            </a:endParaRPr>
+          </a:p>
+          <a:p>
+            <a:pPr lvl="0">
+              <a:defRPr sz="1800">
+                <a:solidFill>
+                  <a:srgbClr val="000000"/>
+                </a:solidFill>
+              </a:defRPr>
+            </a:pPr>
+            <a:r>
+              <a:rPr sz="3300">
+                <a:solidFill>
+                  <a:srgbClr val="414141"/>
+                </a:solidFill>
+              </a:rPr>
+              <a:t>Logistic, LDA, QDA, KNN 중 가장 예측을 잘하는 방법 비교</a:t>
+            </a:r>
+          </a:p>
+        </p:txBody>
+      </p:sp>
+    </p:spTree>
+  </p:cSld>
+  <p:clrMapOvr>
+    <a:masterClrMapping/>
+  </p:clrMapOvr>
+  <p:transition spd="med" advClick="1"/>
+</p:sld>
+</file>
+
+<file path=ppt/slides/slide20.xml><?xml version="1.0" encoding="utf-8"?>
+<p:sld xmlns:a="http://schemas.openxmlformats.org/drawingml/2006/main" xmlns:r="http://schemas.openxmlformats.org/officeDocument/2006/relationships" xmlns:p="http://schemas.openxmlformats.org/presentationml/2006/main" showMasterSp="1" showMasterPhAnim="1">
+  <p:cSld>
+    <p:spTree>
+      <p:nvGrpSpPr>
+        <p:cNvPr id="1" name=""/>
+        <p:cNvGrpSpPr/>
+        <p:nvPr/>
+      </p:nvGrpSpPr>
+      <p:grpSpPr>
+        <a:xfrm>
+          <a:off x="0" y="0"/>
+          <a:ext cx="0" cy="0"/>
+          <a:chOff x="0" y="0"/>
+          <a:chExt cx="0" cy="0"/>
+        </a:xfrm>
+      </p:grpSpPr>
+      <p:sp>
+        <p:nvSpPr>
+          <p:cNvPr id="117" name="Shape 117"/>
+          <p:cNvSpPr/>
+          <p:nvPr>
+            <p:ph type="title"/>
+          </p:nvPr>
+        </p:nvSpPr>
+        <p:spPr>
+          <a:prstGeom prst="rect">
+            <a:avLst/>
+          </a:prstGeom>
+        </p:spPr>
+        <p:txBody>
+          <a:bodyPr/>
+          <a:lstStyle/>
+          <a:p>
+            <a:pPr lvl="0" algn="l" defTabSz="578358">
+              <a:spcBef>
+                <a:spcPts val="1500"/>
+              </a:spcBef>
+              <a:defRPr sz="1800">
+                <a:solidFill>
+                  <a:srgbClr val="000000"/>
+                </a:solidFill>
+              </a:defRPr>
+            </a:pPr>
+            <a:r>
+              <a:rPr sz="6930">
+                <a:solidFill>
+                  <a:srgbClr val="D93E2B"/>
+                </a:solidFill>
+              </a:rPr>
+              <a:t>분류 방법 비교</a:t>
+            </a:r>
+            <a:r>
+              <a:rPr sz="6930">
+                <a:solidFill>
+                  <a:srgbClr val="D93E2B"/>
+                </a:solidFill>
+                <a:latin typeface="Bodoni SvtyTwo ITC TT-Bold"/>
+                <a:ea typeface="Bodoni SvtyTwo ITC TT-Bold"/>
+                <a:cs typeface="Bodoni SvtyTwo ITC TT-Bold"/>
+                <a:sym typeface="Bodoni SvtyTwo ITC TT-Bold"/>
+              </a:rPr>
+              <a:t>:</a:t>
+            </a:r>
+            <a:r>
+              <a:rPr sz="6930">
+                <a:solidFill>
+                  <a:srgbClr val="D93E2B"/>
+                </a:solidFill>
+              </a:rPr>
+              <a:t> </a:t>
+            </a:r>
+            <a:r>
+              <a:rPr sz="5940">
+                <a:solidFill>
+                  <a:srgbClr val="D93E2B"/>
+                </a:solidFill>
+                <a:latin typeface="Bodoni SvtyTwo ITC TT-BookIta"/>
+                <a:ea typeface="Bodoni SvtyTwo ITC TT-BookIta"/>
+                <a:cs typeface="Bodoni SvtyTwo ITC TT-BookIta"/>
+                <a:sym typeface="Bodoni SvtyTwo ITC TT-BookIta"/>
+              </a:rPr>
+              <a:t>KNN</a:t>
+            </a:r>
+          </a:p>
+        </p:txBody>
+      </p:sp>
+      <p:pic>
+        <p:nvPicPr>
+          <p:cNvPr id="118" name="image10.png"/>
+          <p:cNvPicPr/>
+          <p:nvPr/>
+        </p:nvPicPr>
+        <p:blipFill>
+          <a:blip r:embed="rId2">
+            <a:extLst/>
+          </a:blip>
+          <a:stretch>
+            <a:fillRect/>
+          </a:stretch>
+        </p:blipFill>
+        <p:spPr>
+          <a:xfrm>
+            <a:off x="6416313" y="2950816"/>
+            <a:ext cx="6308353" cy="5102813"/>
+          </a:xfrm>
+          <a:prstGeom prst="rect">
+            <a:avLst/>
+          </a:prstGeom>
+          <a:ln w="12700">
+            <a:miter lim="400000"/>
+          </a:ln>
+        </p:spPr>
+      </p:pic>
+      <p:pic>
+        <p:nvPicPr>
+          <p:cNvPr id="119" name="image9.png"/>
+          <p:cNvPicPr/>
+          <p:nvPr/>
+        </p:nvPicPr>
+        <p:blipFill>
+          <a:blip r:embed="rId3">
+            <a:extLst/>
+          </a:blip>
+          <a:stretch>
+            <a:fillRect/>
+          </a:stretch>
+        </p:blipFill>
+        <p:spPr>
+          <a:xfrm>
+            <a:off x="127000" y="2976907"/>
+            <a:ext cx="6308353" cy="3968158"/>
+          </a:xfrm>
+          <a:prstGeom prst="rect">
+            <a:avLst/>
+          </a:prstGeom>
+          <a:ln w="12700">
+            <a:miter lim="400000"/>
+          </a:ln>
+        </p:spPr>
+      </p:pic>
+    </p:spTree>
+  </p:cSld>
+  <p:clrMapOvr>
+    <a:masterClrMapping/>
+  </p:clrMapOvr>
+  <p:transition spd="med" advClick="1"/>
+</p:sld>
+</file>
+
+<file path=ppt/slides/slide21.xml><?xml version="1.0" encoding="utf-8"?>
+<p:sld xmlns:a="http://schemas.openxmlformats.org/drawingml/2006/main" xmlns:r="http://schemas.openxmlformats.org/officeDocument/2006/relationships" xmlns:p="http://schemas.openxmlformats.org/presentationml/2006/main" showMasterSp="1" showMasterPhAnim="1">
+  <p:cSld>
+    <p:spTree>
+      <p:nvGrpSpPr>
+        <p:cNvPr id="1" name=""/>
+        <p:cNvGrpSpPr/>
+        <p:nvPr/>
+      </p:nvGrpSpPr>
+      <p:grpSpPr>
+        <a:xfrm>
+          <a:off x="0" y="0"/>
+          <a:ext cx="0" cy="0"/>
+          <a:chOff x="0" y="0"/>
+          <a:chExt cx="0" cy="0"/>
+        </a:xfrm>
+      </p:grpSpPr>
+      <p:sp>
+        <p:nvSpPr>
+          <p:cNvPr id="121" name="Shape 121"/>
+          <p:cNvSpPr/>
+          <p:nvPr>
+            <p:ph type="title"/>
+          </p:nvPr>
+        </p:nvSpPr>
+        <p:spPr>
+          <a:prstGeom prst="rect">
+            <a:avLst/>
+          </a:prstGeom>
+        </p:spPr>
+        <p:txBody>
+          <a:bodyPr/>
+          <a:lstStyle/>
+          <a:p>
+            <a:pPr lvl="0" algn="l" defTabSz="578358">
+              <a:spcBef>
+                <a:spcPts val="1500"/>
+              </a:spcBef>
+              <a:defRPr sz="1800">
+                <a:solidFill>
+                  <a:srgbClr val="000000"/>
+                </a:solidFill>
+              </a:defRPr>
+            </a:pPr>
+            <a:r>
+              <a:rPr sz="6930">
+                <a:solidFill>
+                  <a:srgbClr val="D93E2B"/>
+                </a:solidFill>
+              </a:rPr>
+              <a:t>분류 방법 비교</a:t>
+            </a:r>
+            <a:r>
+              <a:rPr sz="6930">
+                <a:solidFill>
+                  <a:srgbClr val="D93E2B"/>
+                </a:solidFill>
+                <a:latin typeface="Bodoni SvtyTwo ITC TT-Bold"/>
+                <a:ea typeface="Bodoni SvtyTwo ITC TT-Bold"/>
+                <a:cs typeface="Bodoni SvtyTwo ITC TT-Bold"/>
+                <a:sym typeface="Bodoni SvtyTwo ITC TT-Bold"/>
+              </a:rPr>
+              <a:t>:</a:t>
+            </a:r>
+            <a:r>
+              <a:rPr sz="6930">
+                <a:solidFill>
+                  <a:srgbClr val="D93E2B"/>
+                </a:solidFill>
+              </a:rPr>
+              <a:t> </a:t>
+            </a:r>
+            <a:r>
+              <a:rPr sz="5940">
+                <a:solidFill>
+                  <a:srgbClr val="D93E2B"/>
+                </a:solidFill>
+                <a:latin typeface="Bodoni SvtyTwo ITC TT-BookIta"/>
+                <a:ea typeface="Bodoni SvtyTwo ITC TT-BookIta"/>
+                <a:cs typeface="Bodoni SvtyTwo ITC TT-BookIta"/>
+                <a:sym typeface="Bodoni SvtyTwo ITC TT-BookIta"/>
+              </a:rPr>
+              <a:t>KNN</a:t>
+            </a:r>
+          </a:p>
+        </p:txBody>
+      </p:sp>
+      <p:sp>
+        <p:nvSpPr>
+          <p:cNvPr id="122" name="Shape 122"/>
+          <p:cNvSpPr/>
+          <p:nvPr>
+            <p:ph type="body" idx="1"/>
+          </p:nvPr>
+        </p:nvSpPr>
+        <p:spPr>
+          <a:xfrm>
+            <a:off x="4037359" y="8183184"/>
+            <a:ext cx="5765355" cy="1072931"/>
+          </a:xfrm>
+          <a:prstGeom prst="rect">
+            <a:avLst/>
+          </a:prstGeom>
+        </p:spPr>
+        <p:txBody>
+          <a:bodyPr/>
+          <a:lstStyle/>
+          <a:p>
+            <a:pPr lvl="0">
+              <a:defRPr sz="1800">
+                <a:solidFill>
+                  <a:srgbClr val="000000"/>
+                </a:solidFill>
+              </a:defRPr>
+            </a:pPr>
+            <a:r>
+              <a:rPr sz="3600">
+                <a:solidFill>
+                  <a:srgbClr val="414141"/>
+                </a:solidFill>
+              </a:rPr>
+              <a:t>Error rate = 0.01958042</a:t>
+            </a:r>
+          </a:p>
+        </p:txBody>
+      </p:sp>
+      <p:graphicFrame>
+        <p:nvGraphicFramePr>
+          <p:cNvPr id="123" name="Table 123"/>
+          <p:cNvGraphicFramePr/>
+          <p:nvPr/>
+        </p:nvGraphicFramePr>
+        <p:xfrm>
+          <a:off x="4271516" y="3091557"/>
+          <a:ext cx="4927402" cy="5019477"/>
+        </p:xfrm>
+        <a:graphic xmlns:a="http://schemas.openxmlformats.org/drawingml/2006/main">
+          <a:graphicData uri="http://schemas.openxmlformats.org/drawingml/2006/table">
+            <a:tbl>
+              <a:tblPr firstCol="1" firstRow="1" lastCol="0" lastRow="0" bandCol="0" bandRow="0" rtl="0">
+                <a:tableStyleId>{33BA23B1-9221-436E-865A-0063620EA4FD}</a:tableStyleId>
+              </a:tblPr>
+              <a:tblGrid>
+                <a:gridCol w="1231850"/>
+                <a:gridCol w="1231850"/>
+                <a:gridCol w="1231850"/>
+                <a:gridCol w="1231850"/>
+              </a:tblGrid>
+              <a:tr h="1254869">
+                <a:tc>
+                  <a:txBody>
+                    <a:bodyPr/>
+                    <a:lstStyle/>
+                    <a:p>
+                      <a:pPr lvl="0" defTabSz="914400">
+                        <a:defRPr sz="2600"/>
+                      </a:pPr>
+                    </a:p>
+                  </a:txBody>
+                  <a:tcPr marL="50800" marR="50800" marT="50800" marB="50800" anchor="ctr" anchorCtr="0" horzOverflow="overflow"/>
+                </a:tc>
+                <a:tc>
+                  <a:txBody>
+                    <a:bodyPr/>
+                    <a:lstStyle/>
+                    <a:p>
+                      <a:pPr lvl="0" defTabSz="914400">
+                        <a:defRPr>
+                          <a:solidFill>
+                            <a:srgbClr val="000000"/>
+                          </a:solidFill>
+                        </a:defRPr>
+                      </a:pPr>
+                      <a:r>
+                        <a:rPr sz="2600">
+                          <a:solidFill>
+                            <a:srgbClr val="FFFFFF"/>
+                          </a:solidFill>
+                        </a:rPr>
+                        <a:t>NO</a:t>
+                      </a:r>
+                    </a:p>
+                  </a:txBody>
+                  <a:tcPr marL="50800" marR="50800" marT="50800" marB="50800" anchor="ctr" anchorCtr="0" horzOverflow="overflow"/>
+                </a:tc>
+                <a:tc>
+                  <a:txBody>
+                    <a:bodyPr/>
+                    <a:lstStyle/>
+                    <a:p>
+                      <a:pPr lvl="0" defTabSz="914400">
+                        <a:defRPr>
+                          <a:solidFill>
+                            <a:srgbClr val="000000"/>
+                          </a:solidFill>
+                        </a:defRPr>
+                      </a:pPr>
+                      <a:r>
+                        <a:rPr sz="2600">
+                          <a:solidFill>
+                            <a:srgbClr val="FFFFFF"/>
+                          </a:solidFill>
+                        </a:rPr>
+                        <a:t>YES</a:t>
+                      </a:r>
+                    </a:p>
+                  </a:txBody>
+                  <a:tcPr marL="50800" marR="50800" marT="50800" marB="50800" anchor="ctr" anchorCtr="0" horzOverflow="overflow"/>
+                </a:tc>
+                <a:tc>
+                  <a:txBody>
+                    <a:bodyPr/>
+                    <a:lstStyle/>
+                    <a:p>
+                      <a:pPr lvl="0" defTabSz="914400">
+                        <a:defRPr>
+                          <a:solidFill>
+                            <a:srgbClr val="000000"/>
+                          </a:solidFill>
+                        </a:defRPr>
+                      </a:pPr>
+                      <a:r>
+                        <a:rPr sz="2600">
+                          <a:solidFill>
+                            <a:srgbClr val="FFFFFF"/>
+                          </a:solidFill>
+                        </a:rPr>
+                        <a:t>Total</a:t>
+                      </a:r>
+                    </a:p>
+                  </a:txBody>
+                  <a:tcPr marL="50800" marR="50800" marT="50800" marB="50800" anchor="ctr" anchorCtr="0" horzOverflow="overflow"/>
+                </a:tc>
+              </a:tr>
+              <a:tr h="1254869">
+                <a:tc>
+                  <a:txBody>
+                    <a:bodyPr/>
+                    <a:lstStyle/>
+                    <a:p>
+                      <a:pPr lvl="0" defTabSz="914400">
+                        <a:defRPr>
+                          <a:solidFill>
+                            <a:srgbClr val="000000"/>
+                          </a:solidFill>
+                        </a:defRPr>
+                      </a:pPr>
+                      <a:r>
+                        <a:rPr sz="2600">
+                          <a:solidFill>
+                            <a:srgbClr val="FFFFFF"/>
+                          </a:solidFill>
+                        </a:rPr>
+                        <a:t>NO</a:t>
+                      </a:r>
+                    </a:p>
+                  </a:txBody>
+                  <a:tcPr marL="50800" marR="50800" marT="50800" marB="50800" anchor="ctr" anchorCtr="0" horzOverflow="overflow"/>
+                </a:tc>
+                <a:tc>
+                  <a:txBody>
+                    <a:bodyPr/>
+                    <a:lstStyle/>
+                    <a:p>
+                      <a:pPr lvl="0" defTabSz="914400">
+                        <a:defRPr>
+                          <a:solidFill>
+                            <a:srgbClr val="000000"/>
+                          </a:solidFill>
+                        </a:defRPr>
+                      </a:pPr>
+                      <a:r>
+                        <a:rPr sz="2600">
+                          <a:solidFill>
+                            <a:srgbClr val="414141"/>
+                          </a:solidFill>
+                        </a:rPr>
+                        <a:t>701</a:t>
+                      </a:r>
+                    </a:p>
+                  </a:txBody>
+                  <a:tcPr marL="50800" marR="50800" marT="50800" marB="50800" anchor="ctr" anchorCtr="0" horzOverflow="overflow"/>
+                </a:tc>
+                <a:tc>
+                  <a:txBody>
+                    <a:bodyPr/>
+                    <a:lstStyle/>
+                    <a:p>
+                      <a:pPr lvl="0" defTabSz="914400">
+                        <a:defRPr>
+                          <a:solidFill>
+                            <a:srgbClr val="000000"/>
+                          </a:solidFill>
+                        </a:defRPr>
+                      </a:pPr>
+                      <a:r>
+                        <a:rPr sz="2600">
+                          <a:solidFill>
+                            <a:srgbClr val="414141"/>
+                          </a:solidFill>
+                        </a:rPr>
+                        <a:t>14</a:t>
+                      </a:r>
+                    </a:p>
+                  </a:txBody>
+                  <a:tcPr marL="50800" marR="50800" marT="50800" marB="50800" anchor="ctr" anchorCtr="0" horzOverflow="overflow"/>
+                </a:tc>
+                <a:tc>
+                  <a:txBody>
+                    <a:bodyPr/>
+                    <a:lstStyle/>
+                    <a:p>
+                      <a:pPr lvl="0" defTabSz="914400">
+                        <a:defRPr>
+                          <a:solidFill>
+                            <a:srgbClr val="000000"/>
+                          </a:solidFill>
+                        </a:defRPr>
+                      </a:pPr>
+                      <a:r>
+                        <a:rPr sz="2600">
+                          <a:solidFill>
+                            <a:srgbClr val="414141"/>
+                          </a:solidFill>
+                        </a:rPr>
+                        <a:t>715</a:t>
+                      </a:r>
+                    </a:p>
+                  </a:txBody>
+                  <a:tcPr marL="50800" marR="50800" marT="50800" marB="50800" anchor="ctr" anchorCtr="0" horzOverflow="overflow">
+                    <a:lnR w="12700">
+                      <a:miter lim="400000"/>
+                    </a:lnR>
+                  </a:tcPr>
+                </a:tc>
+              </a:tr>
+              <a:tr h="1254869">
+                <a:tc>
+                  <a:txBody>
+                    <a:bodyPr/>
+                    <a:lstStyle/>
+                    <a:p>
+                      <a:pPr lvl="0" defTabSz="914400">
+                        <a:defRPr>
+                          <a:solidFill>
+                            <a:srgbClr val="000000"/>
+                          </a:solidFill>
+                        </a:defRPr>
+                      </a:pPr>
+                      <a:r>
+                        <a:rPr sz="2600">
+                          <a:solidFill>
+                            <a:srgbClr val="FFFFFF"/>
+                          </a:solidFill>
+                        </a:rPr>
+                        <a:t>YES</a:t>
+                      </a:r>
+                    </a:p>
+                  </a:txBody>
+                  <a:tcPr marL="50800" marR="50800" marT="50800" marB="50800" anchor="ctr" anchorCtr="0" horzOverflow="overflow"/>
+                </a:tc>
+                <a:tc>
+                  <a:txBody>
+                    <a:bodyPr/>
+                    <a:lstStyle/>
+                    <a:p>
+                      <a:pPr lvl="0" defTabSz="914400">
+                        <a:defRPr>
+                          <a:solidFill>
+                            <a:srgbClr val="000000"/>
+                          </a:solidFill>
+                        </a:defRPr>
+                      </a:pPr>
+                      <a:r>
+                        <a:rPr sz="2600">
+                          <a:solidFill>
+                            <a:srgbClr val="414141"/>
+                          </a:solidFill>
+                        </a:rPr>
+                        <a:t>0</a:t>
+                      </a:r>
+                    </a:p>
+                  </a:txBody>
+                  <a:tcPr marL="50800" marR="50800" marT="50800" marB="50800" anchor="ctr" anchorCtr="0" horzOverflow="overflow"/>
+                </a:tc>
+                <a:tc>
+                  <a:txBody>
+                    <a:bodyPr/>
+                    <a:lstStyle/>
+                    <a:p>
+                      <a:pPr lvl="0" defTabSz="914400">
+                        <a:defRPr>
+                          <a:solidFill>
+                            <a:srgbClr val="000000"/>
+                          </a:solidFill>
+                        </a:defRPr>
+                      </a:pPr>
+                      <a:r>
+                        <a:rPr sz="2600">
+                          <a:solidFill>
+                            <a:srgbClr val="414141"/>
+                          </a:solidFill>
+                        </a:rPr>
+                        <a:t>0</a:t>
+                      </a:r>
+                    </a:p>
+                  </a:txBody>
+                  <a:tcPr marL="50800" marR="50800" marT="50800" marB="50800" anchor="ctr" anchorCtr="0" horzOverflow="overflow"/>
+                </a:tc>
+                <a:tc>
+                  <a:txBody>
+                    <a:bodyPr/>
+                    <a:lstStyle/>
+                    <a:p>
+                      <a:pPr lvl="0" defTabSz="914400">
+                        <a:defRPr>
+                          <a:solidFill>
+                            <a:srgbClr val="000000"/>
+                          </a:solidFill>
+                        </a:defRPr>
+                      </a:pPr>
+                      <a:r>
+                        <a:rPr sz="2600">
+                          <a:solidFill>
+                            <a:srgbClr val="414141"/>
+                          </a:solidFill>
+                        </a:rPr>
+                        <a:t>0</a:t>
+                      </a:r>
+                    </a:p>
+                  </a:txBody>
+                  <a:tcPr marL="50800" marR="50800" marT="50800" marB="50800" anchor="ctr" anchorCtr="0" horzOverflow="overflow">
+                    <a:lnR w="12700">
+                      <a:miter lim="400000"/>
+                    </a:lnR>
+                  </a:tcPr>
+                </a:tc>
+              </a:tr>
+              <a:tr h="1254869">
+                <a:tc>
+                  <a:txBody>
+                    <a:bodyPr/>
+                    <a:lstStyle/>
+                    <a:p>
+                      <a:pPr lvl="0" defTabSz="914400">
+                        <a:defRPr>
+                          <a:solidFill>
+                            <a:srgbClr val="000000"/>
+                          </a:solidFill>
+                        </a:defRPr>
+                      </a:pPr>
+                      <a:r>
+                        <a:rPr sz="2600">
+                          <a:solidFill>
+                            <a:srgbClr val="FFFFFF"/>
+                          </a:solidFill>
+                        </a:rPr>
+                        <a:t>Total</a:t>
+                      </a:r>
+                    </a:p>
+                  </a:txBody>
+                  <a:tcPr marL="50800" marR="50800" marT="50800" marB="50800" anchor="ctr" anchorCtr="0" horzOverflow="overflow"/>
+                </a:tc>
+                <a:tc>
+                  <a:txBody>
+                    <a:bodyPr/>
+                    <a:lstStyle/>
+                    <a:p>
+                      <a:pPr lvl="0" defTabSz="914400">
+                        <a:defRPr>
+                          <a:solidFill>
+                            <a:srgbClr val="000000"/>
+                          </a:solidFill>
+                        </a:defRPr>
+                      </a:pPr>
+                      <a:r>
+                        <a:rPr sz="2600">
+                          <a:solidFill>
+                            <a:srgbClr val="414141"/>
+                          </a:solidFill>
+                        </a:rPr>
+                        <a:t>701</a:t>
+                      </a:r>
+                    </a:p>
+                  </a:txBody>
+                  <a:tcPr marL="50800" marR="50800" marT="50800" marB="50800" anchor="ctr" anchorCtr="0" horzOverflow="overflow">
+                    <a:lnB w="12700">
+                      <a:miter lim="400000"/>
+                    </a:lnB>
+                  </a:tcPr>
+                </a:tc>
+                <a:tc>
+                  <a:txBody>
+                    <a:bodyPr/>
+                    <a:lstStyle/>
+                    <a:p>
+                      <a:pPr lvl="0" defTabSz="914400">
+                        <a:defRPr>
+                          <a:solidFill>
+                            <a:srgbClr val="000000"/>
+                          </a:solidFill>
+                        </a:defRPr>
+                      </a:pPr>
+                      <a:r>
+                        <a:rPr sz="2600">
+                          <a:solidFill>
+                            <a:srgbClr val="414141"/>
+                          </a:solidFill>
+                        </a:rPr>
+                        <a:t>14</a:t>
+                      </a:r>
+                    </a:p>
+                  </a:txBody>
+                  <a:tcPr marL="50800" marR="50800" marT="50800" marB="50800" anchor="ctr" anchorCtr="0" horzOverflow="overflow">
+                    <a:lnB w="12700">
+                      <a:miter lim="400000"/>
+                    </a:lnB>
+                  </a:tcPr>
+                </a:tc>
+                <a:tc>
+                  <a:txBody>
+                    <a:bodyPr/>
+                    <a:lstStyle/>
+                    <a:p>
+                      <a:pPr lvl="0" defTabSz="914400">
+                        <a:defRPr>
+                          <a:solidFill>
+                            <a:srgbClr val="000000"/>
+                          </a:solidFill>
+                        </a:defRPr>
+                      </a:pPr>
+                      <a:r>
+                        <a:rPr sz="2600">
+                          <a:solidFill>
+                            <a:srgbClr val="414141"/>
+                          </a:solidFill>
+                        </a:rPr>
+                        <a:t>715</a:t>
+                      </a:r>
+                    </a:p>
+                  </a:txBody>
+                  <a:tcPr marL="50800" marR="50800" marT="50800" marB="50800" anchor="ctr" anchorCtr="0" horzOverflow="overflow">
+                    <a:lnR w="12700">
+                      <a:miter lim="400000"/>
+                    </a:lnR>
+                    <a:lnB w="12700">
+                      <a:miter lim="400000"/>
+                    </a:lnB>
+                  </a:tcPr>
+                </a:tc>
+              </a:tr>
+            </a:tbl>
+          </a:graphicData>
+        </a:graphic>
+      </p:graphicFrame>
+      <p:sp>
+        <p:nvSpPr>
+          <p:cNvPr id="124" name="Shape 124"/>
+          <p:cNvSpPr/>
+          <p:nvPr/>
+        </p:nvSpPr>
+        <p:spPr>
+          <a:xfrm>
+            <a:off x="5734496" y="2374599"/>
+            <a:ext cx="3172273" cy="520409"/>
+          </a:xfrm>
+          <a:prstGeom prst="rect">
+            <a:avLst/>
+          </a:prstGeom>
+          <a:ln w="12700">
+            <a:miter lim="400000"/>
+          </a:ln>
+          <a:extLst>
+            <a:ext uri="{C572A759-6A51-4108-AA02-DFA0A04FC94B}">
+              <ma14:wrappingTextBoxFlag xmlns:ma14="http://schemas.microsoft.com/office/mac/drawingml/2011/main" val="1"/>
+            </a:ext>
+          </a:extLst>
+        </p:spPr>
+        <p:txBody>
+          <a:bodyPr lIns="50800" tIns="50800" rIns="50800" bIns="50800" anchor="ctr">
+            <a:spAutoFit/>
+          </a:bodyPr>
+          <a:lstStyle/>
+          <a:p>
+            <a:pPr lvl="0">
+              <a:defRPr sz="1800">
+                <a:solidFill>
+                  <a:srgbClr val="000000"/>
+                </a:solidFill>
+              </a:defRPr>
+            </a:pPr>
+            <a:r>
+              <a:rPr sz="2400">
+                <a:solidFill>
+                  <a:srgbClr val="414141"/>
+                </a:solidFill>
+              </a:rPr>
+              <a:t>실제 데이터 값</a:t>
+            </a:r>
+          </a:p>
+        </p:txBody>
+      </p:sp>
+      <p:sp>
+        <p:nvSpPr>
+          <p:cNvPr id="125" name="Shape 125"/>
+          <p:cNvSpPr/>
+          <p:nvPr/>
+        </p:nvSpPr>
+        <p:spPr>
+          <a:xfrm rot="16200000">
+            <a:off x="2712342" y="5950923"/>
+            <a:ext cx="2093716" cy="520410"/>
+          </a:xfrm>
+          <a:prstGeom prst="rect">
+            <a:avLst/>
+          </a:prstGeom>
+          <a:ln w="12700">
+            <a:miter lim="400000"/>
+          </a:ln>
+          <a:extLst>
+            <a:ext uri="{C572A759-6A51-4108-AA02-DFA0A04FC94B}">
+              <ma14:wrappingTextBoxFlag xmlns:ma14="http://schemas.microsoft.com/office/mac/drawingml/2011/main" val="1"/>
+            </a:ext>
+          </a:extLst>
+        </p:spPr>
+        <p:txBody>
+          <a:bodyPr wrap="none" lIns="50800" tIns="50800" rIns="50800" bIns="50800" anchor="ctr">
+            <a:spAutoFit/>
+          </a:bodyPr>
+          <a:lstStyle/>
+          <a:p>
+            <a:pPr lvl="0">
+              <a:defRPr sz="1800">
+                <a:solidFill>
+                  <a:srgbClr val="000000"/>
+                </a:solidFill>
+              </a:defRPr>
+            </a:pPr>
+            <a:r>
+              <a:rPr sz="2400">
+                <a:solidFill>
+                  <a:srgbClr val="414141"/>
+                </a:solidFill>
+              </a:rPr>
+              <a:t>예측 데이터 값</a:t>
+            </a:r>
+          </a:p>
+        </p:txBody>
+      </p:sp>
+    </p:spTree>
+  </p:cSld>
+  <p:clrMapOvr>
+    <a:masterClrMapping/>
+  </p:clrMapOvr>
+  <p:transition spd="med" advClick="1"/>
+</p:sld>
+</file>
+
+<file path=ppt/slides/slide22.xml><?xml version="1.0" encoding="utf-8"?>
+<p:sld xmlns:a="http://schemas.openxmlformats.org/drawingml/2006/main" xmlns:r="http://schemas.openxmlformats.org/officeDocument/2006/relationships" xmlns:p="http://schemas.openxmlformats.org/presentationml/2006/main" showMasterSp="1" showMasterPhAnim="1">
+  <p:cSld>
+    <p:spTree>
+      <p:nvGrpSpPr>
+        <p:cNvPr id="1" name=""/>
+        <p:cNvGrpSpPr/>
+        <p:nvPr/>
+      </p:nvGrpSpPr>
+      <p:grpSpPr>
+        <a:xfrm>
+          <a:off x="0" y="0"/>
+          <a:ext cx="0" cy="0"/>
+          <a:chOff x="0" y="0"/>
+          <a:chExt cx="0" cy="0"/>
+        </a:xfrm>
+      </p:grpSpPr>
+      <p:sp>
+        <p:nvSpPr>
+          <p:cNvPr id="127" name="Shape 127"/>
+          <p:cNvSpPr/>
+          <p:nvPr>
+            <p:ph type="title"/>
+          </p:nvPr>
+        </p:nvSpPr>
+        <p:spPr>
+          <a:prstGeom prst="rect">
+            <a:avLst/>
+          </a:prstGeom>
+        </p:spPr>
+        <p:txBody>
+          <a:bodyPr/>
+          <a:lstStyle/>
+          <a:p>
+            <a:pPr lvl="0" algn="l" defTabSz="578358">
+              <a:spcBef>
+                <a:spcPts val="1500"/>
+              </a:spcBef>
+              <a:defRPr sz="1800">
+                <a:solidFill>
+                  <a:srgbClr val="000000"/>
+                </a:solidFill>
+              </a:defRPr>
+            </a:pPr>
+            <a:r>
+              <a:rPr sz="6930">
+                <a:solidFill>
+                  <a:srgbClr val="D93E2B"/>
+                </a:solidFill>
+              </a:rPr>
+              <a:t>분류 방법 비교</a:t>
+            </a:r>
+            <a:r>
+              <a:rPr sz="6930">
+                <a:solidFill>
+                  <a:srgbClr val="D93E2B"/>
+                </a:solidFill>
+                <a:latin typeface="Bodoni SvtyTwo ITC TT-Bold"/>
+                <a:ea typeface="Bodoni SvtyTwo ITC TT-Bold"/>
+                <a:cs typeface="Bodoni SvtyTwo ITC TT-Bold"/>
+                <a:sym typeface="Bodoni SvtyTwo ITC TT-Bold"/>
+              </a:rPr>
+              <a:t>:</a:t>
+            </a:r>
+            <a:r>
+              <a:rPr sz="6930">
+                <a:solidFill>
+                  <a:srgbClr val="D93E2B"/>
+                </a:solidFill>
+              </a:rPr>
+              <a:t> </a:t>
+            </a:r>
+            <a:r>
+              <a:rPr sz="5940">
+                <a:solidFill>
+                  <a:srgbClr val="D93E2B"/>
+                </a:solidFill>
+                <a:latin typeface="Bodoni SvtyTwo ITC TT-BookIta"/>
+                <a:ea typeface="Bodoni SvtyTwo ITC TT-BookIta"/>
+                <a:cs typeface="Bodoni SvtyTwo ITC TT-BookIta"/>
+                <a:sym typeface="Bodoni SvtyTwo ITC TT-BookIta"/>
+              </a:rPr>
+              <a:t>최종 비교</a:t>
+            </a:r>
+          </a:p>
+        </p:txBody>
+      </p:sp>
+      <p:graphicFrame>
+        <p:nvGraphicFramePr>
+          <p:cNvPr id="128" name="Table 128"/>
+          <p:cNvGraphicFramePr/>
+          <p:nvPr/>
+        </p:nvGraphicFramePr>
+        <p:xfrm>
+          <a:off x="664818" y="2913820"/>
+          <a:ext cx="11646245" cy="2113148"/>
+        </p:xfrm>
+        <a:graphic xmlns:a="http://schemas.openxmlformats.org/drawingml/2006/main">
+          <a:graphicData uri="http://schemas.openxmlformats.org/drawingml/2006/table">
+            <a:tbl>
+              <a:tblPr firstCol="1" firstRow="1" lastCol="0" lastRow="0" bandCol="0" bandRow="0" rtl="0">
+                <a:tableStyleId>{33BA23B1-9221-436E-865A-0063620EA4FD}</a:tableStyleId>
+              </a:tblPr>
+              <a:tblGrid>
+                <a:gridCol w="2109378"/>
+                <a:gridCol w="2544039"/>
+                <a:gridCol w="2326709"/>
+                <a:gridCol w="2326709"/>
+                <a:gridCol w="2326709"/>
+              </a:tblGrid>
+              <a:tr h="661054">
+                <a:tc>
+                  <a:txBody>
+                    <a:bodyPr/>
+                    <a:lstStyle/>
+                    <a:p>
+                      <a:pPr lvl="0" defTabSz="914400">
+                        <a:defRPr>
+                          <a:solidFill>
+                            <a:srgbClr val="000000"/>
+                          </a:solidFill>
+                        </a:defRPr>
+                      </a:pPr>
+                      <a:r>
+                        <a:rPr sz="2600">
+                          <a:solidFill>
+                            <a:srgbClr val="FFFFFF"/>
+                          </a:solidFill>
+                        </a:rPr>
+                        <a:t/>
+                      </a:r>
+                    </a:p>
+                  </a:txBody>
+                  <a:tcPr marL="50800" marR="50800" marT="50800" marB="50800" anchor="ctr" anchorCtr="0" horzOverflow="overflow"/>
+                </a:tc>
+                <a:tc>
+                  <a:txBody>
+                    <a:bodyPr/>
+                    <a:lstStyle/>
+                    <a:p>
+                      <a:pPr lvl="0">
+                        <a:defRPr>
+                          <a:solidFill>
+                            <a:srgbClr val="000000"/>
+                          </a:solidFill>
+                        </a:defRPr>
+                      </a:pPr>
+                      <a:r>
+                        <a:rPr sz="2500">
+                          <a:solidFill>
+                            <a:srgbClr val="FFFFFF"/>
+                          </a:solidFill>
+                          <a:latin typeface="+mn-lt"/>
+                          <a:ea typeface="+mn-ea"/>
+                          <a:cs typeface="+mn-cs"/>
+                          <a:sym typeface="Bodoni SvtyTwo ITC TT-Book"/>
+                        </a:rPr>
+                        <a:t>Logistic regression</a:t>
+                      </a:r>
+                    </a:p>
+                  </a:txBody>
+                  <a:tcPr marL="50800" marR="50800" marT="50800" marB="50800" anchor="ctr" anchorCtr="0" horzOverflow="overflow"/>
+                </a:tc>
+                <a:tc>
+                  <a:txBody>
+                    <a:bodyPr/>
+                    <a:lstStyle/>
+                    <a:p>
+                      <a:pPr lvl="0">
+                        <a:defRPr>
+                          <a:solidFill>
+                            <a:srgbClr val="000000"/>
+                          </a:solidFill>
+                        </a:defRPr>
+                      </a:pPr>
+                      <a:r>
+                        <a:rPr sz="3200">
+                          <a:solidFill>
+                            <a:srgbClr val="FFFFFF"/>
+                          </a:solidFill>
+                          <a:latin typeface="+mn-lt"/>
+                          <a:ea typeface="+mn-ea"/>
+                          <a:cs typeface="+mn-cs"/>
+                          <a:sym typeface="Bodoni SvtyTwo ITC TT-Book"/>
+                        </a:rPr>
+                        <a:t>LDA</a:t>
+                      </a:r>
+                    </a:p>
+                  </a:txBody>
+                  <a:tcPr marL="50800" marR="50800" marT="50800" marB="50800" anchor="ctr" anchorCtr="0" horzOverflow="overflow"/>
+                </a:tc>
+                <a:tc>
+                  <a:txBody>
+                    <a:bodyPr/>
+                    <a:lstStyle/>
+                    <a:p>
+                      <a:pPr lvl="0">
+                        <a:defRPr>
+                          <a:solidFill>
+                            <a:srgbClr val="000000"/>
+                          </a:solidFill>
+                        </a:defRPr>
+                      </a:pPr>
+                      <a:r>
+                        <a:rPr sz="3200">
+                          <a:solidFill>
+                            <a:srgbClr val="FFFFFF"/>
+                          </a:solidFill>
+                          <a:latin typeface="+mn-lt"/>
+                          <a:ea typeface="+mn-ea"/>
+                          <a:cs typeface="+mn-cs"/>
+                          <a:sym typeface="Bodoni SvtyTwo ITC TT-Book"/>
+                        </a:rPr>
+                        <a:t>QDA</a:t>
+                      </a:r>
+                    </a:p>
+                  </a:txBody>
+                  <a:tcPr marL="50800" marR="50800" marT="50800" marB="50800" anchor="ctr" anchorCtr="0" horzOverflow="overflow"/>
+                </a:tc>
+                <a:tc>
+                  <a:txBody>
+                    <a:bodyPr/>
+                    <a:lstStyle/>
+                    <a:p>
+                      <a:pPr lvl="0">
+                        <a:defRPr>
+                          <a:solidFill>
+                            <a:srgbClr val="000000"/>
+                          </a:solidFill>
+                        </a:defRPr>
+                      </a:pPr>
+                      <a:r>
+                        <a:rPr sz="3200">
+                          <a:solidFill>
+                            <a:srgbClr val="FFFFFF"/>
+                          </a:solidFill>
+                          <a:latin typeface="+mn-lt"/>
+                          <a:ea typeface="+mn-ea"/>
+                          <a:cs typeface="+mn-cs"/>
+                          <a:sym typeface="Bodoni SvtyTwo ITC TT-Book"/>
+                        </a:rPr>
+                        <a:t>KNN</a:t>
+                      </a:r>
+                    </a:p>
+                  </a:txBody>
+                  <a:tcPr marL="50800" marR="50800" marT="50800" marB="50800" anchor="ctr" anchorCtr="0" horzOverflow="overflow"/>
+                </a:tc>
+              </a:tr>
+              <a:tr h="1439392">
+                <a:tc>
+                  <a:txBody>
+                    <a:bodyPr/>
+                    <a:lstStyle/>
+                    <a:p>
+                      <a:pPr lvl="0">
+                        <a:defRPr>
+                          <a:solidFill>
+                            <a:srgbClr val="000000"/>
+                          </a:solidFill>
+                        </a:defRPr>
+                      </a:pPr>
+                      <a:r>
+                        <a:rPr sz="3200">
+                          <a:solidFill>
+                            <a:srgbClr val="FFFFFF"/>
+                          </a:solidFill>
+                          <a:latin typeface="+mn-lt"/>
+                          <a:ea typeface="+mn-ea"/>
+                          <a:cs typeface="+mn-cs"/>
+                          <a:sym typeface="Bodoni SvtyTwo ITC TT-Book"/>
+                        </a:rPr>
+                        <a:t>Error Rate</a:t>
+                      </a:r>
+                    </a:p>
+                  </a:txBody>
+                  <a:tcPr marL="50800" marR="50800" marT="50800" marB="50800" anchor="ctr" anchorCtr="0" horzOverflow="overflow"/>
+                </a:tc>
+                <a:tc>
+                  <a:txBody>
+                    <a:bodyPr/>
+                    <a:lstStyle/>
+                    <a:p>
+                      <a:pPr lvl="0">
+                        <a:defRPr>
+                          <a:solidFill>
+                            <a:srgbClr val="000000"/>
+                          </a:solidFill>
+                        </a:defRPr>
+                      </a:pPr>
+                      <a:r>
+                        <a:rPr sz="3200">
+                          <a:solidFill>
+                            <a:srgbClr val="414141"/>
+                          </a:solidFill>
+                          <a:latin typeface="+mn-lt"/>
+                          <a:ea typeface="+mn-ea"/>
+                          <a:cs typeface="+mn-cs"/>
+                          <a:sym typeface="Bodoni SvtyTwo ITC TT-Book"/>
+                        </a:rPr>
+                        <a:t>0.08811189</a:t>
+                      </a:r>
+                    </a:p>
+                  </a:txBody>
+                  <a:tcPr marL="50800" marR="50800" marT="50800" marB="50800" anchor="ctr" anchorCtr="0" horzOverflow="overflow">
+                    <a:lnB w="12700">
+                      <a:miter lim="400000"/>
+                    </a:lnB>
+                  </a:tcPr>
+                </a:tc>
+                <a:tc>
+                  <a:txBody>
+                    <a:bodyPr/>
+                    <a:lstStyle/>
+                    <a:p>
+                      <a:pPr lvl="0">
+                        <a:defRPr>
+                          <a:solidFill>
+                            <a:srgbClr val="000000"/>
+                          </a:solidFill>
+                        </a:defRPr>
+                      </a:pPr>
+                      <a:r>
+                        <a:rPr sz="3200">
+                          <a:solidFill>
+                            <a:srgbClr val="414141"/>
+                          </a:solidFill>
+                          <a:latin typeface="+mn-lt"/>
+                          <a:ea typeface="+mn-ea"/>
+                          <a:cs typeface="+mn-cs"/>
+                          <a:sym typeface="Bodoni SvtyTwo ITC TT-Book"/>
+                        </a:rPr>
+                        <a:t>0.05174825</a:t>
+                      </a:r>
+                    </a:p>
+                  </a:txBody>
+                  <a:tcPr marL="50800" marR="50800" marT="50800" marB="50800" anchor="ctr" anchorCtr="0" horzOverflow="overflow">
+                    <a:lnB w="12700">
+                      <a:miter lim="400000"/>
+                    </a:lnB>
+                  </a:tcPr>
+                </a:tc>
+                <a:tc>
+                  <a:txBody>
+                    <a:bodyPr/>
+                    <a:lstStyle/>
+                    <a:p>
+                      <a:pPr lvl="0">
+                        <a:defRPr>
+                          <a:solidFill>
+                            <a:srgbClr val="000000"/>
+                          </a:solidFill>
+                        </a:defRPr>
+                      </a:pPr>
+                      <a:r>
+                        <a:rPr sz="3200">
+                          <a:solidFill>
+                            <a:srgbClr val="414141"/>
+                          </a:solidFill>
+                          <a:latin typeface="+mn-lt"/>
+                          <a:ea typeface="+mn-ea"/>
+                          <a:cs typeface="+mn-cs"/>
+                          <a:sym typeface="Bodoni SvtyTwo ITC TT-Book"/>
+                        </a:rPr>
+                        <a:t>0.07132867</a:t>
+                      </a:r>
+                    </a:p>
+                  </a:txBody>
+                  <a:tcPr marL="50800" marR="50800" marT="50800" marB="50800" anchor="ctr" anchorCtr="0" horzOverflow="overflow">
+                    <a:lnB w="12700">
+                      <a:miter lim="400000"/>
+                    </a:lnB>
+                  </a:tcPr>
+                </a:tc>
+                <a:tc>
+                  <a:txBody>
+                    <a:bodyPr/>
+                    <a:lstStyle/>
+                    <a:p>
+                      <a:pPr lvl="0">
+                        <a:defRPr>
+                          <a:solidFill>
+                            <a:srgbClr val="000000"/>
+                          </a:solidFill>
+                        </a:defRPr>
+                      </a:pPr>
+                      <a:r>
+                        <a:rPr sz="3200">
+                          <a:solidFill>
+                            <a:srgbClr val="414141"/>
+                          </a:solidFill>
+                          <a:latin typeface="+mn-lt"/>
+                          <a:ea typeface="+mn-ea"/>
+                          <a:cs typeface="+mn-cs"/>
+                          <a:sym typeface="Bodoni SvtyTwo ITC TT-Book"/>
+                        </a:rPr>
+                        <a:t>0.01958042</a:t>
+                      </a:r>
+                    </a:p>
+                  </a:txBody>
+                  <a:tcPr marL="50800" marR="50800" marT="50800" marB="50800" anchor="ctr" anchorCtr="0" horzOverflow="overflow">
+                    <a:lnR w="12700">
+                      <a:miter lim="400000"/>
+                    </a:lnR>
+                    <a:lnB w="12700">
+                      <a:miter lim="400000"/>
+                    </a:lnB>
+                  </a:tcPr>
+                </a:tc>
+              </a:tr>
+            </a:tbl>
+          </a:graphicData>
+        </a:graphic>
+      </p:graphicFrame>
+      <p:sp>
+        <p:nvSpPr>
+          <p:cNvPr id="129" name="Shape 129"/>
+          <p:cNvSpPr/>
+          <p:nvPr>
+            <p:ph type="body" idx="1"/>
+          </p:nvPr>
+        </p:nvSpPr>
+        <p:spPr>
+          <a:xfrm>
+            <a:off x="673100" y="6366564"/>
+            <a:ext cx="11988800" cy="1469336"/>
+          </a:xfrm>
+          <a:prstGeom prst="rect">
+            <a:avLst/>
+          </a:prstGeom>
+        </p:spPr>
+        <p:txBody>
+          <a:bodyPr/>
+          <a:lstStyle/>
+          <a:p>
+            <a:pPr lvl="0" marL="446404" indent="-446404" defTabSz="554990">
+              <a:spcBef>
+                <a:spcPts val="2200"/>
+              </a:spcBef>
+              <a:defRPr sz="1800">
+                <a:solidFill>
+                  <a:srgbClr val="000000"/>
+                </a:solidFill>
+              </a:defRPr>
+            </a:pPr>
+            <a:r>
+              <a:rPr sz="3420">
+                <a:solidFill>
+                  <a:srgbClr val="414141"/>
+                </a:solidFill>
+              </a:rPr>
+              <a:t>KNN</a:t>
+            </a:r>
+            <a:r>
+              <a:rPr sz="3420">
+                <a:solidFill>
+                  <a:srgbClr val="414141"/>
+                </a:solidFill>
+              </a:rPr>
+              <a:t>의 오류율이 제일 낮다</a:t>
+            </a:r>
+            <a:endParaRPr sz="3420">
+              <a:solidFill>
+                <a:srgbClr val="414141"/>
+              </a:solidFill>
+            </a:endParaRPr>
+          </a:p>
+          <a:p>
+            <a:pPr lvl="0" marL="446404" indent="-446404" defTabSz="554990">
+              <a:spcBef>
+                <a:spcPts val="2200"/>
+              </a:spcBef>
+              <a:defRPr sz="1800">
+                <a:solidFill>
+                  <a:srgbClr val="000000"/>
+                </a:solidFill>
+              </a:defRPr>
+            </a:pPr>
+            <a:r>
+              <a:rPr sz="3420">
+                <a:solidFill>
+                  <a:srgbClr val="414141"/>
+                </a:solidFill>
+              </a:rPr>
+              <a:t>따라서 </a:t>
+            </a:r>
+            <a:r>
+              <a:rPr sz="3420">
+                <a:solidFill>
+                  <a:srgbClr val="414141"/>
+                </a:solidFill>
+              </a:rPr>
+              <a:t>KNN</a:t>
+            </a:r>
+            <a:r>
+              <a:rPr sz="3420">
+                <a:solidFill>
+                  <a:srgbClr val="414141"/>
+                </a:solidFill>
+              </a:rPr>
+              <a:t>이 부도여부 예측을 제일 잘한다 </a:t>
+            </a:r>
           </a:p>
         </p:txBody>
       </p:sp>
@@ -6109,12 +11412,16 @@
         </p:spPr>
         <p:txBody>
           <a:bodyPr/>
-          <a:lstStyle/>
-          <a:p>
-            <a:pPr lvl="0" algn="l" defTabSz="578358">
+          <a:lstStyle>
+            <a:lvl1pPr defTabSz="578358">
               <a:spcBef>
                 <a:spcPts val="1500"/>
               </a:spcBef>
+              <a:defRPr sz="6930"/>
+            </a:lvl1pPr>
+          </a:lstStyle>
+          <a:p>
+            <a:pPr lvl="0">
               <a:defRPr sz="1800">
                 <a:solidFill>
                   <a:srgbClr val="000000"/>
@@ -6126,32 +11433,8 @@
                 <a:solidFill>
                   <a:srgbClr val="D93E2B"/>
                 </a:solidFill>
-                <a:latin typeface="Bodoni SvtyTwo ITC TT-Bold"/>
-                <a:ea typeface="Bodoni SvtyTwo ITC TT-Bold"/>
-                <a:cs typeface="Bodoni SvtyTwo ITC TT-Bold"/>
-                <a:sym typeface="Bodoni SvtyTwo ITC TT-Bold"/>
-              </a:rPr>
-              <a:t>데이터 개요:</a:t>
-            </a:r>
-            <a:r>
-              <a:rPr sz="6930">
-                <a:solidFill>
-                  <a:srgbClr val="D93E2B"/>
-                </a:solidFill>
-              </a:rPr>
-              <a:t> </a:t>
-            </a:r>
-            <a:r>
-              <a:rPr sz="5940">
-                <a:solidFill>
-                  <a:srgbClr val="D93E2B"/>
-                </a:solidFill>
-                <a:latin typeface="Bodoni SvtyTwo ITC TT-BookIta"/>
-                <a:ea typeface="Bodoni SvtyTwo ITC TT-BookIta"/>
-                <a:cs typeface="Bodoni SvtyTwo ITC TT-BookIta"/>
-                <a:sym typeface="Bodoni SvtyTwo ITC TT-BookIta"/>
-              </a:rPr>
-              <a:t>초기 설정</a:t>
+              </a:rPr>
+              <a:t>분석 과정</a:t>
             </a:r>
           </a:p>
         </p:txBody>
@@ -6173,6 +11456,285 @@
           <a:bodyPr/>
           <a:lstStyle/>
           <a:p>
+            <a:pPr lvl="0" marL="660400" indent="-660400">
+              <a:buClrTx/>
+              <a:buSzPct val="100000"/>
+              <a:buFontTx/>
+              <a:buAutoNum type="arabicPeriod" startAt="1"/>
+              <a:defRPr sz="1800">
+                <a:solidFill>
+                  <a:srgbClr val="000000"/>
+                </a:solidFill>
+              </a:defRPr>
+            </a:pPr>
+            <a:r>
+              <a:rPr sz="3600">
+                <a:solidFill>
+                  <a:srgbClr val="414141"/>
+                </a:solidFill>
+              </a:rPr>
+              <a:t>데이터 설정</a:t>
+            </a:r>
+            <a:endParaRPr sz="3600">
+              <a:solidFill>
+                <a:srgbClr val="414141"/>
+              </a:solidFill>
+            </a:endParaRPr>
+          </a:p>
+          <a:p>
+            <a:pPr lvl="0" marL="660400" indent="-660400">
+              <a:buClrTx/>
+              <a:buSzPct val="100000"/>
+              <a:buFontTx/>
+              <a:buAutoNum type="arabicPeriod" startAt="1"/>
+              <a:defRPr sz="1800">
+                <a:solidFill>
+                  <a:srgbClr val="000000"/>
+                </a:solidFill>
+              </a:defRPr>
+            </a:pPr>
+            <a:r>
+              <a:rPr sz="3600">
+                <a:solidFill>
+                  <a:srgbClr val="414141"/>
+                </a:solidFill>
+              </a:rPr>
+              <a:t>변수 선택: </a:t>
+            </a:r>
+            <a:r>
+              <a:rPr sz="2800">
+                <a:solidFill>
+                  <a:srgbClr val="5E5E5E"/>
+                </a:solidFill>
+              </a:rPr>
+              <a:t>총 5가지의 변수 선택 방법으로 모델을 선택</a:t>
+            </a:r>
+            <a:endParaRPr sz="2800">
+              <a:solidFill>
+                <a:srgbClr val="797979"/>
+              </a:solidFill>
+            </a:endParaRPr>
+          </a:p>
+          <a:p>
+            <a:pPr lvl="0" marL="660400" indent="-660400">
+              <a:buClrTx/>
+              <a:buSzPct val="100000"/>
+              <a:buFontTx/>
+              <a:buAutoNum type="arabicPeriod" startAt="1"/>
+              <a:defRPr sz="1800">
+                <a:solidFill>
+                  <a:srgbClr val="000000"/>
+                </a:solidFill>
+              </a:defRPr>
+            </a:pPr>
+            <a:r>
+              <a:rPr sz="3600">
+                <a:solidFill>
+                  <a:srgbClr val="414141"/>
+                </a:solidFill>
+              </a:rPr>
+              <a:t>최종 모델 선택: </a:t>
+            </a:r>
+            <a:r>
+              <a:rPr sz="2800">
+                <a:solidFill>
+                  <a:srgbClr val="5E5E5E"/>
+                </a:solidFill>
+              </a:rPr>
+              <a:t>선택된 모델 중 Cross-Validation 방법을 이용해서 오류율이 가장 낮은 모델 선택</a:t>
+            </a:r>
+            <a:endParaRPr sz="3600">
+              <a:solidFill>
+                <a:srgbClr val="424242"/>
+              </a:solidFill>
+            </a:endParaRPr>
+          </a:p>
+          <a:p>
+            <a:pPr lvl="0" marL="660400" indent="-660400">
+              <a:buClrTx/>
+              <a:buSzPct val="100000"/>
+              <a:buFontTx/>
+              <a:buAutoNum type="arabicPeriod" startAt="1"/>
+              <a:defRPr sz="1800">
+                <a:solidFill>
+                  <a:srgbClr val="000000"/>
+                </a:solidFill>
+              </a:defRPr>
+            </a:pPr>
+            <a:r>
+              <a:rPr sz="3600">
+                <a:solidFill>
+                  <a:srgbClr val="414141"/>
+                </a:solidFill>
+              </a:rPr>
+              <a:t>분류 방법 비교: </a:t>
+            </a:r>
+            <a:r>
+              <a:rPr sz="2800">
+                <a:solidFill>
+                  <a:srgbClr val="5E5E5E"/>
+                </a:solidFill>
+              </a:rPr>
+              <a:t>Logistic, LDA, QDA, KNN 간 오류율 비교</a:t>
+            </a:r>
+            <a:endParaRPr sz="2800">
+              <a:solidFill>
+                <a:srgbClr val="5E5E5E"/>
+              </a:solidFill>
+            </a:endParaRPr>
+          </a:p>
+          <a:p>
+            <a:pPr lvl="0" marL="660400" indent="-660400">
+              <a:buClrTx/>
+              <a:buSzPct val="100000"/>
+              <a:buFontTx/>
+              <a:buAutoNum type="arabicPeriod" startAt="1"/>
+              <a:defRPr sz="1800">
+                <a:solidFill>
+                  <a:srgbClr val="000000"/>
+                </a:solidFill>
+              </a:defRPr>
+            </a:pPr>
+            <a:r>
+              <a:rPr sz="3600">
+                <a:solidFill>
+                  <a:srgbClr val="414141"/>
+                </a:solidFill>
+              </a:rPr>
+              <a:t>Bootstrap</a:t>
+            </a:r>
+            <a:r>
+              <a:rPr sz="2800">
+                <a:solidFill>
+                  <a:srgbClr val="414141"/>
+                </a:solidFill>
+              </a:rPr>
+              <a:t>: </a:t>
+            </a:r>
+            <a:r>
+              <a:rPr sz="2800">
+                <a:solidFill>
+                  <a:srgbClr val="5F5F5F"/>
+                </a:solidFill>
+              </a:rPr>
+              <a:t>선택한 모델에서 임의의 2개의 X변수를 선택, 모수 추정</a:t>
+            </a:r>
+          </a:p>
+        </p:txBody>
+      </p:sp>
+    </p:spTree>
+  </p:cSld>
+  <p:clrMapOvr>
+    <a:masterClrMapping/>
+  </p:clrMapOvr>
+  <p:transition spd="med" advClick="1"/>
+</p:sld>
+</file>
+
+<file path=ppt/slides/slide7.xml><?xml version="1.0" encoding="utf-8"?>
+<p:sld xmlns:a="http://schemas.openxmlformats.org/drawingml/2006/main" xmlns:r="http://schemas.openxmlformats.org/officeDocument/2006/relationships" xmlns:p="http://schemas.openxmlformats.org/presentationml/2006/main" showMasterSp="1" showMasterPhAnim="1">
+  <p:cSld>
+    <p:spTree>
+      <p:nvGrpSpPr>
+        <p:cNvPr id="1" name=""/>
+        <p:cNvGrpSpPr/>
+        <p:nvPr/>
+      </p:nvGrpSpPr>
+      <p:grpSpPr>
+        <a:xfrm>
+          <a:off x="0" y="0"/>
+          <a:ext cx="0" cy="0"/>
+          <a:chOff x="0" y="0"/>
+          <a:chExt cx="0" cy="0"/>
+        </a:xfrm>
+      </p:grpSpPr>
+      <p:sp>
+        <p:nvSpPr>
+          <p:cNvPr id="62" name="Shape 62"/>
+          <p:cNvSpPr/>
+          <p:nvPr>
+            <p:ph type="title"/>
+          </p:nvPr>
+        </p:nvSpPr>
+        <p:spPr>
+          <a:prstGeom prst="rect">
+            <a:avLst/>
+          </a:prstGeom>
+        </p:spPr>
+        <p:txBody>
+          <a:bodyPr/>
+          <a:lstStyle/>
+          <a:p>
+            <a:pPr lvl="0" algn="l" defTabSz="578358">
+              <a:spcBef>
+                <a:spcPts val="1500"/>
+              </a:spcBef>
+              <a:defRPr sz="1800">
+                <a:solidFill>
+                  <a:srgbClr val="000000"/>
+                </a:solidFill>
+              </a:defRPr>
+            </a:pPr>
+            <a:r>
+              <a:rPr sz="6930">
+                <a:solidFill>
+                  <a:srgbClr val="D93E2B"/>
+                </a:solidFill>
+              </a:rPr>
+              <a:t>데이터 설정</a:t>
+            </a:r>
+            <a:r>
+              <a:rPr sz="6930">
+                <a:solidFill>
+                  <a:srgbClr val="D93E2B"/>
+                </a:solidFill>
+                <a:latin typeface="Bodoni SvtyTwo ITC TT-Bold"/>
+                <a:ea typeface="Bodoni SvtyTwo ITC TT-Bold"/>
+                <a:cs typeface="Bodoni SvtyTwo ITC TT-Bold"/>
+                <a:sym typeface="Bodoni SvtyTwo ITC TT-Bold"/>
+              </a:rPr>
+              <a:t>:</a:t>
+            </a:r>
+            <a:r>
+              <a:rPr sz="6930">
+                <a:solidFill>
+                  <a:srgbClr val="D93E2B"/>
+                </a:solidFill>
+              </a:rPr>
+              <a:t> </a:t>
+            </a:r>
+            <a:r>
+              <a:rPr sz="5940">
+                <a:solidFill>
+                  <a:srgbClr val="D93E2B"/>
+                </a:solidFill>
+                <a:latin typeface="Bodoni SvtyTwo ITC TT-BookIta"/>
+                <a:ea typeface="Bodoni SvtyTwo ITC TT-BookIta"/>
+                <a:cs typeface="Bodoni SvtyTwo ITC TT-BookIta"/>
+                <a:sym typeface="Bodoni SvtyTwo ITC TT-BookIta"/>
+              </a:rPr>
+              <a:t>기본 데이터 설정</a:t>
+            </a:r>
+          </a:p>
+        </p:txBody>
+      </p:sp>
+      <p:sp>
+        <p:nvSpPr>
+          <p:cNvPr id="63" name="Shape 63"/>
+          <p:cNvSpPr/>
+          <p:nvPr>
+            <p:ph type="body" idx="1"/>
+          </p:nvPr>
+        </p:nvSpPr>
+        <p:spPr>
+          <a:prstGeom prst="rect">
+            <a:avLst/>
+          </a:prstGeom>
+        </p:spPr>
+        <p:txBody>
+          <a:bodyPr/>
+          <a:lstStyle/>
+          <a:p>
             <a:pPr lvl="0">
               <a:defRPr sz="1800">
                 <a:solidFill>
@@ -6279,6 +11841,702 @@
           </a:p>
         </p:txBody>
       </p:sp>
+    </p:spTree>
+  </p:cSld>
+  <p:clrMapOvr>
+    <a:masterClrMapping/>
+  </p:clrMapOvr>
+  <p:transition spd="med" advClick="1"/>
+</p:sld>
+</file>
+
+<file path=ppt/slides/slide8.xml><?xml version="1.0" encoding="utf-8"?>
+<p:sld xmlns:a="http://schemas.openxmlformats.org/drawingml/2006/main" xmlns:r="http://schemas.openxmlformats.org/officeDocument/2006/relationships" xmlns:p="http://schemas.openxmlformats.org/presentationml/2006/main" showMasterSp="1" showMasterPhAnim="1">
+  <p:cSld>
+    <p:spTree>
+      <p:nvGrpSpPr>
+        <p:cNvPr id="1" name=""/>
+        <p:cNvGrpSpPr/>
+        <p:nvPr/>
+      </p:nvGrpSpPr>
+      <p:grpSpPr>
+        <a:xfrm>
+          <a:off x="0" y="0"/>
+          <a:ext cx="0" cy="0"/>
+          <a:chOff x="0" y="0"/>
+          <a:chExt cx="0" cy="0"/>
+        </a:xfrm>
+      </p:grpSpPr>
+      <p:pic>
+        <p:nvPicPr>
+          <p:cNvPr id="65" name="pasted-image.png"/>
+          <p:cNvPicPr/>
+          <p:nvPr/>
+        </p:nvPicPr>
+        <p:blipFill>
+          <a:blip r:embed="rId2">
+            <a:extLst/>
+          </a:blip>
+          <a:stretch>
+            <a:fillRect/>
+          </a:stretch>
+        </p:blipFill>
+        <p:spPr>
+          <a:xfrm>
+            <a:off x="3548310" y="2216150"/>
+            <a:ext cx="6096001" cy="6096000"/>
+          </a:xfrm>
+          <a:prstGeom prst="rect">
+            <a:avLst/>
+          </a:prstGeom>
+          <a:ln w="12700">
+            <a:miter lim="400000"/>
+          </a:ln>
+        </p:spPr>
+      </p:pic>
+      <p:sp>
+        <p:nvSpPr>
+          <p:cNvPr id="66" name="Shape 66"/>
+          <p:cNvSpPr/>
+          <p:nvPr>
+            <p:ph type="title"/>
+          </p:nvPr>
+        </p:nvSpPr>
+        <p:spPr>
+          <a:prstGeom prst="rect">
+            <a:avLst/>
+          </a:prstGeom>
+        </p:spPr>
+        <p:txBody>
+          <a:bodyPr/>
+          <a:lstStyle/>
+          <a:p>
+            <a:pPr lvl="0" algn="l" defTabSz="578358">
+              <a:spcBef>
+                <a:spcPts val="1500"/>
+              </a:spcBef>
+              <a:defRPr sz="1800">
+                <a:solidFill>
+                  <a:srgbClr val="000000"/>
+                </a:solidFill>
+              </a:defRPr>
+            </a:pPr>
+            <a:r>
+              <a:rPr sz="6930">
+                <a:solidFill>
+                  <a:srgbClr val="D93E2B"/>
+                </a:solidFill>
+              </a:rPr>
+              <a:t>변수 선택</a:t>
+            </a:r>
+            <a:r>
+              <a:rPr sz="6930">
+                <a:solidFill>
+                  <a:srgbClr val="D93E2B"/>
+                </a:solidFill>
+                <a:latin typeface="Bodoni SvtyTwo ITC TT-Bold"/>
+                <a:ea typeface="Bodoni SvtyTwo ITC TT-Bold"/>
+                <a:cs typeface="Bodoni SvtyTwo ITC TT-Bold"/>
+                <a:sym typeface="Bodoni SvtyTwo ITC TT-Bold"/>
+              </a:rPr>
+              <a:t>:</a:t>
+            </a:r>
+            <a:r>
+              <a:rPr sz="6930">
+                <a:solidFill>
+                  <a:srgbClr val="D93E2B"/>
+                </a:solidFill>
+              </a:rPr>
+              <a:t> </a:t>
+            </a:r>
+            <a:r>
+              <a:rPr sz="5940">
+                <a:solidFill>
+                  <a:srgbClr val="D93E2B"/>
+                </a:solidFill>
+                <a:latin typeface="Bodoni SvtyTwo ITC TT-BookIta"/>
+                <a:ea typeface="Bodoni SvtyTwo ITC TT-BookIta"/>
+                <a:cs typeface="Bodoni SvtyTwo ITC TT-BookIta"/>
+                <a:sym typeface="Bodoni SvtyTwo ITC TT-BookIta"/>
+              </a:rPr>
+              <a:t>Best subset</a:t>
+            </a:r>
+          </a:p>
+        </p:txBody>
+      </p:sp>
+      <p:graphicFrame>
+        <p:nvGraphicFramePr>
+          <p:cNvPr id="67" name="Table 67"/>
+          <p:cNvGraphicFramePr/>
+          <p:nvPr/>
+        </p:nvGraphicFramePr>
+        <p:xfrm>
+          <a:off x="1549400" y="8077200"/>
+          <a:ext cx="8108355" cy="1460500"/>
+        </p:xfrm>
+        <a:graphic xmlns:a="http://schemas.openxmlformats.org/drawingml/2006/main">
+          <a:graphicData uri="http://schemas.openxmlformats.org/drawingml/2006/table">
+            <a:tbl>
+              <a:tblPr firstCol="1" firstRow="1" lastCol="0" lastRow="0" bandCol="0" bandRow="0" rtl="0">
+                <a:tableStyleId>{33BA23B1-9221-436E-865A-0063620EA4FD}</a:tableStyleId>
+              </a:tblPr>
+              <a:tblGrid>
+                <a:gridCol w="2027088"/>
+                <a:gridCol w="2027088"/>
+                <a:gridCol w="2027088"/>
+                <a:gridCol w="2027088"/>
+              </a:tblGrid>
+              <a:tr h="730250">
+                <a:tc>
+                  <a:txBody>
+                    <a:bodyPr/>
+                    <a:lstStyle/>
+                    <a:p>
+                      <a:pPr lvl="0" defTabSz="914400">
+                        <a:defRPr sz="2600"/>
+                      </a:pPr>
+                    </a:p>
+                  </a:txBody>
+                  <a:tcPr marL="50800" marR="50800" marT="50800" marB="50800" anchor="ctr" anchorCtr="0" horzOverflow="overflow"/>
+                </a:tc>
+                <a:tc>
+                  <a:txBody>
+                    <a:bodyPr/>
+                    <a:lstStyle/>
+                    <a:p>
+                      <a:pPr lvl="0" defTabSz="914400">
+                        <a:defRPr>
+                          <a:solidFill>
+                            <a:srgbClr val="000000"/>
+                          </a:solidFill>
+                        </a:defRPr>
+                      </a:pPr>
+                      <a:r>
+                        <a:rPr sz="2000">
+                          <a:solidFill>
+                            <a:srgbClr val="FFFFFF"/>
+                          </a:solidFill>
+                        </a:rPr>
+                        <a:t>Cp</a:t>
+                      </a:r>
+                    </a:p>
+                  </a:txBody>
+                  <a:tcPr marL="50800" marR="50800" marT="50800" marB="50800" anchor="ctr" anchorCtr="0" horzOverflow="overflow"/>
+                </a:tc>
+                <a:tc>
+                  <a:txBody>
+                    <a:bodyPr/>
+                    <a:lstStyle/>
+                    <a:p>
+                      <a:pPr lvl="0" defTabSz="914400">
+                        <a:defRPr>
+                          <a:solidFill>
+                            <a:srgbClr val="000000"/>
+                          </a:solidFill>
+                        </a:defRPr>
+                      </a:pPr>
+                      <a:r>
+                        <a:rPr sz="2000">
+                          <a:solidFill>
+                            <a:srgbClr val="FFFFFF"/>
+                          </a:solidFill>
+                        </a:rPr>
+                        <a:t>BIC</a:t>
+                      </a:r>
+                    </a:p>
+                  </a:txBody>
+                  <a:tcPr marL="50800" marR="50800" marT="50800" marB="50800" anchor="ctr" anchorCtr="0" horzOverflow="overflow"/>
+                </a:tc>
+                <a:tc>
+                  <a:txBody>
+                    <a:bodyPr/>
+                    <a:lstStyle/>
+                    <a:p>
+                      <a:pPr lvl="0" defTabSz="914400">
+                        <a:defRPr>
+                          <a:solidFill>
+                            <a:srgbClr val="000000"/>
+                          </a:solidFill>
+                        </a:defRPr>
+                      </a:pPr>
+                      <a:r>
+                        <a:rPr sz="2000">
+                          <a:solidFill>
+                            <a:srgbClr val="FFFFFF"/>
+                          </a:solidFill>
+                        </a:rPr>
+                        <a:t>AdjR^2</a:t>
+                      </a:r>
+                    </a:p>
+                  </a:txBody>
+                  <a:tcPr marL="50800" marR="50800" marT="50800" marB="50800" anchor="ctr" anchorCtr="0" horzOverflow="overflow"/>
+                </a:tc>
+              </a:tr>
+              <a:tr h="730250">
+                <a:tc>
+                  <a:txBody>
+                    <a:bodyPr/>
+                    <a:lstStyle/>
+                    <a:p>
+                      <a:pPr lvl="0" defTabSz="914400">
+                        <a:defRPr>
+                          <a:solidFill>
+                            <a:srgbClr val="000000"/>
+                          </a:solidFill>
+                        </a:defRPr>
+                      </a:pPr>
+                      <a:r>
+                        <a:rPr sz="2000">
+                          <a:solidFill>
+                            <a:srgbClr val="FFFFFF"/>
+                          </a:solidFill>
+                        </a:rPr>
+                        <a:t>변수 개수</a:t>
+                      </a:r>
+                    </a:p>
+                  </a:txBody>
+                  <a:tcPr marL="50800" marR="50800" marT="50800" marB="50800" anchor="ctr" anchorCtr="0" horzOverflow="overflow"/>
+                </a:tc>
+                <a:tc>
+                  <a:txBody>
+                    <a:bodyPr/>
+                    <a:lstStyle/>
+                    <a:p>
+                      <a:pPr lvl="0" defTabSz="914400">
+                        <a:defRPr>
+                          <a:solidFill>
+                            <a:srgbClr val="000000"/>
+                          </a:solidFill>
+                        </a:defRPr>
+                      </a:pPr>
+                      <a:r>
+                        <a:rPr sz="2600">
+                          <a:solidFill>
+                            <a:srgbClr val="414141"/>
+                          </a:solidFill>
+                        </a:rPr>
+                        <a:t>14</a:t>
+                      </a:r>
+                    </a:p>
+                  </a:txBody>
+                  <a:tcPr marL="50800" marR="50800" marT="50800" marB="50800" anchor="ctr" anchorCtr="0" horzOverflow="overflow">
+                    <a:lnB w="12700">
+                      <a:miter lim="400000"/>
+                    </a:lnB>
+                  </a:tcPr>
+                </a:tc>
+                <a:tc>
+                  <a:txBody>
+                    <a:bodyPr/>
+                    <a:lstStyle/>
+                    <a:p>
+                      <a:pPr lvl="0" defTabSz="914400">
+                        <a:defRPr>
+                          <a:solidFill>
+                            <a:srgbClr val="000000"/>
+                          </a:solidFill>
+                        </a:defRPr>
+                      </a:pPr>
+                      <a:r>
+                        <a:rPr sz="2600">
+                          <a:solidFill>
+                            <a:srgbClr val="414141"/>
+                          </a:solidFill>
+                        </a:rPr>
+                        <a:t>7</a:t>
+                      </a:r>
+                    </a:p>
+                  </a:txBody>
+                  <a:tcPr marL="50800" marR="50800" marT="50800" marB="50800" anchor="ctr" anchorCtr="0" horzOverflow="overflow">
+                    <a:lnB w="12700">
+                      <a:miter lim="400000"/>
+                    </a:lnB>
+                  </a:tcPr>
+                </a:tc>
+                <a:tc>
+                  <a:txBody>
+                    <a:bodyPr/>
+                    <a:lstStyle/>
+                    <a:p>
+                      <a:pPr lvl="0" defTabSz="914400">
+                        <a:defRPr>
+                          <a:solidFill>
+                            <a:srgbClr val="000000"/>
+                          </a:solidFill>
+                        </a:defRPr>
+                      </a:pPr>
+                      <a:r>
+                        <a:rPr sz="2600">
+                          <a:solidFill>
+                            <a:srgbClr val="414141"/>
+                          </a:solidFill>
+                        </a:rPr>
+                        <a:t>16</a:t>
+                      </a:r>
+                    </a:p>
+                  </a:txBody>
+                  <a:tcPr marL="50800" marR="50800" marT="50800" marB="50800" anchor="ctr" anchorCtr="0" horzOverflow="overflow">
+                    <a:lnR w="12700">
+                      <a:miter lim="400000"/>
+                    </a:lnR>
+                    <a:lnB w="12700">
+                      <a:miter lim="400000"/>
+                    </a:lnB>
+                  </a:tcPr>
+                </a:tc>
+              </a:tr>
+            </a:tbl>
+          </a:graphicData>
+        </a:graphic>
+      </p:graphicFrame>
+    </p:spTree>
+  </p:cSld>
+  <p:clrMapOvr>
+    <a:masterClrMapping/>
+  </p:clrMapOvr>
+  <p:transition spd="med" advClick="1"/>
+</p:sld>
+</file>
+
+<file path=ppt/slides/slide9.xml><?xml version="1.0" encoding="utf-8"?>
+<p:sld xmlns:a="http://schemas.openxmlformats.org/drawingml/2006/main" xmlns:r="http://schemas.openxmlformats.org/officeDocument/2006/relationships" xmlns:p="http://schemas.openxmlformats.org/presentationml/2006/main" showMasterSp="1" showMasterPhAnim="1">
+  <p:cSld>
+    <p:spTree>
+      <p:nvGrpSpPr>
+        <p:cNvPr id="1" name=""/>
+        <p:cNvGrpSpPr/>
+        <p:nvPr/>
+      </p:nvGrpSpPr>
+      <p:grpSpPr>
+        <a:xfrm>
+          <a:off x="0" y="0"/>
+          <a:ext cx="0" cy="0"/>
+          <a:chOff x="0" y="0"/>
+          <a:chExt cx="0" cy="0"/>
+        </a:xfrm>
+      </p:grpSpPr>
+      <p:pic>
+        <p:nvPicPr>
+          <p:cNvPr id="69" name="pasted-image.png"/>
+          <p:cNvPicPr/>
+          <p:nvPr/>
+        </p:nvPicPr>
+        <p:blipFill>
+          <a:blip r:embed="rId2">
+            <a:extLst/>
+          </a:blip>
+          <a:stretch>
+            <a:fillRect/>
+          </a:stretch>
+        </p:blipFill>
+        <p:spPr>
+          <a:xfrm>
+            <a:off x="3558282" y="2216150"/>
+            <a:ext cx="6096001" cy="6096000"/>
+          </a:xfrm>
+          <a:prstGeom prst="rect">
+            <a:avLst/>
+          </a:prstGeom>
+          <a:ln w="12700">
+            <a:miter lim="400000"/>
+          </a:ln>
+        </p:spPr>
+      </p:pic>
+      <p:sp>
+        <p:nvSpPr>
+          <p:cNvPr id="70" name="Shape 70"/>
+          <p:cNvSpPr/>
+          <p:nvPr>
+            <p:ph type="title"/>
+          </p:nvPr>
+        </p:nvSpPr>
+        <p:spPr>
+          <a:prstGeom prst="rect">
+            <a:avLst/>
+          </a:prstGeom>
+        </p:spPr>
+        <p:txBody>
+          <a:bodyPr/>
+          <a:lstStyle/>
+          <a:p>
+            <a:pPr lvl="0" algn="l" defTabSz="578358">
+              <a:spcBef>
+                <a:spcPts val="1500"/>
+              </a:spcBef>
+              <a:defRPr sz="1800">
+                <a:solidFill>
+                  <a:srgbClr val="000000"/>
+                </a:solidFill>
+              </a:defRPr>
+            </a:pPr>
+            <a:r>
+              <a:rPr sz="6930">
+                <a:solidFill>
+                  <a:srgbClr val="D93E2B"/>
+                </a:solidFill>
+              </a:rPr>
+              <a:t>변수 선택</a:t>
+            </a:r>
+            <a:r>
+              <a:rPr sz="6930">
+                <a:solidFill>
+                  <a:srgbClr val="D93E2B"/>
+                </a:solidFill>
+                <a:latin typeface="Bodoni SvtyTwo ITC TT-Bold"/>
+                <a:ea typeface="Bodoni SvtyTwo ITC TT-Bold"/>
+                <a:cs typeface="Bodoni SvtyTwo ITC TT-Bold"/>
+                <a:sym typeface="Bodoni SvtyTwo ITC TT-Bold"/>
+              </a:rPr>
+              <a:t>:</a:t>
+            </a:r>
+            <a:r>
+              <a:rPr sz="6930">
+                <a:solidFill>
+                  <a:srgbClr val="D93E2B"/>
+                </a:solidFill>
+              </a:rPr>
+              <a:t> </a:t>
+            </a:r>
+            <a:r>
+              <a:rPr sz="5940">
+                <a:solidFill>
+                  <a:srgbClr val="D93E2B"/>
+                </a:solidFill>
+                <a:latin typeface="Bodoni SvtyTwo ITC TT-BookIta"/>
+                <a:ea typeface="Bodoni SvtyTwo ITC TT-BookIta"/>
+                <a:cs typeface="Bodoni SvtyTwo ITC TT-BookIta"/>
+                <a:sym typeface="Bodoni SvtyTwo ITC TT-BookIta"/>
+              </a:rPr>
+              <a:t>Forward selection</a:t>
+            </a:r>
+          </a:p>
+        </p:txBody>
+      </p:sp>
+      <p:graphicFrame>
+        <p:nvGraphicFramePr>
+          <p:cNvPr id="71" name="Table 71"/>
+          <p:cNvGraphicFramePr/>
+          <p:nvPr/>
+        </p:nvGraphicFramePr>
+        <p:xfrm>
+          <a:off x="1549400" y="8077200"/>
+          <a:ext cx="8108355" cy="1460500"/>
+        </p:xfrm>
+        <a:graphic xmlns:a="http://schemas.openxmlformats.org/drawingml/2006/main">
+          <a:graphicData uri="http://schemas.openxmlformats.org/drawingml/2006/table">
+            <a:tbl>
+              <a:tblPr firstCol="1" firstRow="1" lastCol="0" lastRow="0" bandCol="0" bandRow="0" rtl="0">
+                <a:tableStyleId>{33BA23B1-9221-436E-865A-0063620EA4FD}</a:tableStyleId>
+              </a:tblPr>
+              <a:tblGrid>
+                <a:gridCol w="2027088"/>
+                <a:gridCol w="2027088"/>
+                <a:gridCol w="2027088"/>
+                <a:gridCol w="2027088"/>
+              </a:tblGrid>
+              <a:tr h="730250">
+                <a:tc>
+                  <a:txBody>
+                    <a:bodyPr/>
+                    <a:lstStyle/>
+                    <a:p>
+                      <a:pPr lvl="0" defTabSz="914400">
+                        <a:defRPr sz="2600"/>
+                      </a:pPr>
+                    </a:p>
+                  </a:txBody>
+                  <a:tcPr marL="50800" marR="50800" marT="50800" marB="50800" anchor="ctr" anchorCtr="0" horzOverflow="overflow"/>
+                </a:tc>
+                <a:tc>
+                  <a:txBody>
+                    <a:bodyPr/>
+                    <a:lstStyle/>
+                    <a:p>
+                      <a:pPr lvl="0" defTabSz="914400">
+                        <a:defRPr>
+                          <a:solidFill>
+                            <a:srgbClr val="000000"/>
+                          </a:solidFill>
+                        </a:defRPr>
+                      </a:pPr>
+                      <a:r>
+                        <a:rPr sz="2000">
+                          <a:solidFill>
+                            <a:srgbClr val="FFFFFF"/>
+                          </a:solidFill>
+                        </a:rPr>
+                        <a:t>Cp</a:t>
+                      </a:r>
+                    </a:p>
+                  </a:txBody>
+                  <a:tcPr marL="50800" marR="50800" marT="50800" marB="50800" anchor="ctr" anchorCtr="0" horzOverflow="overflow"/>
+                </a:tc>
+                <a:tc>
+                  <a:txBody>
+                    <a:bodyPr/>
+                    <a:lstStyle/>
+                    <a:p>
+                      <a:pPr lvl="0" defTabSz="914400">
+                        <a:defRPr>
+                          <a:solidFill>
+                            <a:srgbClr val="000000"/>
+                          </a:solidFill>
+                        </a:defRPr>
+                      </a:pPr>
+                      <a:r>
+                        <a:rPr sz="2000">
+                          <a:solidFill>
+                            <a:srgbClr val="FFFFFF"/>
+                          </a:solidFill>
+                        </a:rPr>
+                        <a:t>BIC</a:t>
+                      </a:r>
+                    </a:p>
+                  </a:txBody>
+                  <a:tcPr marL="50800" marR="50800" marT="50800" marB="50800" anchor="ctr" anchorCtr="0" horzOverflow="overflow"/>
+                </a:tc>
+                <a:tc>
+                  <a:txBody>
+                    <a:bodyPr/>
+                    <a:lstStyle/>
+                    <a:p>
+                      <a:pPr lvl="0" defTabSz="914400">
+                        <a:defRPr>
+                          <a:solidFill>
+                            <a:srgbClr val="000000"/>
+                          </a:solidFill>
+                        </a:defRPr>
+                      </a:pPr>
+                      <a:r>
+                        <a:rPr sz="2000">
+                          <a:solidFill>
+                            <a:srgbClr val="FFFFFF"/>
+                          </a:solidFill>
+                        </a:rPr>
+                        <a:t>AdjR^2</a:t>
+                      </a:r>
+                    </a:p>
+                  </a:txBody>
+                  <a:tcPr marL="50800" marR="50800" marT="50800" marB="50800" anchor="ctr" anchorCtr="0" horzOverflow="overflow"/>
+                </a:tc>
+              </a:tr>
+              <a:tr h="730250">
+                <a:tc>
+                  <a:txBody>
+                    <a:bodyPr/>
+                    <a:lstStyle/>
+                    <a:p>
+                      <a:pPr lvl="0" defTabSz="914400">
+                        <a:defRPr>
+                          <a:solidFill>
+                            <a:srgbClr val="000000"/>
+                          </a:solidFill>
+                        </a:defRPr>
+                      </a:pPr>
+                      <a:r>
+                        <a:rPr sz="2000">
+                          <a:solidFill>
+                            <a:srgbClr val="FFFFFF"/>
+                          </a:solidFill>
+                        </a:rPr>
+                        <a:t>변수 개수</a:t>
+                      </a:r>
+                    </a:p>
+                  </a:txBody>
+                  <a:tcPr marL="50800" marR="50800" marT="50800" marB="50800" anchor="ctr" anchorCtr="0" horzOverflow="overflow"/>
+                </a:tc>
+                <a:tc>
+                  <a:txBody>
+                    <a:bodyPr/>
+                    <a:lstStyle/>
+                    <a:p>
+                      <a:pPr lvl="0" defTabSz="914400">
+                        <a:defRPr>
+                          <a:solidFill>
+                            <a:srgbClr val="000000"/>
+                          </a:solidFill>
+                        </a:defRPr>
+                      </a:pPr>
+                      <a:r>
+                        <a:rPr sz="2600">
+                          <a:solidFill>
+                            <a:srgbClr val="414141"/>
+                          </a:solidFill>
+                        </a:rPr>
+                        <a:t>14</a:t>
+                      </a:r>
+                    </a:p>
+                  </a:txBody>
+                  <a:tcPr marL="50800" marR="50800" marT="50800" marB="50800" anchor="ctr" anchorCtr="0" horzOverflow="overflow">
+                    <a:lnB w="12700">
+                      <a:miter lim="400000"/>
+                    </a:lnB>
+                  </a:tcPr>
+                </a:tc>
+                <a:tc>
+                  <a:txBody>
+                    <a:bodyPr/>
+                    <a:lstStyle/>
+                    <a:p>
+                      <a:pPr lvl="0" defTabSz="914400">
+                        <a:defRPr>
+                          <a:solidFill>
+                            <a:srgbClr val="000000"/>
+                          </a:solidFill>
+                        </a:defRPr>
+                      </a:pPr>
+                      <a:r>
+                        <a:rPr sz="2600">
+                          <a:solidFill>
+                            <a:srgbClr val="414141"/>
+                          </a:solidFill>
+                        </a:rPr>
+                        <a:t>7</a:t>
+                      </a:r>
+                    </a:p>
+                  </a:txBody>
+                  <a:tcPr marL="50800" marR="50800" marT="50800" marB="50800" anchor="ctr" anchorCtr="0" horzOverflow="overflow">
+                    <a:lnB w="12700">
+                      <a:miter lim="400000"/>
+                    </a:lnB>
+                  </a:tcPr>
+                </a:tc>
+                <a:tc>
+                  <a:txBody>
+                    <a:bodyPr/>
+                    <a:lstStyle/>
+                    <a:p>
+                      <a:pPr lvl="0" defTabSz="914400">
+                        <a:defRPr>
+                          <a:solidFill>
+                            <a:srgbClr val="000000"/>
+                          </a:solidFill>
+                        </a:defRPr>
+                      </a:pPr>
+                      <a:r>
+                        <a:rPr sz="2600">
+                          <a:solidFill>
+                            <a:srgbClr val="414141"/>
+                          </a:solidFill>
+                        </a:rPr>
+                        <a:t>16</a:t>
+                      </a:r>
+                    </a:p>
+                  </a:txBody>
+                  <a:tcPr marL="50800" marR="50800" marT="50800" marB="50800" anchor="ctr" anchorCtr="0" horzOverflow="overflow">
+                    <a:lnR w="12700">
+                      <a:miter lim="400000"/>
+                    </a:lnR>
+                    <a:lnB w="12700">
+                      <a:miter lim="400000"/>
+                    </a:lnB>
+                  </a:tcPr>
+                </a:tc>
+              </a:tr>
+            </a:tbl>
+          </a:graphicData>
+        </a:graphic>
+      </p:graphicFrame>
     </p:spTree>
   </p:cSld>
   <p:clrMapOvr>

--- a/presentation.pptx
+++ b/presentation.pptx
@@ -30,6 +30,12 @@
     <p:sldId id="275" r:id="rId27"/>
     <p:sldId id="276" r:id="rId28"/>
     <p:sldId id="277" r:id="rId29"/>
+    <p:sldId id="278" r:id="rId30"/>
+    <p:sldId id="279" r:id="rId31"/>
+    <p:sldId id="280" r:id="rId32"/>
+    <p:sldId id="281" r:id="rId33"/>
+    <p:sldId id="282" r:id="rId34"/>
+    <p:sldId id="283" r:id="rId35"/>
   </p:sldIdLst>
   <p:sldSz cx="13004800" cy="9753600"/>
   <p:notesSz cx="6858000" cy="9144000"/>
@@ -3882,7 +3888,7 @@
                 <a:cs typeface="Bodoni SvtyTwo ITC TT-BookIta"/>
                 <a:sym typeface="Bodoni SvtyTwo ITC TT-BookIta"/>
               </a:rPr>
-              <a:t>Ridge</a:t>
+              <a:t>subset election 요약</a:t>
             </a:r>
           </a:p>
         </p:txBody>
@@ -3897,8 +3903,8 @@
         </p:nvSpPr>
         <p:spPr>
           <a:xfrm>
-            <a:off x="6552803" y="2324100"/>
-            <a:ext cx="5943997" cy="6096000"/>
+            <a:off x="508000" y="2628900"/>
+            <a:ext cx="11988800" cy="4539953"/>
           </a:xfrm>
           <a:prstGeom prst="rect">
             <a:avLst/>
@@ -3921,7 +3927,7 @@
                   <a:srgbClr val="414141"/>
                 </a:solidFill>
               </a:rPr>
-              <a:t>lambda = 0.002977314</a:t>
+              <a:t>Best subset, Forward, Backward 방법 모두 비슷한 결과가 나왔다.</a:t>
             </a:r>
             <a:endParaRPr sz="3600">
               <a:solidFill>
@@ -3943,38 +3949,11 @@
                   <a:srgbClr val="414141"/>
                 </a:solidFill>
               </a:rPr>
-              <a:t>모든 변수가 선택됨</a:t>
+              <a:t>계수가 약간 다르긴 하지만 거의 동일했다.</a:t>
             </a:r>
           </a:p>
         </p:txBody>
       </p:sp>
-      <p:pic>
-        <p:nvPicPr>
-          <p:cNvPr id="79" name="pasted-image.png"/>
-          <p:cNvPicPr/>
-          <p:nvPr/>
-        </p:nvPicPr>
-        <p:blipFill>
-          <a:blip r:embed="rId2">
-            <a:extLst/>
-          </a:blip>
-          <a:stretch>
-            <a:fillRect/>
-          </a:stretch>
-        </p:blipFill>
-        <p:spPr>
-          <a:xfrm>
-            <a:off x="419100" y="2717800"/>
-            <a:ext cx="6096000" cy="6096000"/>
-          </a:xfrm>
-          <a:prstGeom prst="rect">
-            <a:avLst/>
-          </a:prstGeom>
-          <a:ln w="12700">
-            <a:miter lim="400000"/>
-          </a:ln>
-        </p:spPr>
-      </p:pic>
     </p:spTree>
   </p:cSld>
   <p:clrMapOvr>
@@ -4003,7 +3982,7 @@
       </p:grpSpPr>
       <p:sp>
         <p:nvSpPr>
-          <p:cNvPr id="81" name="Shape 81"/>
+          <p:cNvPr id="80" name="Shape 80"/>
           <p:cNvSpPr/>
           <p:nvPr>
             <p:ph type="title"/>
@@ -4066,14 +4045,14 @@
                 <a:cs typeface="Bodoni SvtyTwo ITC TT-BookIta"/>
                 <a:sym typeface="Bodoni SvtyTwo ITC TT-BookIta"/>
               </a:rPr>
-              <a:t>Lasso</a:t>
+              <a:t>Ridge</a:t>
             </a:r>
           </a:p>
         </p:txBody>
       </p:sp>
       <p:sp>
         <p:nvSpPr>
-          <p:cNvPr id="82" name="Shape 82"/>
+          <p:cNvPr id="81" name="Shape 81"/>
           <p:cNvSpPr/>
           <p:nvPr>
             <p:ph type="body" idx="1"/>
@@ -4105,7 +4084,7 @@
                   <a:srgbClr val="414141"/>
                 </a:solidFill>
               </a:rPr>
-              <a:t>lambda = 0.001071593</a:t>
+              <a:t>lambda = 0.002977314</a:t>
             </a:r>
             <a:endParaRPr sz="3600">
               <a:solidFill>
@@ -4127,14 +4106,14 @@
                   <a:srgbClr val="414141"/>
                 </a:solidFill>
               </a:rPr>
-              <a:t>선택된 변수 개수: 13개(factor별 질적변수=1개)</a:t>
+              <a:t>모든 변수가 선택됨</a:t>
             </a:r>
           </a:p>
         </p:txBody>
       </p:sp>
       <p:pic>
         <p:nvPicPr>
-          <p:cNvPr id="83" name="pasted-image.png"/>
+          <p:cNvPr id="82" name="pasted-image.png"/>
           <p:cNvPicPr/>
           <p:nvPr/>
         </p:nvPicPr>
@@ -4187,7 +4166,7 @@
       </p:grpSpPr>
       <p:sp>
         <p:nvSpPr>
-          <p:cNvPr id="85" name="Shape 85"/>
+          <p:cNvPr id="84" name="Shape 84"/>
           <p:cNvSpPr/>
           <p:nvPr>
             <p:ph type="title"/>
@@ -4200,14 +4179,81 @@
         </p:spPr>
         <p:txBody>
           <a:bodyPr/>
-          <a:lstStyle>
-            <a:lvl1pPr defTabSz="578358">
+          <a:lstStyle/>
+          <a:p>
+            <a:pPr lvl="0" algn="l" defTabSz="578358">
               <a:spcBef>
                 <a:spcPts val="1500"/>
               </a:spcBef>
-              <a:defRPr sz="6930"/>
-            </a:lvl1pPr>
-          </a:lstStyle>
+              <a:defRPr sz="1800">
+                <a:solidFill>
+                  <a:srgbClr val="000000"/>
+                </a:solidFill>
+              </a:defRPr>
+            </a:pPr>
+            <a:r>
+              <a:rPr sz="6930">
+                <a:solidFill>
+                  <a:srgbClr val="D93E2B"/>
+                </a:solidFill>
+              </a:rPr>
+              <a:t>변수 선택</a:t>
+            </a:r>
+            <a:r>
+              <a:rPr sz="6930">
+                <a:solidFill>
+                  <a:srgbClr val="D93E2B"/>
+                </a:solidFill>
+                <a:latin typeface="Bodoni SvtyTwo ITC TT-Bold"/>
+                <a:ea typeface="Bodoni SvtyTwo ITC TT-Bold"/>
+                <a:cs typeface="Bodoni SvtyTwo ITC TT-Bold"/>
+                <a:sym typeface="Bodoni SvtyTwo ITC TT-Bold"/>
+              </a:rPr>
+              <a:t>:</a:t>
+            </a:r>
+            <a:r>
+              <a:rPr sz="6930">
+                <a:solidFill>
+                  <a:srgbClr val="D93E2B"/>
+                </a:solidFill>
+              </a:rPr>
+              <a:t> </a:t>
+            </a:r>
+            <a:r>
+              <a:rPr sz="5940">
+                <a:solidFill>
+                  <a:srgbClr val="D93E2B"/>
+                </a:solidFill>
+                <a:latin typeface="Bodoni SvtyTwo ITC TT-BookIta"/>
+                <a:ea typeface="Bodoni SvtyTwo ITC TT-BookIta"/>
+                <a:cs typeface="Bodoni SvtyTwo ITC TT-BookIta"/>
+                <a:sym typeface="Bodoni SvtyTwo ITC TT-BookIta"/>
+              </a:rPr>
+              <a:t>Lasso</a:t>
+            </a:r>
+          </a:p>
+        </p:txBody>
+      </p:sp>
+      <p:sp>
+        <p:nvSpPr>
+          <p:cNvPr id="85" name="Shape 85"/>
+          <p:cNvSpPr/>
+          <p:nvPr>
+            <p:ph type="body" idx="1"/>
+          </p:nvPr>
+        </p:nvSpPr>
+        <p:spPr>
+          <a:xfrm>
+            <a:off x="6552803" y="2324100"/>
+            <a:ext cx="5943997" cy="6096000"/>
+          </a:xfrm>
+          <a:prstGeom prst="rect">
+            <a:avLst/>
+          </a:prstGeom>
+        </p:spPr>
+        <p:txBody>
+          <a:bodyPr/>
+          <a:lstStyle/>
           <a:p>
             <a:pPr lvl="0">
               <a:defRPr sz="1800">
@@ -4217,16 +4263,65 @@
               </a:defRPr>
             </a:pPr>
             <a:r>
-              <a:rPr sz="6930">
-                <a:solidFill>
-                  <a:srgbClr val="D93E2B"/>
-                </a:solidFill>
-              </a:rPr>
-              <a:t>최종 모델 선택</a:t>
+              <a:rPr sz="3600">
+                <a:solidFill>
+                  <a:srgbClr val="414141"/>
+                </a:solidFill>
+              </a:rPr>
+              <a:t>lambda = 0.001071593</a:t>
+            </a:r>
+            <a:endParaRPr sz="3600">
+              <a:solidFill>
+                <a:srgbClr val="414141"/>
+              </a:solidFill>
+            </a:endParaRPr>
+          </a:p>
+          <a:p>
+            <a:pPr lvl="0">
+              <a:defRPr sz="1800">
+                <a:solidFill>
+                  <a:srgbClr val="000000"/>
+                </a:solidFill>
+              </a:defRPr>
+            </a:pPr>
+            <a:r>
+              <a:rPr sz="3600">
+                <a:solidFill>
+                  <a:srgbClr val="414141"/>
+                </a:solidFill>
+              </a:rPr>
+              <a:t>선택된 변수 개수: 13개(factor별 질적변수=1개)</a:t>
             </a:r>
           </a:p>
         </p:txBody>
       </p:sp>
+      <p:pic>
+        <p:nvPicPr>
+          <p:cNvPr id="86" name="pasted-image.png"/>
+          <p:cNvPicPr/>
+          <p:nvPr/>
+        </p:nvPicPr>
+        <p:blipFill>
+          <a:blip r:embed="rId2">
+            <a:extLst/>
+          </a:blip>
+          <a:stretch>
+            <a:fillRect/>
+          </a:stretch>
+        </p:blipFill>
+        <p:spPr>
+          <a:xfrm>
+            <a:off x="419100" y="2717800"/>
+            <a:ext cx="6096000" cy="6096000"/>
+          </a:xfrm>
+          <a:prstGeom prst="rect">
+            <a:avLst/>
+          </a:prstGeom>
+          <a:ln w="12700">
+            <a:miter lim="400000"/>
+          </a:ln>
+        </p:spPr>
+      </p:pic>
     </p:spTree>
   </p:cSld>
   <p:clrMapOvr>
@@ -4255,7 +4350,7 @@
       </p:grpSpPr>
       <p:sp>
         <p:nvSpPr>
-          <p:cNvPr id="87" name="Shape 87"/>
+          <p:cNvPr id="88" name="Shape 88"/>
           <p:cNvSpPr/>
           <p:nvPr>
             <p:ph type="title"/>
@@ -4269,13 +4364,11 @@
         <p:txBody>
           <a:bodyPr/>
           <a:lstStyle>
-            <a:lvl1pPr>
-              <a:defRPr>
-                <a:latin typeface="Bodoni SvtyTwo ITC TT-Bold"/>
-                <a:ea typeface="Bodoni SvtyTwo ITC TT-Bold"/>
-                <a:cs typeface="Bodoni SvtyTwo ITC TT-Bold"/>
-                <a:sym typeface="Bodoni SvtyTwo ITC TT-Bold"/>
-              </a:defRPr>
+            <a:lvl1pPr defTabSz="578358">
+              <a:spcBef>
+                <a:spcPts val="1500"/>
+              </a:spcBef>
+              <a:defRPr sz="6930"/>
             </a:lvl1pPr>
           </a:lstStyle>
           <a:p>
@@ -4287,19 +4380,19 @@
               </a:defRPr>
             </a:pPr>
             <a:r>
-              <a:rPr sz="7000">
+              <a:rPr sz="6930">
                 <a:solidFill>
                   <a:srgbClr val="D93E2B"/>
                 </a:solidFill>
               </a:rPr>
-              <a:t>분류 방법 비교</a:t>
+              <a:t>최종 모델 선택</a:t>
             </a:r>
           </a:p>
         </p:txBody>
       </p:sp>
       <p:sp>
         <p:nvSpPr>
-          <p:cNvPr id="88" name="Shape 88"/>
+          <p:cNvPr id="89" name="Shape 89"/>
           <p:cNvSpPr/>
           <p:nvPr>
             <p:ph type="body" idx="1"/>
@@ -4307,8 +4400,8 @@
         </p:nvSpPr>
         <p:spPr>
           <a:xfrm>
-            <a:off x="520700" y="2178050"/>
-            <a:ext cx="11988800" cy="2740025"/>
+            <a:off x="508000" y="2628900"/>
+            <a:ext cx="11988800" cy="4539953"/>
           </a:xfrm>
           <a:prstGeom prst="rect">
             <a:avLst/>
@@ -4331,7 +4424,7 @@
                   <a:srgbClr val="414141"/>
                 </a:solidFill>
               </a:rPr>
-              <a:t>변수 선택 방법으로 선택된 최종 모델을 이용</a:t>
+              <a:t>Cross-Validation 방법</a:t>
             </a:r>
             <a:endParaRPr sz="3600">
               <a:solidFill>
@@ -4353,694 +4446,55 @@
                   <a:srgbClr val="414141"/>
                 </a:solidFill>
               </a:rPr>
-              <a:t>Logistic regression, LDA, QDA, KNN 분류 방법 비교</a:t>
+              <a:t>Best subset, forward, backward 별 Cp, BIC, AdjR^2 비교</a:t>
+            </a:r>
+            <a:endParaRPr sz="3600">
+              <a:solidFill>
+                <a:srgbClr val="414141"/>
+              </a:solidFill>
+            </a:endParaRPr>
+          </a:p>
+          <a:p>
+            <a:pPr lvl="0">
+              <a:defRPr sz="1800">
+                <a:solidFill>
+                  <a:srgbClr val="000000"/>
+                </a:solidFill>
+              </a:defRPr>
+            </a:pPr>
+            <a:r>
+              <a:rPr sz="3600">
+                <a:solidFill>
+                  <a:srgbClr val="414141"/>
+                </a:solidFill>
+              </a:rPr>
+              <a:t>Ridge, Lasso 비교</a:t>
+            </a:r>
+            <a:endParaRPr sz="3600">
+              <a:solidFill>
+                <a:srgbClr val="414141"/>
+              </a:solidFill>
+            </a:endParaRPr>
+          </a:p>
+          <a:p>
+            <a:pPr lvl="0">
+              <a:defRPr sz="1800">
+                <a:solidFill>
+                  <a:srgbClr val="000000"/>
+                </a:solidFill>
+              </a:defRPr>
+            </a:pPr>
+            <a:r>
+              <a:rPr sz="3600">
+                <a:solidFill>
+                  <a:srgbClr val="414141"/>
+                </a:solidFill>
+              </a:rPr>
+              <a:t>Subset 의 베스트 모델과 Ridge, Lasso 비교</a:t>
             </a:r>
           </a:p>
         </p:txBody>
       </p:sp>
-      <p:graphicFrame>
-        <p:nvGraphicFramePr>
-          <p:cNvPr id="89" name="Table 89"/>
-          <p:cNvGraphicFramePr/>
-          <p:nvPr/>
-        </p:nvGraphicFramePr>
-        <p:xfrm>
-          <a:off x="1943100" y="4584700"/>
-          <a:ext cx="9044236" cy="4517827"/>
-        </p:xfrm>
-        <a:graphic xmlns:a="http://schemas.openxmlformats.org/drawingml/2006/main">
-          <a:graphicData uri="http://schemas.openxmlformats.org/drawingml/2006/table">
-            <a:tbl>
-              <a:tblPr firstCol="0" firstRow="1" lastCol="0" lastRow="0" bandCol="0" bandRow="0" rtl="0">
-                <a:tableStyleId>{33BA23B1-9221-436E-865A-0063620EA4FD}</a:tableStyleId>
-              </a:tblPr>
-              <a:tblGrid>
-                <a:gridCol w="3014745"/>
-                <a:gridCol w="3014745"/>
-                <a:gridCol w="3014745"/>
-              </a:tblGrid>
-              <a:tr h="564728">
-                <a:tc>
-                  <a:txBody>
-                    <a:bodyPr/>
-                    <a:lstStyle/>
-                    <a:p>
-                      <a:pPr lvl="0" defTabSz="914400">
-                        <a:defRPr>
-                          <a:solidFill>
-                            <a:srgbClr val="000000"/>
-                          </a:solidFill>
-                        </a:defRPr>
-                      </a:pPr>
-                      <a:r>
-                        <a:rPr sz="2200">
-                          <a:solidFill>
-                            <a:srgbClr val="FFFFFF"/>
-                          </a:solidFill>
-                        </a:rPr>
-                        <a:t>변수 이름</a:t>
-                      </a:r>
-                    </a:p>
-                  </a:txBody>
-                  <a:tcPr marL="50800" marR="50800" marT="50800" marB="50800" anchor="ctr" anchorCtr="0" horzOverflow="overflow"/>
-                </a:tc>
-                <a:tc>
-                  <a:txBody>
-                    <a:bodyPr/>
-                    <a:lstStyle/>
-                    <a:p>
-                      <a:pPr lvl="0" defTabSz="914400">
-                        <a:defRPr>
-                          <a:solidFill>
-                            <a:srgbClr val="000000"/>
-                          </a:solidFill>
-                        </a:defRPr>
-                      </a:pPr>
-                      <a:r>
-                        <a:rPr sz="2200">
-                          <a:solidFill>
-                            <a:srgbClr val="FFFFFF"/>
-                          </a:solidFill>
-                        </a:rPr>
-                        <a:t>범위</a:t>
-                      </a:r>
-                    </a:p>
-                  </a:txBody>
-                  <a:tcPr marL="50800" marR="50800" marT="50800" marB="50800" anchor="ctr" anchorCtr="0" horzOverflow="overflow"/>
-                </a:tc>
-                <a:tc>
-                  <a:txBody>
-                    <a:bodyPr/>
-                    <a:lstStyle/>
-                    <a:p>
-                      <a:pPr lvl="0" defTabSz="914400">
-                        <a:defRPr>
-                          <a:solidFill>
-                            <a:srgbClr val="000000"/>
-                          </a:solidFill>
-                        </a:defRPr>
-                      </a:pPr>
-                      <a:r>
-                        <a:rPr sz="2600">
-                          <a:solidFill>
-                            <a:srgbClr val="FFFFFF"/>
-                          </a:solidFill>
-                        </a:rPr>
-                        <a:t>설명</a:t>
-                      </a:r>
-                    </a:p>
-                  </a:txBody>
-                  <a:tcPr marL="50800" marR="50800" marT="50800" marB="50800" anchor="ctr" anchorCtr="0" horzOverflow="overflow"/>
-                </a:tc>
-              </a:tr>
-              <a:tr h="564728">
-                <a:tc>
-                  <a:txBody>
-                    <a:bodyPr/>
-                    <a:lstStyle/>
-                    <a:p>
-                      <a:pPr lvl="0" defTabSz="914400">
-                        <a:defRPr>
-                          <a:solidFill>
-                            <a:srgbClr val="000000"/>
-                          </a:solidFill>
-                        </a:defRPr>
-                      </a:pPr>
-                      <a:r>
-                        <a:rPr sz="2200">
-                          <a:solidFill>
-                            <a:srgbClr val="414141"/>
-                          </a:solidFill>
-                        </a:rPr>
-                        <a:t>SIZE</a:t>
-                      </a:r>
-                    </a:p>
-                  </a:txBody>
-                  <a:tcPr marL="50800" marR="50800" marT="50800" marB="50800" anchor="ctr" anchorCtr="0" horzOverflow="overflow">
-                    <a:lnL w="12700">
-                      <a:miter lim="400000"/>
-                    </a:lnL>
-                  </a:tcPr>
-                </a:tc>
-                <a:tc>
-                  <a:txBody>
-                    <a:bodyPr/>
-                    <a:lstStyle/>
-                    <a:p>
-                      <a:pPr lvl="0" defTabSz="914400">
-                        <a:defRPr>
-                          <a:solidFill>
-                            <a:srgbClr val="000000"/>
-                          </a:solidFill>
-                        </a:defRPr>
-                      </a:pPr>
-                      <a:r>
-                        <a:rPr sz="2200">
-                          <a:solidFill>
-                            <a:srgbClr val="414141"/>
-                          </a:solidFill>
-                        </a:rPr>
-                        <a:t>small, medium, big</a:t>
-                      </a:r>
-                    </a:p>
-                  </a:txBody>
-                  <a:tcPr marL="50800" marR="50800" marT="50800" marB="50800" anchor="ctr" anchorCtr="0" horzOverflow="overflow"/>
-                </a:tc>
-                <a:tc>
-                  <a:txBody>
-                    <a:bodyPr/>
-                    <a:lstStyle/>
-                    <a:p>
-                      <a:pPr lvl="0" defTabSz="914400">
-                        <a:defRPr>
-                          <a:solidFill>
-                            <a:srgbClr val="000000"/>
-                          </a:solidFill>
-                        </a:defRPr>
-                      </a:pPr>
-                      <a:r>
-                        <a:rPr sz="2600">
-                          <a:solidFill>
-                            <a:srgbClr val="414141"/>
-                          </a:solidFill>
-                        </a:rPr>
-                        <a:t>기업의 크기</a:t>
-                      </a:r>
-                    </a:p>
-                  </a:txBody>
-                  <a:tcPr marL="50800" marR="50800" marT="50800" marB="50800" anchor="ctr" anchorCtr="0" horzOverflow="overflow">
-                    <a:lnR w="12700">
-                      <a:miter lim="400000"/>
-                    </a:lnR>
-                  </a:tcPr>
-                </a:tc>
-              </a:tr>
-              <a:tr h="564728">
-                <a:tc>
-                  <a:txBody>
-                    <a:bodyPr/>
-                    <a:lstStyle/>
-                    <a:p>
-                      <a:pPr lvl="0" defTabSz="914400">
-                        <a:defRPr>
-                          <a:solidFill>
-                            <a:srgbClr val="000000"/>
-                          </a:solidFill>
-                        </a:defRPr>
-                      </a:pPr>
-                      <a:r>
-                        <a:rPr sz="2200">
-                          <a:solidFill>
-                            <a:srgbClr val="414141"/>
-                          </a:solidFill>
-                        </a:rPr>
-                        <a:t>DEBT_COST</a:t>
-                      </a:r>
-                    </a:p>
-                  </a:txBody>
-                  <a:tcPr marL="50800" marR="50800" marT="50800" marB="50800" anchor="ctr" anchorCtr="0" horzOverflow="overflow">
-                    <a:lnL w="12700">
-                      <a:miter lim="400000"/>
-                    </a:lnL>
-                  </a:tcPr>
-                </a:tc>
-                <a:tc>
-                  <a:txBody>
-                    <a:bodyPr/>
-                    <a:lstStyle/>
-                    <a:p>
-                      <a:pPr lvl="0" defTabSz="914400">
-                        <a:defRPr>
-                          <a:solidFill>
-                            <a:srgbClr val="000000"/>
-                          </a:solidFill>
-                        </a:defRPr>
-                      </a:pPr>
-                      <a:r>
-                        <a:rPr sz="2200">
-                          <a:solidFill>
-                            <a:srgbClr val="414141"/>
-                          </a:solidFill>
-                        </a:rPr>
-                        <a:t>-0.87~8151.25</a:t>
-                      </a:r>
-                    </a:p>
-                  </a:txBody>
-                  <a:tcPr marL="50800" marR="50800" marT="50800" marB="50800" anchor="ctr" anchorCtr="0" horzOverflow="overflow"/>
-                </a:tc>
-                <a:tc>
-                  <a:txBody>
-                    <a:bodyPr/>
-                    <a:lstStyle/>
-                    <a:p>
-                      <a:pPr lvl="0" defTabSz="914400">
-                        <a:defRPr>
-                          <a:solidFill>
-                            <a:srgbClr val="000000"/>
-                          </a:solidFill>
-                        </a:defRPr>
-                      </a:pPr>
-                      <a:r>
-                        <a:rPr sz="2600">
-                          <a:solidFill>
-                            <a:srgbClr val="414141"/>
-                          </a:solidFill>
-                        </a:rPr>
-                        <a:t>부채 비용</a:t>
-                      </a:r>
-                    </a:p>
-                  </a:txBody>
-                  <a:tcPr marL="50800" marR="50800" marT="50800" marB="50800" anchor="ctr" anchorCtr="0" horzOverflow="overflow">
-                    <a:lnR w="12700">
-                      <a:miter lim="400000"/>
-                    </a:lnR>
-                  </a:tcPr>
-                </a:tc>
-              </a:tr>
-              <a:tr h="564728">
-                <a:tc>
-                  <a:txBody>
-                    <a:bodyPr/>
-                    <a:lstStyle/>
-                    <a:p>
-                      <a:pPr lvl="0" defTabSz="914400">
-                        <a:defRPr>
-                          <a:solidFill>
-                            <a:srgbClr val="000000"/>
-                          </a:solidFill>
-                        </a:defRPr>
-                      </a:pPr>
-                      <a:r>
-                        <a:rPr sz="2200">
-                          <a:solidFill>
-                            <a:srgbClr val="414141"/>
-                          </a:solidFill>
-                        </a:rPr>
-                        <a:t>RETURN_EQUITY</a:t>
-                      </a:r>
-                    </a:p>
-                  </a:txBody>
-                  <a:tcPr marL="50800" marR="50800" marT="50800" marB="50800" anchor="ctr" anchorCtr="0" horzOverflow="overflow">
-                    <a:lnL w="12700">
-                      <a:miter lim="400000"/>
-                    </a:lnL>
-                  </a:tcPr>
-                </a:tc>
-                <a:tc>
-                  <a:txBody>
-                    <a:bodyPr/>
-                    <a:lstStyle/>
-                    <a:p>
-                      <a:pPr lvl="0" defTabSz="914400">
-                        <a:defRPr>
-                          <a:solidFill>
-                            <a:srgbClr val="000000"/>
-                          </a:solidFill>
-                        </a:defRPr>
-                      </a:pPr>
-                      <a:r>
-                        <a:rPr sz="2200">
-                          <a:solidFill>
-                            <a:srgbClr val="414141"/>
-                          </a:solidFill>
-                        </a:rPr>
-                        <a:t>-1825426 ~ 9349.018</a:t>
-                      </a:r>
-                    </a:p>
-                  </a:txBody>
-                  <a:tcPr marL="50800" marR="50800" marT="50800" marB="50800" anchor="ctr" anchorCtr="0" horzOverflow="overflow"/>
-                </a:tc>
-                <a:tc>
-                  <a:txBody>
-                    <a:bodyPr/>
-                    <a:lstStyle/>
-                    <a:p>
-                      <a:pPr lvl="0" defTabSz="914400">
-                        <a:defRPr>
-                          <a:solidFill>
-                            <a:srgbClr val="000000"/>
-                          </a:solidFill>
-                        </a:defRPr>
-                      </a:pPr>
-                      <a:r>
-                        <a:rPr sz="2600">
-                          <a:solidFill>
-                            <a:srgbClr val="414141"/>
-                          </a:solidFill>
-                        </a:rPr>
-                        <a:t>자기자본이익률</a:t>
-                      </a:r>
-                    </a:p>
-                  </a:txBody>
-                  <a:tcPr marL="50800" marR="50800" marT="50800" marB="50800" anchor="ctr" anchorCtr="0" horzOverflow="overflow">
-                    <a:lnR w="12700">
-                      <a:miter lim="400000"/>
-                    </a:lnR>
-                  </a:tcPr>
-                </a:tc>
-              </a:tr>
-              <a:tr h="564728">
-                <a:tc>
-                  <a:txBody>
-                    <a:bodyPr/>
-                    <a:lstStyle/>
-                    <a:p>
-                      <a:pPr lvl="0" defTabSz="914400">
-                        <a:defRPr>
-                          <a:solidFill>
-                            <a:srgbClr val="000000"/>
-                          </a:solidFill>
-                        </a:defRPr>
-                      </a:pPr>
-                      <a:r>
-                        <a:rPr sz="2200">
-                          <a:solidFill>
-                            <a:srgbClr val="414141"/>
-                          </a:solidFill>
-                        </a:rPr>
-                        <a:t>RETURN_ASSETS</a:t>
-                      </a:r>
-                    </a:p>
-                  </a:txBody>
-                  <a:tcPr marL="50800" marR="50800" marT="50800" marB="50800" anchor="ctr" anchorCtr="0" horzOverflow="overflow">
-                    <a:lnL w="12700">
-                      <a:miter lim="400000"/>
-                    </a:lnL>
-                  </a:tcPr>
-                </a:tc>
-                <a:tc>
-                  <a:txBody>
-                    <a:bodyPr/>
-                    <a:lstStyle/>
-                    <a:p>
-                      <a:pPr lvl="0" defTabSz="914400">
-                        <a:defRPr>
-                          <a:solidFill>
-                            <a:srgbClr val="000000"/>
-                          </a:solidFill>
-                        </a:defRPr>
-                      </a:pPr>
-                      <a:r>
-                        <a:rPr>
-                          <a:solidFill>
-                            <a:srgbClr val="414141"/>
-                          </a:solidFill>
-                        </a:rPr>
-                        <a:t>-481.07 ~ 711.22</a:t>
-                      </a:r>
-                    </a:p>
-                  </a:txBody>
-                  <a:tcPr marL="50800" marR="50800" marT="50800" marB="50800" anchor="ctr" anchorCtr="0" horzOverflow="overflow"/>
-                </a:tc>
-                <a:tc>
-                  <a:txBody>
-                    <a:bodyPr/>
-                    <a:lstStyle/>
-                    <a:p>
-                      <a:pPr lvl="0" defTabSz="914400">
-                        <a:defRPr>
-                          <a:solidFill>
-                            <a:srgbClr val="000000"/>
-                          </a:solidFill>
-                        </a:defRPr>
-                      </a:pPr>
-                      <a:r>
-                        <a:rPr sz="2600">
-                          <a:solidFill>
-                            <a:srgbClr val="414141"/>
-                          </a:solidFill>
-                        </a:rPr>
-                        <a:t>총자산순이익률</a:t>
-                      </a:r>
-                    </a:p>
-                  </a:txBody>
-                  <a:tcPr marL="50800" marR="50800" marT="50800" marB="50800" anchor="ctr" anchorCtr="0" horzOverflow="overflow">
-                    <a:lnR w="12700">
-                      <a:miter lim="400000"/>
-                    </a:lnR>
-                  </a:tcPr>
-                </a:tc>
-              </a:tr>
-              <a:tr h="564728">
-                <a:tc>
-                  <a:txBody>
-                    <a:bodyPr/>
-                    <a:lstStyle/>
-                    <a:p>
-                      <a:pPr lvl="0" defTabSz="914400">
-                        <a:defRPr>
-                          <a:solidFill>
-                            <a:srgbClr val="000000"/>
-                          </a:solidFill>
-                        </a:defRPr>
-                      </a:pPr>
-                      <a:r>
-                        <a:rPr sz="1100">
-                          <a:solidFill>
-                            <a:srgbClr val="414141"/>
-                          </a:solidFill>
-                        </a:rPr>
-                        <a:t>NUMBER_JUDICIAL_INCIDENCES_YEAR</a:t>
-                      </a:r>
-                    </a:p>
-                  </a:txBody>
-                  <a:tcPr marL="50800" marR="50800" marT="50800" marB="50800" anchor="ctr" anchorCtr="0" horzOverflow="overflow">
-                    <a:lnL w="12700">
-                      <a:miter lim="400000"/>
-                    </a:lnL>
-                  </a:tcPr>
-                </a:tc>
-                <a:tc>
-                  <a:txBody>
-                    <a:bodyPr/>
-                    <a:lstStyle/>
-                    <a:p>
-                      <a:pPr lvl="0" defTabSz="914400">
-                        <a:defRPr>
-                          <a:solidFill>
-                            <a:srgbClr val="000000"/>
-                          </a:solidFill>
-                        </a:defRPr>
-                      </a:pPr>
-                      <a:r>
-                        <a:rPr sz="2200">
-                          <a:solidFill>
-                            <a:srgbClr val="414141"/>
-                          </a:solidFill>
-                        </a:rPr>
-                        <a:t>0 ~ 1</a:t>
-                      </a:r>
-                    </a:p>
-                  </a:txBody>
-                  <a:tcPr marL="50800" marR="50800" marT="50800" marB="50800" anchor="ctr" anchorCtr="0" horzOverflow="overflow"/>
-                </a:tc>
-                <a:tc>
-                  <a:txBody>
-                    <a:bodyPr/>
-                    <a:lstStyle/>
-                    <a:p>
-                      <a:pPr lvl="0" defTabSz="914400">
-                        <a:defRPr>
-                          <a:solidFill>
-                            <a:srgbClr val="000000"/>
-                          </a:solidFill>
-                        </a:defRPr>
-                      </a:pPr>
-                      <a:r>
-                        <a:rPr sz="2600">
-                          <a:solidFill>
-                            <a:srgbClr val="414141"/>
-                          </a:solidFill>
-                        </a:rPr>
-                        <a:t>법적 분쟁 발생 수</a:t>
-                      </a:r>
-                    </a:p>
-                  </a:txBody>
-                  <a:tcPr marL="50800" marR="50800" marT="50800" marB="50800" anchor="ctr" anchorCtr="0" horzOverflow="overflow">
-                    <a:lnR w="12700">
-                      <a:miter lim="400000"/>
-                    </a:lnR>
-                  </a:tcPr>
-                </a:tc>
-              </a:tr>
-              <a:tr h="564728">
-                <a:tc>
-                  <a:txBody>
-                    <a:bodyPr/>
-                    <a:lstStyle/>
-                    <a:p>
-                      <a:pPr lvl="0" defTabSz="914400">
-                        <a:defRPr>
-                          <a:solidFill>
-                            <a:srgbClr val="000000"/>
-                          </a:solidFill>
-                        </a:defRPr>
-                      </a:pPr>
-                      <a:r>
-                        <a:rPr sz="1100">
-                          <a:solidFill>
-                            <a:srgbClr val="414141"/>
-                          </a:solidFill>
-                        </a:rPr>
-                        <a:t>SPENT_JUDICAL_INCIDENCES_TOTAL</a:t>
-                      </a:r>
-                    </a:p>
-                  </a:txBody>
-                  <a:tcPr marL="50800" marR="50800" marT="50800" marB="50800" anchor="ctr" anchorCtr="0" horzOverflow="overflow">
-                    <a:lnL w="12700">
-                      <a:miter lim="400000"/>
-                    </a:lnL>
-                  </a:tcPr>
-                </a:tc>
-                <a:tc>
-                  <a:txBody>
-                    <a:bodyPr/>
-                    <a:lstStyle/>
-                    <a:p>
-                      <a:pPr lvl="0" defTabSz="914400">
-                        <a:defRPr>
-                          <a:solidFill>
-                            <a:srgbClr val="000000"/>
-                          </a:solidFill>
-                        </a:defRPr>
-                      </a:pPr>
-                      <a:r>
-                        <a:rPr sz="2200">
-                          <a:solidFill>
-                            <a:srgbClr val="414141"/>
-                          </a:solidFill>
-                        </a:rPr>
-                        <a:t>0 ~ 448342.4</a:t>
-                      </a:r>
-                    </a:p>
-                  </a:txBody>
-                  <a:tcPr marL="50800" marR="50800" marT="50800" marB="50800" anchor="ctr" anchorCtr="0" horzOverflow="overflow"/>
-                </a:tc>
-                <a:tc>
-                  <a:txBody>
-                    <a:bodyPr/>
-                    <a:lstStyle/>
-                    <a:p>
-                      <a:pPr lvl="0" defTabSz="914400">
-                        <a:defRPr>
-                          <a:solidFill>
-                            <a:srgbClr val="000000"/>
-                          </a:solidFill>
-                        </a:defRPr>
-                      </a:pPr>
-                      <a:r>
-                        <a:rPr sz="2600">
-                          <a:solidFill>
-                            <a:srgbClr val="414141"/>
-                          </a:solidFill>
-                        </a:rPr>
-                        <a:t>법적 분쟁 부담 비용</a:t>
-                      </a:r>
-                    </a:p>
-                  </a:txBody>
-                  <a:tcPr marL="50800" marR="50800" marT="50800" marB="50800" anchor="ctr" anchorCtr="0" horzOverflow="overflow">
-                    <a:lnR w="12700">
-                      <a:miter lim="400000"/>
-                    </a:lnR>
-                  </a:tcPr>
-                </a:tc>
-              </a:tr>
-              <a:tr h="564728">
-                <a:tc>
-                  <a:txBody>
-                    <a:bodyPr/>
-                    <a:lstStyle/>
-                    <a:p>
-                      <a:pPr lvl="0" defTabSz="914400">
-                        <a:defRPr>
-                          <a:solidFill>
-                            <a:srgbClr val="000000"/>
-                          </a:solidFill>
-                        </a:defRPr>
-                      </a:pPr>
-                      <a:r>
-                        <a:rPr sz="2200">
-                          <a:solidFill>
-                            <a:srgbClr val="414141"/>
-                          </a:solidFill>
-                        </a:rPr>
-                        <a:t>AUDITED</a:t>
-                      </a:r>
-                    </a:p>
-                  </a:txBody>
-                  <a:tcPr marL="50800" marR="50800" marT="50800" marB="50800" anchor="ctr" anchorCtr="0" horzOverflow="overflow">
-                    <a:lnL w="12700">
-                      <a:miter lim="400000"/>
-                    </a:lnL>
-                    <a:lnB w="12700">
-                      <a:miter lim="400000"/>
-                    </a:lnB>
-                  </a:tcPr>
-                </a:tc>
-                <a:tc>
-                  <a:txBody>
-                    <a:bodyPr/>
-                    <a:lstStyle/>
-                    <a:p>
-                      <a:pPr lvl="0" defTabSz="914400">
-                        <a:defRPr>
-                          <a:solidFill>
-                            <a:srgbClr val="000000"/>
-                          </a:solidFill>
-                        </a:defRPr>
-                      </a:pPr>
-                      <a:r>
-                        <a:rPr sz="2200">
-                          <a:solidFill>
-                            <a:srgbClr val="414141"/>
-                          </a:solidFill>
-                        </a:rPr>
-                        <a:t>no, yes</a:t>
-                      </a:r>
-                    </a:p>
-                  </a:txBody>
-                  <a:tcPr marL="50800" marR="50800" marT="50800" marB="50800" anchor="ctr" anchorCtr="0" horzOverflow="overflow">
-                    <a:lnB w="12700">
-                      <a:miter lim="400000"/>
-                    </a:lnB>
-                  </a:tcPr>
-                </a:tc>
-                <a:tc>
-                  <a:txBody>
-                    <a:bodyPr/>
-                    <a:lstStyle/>
-                    <a:p>
-                      <a:pPr lvl="0" defTabSz="914400">
-                        <a:defRPr>
-                          <a:solidFill>
-                            <a:srgbClr val="000000"/>
-                          </a:solidFill>
-                        </a:defRPr>
-                      </a:pPr>
-                      <a:r>
-                        <a:rPr sz="2600">
-                          <a:solidFill>
-                            <a:srgbClr val="414141"/>
-                          </a:solidFill>
-                        </a:rPr>
-                        <a:t>감사 여부</a:t>
-                      </a:r>
-                    </a:p>
-                  </a:txBody>
-                  <a:tcPr marL="50800" marR="50800" marT="50800" marB="50800" anchor="ctr" anchorCtr="0" horzOverflow="overflow">
-                    <a:lnR w="12700">
-                      <a:miter lim="400000"/>
-                    </a:lnR>
-                    <a:lnB w="12700">
-                      <a:miter lim="400000"/>
-                    </a:lnB>
-                  </a:tcPr>
-                </a:tc>
-              </a:tr>
-            </a:tbl>
-          </a:graphicData>
-        </a:graphic>
-      </p:graphicFrame>
     </p:spTree>
   </p:cSld>
   <p:clrMapOvr>
@@ -5072,6 +4526,123 @@
           <p:cNvPr id="91" name="Shape 91"/>
           <p:cNvSpPr/>
           <p:nvPr>
+            <p:ph type="body" idx="1"/>
+          </p:nvPr>
+        </p:nvSpPr>
+        <p:spPr>
+          <a:xfrm>
+            <a:off x="508000" y="2628900"/>
+            <a:ext cx="11988800" cy="6644978"/>
+          </a:xfrm>
+          <a:prstGeom prst="rect">
+            <a:avLst/>
+          </a:prstGeom>
+        </p:spPr>
+        <p:txBody>
+          <a:bodyPr/>
+          <a:lstStyle/>
+          <a:p>
+            <a:pPr lvl="0" marL="465201" indent="-465201" defTabSz="578358">
+              <a:spcBef>
+                <a:spcPts val="2300"/>
+              </a:spcBef>
+              <a:defRPr sz="1800">
+                <a:solidFill>
+                  <a:srgbClr val="000000"/>
+                </a:solidFill>
+              </a:defRPr>
+            </a:pPr>
+            <a:r>
+              <a:rPr sz="3564">
+                <a:solidFill>
+                  <a:srgbClr val="414141"/>
+                </a:solidFill>
+              </a:rPr>
+              <a:t>Validation set approach: 랜덤으로 절반을 Validation dataset으로 사용</a:t>
+            </a:r>
+            <a:endParaRPr sz="3564">
+              <a:solidFill>
+                <a:srgbClr val="414141"/>
+              </a:solidFill>
+            </a:endParaRPr>
+          </a:p>
+          <a:p>
+            <a:pPr lvl="0" marL="465201" indent="-465201" defTabSz="578358">
+              <a:spcBef>
+                <a:spcPts val="2300"/>
+              </a:spcBef>
+              <a:defRPr sz="1800">
+                <a:solidFill>
+                  <a:srgbClr val="000000"/>
+                </a:solidFill>
+              </a:defRPr>
+            </a:pPr>
+            <a:r>
+              <a:rPr sz="3564">
+                <a:solidFill>
+                  <a:srgbClr val="414141"/>
+                </a:solidFill>
+              </a:rPr>
+              <a:t>LOOCV(K=200): 데이터가 약 2300개 가량으로 LOOCV는 시간이 오래걸림</a:t>
+            </a:r>
+            <a:endParaRPr sz="3564">
+              <a:solidFill>
+                <a:srgbClr val="414141"/>
+              </a:solidFill>
+            </a:endParaRPr>
+          </a:p>
+          <a:p>
+            <a:pPr lvl="0" marL="465201" indent="-465201" defTabSz="578358">
+              <a:spcBef>
+                <a:spcPts val="2300"/>
+              </a:spcBef>
+              <a:defRPr sz="1800">
+                <a:solidFill>
+                  <a:srgbClr val="000000"/>
+                </a:solidFill>
+              </a:defRPr>
+            </a:pPr>
+            <a:r>
+              <a:rPr sz="3564">
+                <a:solidFill>
+                  <a:srgbClr val="414141"/>
+                </a:solidFill>
+              </a:rPr>
+              <a:t>10-Fold(K=10): 랜덤으로 순서를 배열한 후 10개의 그룹을 번갈아가며 Validation dataset으로 사용</a:t>
+            </a:r>
+            <a:endParaRPr sz="3564">
+              <a:solidFill>
+                <a:srgbClr val="414141"/>
+              </a:solidFill>
+            </a:endParaRPr>
+          </a:p>
+          <a:p>
+            <a:pPr lvl="0" marL="465201" indent="-465201" defTabSz="578358">
+              <a:spcBef>
+                <a:spcPts val="2300"/>
+              </a:spcBef>
+              <a:defRPr sz="1800">
+                <a:solidFill>
+                  <a:srgbClr val="000000"/>
+                </a:solidFill>
+              </a:defRPr>
+            </a:pPr>
+            <a:r>
+              <a:rPr sz="3564">
+                <a:solidFill>
+                  <a:srgbClr val="414141"/>
+                </a:solidFill>
+              </a:rPr>
+              <a:t>최종적으로 가장 좋은 모델 선정을 위해 세가지 방법 중 오류율이 가장 낮은 모델을 선택(비교시 동일한 Sample을 맞추기 위해서 같은 seed 번호를 설정함.)</a:t>
+            </a:r>
+          </a:p>
+        </p:txBody>
+      </p:sp>
+      <p:sp>
+        <p:nvSpPr>
+          <p:cNvPr id="92" name="Shape 92"/>
+          <p:cNvSpPr/>
+          <p:nvPr>
             <p:ph type="title"/>
           </p:nvPr>
         </p:nvSpPr>
@@ -5100,7 +4671,7 @@
                   <a:srgbClr val="D93E2B"/>
                 </a:solidFill>
               </a:rPr>
-              <a:t>분류 방법 비교</a:t>
+              <a:t>최종 모델 선택</a:t>
             </a:r>
             <a:r>
               <a:rPr sz="6930">
@@ -5132,81 +4703,11 @@
                 <a:cs typeface="Bodoni SvtyTwo ITC TT-BookIta"/>
                 <a:sym typeface="Bodoni SvtyTwo ITC TT-BookIta"/>
               </a:rPr>
-              <a:t>데이터셋 설정</a:t>
+              <a:t>Cross-Validation</a:t>
             </a:r>
           </a:p>
         </p:txBody>
       </p:sp>
-      <p:sp>
-        <p:nvSpPr>
-          <p:cNvPr id="92" name="Shape 92"/>
-          <p:cNvSpPr/>
-          <p:nvPr>
-            <p:ph type="body" idx="1"/>
-          </p:nvPr>
-        </p:nvSpPr>
-        <p:spPr>
-          <a:xfrm>
-            <a:off x="508000" y="2628900"/>
-            <a:ext cx="11988800" cy="2111375"/>
-          </a:xfrm>
-          <a:prstGeom prst="rect">
-            <a:avLst/>
-          </a:prstGeom>
-        </p:spPr>
-        <p:txBody>
-          <a:bodyPr/>
-          <a:lstStyle>
-            <a:lvl1pPr marL="443794" indent="-443794">
-              <a:defRPr sz="3400"/>
-            </a:lvl1pPr>
-          </a:lstStyle>
-          <a:p>
-            <a:pPr lvl="0">
-              <a:defRPr sz="1800">
-                <a:solidFill>
-                  <a:srgbClr val="000000"/>
-                </a:solidFill>
-              </a:defRPr>
-            </a:pPr>
-            <a:r>
-              <a:rPr sz="3400">
-                <a:solidFill>
-                  <a:srgbClr val="414141"/>
-                </a:solidFill>
-              </a:rPr>
-              <a:t>랜덤으로 Training dataset과 Test dataset을 7:3비율로 설정</a:t>
-            </a:r>
-          </a:p>
-        </p:txBody>
-      </p:sp>
-      <p:pic>
-        <p:nvPicPr>
-          <p:cNvPr id="93" name="image4.png"/>
-          <p:cNvPicPr/>
-          <p:nvPr/>
-        </p:nvPicPr>
-        <p:blipFill>
-          <a:blip r:embed="rId2">
-            <a:extLst/>
-          </a:blip>
-          <a:stretch>
-            <a:fillRect/>
-          </a:stretch>
-        </p:blipFill>
-        <p:spPr>
-          <a:xfrm>
-            <a:off x="853591" y="5349874"/>
-            <a:ext cx="11043955" cy="1936475"/>
-          </a:xfrm>
-          <a:prstGeom prst="rect">
-            <a:avLst/>
-          </a:prstGeom>
-          <a:ln w="12700">
-            <a:miter lim="400000"/>
-          </a:ln>
-        </p:spPr>
-      </p:pic>
     </p:spTree>
   </p:cSld>
   <p:clrMapOvr>
@@ -5235,7 +4736,7 @@
       </p:grpSpPr>
       <p:sp>
         <p:nvSpPr>
-          <p:cNvPr id="95" name="Shape 95"/>
+          <p:cNvPr id="94" name="Shape 94"/>
           <p:cNvSpPr/>
           <p:nvPr>
             <p:ph type="title"/>
@@ -5266,7 +4767,7 @@
                   <a:srgbClr val="D93E2B"/>
                 </a:solidFill>
               </a:rPr>
-              <a:t>분류 방법 비교</a:t>
+              <a:t>최종 모델 선택</a:t>
             </a:r>
             <a:r>
               <a:rPr sz="6930">
@@ -5298,14 +4799,14 @@
                 <a:cs typeface="Bodoni SvtyTwo ITC TT-BookIta"/>
                 <a:sym typeface="Bodoni SvtyTwo ITC TT-BookIta"/>
               </a:rPr>
-              <a:t>Logistic Regression</a:t>
+              <a:t>Subset selection</a:t>
             </a:r>
           </a:p>
         </p:txBody>
       </p:sp>
       <p:pic>
         <p:nvPicPr>
-          <p:cNvPr id="96" name="image5.png"/>
+          <p:cNvPr id="95" name="pasted-image.png"/>
           <p:cNvPicPr/>
           <p:nvPr/>
         </p:nvPicPr>
@@ -5319,8 +4820,8 @@
         </p:blipFill>
         <p:spPr>
           <a:xfrm>
-            <a:off x="108980" y="2963930"/>
-            <a:ext cx="12786840" cy="3516383"/>
+            <a:off x="317500" y="2194917"/>
+            <a:ext cx="6096000" cy="6096001"/>
           </a:xfrm>
           <a:prstGeom prst="rect">
             <a:avLst/>
@@ -5330,53 +4831,1043 @@
           </a:ln>
         </p:spPr>
       </p:pic>
-      <p:sp>
-        <p:nvSpPr>
-          <p:cNvPr id="97" name="Shape 97"/>
-          <p:cNvSpPr/>
-          <p:nvPr>
-            <p:ph type="body" idx="1"/>
-          </p:nvPr>
-        </p:nvSpPr>
+      <p:pic>
+        <p:nvPicPr>
+          <p:cNvPr id="96" name="pasted-image.png"/>
+          <p:cNvPicPr/>
+          <p:nvPr/>
+        </p:nvPicPr>
+        <p:blipFill>
+          <a:blip r:embed="rId3">
+            <a:extLst/>
+          </a:blip>
+          <a:stretch>
+            <a:fillRect/>
+          </a:stretch>
+        </p:blipFill>
         <p:spPr>
           <a:xfrm>
-            <a:off x="508000" y="6480311"/>
-            <a:ext cx="11988800" cy="2244588"/>
+            <a:off x="6616005" y="2214413"/>
+            <a:ext cx="6096001" cy="6096001"/>
           </a:xfrm>
           <a:prstGeom prst="rect">
             <a:avLst/>
           </a:prstGeom>
+          <a:ln w="12700">
+            <a:miter lim="400000"/>
+          </a:ln>
         </p:spPr>
-        <p:txBody>
-          <a:bodyPr/>
-          <a:lstStyle/>
-          <a:p>
-            <a:pPr lvl="0">
-              <a:defRPr sz="1800">
-                <a:solidFill>
-                  <a:srgbClr val="000000"/>
-                </a:solidFill>
-              </a:defRPr>
-            </a:pPr>
-            <a:r>
-              <a:rPr sz="3600">
-                <a:solidFill>
-                  <a:srgbClr val="414141"/>
-                </a:solidFill>
-              </a:rPr>
-              <a:t>Threshold=0.05</a:t>
-            </a:r>
-            <a:r>
-              <a:rPr sz="3600">
-                <a:solidFill>
-                  <a:srgbClr val="414141"/>
-                </a:solidFill>
-              </a:rPr>
-              <a:t>로 설정</a:t>
-            </a:r>
-          </a:p>
-        </p:txBody>
-      </p:sp>
+      </p:pic>
+      <p:graphicFrame>
+        <p:nvGraphicFramePr>
+          <p:cNvPr id="97" name="Table 97"/>
+          <p:cNvGraphicFramePr/>
+          <p:nvPr/>
+        </p:nvGraphicFramePr>
+        <p:xfrm>
+          <a:off x="317500" y="7874000"/>
+          <a:ext cx="5737027" cy="1700610"/>
+        </p:xfrm>
+        <a:graphic xmlns:a="http://schemas.openxmlformats.org/drawingml/2006/main">
+          <a:graphicData uri="http://schemas.openxmlformats.org/drawingml/2006/table">
+            <a:tbl>
+              <a:tblPr firstCol="1" firstRow="1" lastCol="0" lastRow="0" bandCol="0" bandRow="0" rtl="0">
+                <a:tableStyleId>{33BA23B1-9221-436E-865A-0063620EA4FD}</a:tableStyleId>
+              </a:tblPr>
+              <a:tblGrid>
+                <a:gridCol w="775613"/>
+                <a:gridCol w="1653804"/>
+                <a:gridCol w="1653804"/>
+                <a:gridCol w="1653804"/>
+              </a:tblGrid>
+              <a:tr h="425152">
+                <a:tc>
+                  <a:txBody>
+                    <a:bodyPr/>
+                    <a:lstStyle/>
+                    <a:p>
+                      <a:pPr lvl="0" defTabSz="914400">
+                        <a:defRPr sz="1700"/>
+                      </a:pPr>
+                    </a:p>
+                  </a:txBody>
+                  <a:tcPr marL="50800" marR="50800" marT="50800" marB="50800" anchor="ctr" anchorCtr="0" horzOverflow="overflow"/>
+                </a:tc>
+                <a:tc>
+                  <a:txBody>
+                    <a:bodyPr/>
+                    <a:lstStyle/>
+                    <a:p>
+                      <a:pPr lvl="0" defTabSz="914400">
+                        <a:defRPr>
+                          <a:solidFill>
+                            <a:srgbClr val="000000"/>
+                          </a:solidFill>
+                        </a:defRPr>
+                      </a:pPr>
+                      <a:r>
+                        <a:rPr sz="1700">
+                          <a:solidFill>
+                            <a:srgbClr val="FFFFFF"/>
+                          </a:solidFill>
+                        </a:rPr>
+                        <a:t>CV</a:t>
+                      </a:r>
+                    </a:p>
+                  </a:txBody>
+                  <a:tcPr marL="50800" marR="50800" marT="50800" marB="50800" anchor="ctr" anchorCtr="0" horzOverflow="overflow"/>
+                </a:tc>
+                <a:tc>
+                  <a:txBody>
+                    <a:bodyPr/>
+                    <a:lstStyle/>
+                    <a:p>
+                      <a:pPr lvl="0" defTabSz="914400">
+                        <a:defRPr>
+                          <a:solidFill>
+                            <a:srgbClr val="000000"/>
+                          </a:solidFill>
+                        </a:defRPr>
+                      </a:pPr>
+                      <a:r>
+                        <a:rPr sz="1700">
+                          <a:solidFill>
+                            <a:srgbClr val="FFFFFF"/>
+                          </a:solidFill>
+                        </a:rPr>
+                        <a:t>LOOCV</a:t>
+                      </a:r>
+                    </a:p>
+                  </a:txBody>
+                  <a:tcPr marL="50800" marR="50800" marT="50800" marB="50800" anchor="ctr" anchorCtr="0" horzOverflow="overflow"/>
+                </a:tc>
+                <a:tc>
+                  <a:txBody>
+                    <a:bodyPr/>
+                    <a:lstStyle/>
+                    <a:p>
+                      <a:pPr lvl="0" defTabSz="914400">
+                        <a:defRPr>
+                          <a:solidFill>
+                            <a:srgbClr val="000000"/>
+                          </a:solidFill>
+                        </a:defRPr>
+                      </a:pPr>
+                      <a:r>
+                        <a:rPr sz="1700">
+                          <a:solidFill>
+                            <a:srgbClr val="FFFFFF"/>
+                          </a:solidFill>
+                        </a:rPr>
+                        <a:t>10-fold</a:t>
+                      </a:r>
+                    </a:p>
+                  </a:txBody>
+                  <a:tcPr marL="50800" marR="50800" marT="50800" marB="50800" anchor="ctr" anchorCtr="0" horzOverflow="overflow"/>
+                </a:tc>
+              </a:tr>
+              <a:tr h="425152">
+                <a:tc>
+                  <a:txBody>
+                    <a:bodyPr/>
+                    <a:lstStyle/>
+                    <a:p>
+                      <a:pPr lvl="0" defTabSz="914400">
+                        <a:defRPr>
+                          <a:solidFill>
+                            <a:srgbClr val="000000"/>
+                          </a:solidFill>
+                        </a:defRPr>
+                      </a:pPr>
+                      <a:r>
+                        <a:rPr sz="1700">
+                          <a:solidFill>
+                            <a:srgbClr val="FFFFFF"/>
+                          </a:solidFill>
+                        </a:rPr>
+                        <a:t>Cp</a:t>
+                      </a:r>
+                    </a:p>
+                  </a:txBody>
+                  <a:tcPr marL="50800" marR="50800" marT="50800" marB="50800" anchor="ctr" anchorCtr="0" horzOverflow="overflow"/>
+                </a:tc>
+                <a:tc>
+                  <a:txBody>
+                    <a:bodyPr/>
+                    <a:lstStyle/>
+                    <a:p>
+                      <a:pPr lvl="0" defTabSz="914400">
+                        <a:defRPr>
+                          <a:solidFill>
+                            <a:srgbClr val="000000"/>
+                          </a:solidFill>
+                        </a:defRPr>
+                      </a:pPr>
+                      <a:r>
+                        <a:rPr sz="1700">
+                          <a:solidFill>
+                            <a:srgbClr val="414141"/>
+                          </a:solidFill>
+                        </a:rPr>
+                        <a:t>0.05121746</a:t>
+                      </a:r>
+                    </a:p>
+                  </a:txBody>
+                  <a:tcPr marL="50800" marR="50800" marT="50800" marB="50800" anchor="ctr" anchorCtr="0" horzOverflow="overflow">
+                    <a:lnR w="12700">
+                      <a:miter lim="400000"/>
+                    </a:lnR>
+                    <a:lnB w="12700">
+                      <a:miter lim="400000"/>
+                    </a:lnB>
+                  </a:tcPr>
+                </a:tc>
+                <a:tc>
+                  <a:txBody>
+                    <a:bodyPr/>
+                    <a:lstStyle/>
+                    <a:p>
+                      <a:pPr lvl="0" defTabSz="914400">
+                        <a:defRPr>
+                          <a:solidFill>
+                            <a:srgbClr val="000000"/>
+                          </a:solidFill>
+                        </a:defRPr>
+                      </a:pPr>
+                      <a:r>
+                        <a:rPr sz="1700">
+                          <a:solidFill>
+                            <a:srgbClr val="414141"/>
+                          </a:solidFill>
+                        </a:rPr>
+                        <a:t>0.05282276</a:t>
+                      </a:r>
+                    </a:p>
+                  </a:txBody>
+                  <a:tcPr marL="50800" marR="50800" marT="50800" marB="50800" anchor="ctr" anchorCtr="0" horzOverflow="overflow">
+                    <a:lnL w="12700">
+                      <a:miter lim="400000"/>
+                    </a:lnL>
+                    <a:lnR w="12700">
+                      <a:miter lim="400000"/>
+                    </a:lnR>
+                    <a:lnB w="12700">
+                      <a:miter lim="400000"/>
+                    </a:lnB>
+                  </a:tcPr>
+                </a:tc>
+                <a:tc>
+                  <a:txBody>
+                    <a:bodyPr/>
+                    <a:lstStyle/>
+                    <a:p>
+                      <a:pPr lvl="0" defTabSz="914400">
+                        <a:defRPr>
+                          <a:solidFill>
+                            <a:srgbClr val="000000"/>
+                          </a:solidFill>
+                        </a:defRPr>
+                      </a:pPr>
+                      <a:r>
+                        <a:rPr sz="1700">
+                          <a:solidFill>
+                            <a:srgbClr val="414141"/>
+                          </a:solidFill>
+                        </a:rPr>
+                        <a:t>0.05415730</a:t>
+                      </a:r>
+                    </a:p>
+                  </a:txBody>
+                  <a:tcPr marL="50800" marR="50800" marT="50800" marB="50800" anchor="ctr" anchorCtr="0" horzOverflow="overflow">
+                    <a:lnL w="12700">
+                      <a:miter lim="400000"/>
+                    </a:lnL>
+                    <a:lnR w="12700">
+                      <a:miter lim="400000"/>
+                    </a:lnR>
+                    <a:lnB w="12700">
+                      <a:miter lim="400000"/>
+                    </a:lnB>
+                  </a:tcPr>
+                </a:tc>
+              </a:tr>
+              <a:tr h="425152">
+                <a:tc>
+                  <a:txBody>
+                    <a:bodyPr/>
+                    <a:lstStyle/>
+                    <a:p>
+                      <a:pPr lvl="0" defTabSz="914400">
+                        <a:defRPr>
+                          <a:solidFill>
+                            <a:srgbClr val="000000"/>
+                          </a:solidFill>
+                        </a:defRPr>
+                      </a:pPr>
+                      <a:r>
+                        <a:rPr sz="1700">
+                          <a:solidFill>
+                            <a:srgbClr val="FFFFFF"/>
+                          </a:solidFill>
+                        </a:rPr>
+                        <a:t>BIC</a:t>
+                      </a:r>
+                    </a:p>
+                  </a:txBody>
+                  <a:tcPr marL="50800" marR="50800" marT="50800" marB="50800" anchor="ctr" anchorCtr="0" horzOverflow="overflow"/>
+                </a:tc>
+                <a:tc>
+                  <a:txBody>
+                    <a:bodyPr/>
+                    <a:lstStyle/>
+                    <a:p>
+                      <a:pPr lvl="0" defTabSz="914400">
+                        <a:defRPr>
+                          <a:solidFill>
+                            <a:srgbClr val="000000"/>
+                          </a:solidFill>
+                        </a:defRPr>
+                      </a:pPr>
+                      <a:r>
+                        <a:rPr sz="1700">
+                          <a:solidFill>
+                            <a:srgbClr val="414141"/>
+                          </a:solidFill>
+                        </a:rPr>
+                        <a:t>0.05289673</a:t>
+                      </a:r>
+                    </a:p>
+                  </a:txBody>
+                  <a:tcPr marL="50800" marR="50800" marT="50800" marB="50800" anchor="ctr" anchorCtr="0" horzOverflow="overflow">
+                    <a:lnR w="12700">
+                      <a:miter lim="400000"/>
+                    </a:lnR>
+                    <a:lnT w="12700">
+                      <a:miter lim="400000"/>
+                    </a:lnT>
+                    <a:lnB w="12700">
+                      <a:miter lim="400000"/>
+                    </a:lnB>
+                  </a:tcPr>
+                </a:tc>
+                <a:tc>
+                  <a:txBody>
+                    <a:bodyPr/>
+                    <a:lstStyle/>
+                    <a:p>
+                      <a:pPr lvl="0" defTabSz="914400">
+                        <a:defRPr>
+                          <a:solidFill>
+                            <a:srgbClr val="000000"/>
+                          </a:solidFill>
+                        </a:defRPr>
+                      </a:pPr>
+                      <a:r>
+                        <a:rPr sz="1700">
+                          <a:solidFill>
+                            <a:srgbClr val="414141"/>
+                          </a:solidFill>
+                        </a:rPr>
+                        <a:t>0.04977804</a:t>
+                      </a:r>
+                    </a:p>
+                  </a:txBody>
+                  <a:tcPr marL="50800" marR="50800" marT="50800" marB="50800" anchor="ctr" anchorCtr="0" horzOverflow="overflow">
+                    <a:lnL w="12700">
+                      <a:miter lim="400000"/>
+                    </a:lnL>
+                    <a:lnR w="12700">
+                      <a:miter lim="400000"/>
+                    </a:lnR>
+                    <a:lnT w="12700">
+                      <a:miter lim="400000"/>
+                    </a:lnT>
+                    <a:lnB w="12700">
+                      <a:miter lim="400000"/>
+                    </a:lnB>
+                  </a:tcPr>
+                </a:tc>
+                <a:tc>
+                  <a:txBody>
+                    <a:bodyPr/>
+                    <a:lstStyle/>
+                    <a:p>
+                      <a:pPr lvl="0" defTabSz="914400">
+                        <a:defRPr>
+                          <a:solidFill>
+                            <a:srgbClr val="000000"/>
+                          </a:solidFill>
+                        </a:defRPr>
+                      </a:pPr>
+                      <a:r>
+                        <a:rPr sz="1700">
+                          <a:solidFill>
+                            <a:srgbClr val="414141"/>
+                          </a:solidFill>
+                        </a:rPr>
+                        <a:t>0.05005212</a:t>
+                      </a:r>
+                    </a:p>
+                  </a:txBody>
+                  <a:tcPr marL="50800" marR="50800" marT="50800" marB="50800" anchor="ctr" anchorCtr="0" horzOverflow="overflow">
+                    <a:lnL w="12700">
+                      <a:miter lim="400000"/>
+                    </a:lnL>
+                    <a:lnR w="12700">
+                      <a:miter lim="400000"/>
+                    </a:lnR>
+                    <a:lnT w="12700">
+                      <a:miter lim="400000"/>
+                    </a:lnT>
+                    <a:lnB w="12700">
+                      <a:miter lim="400000"/>
+                    </a:lnB>
+                  </a:tcPr>
+                </a:tc>
+              </a:tr>
+              <a:tr h="425152">
+                <a:tc>
+                  <a:txBody>
+                    <a:bodyPr/>
+                    <a:lstStyle/>
+                    <a:p>
+                      <a:pPr lvl="0" defTabSz="914400">
+                        <a:defRPr>
+                          <a:solidFill>
+                            <a:srgbClr val="000000"/>
+                          </a:solidFill>
+                        </a:defRPr>
+                      </a:pPr>
+                      <a:r>
+                        <a:rPr sz="1700">
+                          <a:solidFill>
+                            <a:srgbClr val="FFFFFF"/>
+                          </a:solidFill>
+                        </a:rPr>
+                        <a:t>Adjr2</a:t>
+                      </a:r>
+                    </a:p>
+                  </a:txBody>
+                  <a:tcPr marL="50800" marR="50800" marT="50800" marB="50800" anchor="ctr" anchorCtr="0" horzOverflow="overflow"/>
+                </a:tc>
+                <a:tc>
+                  <a:txBody>
+                    <a:bodyPr/>
+                    <a:lstStyle/>
+                    <a:p>
+                      <a:pPr lvl="0" defTabSz="914400">
+                        <a:defRPr>
+                          <a:solidFill>
+                            <a:srgbClr val="000000"/>
+                          </a:solidFill>
+                        </a:defRPr>
+                      </a:pPr>
+                      <a:r>
+                        <a:rPr sz="1700">
+                          <a:solidFill>
+                            <a:srgbClr val="414141"/>
+                          </a:solidFill>
+                        </a:rPr>
+                        <a:t>0.05625525</a:t>
+                      </a:r>
+                    </a:p>
+                  </a:txBody>
+                  <a:tcPr marL="50800" marR="50800" marT="50800" marB="50800" anchor="ctr" anchorCtr="0" horzOverflow="overflow">
+                    <a:lnR w="12700">
+                      <a:miter lim="400000"/>
+                    </a:lnR>
+                    <a:lnT w="12700">
+                      <a:miter lim="400000"/>
+                    </a:lnT>
+                    <a:lnB w="12700">
+                      <a:miter lim="400000"/>
+                    </a:lnB>
+                  </a:tcPr>
+                </a:tc>
+                <a:tc>
+                  <a:txBody>
+                    <a:bodyPr/>
+                    <a:lstStyle/>
+                    <a:p>
+                      <a:pPr lvl="0" defTabSz="914400">
+                        <a:defRPr>
+                          <a:solidFill>
+                            <a:srgbClr val="000000"/>
+                          </a:solidFill>
+                        </a:defRPr>
+                      </a:pPr>
+                      <a:r>
+                        <a:rPr sz="1700">
+                          <a:solidFill>
+                            <a:srgbClr val="414141"/>
+                          </a:solidFill>
+                        </a:rPr>
+                        <a:t>0.05533741</a:t>
+                      </a:r>
+                    </a:p>
+                  </a:txBody>
+                  <a:tcPr marL="50800" marR="50800" marT="50800" marB="50800" anchor="ctr" anchorCtr="0" horzOverflow="overflow">
+                    <a:lnL w="12700">
+                      <a:miter lim="400000"/>
+                    </a:lnL>
+                    <a:lnR w="12700">
+                      <a:miter lim="400000"/>
+                    </a:lnR>
+                    <a:lnT w="12700">
+                      <a:miter lim="400000"/>
+                    </a:lnT>
+                    <a:lnB w="12700">
+                      <a:miter lim="400000"/>
+                    </a:lnB>
+                  </a:tcPr>
+                </a:tc>
+                <a:tc>
+                  <a:txBody>
+                    <a:bodyPr/>
+                    <a:lstStyle/>
+                    <a:p>
+                      <a:pPr lvl="0" defTabSz="914400">
+                        <a:defRPr>
+                          <a:solidFill>
+                            <a:srgbClr val="000000"/>
+                          </a:solidFill>
+                        </a:defRPr>
+                      </a:pPr>
+                      <a:r>
+                        <a:rPr sz="1700">
+                          <a:solidFill>
+                            <a:srgbClr val="414141"/>
+                          </a:solidFill>
+                        </a:rPr>
+                        <a:t>0.05681556</a:t>
+                      </a:r>
+                    </a:p>
+                  </a:txBody>
+                  <a:tcPr marL="50800" marR="50800" marT="50800" marB="50800" anchor="ctr" anchorCtr="0" horzOverflow="overflow">
+                    <a:lnL w="12700">
+                      <a:miter lim="400000"/>
+                    </a:lnL>
+                    <a:lnR w="12700">
+                      <a:miter lim="400000"/>
+                    </a:lnR>
+                    <a:lnT w="12700">
+                      <a:miter lim="400000"/>
+                    </a:lnT>
+                    <a:lnB w="12700">
+                      <a:miter lim="400000"/>
+                    </a:lnB>
+                  </a:tcPr>
+                </a:tc>
+              </a:tr>
+            </a:tbl>
+          </a:graphicData>
+        </a:graphic>
+      </p:graphicFrame>
+      <p:graphicFrame>
+        <p:nvGraphicFramePr>
+          <p:cNvPr id="98" name="Table 98"/>
+          <p:cNvGraphicFramePr/>
+          <p:nvPr/>
+        </p:nvGraphicFramePr>
+        <p:xfrm>
+          <a:off x="6604000" y="7886700"/>
+          <a:ext cx="5737027" cy="1700610"/>
+        </p:xfrm>
+        <a:graphic xmlns:a="http://schemas.openxmlformats.org/drawingml/2006/main">
+          <a:graphicData uri="http://schemas.openxmlformats.org/drawingml/2006/table">
+            <a:tbl>
+              <a:tblPr firstCol="1" firstRow="1" lastCol="0" lastRow="0" bandCol="0" bandRow="0" rtl="0">
+                <a:tableStyleId>{33BA23B1-9221-436E-865A-0063620EA4FD}</a:tableStyleId>
+              </a:tblPr>
+              <a:tblGrid>
+                <a:gridCol w="775613"/>
+                <a:gridCol w="1653804"/>
+                <a:gridCol w="1653804"/>
+                <a:gridCol w="1653804"/>
+              </a:tblGrid>
+              <a:tr h="425152">
+                <a:tc>
+                  <a:txBody>
+                    <a:bodyPr/>
+                    <a:lstStyle/>
+                    <a:p>
+                      <a:pPr lvl="0" defTabSz="914400">
+                        <a:defRPr sz="1700"/>
+                      </a:pPr>
+                    </a:p>
+                  </a:txBody>
+                  <a:tcPr marL="50800" marR="50800" marT="50800" marB="50800" anchor="ctr" anchorCtr="0" horzOverflow="overflow"/>
+                </a:tc>
+                <a:tc>
+                  <a:txBody>
+                    <a:bodyPr/>
+                    <a:lstStyle/>
+                    <a:p>
+                      <a:pPr lvl="0" defTabSz="914400">
+                        <a:defRPr>
+                          <a:solidFill>
+                            <a:srgbClr val="000000"/>
+                          </a:solidFill>
+                        </a:defRPr>
+                      </a:pPr>
+                      <a:r>
+                        <a:rPr sz="1700">
+                          <a:solidFill>
+                            <a:srgbClr val="FFFFFF"/>
+                          </a:solidFill>
+                        </a:rPr>
+                        <a:t>CV</a:t>
+                      </a:r>
+                    </a:p>
+                  </a:txBody>
+                  <a:tcPr marL="50800" marR="50800" marT="50800" marB="50800" anchor="ctr" anchorCtr="0" horzOverflow="overflow"/>
+                </a:tc>
+                <a:tc>
+                  <a:txBody>
+                    <a:bodyPr/>
+                    <a:lstStyle/>
+                    <a:p>
+                      <a:pPr lvl="0" defTabSz="914400">
+                        <a:defRPr>
+                          <a:solidFill>
+                            <a:srgbClr val="000000"/>
+                          </a:solidFill>
+                        </a:defRPr>
+                      </a:pPr>
+                      <a:r>
+                        <a:rPr sz="1700">
+                          <a:solidFill>
+                            <a:srgbClr val="FFFFFF"/>
+                          </a:solidFill>
+                        </a:rPr>
+                        <a:t>LOOCV</a:t>
+                      </a:r>
+                    </a:p>
+                  </a:txBody>
+                  <a:tcPr marL="50800" marR="50800" marT="50800" marB="50800" anchor="ctr" anchorCtr="0" horzOverflow="overflow"/>
+                </a:tc>
+                <a:tc>
+                  <a:txBody>
+                    <a:bodyPr/>
+                    <a:lstStyle/>
+                    <a:p>
+                      <a:pPr lvl="0" defTabSz="914400">
+                        <a:defRPr>
+                          <a:solidFill>
+                            <a:srgbClr val="000000"/>
+                          </a:solidFill>
+                        </a:defRPr>
+                      </a:pPr>
+                      <a:r>
+                        <a:rPr sz="1700">
+                          <a:solidFill>
+                            <a:srgbClr val="FFFFFF"/>
+                          </a:solidFill>
+                        </a:rPr>
+                        <a:t>10-fold</a:t>
+                      </a:r>
+                    </a:p>
+                  </a:txBody>
+                  <a:tcPr marL="50800" marR="50800" marT="50800" marB="50800" anchor="ctr" anchorCtr="0" horzOverflow="overflow"/>
+                </a:tc>
+              </a:tr>
+              <a:tr h="425152">
+                <a:tc>
+                  <a:txBody>
+                    <a:bodyPr/>
+                    <a:lstStyle/>
+                    <a:p>
+                      <a:pPr lvl="0" defTabSz="914400">
+                        <a:defRPr>
+                          <a:solidFill>
+                            <a:srgbClr val="000000"/>
+                          </a:solidFill>
+                        </a:defRPr>
+                      </a:pPr>
+                      <a:r>
+                        <a:rPr sz="1700">
+                          <a:solidFill>
+                            <a:srgbClr val="FFFFFF"/>
+                          </a:solidFill>
+                        </a:rPr>
+                        <a:t>Cp</a:t>
+                      </a:r>
+                    </a:p>
+                  </a:txBody>
+                  <a:tcPr marL="50800" marR="50800" marT="50800" marB="50800" anchor="ctr" anchorCtr="0" horzOverflow="overflow"/>
+                </a:tc>
+                <a:tc>
+                  <a:txBody>
+                    <a:bodyPr/>
+                    <a:lstStyle/>
+                    <a:p>
+                      <a:pPr lvl="0" defTabSz="914400">
+                        <a:defRPr>
+                          <a:solidFill>
+                            <a:srgbClr val="000000"/>
+                          </a:solidFill>
+                        </a:defRPr>
+                      </a:pPr>
+                      <a:r>
+                        <a:rPr sz="1700">
+                          <a:solidFill>
+                            <a:srgbClr val="414141"/>
+                          </a:solidFill>
+                        </a:rPr>
+                        <a:t>0.09068010</a:t>
+                      </a:r>
+                    </a:p>
+                  </a:txBody>
+                  <a:tcPr marL="50800" marR="50800" marT="50800" marB="50800" anchor="ctr" anchorCtr="0" horzOverflow="overflow">
+                    <a:lnR w="12700">
+                      <a:miter lim="400000"/>
+                    </a:lnR>
+                    <a:lnB w="12700">
+                      <a:miter lim="400000"/>
+                    </a:lnB>
+                  </a:tcPr>
+                </a:tc>
+                <a:tc>
+                  <a:txBody>
+                    <a:bodyPr/>
+                    <a:lstStyle/>
+                    <a:p>
+                      <a:pPr lvl="0" defTabSz="914400">
+                        <a:defRPr>
+                          <a:solidFill>
+                            <a:srgbClr val="000000"/>
+                          </a:solidFill>
+                        </a:defRPr>
+                      </a:pPr>
+                      <a:r>
+                        <a:rPr sz="1700">
+                          <a:solidFill>
+                            <a:srgbClr val="414141"/>
+                          </a:solidFill>
+                        </a:rPr>
+                        <a:t>0.10039120</a:t>
+                      </a:r>
+                    </a:p>
+                  </a:txBody>
+                  <a:tcPr marL="50800" marR="50800" marT="50800" marB="50800" anchor="ctr" anchorCtr="0" horzOverflow="overflow">
+                    <a:lnL w="12700">
+                      <a:miter lim="400000"/>
+                    </a:lnL>
+                    <a:lnR w="12700">
+                      <a:miter lim="400000"/>
+                    </a:lnR>
+                    <a:lnB w="12700">
+                      <a:miter lim="400000"/>
+                    </a:lnB>
+                  </a:tcPr>
+                </a:tc>
+                <a:tc>
+                  <a:txBody>
+                    <a:bodyPr/>
+                    <a:lstStyle/>
+                    <a:p>
+                      <a:pPr lvl="0" defTabSz="914400">
+                        <a:defRPr>
+                          <a:solidFill>
+                            <a:srgbClr val="000000"/>
+                          </a:solidFill>
+                        </a:defRPr>
+                      </a:pPr>
+                      <a:r>
+                        <a:rPr sz="1700">
+                          <a:solidFill>
+                            <a:srgbClr val="414141"/>
+                          </a:solidFill>
+                        </a:rPr>
+                        <a:t>0.09987057</a:t>
+                      </a:r>
+                    </a:p>
+                  </a:txBody>
+                  <a:tcPr marL="50800" marR="50800" marT="50800" marB="50800" anchor="ctr" anchorCtr="0" horzOverflow="overflow">
+                    <a:lnL w="12700">
+                      <a:miter lim="400000"/>
+                    </a:lnL>
+                    <a:lnR w="12700">
+                      <a:miter lim="400000"/>
+                    </a:lnR>
+                    <a:lnB w="12700">
+                      <a:miter lim="400000"/>
+                    </a:lnB>
+                  </a:tcPr>
+                </a:tc>
+              </a:tr>
+              <a:tr h="425152">
+                <a:tc>
+                  <a:txBody>
+                    <a:bodyPr/>
+                    <a:lstStyle/>
+                    <a:p>
+                      <a:pPr lvl="0" defTabSz="914400">
+                        <a:defRPr>
+                          <a:solidFill>
+                            <a:srgbClr val="000000"/>
+                          </a:solidFill>
+                        </a:defRPr>
+                      </a:pPr>
+                      <a:r>
+                        <a:rPr sz="1700">
+                          <a:solidFill>
+                            <a:srgbClr val="FFFFFF"/>
+                          </a:solidFill>
+                        </a:rPr>
+                        <a:t>BIC</a:t>
+                      </a:r>
+                    </a:p>
+                  </a:txBody>
+                  <a:tcPr marL="50800" marR="50800" marT="50800" marB="50800" anchor="ctr" anchorCtr="0" horzOverflow="overflow"/>
+                </a:tc>
+                <a:tc>
+                  <a:txBody>
+                    <a:bodyPr/>
+                    <a:lstStyle/>
+                    <a:p>
+                      <a:pPr lvl="0" defTabSz="914400">
+                        <a:defRPr>
+                          <a:solidFill>
+                            <a:srgbClr val="000000"/>
+                          </a:solidFill>
+                        </a:defRPr>
+                      </a:pPr>
+                      <a:r>
+                        <a:rPr sz="1700">
+                          <a:solidFill>
+                            <a:srgbClr val="414141"/>
+                          </a:solidFill>
+                        </a:rPr>
+                        <a:t>0.08900084</a:t>
+                      </a:r>
+                    </a:p>
+                  </a:txBody>
+                  <a:tcPr marL="50800" marR="50800" marT="50800" marB="50800" anchor="ctr" anchorCtr="0" horzOverflow="overflow">
+                    <a:lnR w="12700">
+                      <a:miter lim="400000"/>
+                    </a:lnR>
+                    <a:lnT w="12700">
+                      <a:miter lim="400000"/>
+                    </a:lnT>
+                    <a:lnB w="12700">
+                      <a:miter lim="400000"/>
+                    </a:lnB>
+                  </a:tcPr>
+                </a:tc>
+                <a:tc>
+                  <a:txBody>
+                    <a:bodyPr/>
+                    <a:lstStyle/>
+                    <a:p>
+                      <a:pPr lvl="0" defTabSz="914400">
+                        <a:defRPr>
+                          <a:solidFill>
+                            <a:srgbClr val="000000"/>
+                          </a:solidFill>
+                        </a:defRPr>
+                      </a:pPr>
+                      <a:r>
+                        <a:rPr sz="1700">
+                          <a:solidFill>
+                            <a:srgbClr val="414141"/>
+                          </a:solidFill>
+                        </a:rPr>
+                        <a:t>0.09737829</a:t>
+                      </a:r>
+                    </a:p>
+                  </a:txBody>
+                  <a:tcPr marL="50800" marR="50800" marT="50800" marB="50800" anchor="ctr" anchorCtr="0" horzOverflow="overflow">
+                    <a:lnL w="12700">
+                      <a:miter lim="400000"/>
+                    </a:lnL>
+                    <a:lnR w="12700">
+                      <a:miter lim="400000"/>
+                    </a:lnR>
+                    <a:lnT w="12700">
+                      <a:miter lim="400000"/>
+                    </a:lnT>
+                    <a:lnB w="12700">
+                      <a:miter lim="400000"/>
+                    </a:lnB>
+                  </a:tcPr>
+                </a:tc>
+                <a:tc>
+                  <a:txBody>
+                    <a:bodyPr/>
+                    <a:lstStyle/>
+                    <a:p>
+                      <a:pPr lvl="0" defTabSz="914400">
+                        <a:defRPr>
+                          <a:solidFill>
+                            <a:srgbClr val="000000"/>
+                          </a:solidFill>
+                        </a:defRPr>
+                      </a:pPr>
+                      <a:r>
+                        <a:rPr sz="1700">
+                          <a:solidFill>
+                            <a:srgbClr val="414141"/>
+                          </a:solidFill>
+                        </a:rPr>
+                        <a:t>0.09851889</a:t>
+                      </a:r>
+                    </a:p>
+                  </a:txBody>
+                  <a:tcPr marL="50800" marR="50800" marT="50800" marB="50800" anchor="ctr" anchorCtr="0" horzOverflow="overflow">
+                    <a:lnL w="12700">
+                      <a:miter lim="400000"/>
+                    </a:lnL>
+                    <a:lnR w="12700">
+                      <a:miter lim="400000"/>
+                    </a:lnR>
+                    <a:lnT w="12700">
+                      <a:miter lim="400000"/>
+                    </a:lnT>
+                    <a:lnB w="12700">
+                      <a:miter lim="400000"/>
+                    </a:lnB>
+                  </a:tcPr>
+                </a:tc>
+              </a:tr>
+              <a:tr h="425152">
+                <a:tc>
+                  <a:txBody>
+                    <a:bodyPr/>
+                    <a:lstStyle/>
+                    <a:p>
+                      <a:pPr lvl="0" defTabSz="914400">
+                        <a:defRPr>
+                          <a:solidFill>
+                            <a:srgbClr val="000000"/>
+                          </a:solidFill>
+                        </a:defRPr>
+                      </a:pPr>
+                      <a:r>
+                        <a:rPr sz="1700">
+                          <a:solidFill>
+                            <a:srgbClr val="FFFFFF"/>
+                          </a:solidFill>
+                        </a:rPr>
+                        <a:t>Adjr2</a:t>
+                      </a:r>
+                    </a:p>
+                  </a:txBody>
+                  <a:tcPr marL="50800" marR="50800" marT="50800" marB="50800" anchor="ctr" anchorCtr="0" horzOverflow="overflow"/>
+                </a:tc>
+                <a:tc>
+                  <a:txBody>
+                    <a:bodyPr/>
+                    <a:lstStyle/>
+                    <a:p>
+                      <a:pPr lvl="0" defTabSz="914400">
+                        <a:defRPr>
+                          <a:solidFill>
+                            <a:srgbClr val="000000"/>
+                          </a:solidFill>
+                        </a:defRPr>
+                      </a:pPr>
+                      <a:r>
+                        <a:rPr sz="1700">
+                          <a:solidFill>
+                            <a:srgbClr val="414141"/>
+                          </a:solidFill>
+                        </a:rPr>
+                        <a:t>0.09487825</a:t>
+                      </a:r>
+                    </a:p>
+                  </a:txBody>
+                  <a:tcPr marL="50800" marR="50800" marT="50800" marB="50800" anchor="ctr" anchorCtr="0" horzOverflow="overflow">
+                    <a:lnR w="12700">
+                      <a:miter lim="400000"/>
+                    </a:lnR>
+                    <a:lnT w="12700">
+                      <a:miter lim="400000"/>
+                    </a:lnT>
+                    <a:lnB w="12700">
+                      <a:miter lim="400000"/>
+                    </a:lnB>
+                  </a:tcPr>
+                </a:tc>
+                <a:tc>
+                  <a:txBody>
+                    <a:bodyPr/>
+                    <a:lstStyle/>
+                    <a:p>
+                      <a:pPr lvl="0" defTabSz="914400">
+                        <a:defRPr>
+                          <a:solidFill>
+                            <a:srgbClr val="000000"/>
+                          </a:solidFill>
+                        </a:defRPr>
+                      </a:pPr>
+                      <a:r>
+                        <a:rPr sz="1700">
+                          <a:solidFill>
+                            <a:srgbClr val="414141"/>
+                          </a:solidFill>
+                        </a:rPr>
+                        <a:t>0.10381544</a:t>
+                      </a:r>
+                    </a:p>
+                  </a:txBody>
+                  <a:tcPr marL="50800" marR="50800" marT="50800" marB="50800" anchor="ctr" anchorCtr="0" horzOverflow="overflow">
+                    <a:lnL w="12700">
+                      <a:miter lim="400000"/>
+                    </a:lnL>
+                    <a:lnR w="12700">
+                      <a:miter lim="400000"/>
+                    </a:lnR>
+                    <a:lnT w="12700">
+                      <a:miter lim="400000"/>
+                    </a:lnT>
+                    <a:lnB w="12700">
+                      <a:miter lim="400000"/>
+                    </a:lnB>
+                  </a:tcPr>
+                </a:tc>
+                <a:tc>
+                  <a:txBody>
+                    <a:bodyPr/>
+                    <a:lstStyle/>
+                    <a:p>
+                      <a:pPr lvl="0" defTabSz="914400">
+                        <a:defRPr>
+                          <a:solidFill>
+                            <a:srgbClr val="000000"/>
+                          </a:solidFill>
+                        </a:defRPr>
+                      </a:pPr>
+                      <a:r>
+                        <a:rPr sz="1700">
+                          <a:solidFill>
+                            <a:srgbClr val="414141"/>
+                          </a:solidFill>
+                        </a:rPr>
+                        <a:t>0.10444204</a:t>
+                      </a:r>
+                    </a:p>
+                  </a:txBody>
+                  <a:tcPr marL="50800" marR="50800" marT="50800" marB="50800" anchor="ctr" anchorCtr="0" horzOverflow="overflow">
+                    <a:lnL w="12700">
+                      <a:miter lim="400000"/>
+                    </a:lnL>
+                    <a:lnR w="12700">
+                      <a:miter lim="400000"/>
+                    </a:lnR>
+                    <a:lnT w="12700">
+                      <a:miter lim="400000"/>
+                    </a:lnT>
+                    <a:lnB w="12700">
+                      <a:miter lim="400000"/>
+                    </a:lnB>
+                  </a:tcPr>
+                </a:tc>
+              </a:tr>
+            </a:tbl>
+          </a:graphicData>
+        </a:graphic>
+      </p:graphicFrame>
     </p:spTree>
   </p:cSld>
   <p:clrMapOvr>
@@ -5403,9 +5894,36 @@
           <a:chExt cx="0" cy="0"/>
         </a:xfrm>
       </p:grpSpPr>
+      <p:pic>
+        <p:nvPicPr>
+          <p:cNvPr id="100" name="pasted-image.png"/>
+          <p:cNvPicPr/>
+          <p:nvPr/>
+        </p:nvPicPr>
+        <p:blipFill>
+          <a:blip r:embed="rId2">
+            <a:extLst/>
+          </a:blip>
+          <a:stretch>
+            <a:fillRect/>
+          </a:stretch>
+        </p:blipFill>
+        <p:spPr>
+          <a:xfrm>
+            <a:off x="3470423" y="2181324"/>
+            <a:ext cx="6096001" cy="6096001"/>
+          </a:xfrm>
+          <a:prstGeom prst="rect">
+            <a:avLst/>
+          </a:prstGeom>
+          <a:ln w="12700">
+            <a:miter lim="400000"/>
+          </a:ln>
+        </p:spPr>
+      </p:pic>
       <p:sp>
         <p:nvSpPr>
-          <p:cNvPr id="99" name="Shape 99"/>
+          <p:cNvPr id="101" name="Shape 101"/>
           <p:cNvSpPr/>
           <p:nvPr>
             <p:ph type="title"/>
@@ -5436,7 +5954,7 @@
                   <a:srgbClr val="D93E2B"/>
                 </a:solidFill>
               </a:rPr>
-              <a:t>분류 방법 비교</a:t>
+              <a:t>최종 모델 선택</a:t>
             </a:r>
             <a:r>
               <a:rPr sz="6930">
@@ -5468,59 +5986,20 @@
                 <a:cs typeface="Bodoni SvtyTwo ITC TT-BookIta"/>
                 <a:sym typeface="Bodoni SvtyTwo ITC TT-BookIta"/>
               </a:rPr>
-              <a:t>Logistic Regression</a:t>
-            </a:r>
-          </a:p>
-        </p:txBody>
-      </p:sp>
-      <p:sp>
-        <p:nvSpPr>
-          <p:cNvPr id="100" name="Shape 100"/>
-          <p:cNvSpPr/>
-          <p:nvPr>
-            <p:ph type="body" idx="1"/>
-          </p:nvPr>
-        </p:nvSpPr>
-        <p:spPr>
-          <a:xfrm>
-            <a:off x="4037359" y="8183184"/>
-            <a:ext cx="5765355" cy="1072931"/>
-          </a:xfrm>
-          <a:prstGeom prst="rect">
-            <a:avLst/>
-          </a:prstGeom>
-        </p:spPr>
-        <p:txBody>
-          <a:bodyPr/>
-          <a:lstStyle/>
-          <a:p>
-            <a:pPr lvl="0">
-              <a:defRPr sz="1800">
-                <a:solidFill>
-                  <a:srgbClr val="000000"/>
-                </a:solidFill>
-              </a:defRPr>
-            </a:pPr>
-            <a:r>
-              <a:rPr sz="3600">
-                <a:solidFill>
-                  <a:srgbClr val="414141"/>
-                </a:solidFill>
-              </a:rPr>
-              <a:t>Error rate = 0.08811189</a:t>
+              <a:t>Ridge, Lasso</a:t>
             </a:r>
           </a:p>
         </p:txBody>
       </p:sp>
       <p:graphicFrame>
         <p:nvGraphicFramePr>
-          <p:cNvPr id="101" name="Table 101"/>
+          <p:cNvPr id="102" name="Table 102"/>
           <p:cNvGraphicFramePr/>
           <p:nvPr/>
         </p:nvGraphicFramePr>
         <p:xfrm>
-          <a:off x="4271516" y="3091557"/>
-          <a:ext cx="4927402" cy="5019477"/>
+          <a:off x="3467100" y="7734300"/>
+          <a:ext cx="5737027" cy="1700610"/>
         </p:xfrm>
         <a:graphic xmlns:a="http://schemas.openxmlformats.org/drawingml/2006/main">
           <a:graphicData uri="http://schemas.openxmlformats.org/drawingml/2006/table">
@@ -5529,19 +6008,19 @@
                 <a:tableStyleId>{33BA23B1-9221-436E-865A-0063620EA4FD}</a:tableStyleId>
               </a:tblPr>
               <a:tblGrid>
-                <a:gridCol w="1231850"/>
-                <a:gridCol w="1231850"/>
-                <a:gridCol w="1231850"/>
-                <a:gridCol w="1231850"/>
+                <a:gridCol w="775613"/>
+                <a:gridCol w="1653804"/>
+                <a:gridCol w="1653804"/>
+                <a:gridCol w="1653804"/>
               </a:tblGrid>
-              <a:tr h="1254869">
-                <a:tc>
-                  <a:txBody>
-                    <a:bodyPr/>
-                    <a:lstStyle/>
-                    <a:p>
-                      <a:pPr lvl="0" defTabSz="914400">
-                        <a:defRPr sz="2600"/>
+              <a:tr h="566869">
+                <a:tc>
+                  <a:txBody>
+                    <a:bodyPr/>
+                    <a:lstStyle/>
+                    <a:p>
+                      <a:pPr lvl="0" defTabSz="914400">
+                        <a:defRPr sz="1700"/>
                       </a:pPr>
                     </a:p>
                   </a:txBody>
@@ -5560,12 +6039,12 @@
                         </a:defRPr>
                       </a:pPr>
                       <a:r>
-                        <a:rPr sz="2600">
+                        <a:rPr sz="1700">
                           <a:solidFill>
                             <a:srgbClr val="FFFFFF"/>
                           </a:solidFill>
                         </a:rPr>
-                        <a:t>NO</a:t>
+                        <a:t>CV</a:t>
                       </a:r>
                     </a:p>
                   </a:txBody>
@@ -5584,12 +6063,12 @@
                         </a:defRPr>
                       </a:pPr>
                       <a:r>
-                        <a:rPr sz="2600">
+                        <a:rPr sz="1700">
                           <a:solidFill>
                             <a:srgbClr val="FFFFFF"/>
                           </a:solidFill>
                         </a:rPr>
-                        <a:t>YES</a:t>
+                        <a:t>LOOCV</a:t>
                       </a:r>
                     </a:p>
                   </a:txBody>
@@ -5608,38 +6087,38 @@
                         </a:defRPr>
                       </a:pPr>
                       <a:r>
-                        <a:rPr sz="2600">
+                        <a:rPr sz="1700">
                           <a:solidFill>
                             <a:srgbClr val="FFFFFF"/>
                           </a:solidFill>
                         </a:rPr>
-                        <a:t>Total</a:t>
+                        <a:t>10-fold</a:t>
                       </a:r>
                     </a:p>
                   </a:txBody>
                   <a:tcPr marL="50800" marR="50800" marT="50800" marB="50800" anchor="ctr" anchorCtr="0" horzOverflow="overflow"/>
                 </a:tc>
               </a:tr>
-              <a:tr h="1254869">
-                <a:tc>
-                  <a:txBody>
-                    <a:bodyPr/>
-                    <a:lstStyle/>
-                    <a:p>
-                      <a:pPr lvl="0" defTabSz="914400">
-                        <a:defRPr>
-                          <a:solidFill>
-                            <a:srgbClr val="000000"/>
-                          </a:solidFill>
-                        </a:defRPr>
-                      </a:pPr>
-                      <a:r>
-                        <a:rPr sz="2600">
+              <a:tr h="566869">
+                <a:tc>
+                  <a:txBody>
+                    <a:bodyPr/>
+                    <a:lstStyle/>
+                    <a:p>
+                      <a:pPr lvl="0" defTabSz="914400">
+                        <a:defRPr>
+                          <a:solidFill>
+                            <a:srgbClr val="000000"/>
+                          </a:solidFill>
+                        </a:defRPr>
+                      </a:pPr>
+                      <a:r>
+                        <a:rPr sz="1700">
                           <a:solidFill>
                             <a:srgbClr val="FFFFFF"/>
                           </a:solidFill>
                         </a:rPr>
-                        <a:t>NO</a:t>
+                        <a:t>Ridge</a:t>
                       </a:r>
                     </a:p>
                   </a:txBody>
@@ -5658,60 +6137,12 @@
                         </a:defRPr>
                       </a:pPr>
                       <a:r>
-                        <a:rPr sz="2600">
-                          <a:solidFill>
-                            <a:srgbClr val="414141"/>
-                          </a:solidFill>
-                        </a:rPr>
-                        <a:t>646</a:t>
-                      </a:r>
-                    </a:p>
-                  </a:txBody>
-                  <a:tcPr marL="50800" marR="50800" marT="50800" marB="50800" anchor="ctr" anchorCtr="0" horzOverflow="overflow"/>
-                </a:tc>
-                <a:tc>
-                  <a:txBody>
-                    <a:bodyPr/>
-                    <a:lstStyle/>
-                    <a:p>
-                      <a:pPr lvl="0" defTabSz="914400">
-                        <a:defRPr>
-                          <a:solidFill>
-                            <a:srgbClr val="000000"/>
-                          </a:solidFill>
-                        </a:defRPr>
-                      </a:pPr>
-                      <a:r>
-                        <a:rPr sz="2600">
-                          <a:solidFill>
-                            <a:srgbClr val="414141"/>
-                          </a:solidFill>
-                        </a:rPr>
-                        <a:t>8</a:t>
-                      </a:r>
-                    </a:p>
-                  </a:txBody>
-                  <a:tcPr marL="50800" marR="50800" marT="50800" marB="50800" anchor="ctr" anchorCtr="0" horzOverflow="overflow"/>
-                </a:tc>
-                <a:tc>
-                  <a:txBody>
-                    <a:bodyPr/>
-                    <a:lstStyle/>
-                    <a:p>
-                      <a:pPr lvl="0" defTabSz="914400">
-                        <a:defRPr>
-                          <a:solidFill>
-                            <a:srgbClr val="000000"/>
-                          </a:solidFill>
-                        </a:defRPr>
-                      </a:pPr>
-                      <a:r>
-                        <a:rPr sz="2600">
-                          <a:solidFill>
-                            <a:srgbClr val="414141"/>
-                          </a:solidFill>
-                        </a:rPr>
-                        <a:t>654</a:t>
+                        <a:rPr sz="1700">
+                          <a:solidFill>
+                            <a:srgbClr val="414141"/>
+                          </a:solidFill>
+                        </a:rPr>
+                        <a:t>0.05541562</a:t>
                       </a:r>
                     </a:p>
                   </a:txBody>
@@ -5719,29 +6150,100 @@
                     <a:lnR w="12700">
                       <a:miter lim="400000"/>
                     </a:lnR>
+                    <a:lnB w="12700">
+                      <a:miter lim="400000"/>
+                    </a:lnB>
                   </a:tcPr>
                 </a:tc>
+                <a:tc>
+                  <a:txBody>
+                    <a:bodyPr/>
+                    <a:lstStyle/>
+                    <a:p>
+                      <a:pPr lvl="0" defTabSz="914400">
+                        <a:defRPr>
+                          <a:solidFill>
+                            <a:srgbClr val="000000"/>
+                          </a:solidFill>
+                        </a:defRPr>
+                      </a:pPr>
+                      <a:r>
+                        <a:rPr sz="1700">
+                          <a:solidFill>
+                            <a:srgbClr val="414141"/>
+                          </a:solidFill>
+                        </a:rPr>
+                        <a:t>0.05776089</a:t>
+                      </a:r>
+                    </a:p>
+                  </a:txBody>
+                  <a:tcPr marL="50800" marR="50800" marT="50800" marB="50800" anchor="ctr" anchorCtr="0" horzOverflow="overflow">
+                    <a:lnL w="12700">
+                      <a:miter lim="400000"/>
+                    </a:lnL>
+                    <a:lnR w="12700">
+                      <a:miter lim="400000"/>
+                    </a:lnR>
+                    <a:lnB w="12700">
+                      <a:miter lim="400000"/>
+                    </a:lnB>
+                  </a:tcPr>
+                </a:tc>
+                <a:tc>
+                  <a:txBody>
+                    <a:bodyPr/>
+                    <a:lstStyle/>
+                    <a:p>
+                      <a:pPr lvl="0" defTabSz="914400">
+                        <a:defRPr>
+                          <a:solidFill>
+                            <a:srgbClr val="000000"/>
+                          </a:solidFill>
+                        </a:defRPr>
+                      </a:pPr>
+                      <a:r>
+                        <a:rPr sz="1700">
+                          <a:solidFill>
+                            <a:srgbClr val="414141"/>
+                          </a:solidFill>
+                        </a:rPr>
+                        <a:t>0.05765654</a:t>
+                      </a:r>
+                    </a:p>
+                  </a:txBody>
+                  <a:tcPr marL="50800" marR="50800" marT="50800" marB="50800" anchor="ctr" anchorCtr="0" horzOverflow="overflow">
+                    <a:lnL w="12700">
+                      <a:miter lim="400000"/>
+                    </a:lnL>
+                    <a:lnR w="12700">
+                      <a:miter lim="400000"/>
+                    </a:lnR>
+                    <a:lnB w="12700">
+                      <a:miter lim="400000"/>
+                    </a:lnB>
+                  </a:tcPr>
+                </a:tc>
               </a:tr>
-              <a:tr h="1254869">
-                <a:tc>
-                  <a:txBody>
-                    <a:bodyPr/>
-                    <a:lstStyle/>
-                    <a:p>
-                      <a:pPr lvl="0" defTabSz="914400">
-                        <a:defRPr>
-                          <a:solidFill>
-                            <a:srgbClr val="000000"/>
-                          </a:solidFill>
-                        </a:defRPr>
-                      </a:pPr>
-                      <a:r>
-                        <a:rPr sz="2600">
+              <a:tr h="566869">
+                <a:tc>
+                  <a:txBody>
+                    <a:bodyPr/>
+                    <a:lstStyle/>
+                    <a:p>
+                      <a:pPr lvl="0" defTabSz="914400">
+                        <a:defRPr>
+                          <a:solidFill>
+                            <a:srgbClr val="000000"/>
+                          </a:solidFill>
+                        </a:defRPr>
+                      </a:pPr>
+                      <a:r>
+                        <a:rPr sz="1700">
                           <a:solidFill>
                             <a:srgbClr val="FFFFFF"/>
                           </a:solidFill>
                         </a:rPr>
-                        <a:t>YES</a:t>
+                        <a:t>Lasso</a:t>
                       </a:r>
                     </a:p>
                   </a:txBody>
@@ -5760,60 +6262,12 @@
                         </a:defRPr>
                       </a:pPr>
                       <a:r>
-                        <a:rPr sz="2600">
-                          <a:solidFill>
-                            <a:srgbClr val="414141"/>
-                          </a:solidFill>
-                        </a:rPr>
-                        <a:t>55</a:t>
-                      </a:r>
-                    </a:p>
-                  </a:txBody>
-                  <a:tcPr marL="50800" marR="50800" marT="50800" marB="50800" anchor="ctr" anchorCtr="0" horzOverflow="overflow"/>
-                </a:tc>
-                <a:tc>
-                  <a:txBody>
-                    <a:bodyPr/>
-                    <a:lstStyle/>
-                    <a:p>
-                      <a:pPr lvl="0" defTabSz="914400">
-                        <a:defRPr>
-                          <a:solidFill>
-                            <a:srgbClr val="000000"/>
-                          </a:solidFill>
-                        </a:defRPr>
-                      </a:pPr>
-                      <a:r>
-                        <a:rPr sz="2600">
-                          <a:solidFill>
-                            <a:srgbClr val="414141"/>
-                          </a:solidFill>
-                        </a:rPr>
-                        <a:t>6</a:t>
-                      </a:r>
-                    </a:p>
-                  </a:txBody>
-                  <a:tcPr marL="50800" marR="50800" marT="50800" marB="50800" anchor="ctr" anchorCtr="0" horzOverflow="overflow"/>
-                </a:tc>
-                <a:tc>
-                  <a:txBody>
-                    <a:bodyPr/>
-                    <a:lstStyle/>
-                    <a:p>
-                      <a:pPr lvl="0" defTabSz="914400">
-                        <a:defRPr>
-                          <a:solidFill>
-                            <a:srgbClr val="000000"/>
-                          </a:solidFill>
-                        </a:defRPr>
-                      </a:pPr>
-                      <a:r>
-                        <a:rPr sz="2600">
-                          <a:solidFill>
-                            <a:srgbClr val="414141"/>
-                          </a:solidFill>
-                        </a:rPr>
-                        <a:t>61</a:t>
+                        <a:rPr sz="1700">
+                          <a:solidFill>
+                            <a:srgbClr val="414141"/>
+                          </a:solidFill>
+                        </a:rPr>
+                        <a:t>0.05289673</a:t>
                       </a:r>
                     </a:p>
                   </a:txBody>
@@ -5821,57 +6275,9 @@
                     <a:lnR w="12700">
                       <a:miter lim="400000"/>
                     </a:lnR>
-                  </a:tcPr>
-                </a:tc>
-              </a:tr>
-              <a:tr h="1254869">
-                <a:tc>
-                  <a:txBody>
-                    <a:bodyPr/>
-                    <a:lstStyle/>
-                    <a:p>
-                      <a:pPr lvl="0" defTabSz="914400">
-                        <a:defRPr>
-                          <a:solidFill>
-                            <a:srgbClr val="000000"/>
-                          </a:solidFill>
-                        </a:defRPr>
-                      </a:pPr>
-                      <a:r>
-                        <a:rPr sz="2600">
-                          <a:solidFill>
-                            <a:srgbClr val="FFFFFF"/>
-                          </a:solidFill>
-                        </a:rPr>
-                        <a:t>Total</a:t>
-                      </a:r>
-                    </a:p>
-                  </a:txBody>
-                  <a:tcPr marL="50800" marR="50800" marT="50800" marB="50800" anchor="ctr" anchorCtr="0" horzOverflow="overflow"/>
-                </a:tc>
-                <a:tc>
-                  <a:txBody>
-                    <a:bodyPr/>
-                    <a:lstStyle/>
-                    <a:p>
-                      <a:pPr lvl="0" defTabSz="914400">
-                        <a:defRPr>
-                          <a:solidFill>
-                            <a:srgbClr val="000000"/>
-                          </a:solidFill>
-                        </a:defRPr>
-                      </a:pPr>
-                      <a:r>
-                        <a:rPr sz="2600">
-                          <a:solidFill>
-                            <a:srgbClr val="414141"/>
-                          </a:solidFill>
-                        </a:rPr>
-                        <a:t>701</a:t>
-                      </a:r>
-                    </a:p>
-                  </a:txBody>
-                  <a:tcPr marL="50800" marR="50800" marT="50800" marB="50800" anchor="ctr" anchorCtr="0" horzOverflow="overflow">
+                    <a:lnT w="12700">
+                      <a:miter lim="400000"/>
+                    </a:lnT>
                     <a:lnB w="12700">
                       <a:miter lim="400000"/>
                     </a:lnB>
@@ -5890,16 +6296,25 @@
                         </a:defRPr>
                       </a:pPr>
                       <a:r>
-                        <a:rPr sz="2600">
-                          <a:solidFill>
-                            <a:srgbClr val="414141"/>
-                          </a:solidFill>
-                        </a:rPr>
-                        <a:t>14</a:t>
+                        <a:rPr sz="1700">
+                          <a:solidFill>
+                            <a:srgbClr val="414141"/>
+                          </a:solidFill>
+                        </a:rPr>
+                        <a:t>0.05010032</a:t>
                       </a:r>
                     </a:p>
                   </a:txBody>
                   <a:tcPr marL="50800" marR="50800" marT="50800" marB="50800" anchor="ctr" anchorCtr="0" horzOverflow="overflow">
+                    <a:lnL w="12700">
+                      <a:miter lim="400000"/>
+                    </a:lnL>
+                    <a:lnR w="12700">
+                      <a:miter lim="400000"/>
+                    </a:lnR>
+                    <a:lnT w="12700">
+                      <a:miter lim="400000"/>
+                    </a:lnT>
                     <a:lnB w="12700">
                       <a:miter lim="400000"/>
                     </a:lnB>
@@ -5918,19 +6333,25 @@
                         </a:defRPr>
                       </a:pPr>
                       <a:r>
-                        <a:rPr sz="2600">
-                          <a:solidFill>
-                            <a:srgbClr val="414141"/>
-                          </a:solidFill>
-                        </a:rPr>
-                        <a:t>715</a:t>
+                        <a:rPr sz="1700">
+                          <a:solidFill>
+                            <a:srgbClr val="414141"/>
+                          </a:solidFill>
+                        </a:rPr>
+                        <a:t>0.05145151</a:t>
                       </a:r>
                     </a:p>
                   </a:txBody>
                   <a:tcPr marL="50800" marR="50800" marT="50800" marB="50800" anchor="ctr" anchorCtr="0" horzOverflow="overflow">
+                    <a:lnL w="12700">
+                      <a:miter lim="400000"/>
+                    </a:lnL>
                     <a:lnR w="12700">
                       <a:miter lim="400000"/>
                     </a:lnR>
+                    <a:lnT w="12700">
+                      <a:miter lim="400000"/>
+                    </a:lnT>
                     <a:lnB w="12700">
                       <a:miter lim="400000"/>
                     </a:lnB>
@@ -5941,100 +6362,6 @@
           </a:graphicData>
         </a:graphic>
       </p:graphicFrame>
-      <p:sp>
-        <p:nvSpPr>
-          <p:cNvPr id="102" name="Shape 102"/>
-          <p:cNvSpPr/>
-          <p:nvPr/>
-        </p:nvSpPr>
-        <p:spPr>
-          <a:xfrm>
-            <a:off x="5734496" y="2374599"/>
-            <a:ext cx="3172273" cy="520409"/>
-          </a:xfrm>
-          <a:prstGeom prst="rect">
-            <a:avLst/>
-          </a:prstGeom>
-          <a:ln w="12700">
-            <a:miter lim="400000"/>
-          </a:ln>
-          <a:extLst>
-            <a:ext uri="{C572A759-6A51-4108-AA02-DFA0A04FC94B}">
-              <ma14:wrappingTextBoxFlag xmlns:ma14="http://schemas.microsoft.com/office/mac/drawingml/2011/main" val="1"/>
-            </a:ext>
-          </a:extLst>
-        </p:spPr>
-        <p:txBody>
-          <a:bodyPr lIns="50800" tIns="50800" rIns="50800" bIns="50800" anchor="ctr">
-            <a:spAutoFit/>
-          </a:bodyPr>
-          <a:lstStyle/>
-          <a:p>
-            <a:pPr lvl="0">
-              <a:defRPr sz="1800">
-                <a:solidFill>
-                  <a:srgbClr val="000000"/>
-                </a:solidFill>
-              </a:defRPr>
-            </a:pPr>
-            <a:r>
-              <a:rPr sz="2400">
-                <a:solidFill>
-                  <a:srgbClr val="414141"/>
-                </a:solidFill>
-              </a:rPr>
-              <a:t>실제 데이터 값</a:t>
-            </a:r>
-          </a:p>
-        </p:txBody>
-      </p:sp>
-      <p:sp>
-        <p:nvSpPr>
-          <p:cNvPr id="103" name="Shape 103"/>
-          <p:cNvSpPr/>
-          <p:nvPr/>
-        </p:nvSpPr>
-        <p:spPr>
-          <a:xfrm rot="16200000">
-            <a:off x="2712342" y="5950923"/>
-            <a:ext cx="2093716" cy="520410"/>
-          </a:xfrm>
-          <a:prstGeom prst="rect">
-            <a:avLst/>
-          </a:prstGeom>
-          <a:ln w="12700">
-            <a:miter lim="400000"/>
-          </a:ln>
-          <a:extLst>
-            <a:ext uri="{C572A759-6A51-4108-AA02-DFA0A04FC94B}">
-              <ma14:wrappingTextBoxFlag xmlns:ma14="http://schemas.microsoft.com/office/mac/drawingml/2011/main" val="1"/>
-            </a:ext>
-          </a:extLst>
-        </p:spPr>
-        <p:txBody>
-          <a:bodyPr wrap="none" lIns="50800" tIns="50800" rIns="50800" bIns="50800" anchor="ctr">
-            <a:spAutoFit/>
-          </a:bodyPr>
-          <a:lstStyle/>
-          <a:p>
-            <a:pPr lvl="0">
-              <a:defRPr sz="1800">
-                <a:solidFill>
-                  <a:srgbClr val="000000"/>
-                </a:solidFill>
-              </a:defRPr>
-            </a:pPr>
-            <a:r>
-              <a:rPr sz="2400">
-                <a:solidFill>
-                  <a:srgbClr val="414141"/>
-                </a:solidFill>
-              </a:rPr>
-              <a:t>예측 데이터 값</a:t>
-            </a:r>
-          </a:p>
-        </p:txBody>
-      </p:sp>
     </p:spTree>
   </p:cSld>
   <p:clrMapOvr>
@@ -6061,9 +6388,63 @@
           <a:chExt cx="0" cy="0"/>
         </a:xfrm>
       </p:grpSpPr>
+      <p:pic>
+        <p:nvPicPr>
+          <p:cNvPr id="104" name="pasted-image.png"/>
+          <p:cNvPicPr/>
+          <p:nvPr/>
+        </p:nvPicPr>
+        <p:blipFill>
+          <a:blip r:embed="rId2">
+            <a:extLst/>
+          </a:blip>
+          <a:stretch>
+            <a:fillRect/>
+          </a:stretch>
+        </p:blipFill>
+        <p:spPr>
+          <a:xfrm>
+            <a:off x="3542258" y="2178050"/>
+            <a:ext cx="6096001" cy="6096000"/>
+          </a:xfrm>
+          <a:prstGeom prst="rect">
+            <a:avLst/>
+          </a:prstGeom>
+          <a:ln w="12700">
+            <a:miter lim="400000"/>
+          </a:ln>
+        </p:spPr>
+      </p:pic>
+      <p:pic>
+        <p:nvPicPr>
+          <p:cNvPr id="105" name="스크린샷 2017-12-14 09.26.40.jpg"/>
+          <p:cNvPicPr/>
+          <p:nvPr/>
+        </p:nvPicPr>
+        <p:blipFill>
+          <a:blip r:embed="rId3">
+            <a:extLst/>
+          </a:blip>
+          <a:stretch>
+            <a:fillRect/>
+          </a:stretch>
+        </p:blipFill>
+        <p:spPr>
+          <a:xfrm>
+            <a:off x="1933674" y="7523857"/>
+            <a:ext cx="9779001" cy="1943101"/>
+          </a:xfrm>
+          <a:prstGeom prst="rect">
+            <a:avLst/>
+          </a:prstGeom>
+          <a:ln w="12700">
+            <a:miter lim="400000"/>
+          </a:ln>
+        </p:spPr>
+      </p:pic>
       <p:sp>
         <p:nvSpPr>
-          <p:cNvPr id="105" name="Shape 105"/>
+          <p:cNvPr id="106" name="Shape 106"/>
           <p:cNvSpPr/>
           <p:nvPr>
             <p:ph type="title"/>
@@ -6094,7 +6475,7 @@
                   <a:srgbClr val="D93E2B"/>
                 </a:solidFill>
               </a:rPr>
-              <a:t>분류 방법 비교</a:t>
+              <a:t>최종 모델 선택</a:t>
             </a:r>
             <a:r>
               <a:rPr sz="6930">
@@ -6126,570 +6507,44 @@
                 <a:cs typeface="Bodoni SvtyTwo ITC TT-BookIta"/>
                 <a:sym typeface="Bodoni SvtyTwo ITC TT-BookIta"/>
               </a:rPr>
-              <a:t>LDA</a:t>
+              <a:t> 최종 비교</a:t>
             </a:r>
           </a:p>
         </p:txBody>
       </p:sp>
       <p:sp>
         <p:nvSpPr>
-          <p:cNvPr id="106" name="Shape 106"/>
-          <p:cNvSpPr/>
-          <p:nvPr>
-            <p:ph type="body" idx="1"/>
-          </p:nvPr>
-        </p:nvSpPr>
-        <p:spPr>
-          <a:xfrm>
-            <a:off x="4037359" y="8183184"/>
-            <a:ext cx="5765355" cy="1072931"/>
-          </a:xfrm>
-          <a:prstGeom prst="rect">
-            <a:avLst/>
-          </a:prstGeom>
-        </p:spPr>
-        <p:txBody>
-          <a:bodyPr/>
-          <a:lstStyle/>
-          <a:p>
-            <a:pPr lvl="0">
-              <a:defRPr sz="1800">
-                <a:solidFill>
-                  <a:srgbClr val="000000"/>
-                </a:solidFill>
-              </a:defRPr>
-            </a:pPr>
-            <a:r>
-              <a:rPr sz="3600">
-                <a:solidFill>
-                  <a:srgbClr val="414141"/>
-                </a:solidFill>
-              </a:rPr>
-              <a:t>Error rate = 0.05174825</a:t>
-            </a:r>
-          </a:p>
-        </p:txBody>
-      </p:sp>
-      <p:graphicFrame>
-        <p:nvGraphicFramePr>
-          <p:cNvPr id="107" name="Table 107"/>
-          <p:cNvGraphicFramePr/>
-          <p:nvPr/>
-        </p:nvGraphicFramePr>
-        <p:xfrm>
-          <a:off x="4271516" y="3091557"/>
-          <a:ext cx="4927402" cy="5019477"/>
-        </p:xfrm>
-        <a:graphic xmlns:a="http://schemas.openxmlformats.org/drawingml/2006/main">
-          <a:graphicData uri="http://schemas.openxmlformats.org/drawingml/2006/table">
-            <a:tbl>
-              <a:tblPr firstCol="1" firstRow="1" lastCol="0" lastRow="0" bandCol="0" bandRow="0" rtl="0">
-                <a:tableStyleId>{33BA23B1-9221-436E-865A-0063620EA4FD}</a:tableStyleId>
-              </a:tblPr>
-              <a:tblGrid>
-                <a:gridCol w="1231850"/>
-                <a:gridCol w="1231850"/>
-                <a:gridCol w="1231850"/>
-                <a:gridCol w="1231850"/>
-              </a:tblGrid>
-              <a:tr h="1254869">
-                <a:tc>
-                  <a:txBody>
-                    <a:bodyPr/>
-                    <a:lstStyle/>
-                    <a:p>
-                      <a:pPr lvl="0" defTabSz="914400">
-                        <a:defRPr sz="2600"/>
-                      </a:pPr>
-                    </a:p>
-                  </a:txBody>
-                  <a:tcPr marL="50800" marR="50800" marT="50800" marB="50800" anchor="ctr" anchorCtr="0" horzOverflow="overflow"/>
-                </a:tc>
-                <a:tc>
-                  <a:txBody>
-                    <a:bodyPr/>
-                    <a:lstStyle/>
-                    <a:p>
-                      <a:pPr lvl="0" defTabSz="914400">
-                        <a:defRPr>
-                          <a:solidFill>
-                            <a:srgbClr val="000000"/>
-                          </a:solidFill>
-                        </a:defRPr>
-                      </a:pPr>
-                      <a:r>
-                        <a:rPr sz="2600">
-                          <a:solidFill>
-                            <a:srgbClr val="FFFFFF"/>
-                          </a:solidFill>
-                        </a:rPr>
-                        <a:t>NO</a:t>
-                      </a:r>
-                    </a:p>
-                  </a:txBody>
-                  <a:tcPr marL="50800" marR="50800" marT="50800" marB="50800" anchor="ctr" anchorCtr="0" horzOverflow="overflow"/>
-                </a:tc>
-                <a:tc>
-                  <a:txBody>
-                    <a:bodyPr/>
-                    <a:lstStyle/>
-                    <a:p>
-                      <a:pPr lvl="0" defTabSz="914400">
-                        <a:defRPr>
-                          <a:solidFill>
-                            <a:srgbClr val="000000"/>
-                          </a:solidFill>
-                        </a:defRPr>
-                      </a:pPr>
-                      <a:r>
-                        <a:rPr sz="2600">
-                          <a:solidFill>
-                            <a:srgbClr val="FFFFFF"/>
-                          </a:solidFill>
-                        </a:rPr>
-                        <a:t>YES</a:t>
-                      </a:r>
-                    </a:p>
-                  </a:txBody>
-                  <a:tcPr marL="50800" marR="50800" marT="50800" marB="50800" anchor="ctr" anchorCtr="0" horzOverflow="overflow"/>
-                </a:tc>
-                <a:tc>
-                  <a:txBody>
-                    <a:bodyPr/>
-                    <a:lstStyle/>
-                    <a:p>
-                      <a:pPr lvl="0" defTabSz="914400">
-                        <a:defRPr>
-                          <a:solidFill>
-                            <a:srgbClr val="000000"/>
-                          </a:solidFill>
-                        </a:defRPr>
-                      </a:pPr>
-                      <a:r>
-                        <a:rPr sz="2600">
-                          <a:solidFill>
-                            <a:srgbClr val="FFFFFF"/>
-                          </a:solidFill>
-                        </a:rPr>
-                        <a:t>Total</a:t>
-                      </a:r>
-                    </a:p>
-                  </a:txBody>
-                  <a:tcPr marL="50800" marR="50800" marT="50800" marB="50800" anchor="ctr" anchorCtr="0" horzOverflow="overflow"/>
-                </a:tc>
-              </a:tr>
-              <a:tr h="1254869">
-                <a:tc>
-                  <a:txBody>
-                    <a:bodyPr/>
-                    <a:lstStyle/>
-                    <a:p>
-                      <a:pPr lvl="0" defTabSz="914400">
-                        <a:defRPr>
-                          <a:solidFill>
-                            <a:srgbClr val="000000"/>
-                          </a:solidFill>
-                        </a:defRPr>
-                      </a:pPr>
-                      <a:r>
-                        <a:rPr sz="2600">
-                          <a:solidFill>
-                            <a:srgbClr val="FFFFFF"/>
-                          </a:solidFill>
-                        </a:rPr>
-                        <a:t>NO</a:t>
-                      </a:r>
-                    </a:p>
-                  </a:txBody>
-                  <a:tcPr marL="50800" marR="50800" marT="50800" marB="50800" anchor="ctr" anchorCtr="0" horzOverflow="overflow"/>
-                </a:tc>
-                <a:tc>
-                  <a:txBody>
-                    <a:bodyPr/>
-                    <a:lstStyle/>
-                    <a:p>
-                      <a:pPr lvl="0" defTabSz="914400">
-                        <a:defRPr>
-                          <a:solidFill>
-                            <a:srgbClr val="000000"/>
-                          </a:solidFill>
-                        </a:defRPr>
-                      </a:pPr>
-                      <a:r>
-                        <a:rPr sz="2600">
-                          <a:solidFill>
-                            <a:srgbClr val="414141"/>
-                          </a:solidFill>
-                        </a:rPr>
-                        <a:t>676</a:t>
-                      </a:r>
-                    </a:p>
-                  </a:txBody>
-                  <a:tcPr marL="50800" marR="50800" marT="50800" marB="50800" anchor="ctr" anchorCtr="0" horzOverflow="overflow"/>
-                </a:tc>
-                <a:tc>
-                  <a:txBody>
-                    <a:bodyPr/>
-                    <a:lstStyle/>
-                    <a:p>
-                      <a:pPr lvl="0" defTabSz="914400">
-                        <a:defRPr>
-                          <a:solidFill>
-                            <a:srgbClr val="000000"/>
-                          </a:solidFill>
-                        </a:defRPr>
-                      </a:pPr>
-                      <a:r>
-                        <a:rPr sz="2600">
-                          <a:solidFill>
-                            <a:srgbClr val="414141"/>
-                          </a:solidFill>
-                        </a:rPr>
-                        <a:t>12</a:t>
-                      </a:r>
-                    </a:p>
-                  </a:txBody>
-                  <a:tcPr marL="50800" marR="50800" marT="50800" marB="50800" anchor="ctr" anchorCtr="0" horzOverflow="overflow"/>
-                </a:tc>
-                <a:tc>
-                  <a:txBody>
-                    <a:bodyPr/>
-                    <a:lstStyle/>
-                    <a:p>
-                      <a:pPr lvl="0" defTabSz="914400">
-                        <a:defRPr>
-                          <a:solidFill>
-                            <a:srgbClr val="000000"/>
-                          </a:solidFill>
-                        </a:defRPr>
-                      </a:pPr>
-                      <a:r>
-                        <a:rPr sz="2600">
-                          <a:solidFill>
-                            <a:srgbClr val="414141"/>
-                          </a:solidFill>
-                        </a:rPr>
-                        <a:t>688</a:t>
-                      </a:r>
-                    </a:p>
-                  </a:txBody>
-                  <a:tcPr marL="50800" marR="50800" marT="50800" marB="50800" anchor="ctr" anchorCtr="0" horzOverflow="overflow">
-                    <a:lnR w="12700">
-                      <a:miter lim="400000"/>
-                    </a:lnR>
-                  </a:tcPr>
-                </a:tc>
-              </a:tr>
-              <a:tr h="1254869">
-                <a:tc>
-                  <a:txBody>
-                    <a:bodyPr/>
-                    <a:lstStyle/>
-                    <a:p>
-                      <a:pPr lvl="0" defTabSz="914400">
-                        <a:defRPr>
-                          <a:solidFill>
-                            <a:srgbClr val="000000"/>
-                          </a:solidFill>
-                        </a:defRPr>
-                      </a:pPr>
-                      <a:r>
-                        <a:rPr sz="2600">
-                          <a:solidFill>
-                            <a:srgbClr val="FFFFFF"/>
-                          </a:solidFill>
-                        </a:rPr>
-                        <a:t>YES</a:t>
-                      </a:r>
-                    </a:p>
-                  </a:txBody>
-                  <a:tcPr marL="50800" marR="50800" marT="50800" marB="50800" anchor="ctr" anchorCtr="0" horzOverflow="overflow"/>
-                </a:tc>
-                <a:tc>
-                  <a:txBody>
-                    <a:bodyPr/>
-                    <a:lstStyle/>
-                    <a:p>
-                      <a:pPr lvl="0" defTabSz="914400">
-                        <a:defRPr>
-                          <a:solidFill>
-                            <a:srgbClr val="000000"/>
-                          </a:solidFill>
-                        </a:defRPr>
-                      </a:pPr>
-                      <a:r>
-                        <a:rPr sz="2600">
-                          <a:solidFill>
-                            <a:srgbClr val="414141"/>
-                          </a:solidFill>
-                        </a:rPr>
-                        <a:t>25</a:t>
-                      </a:r>
-                    </a:p>
-                  </a:txBody>
-                  <a:tcPr marL="50800" marR="50800" marT="50800" marB="50800" anchor="ctr" anchorCtr="0" horzOverflow="overflow"/>
-                </a:tc>
-                <a:tc>
-                  <a:txBody>
-                    <a:bodyPr/>
-                    <a:lstStyle/>
-                    <a:p>
-                      <a:pPr lvl="0" defTabSz="914400">
-                        <a:defRPr>
-                          <a:solidFill>
-                            <a:srgbClr val="000000"/>
-                          </a:solidFill>
-                        </a:defRPr>
-                      </a:pPr>
-                      <a:r>
-                        <a:rPr sz="2600">
-                          <a:solidFill>
-                            <a:srgbClr val="414141"/>
-                          </a:solidFill>
-                        </a:rPr>
-                        <a:t>2</a:t>
-                      </a:r>
-                    </a:p>
-                  </a:txBody>
-                  <a:tcPr marL="50800" marR="50800" marT="50800" marB="50800" anchor="ctr" anchorCtr="0" horzOverflow="overflow"/>
-                </a:tc>
-                <a:tc>
-                  <a:txBody>
-                    <a:bodyPr/>
-                    <a:lstStyle/>
-                    <a:p>
-                      <a:pPr lvl="0" defTabSz="914400">
-                        <a:defRPr>
-                          <a:solidFill>
-                            <a:srgbClr val="000000"/>
-                          </a:solidFill>
-                        </a:defRPr>
-                      </a:pPr>
-                      <a:r>
-                        <a:rPr sz="2600">
-                          <a:solidFill>
-                            <a:srgbClr val="414141"/>
-                          </a:solidFill>
-                        </a:rPr>
-                        <a:t>27</a:t>
-                      </a:r>
-                    </a:p>
-                  </a:txBody>
-                  <a:tcPr marL="50800" marR="50800" marT="50800" marB="50800" anchor="ctr" anchorCtr="0" horzOverflow="overflow">
-                    <a:lnR w="12700">
-                      <a:miter lim="400000"/>
-                    </a:lnR>
-                  </a:tcPr>
-                </a:tc>
-              </a:tr>
-              <a:tr h="1254869">
-                <a:tc>
-                  <a:txBody>
-                    <a:bodyPr/>
-                    <a:lstStyle/>
-                    <a:p>
-                      <a:pPr lvl="0" defTabSz="914400">
-                        <a:defRPr>
-                          <a:solidFill>
-                            <a:srgbClr val="000000"/>
-                          </a:solidFill>
-                        </a:defRPr>
-                      </a:pPr>
-                      <a:r>
-                        <a:rPr sz="2600">
-                          <a:solidFill>
-                            <a:srgbClr val="FFFFFF"/>
-                          </a:solidFill>
-                        </a:rPr>
-                        <a:t>Total</a:t>
-                      </a:r>
-                    </a:p>
-                  </a:txBody>
-                  <a:tcPr marL="50800" marR="50800" marT="50800" marB="50800" anchor="ctr" anchorCtr="0" horzOverflow="overflow"/>
-                </a:tc>
-                <a:tc>
-                  <a:txBody>
-                    <a:bodyPr/>
-                    <a:lstStyle/>
-                    <a:p>
-                      <a:pPr lvl="0" defTabSz="914400">
-                        <a:defRPr>
-                          <a:solidFill>
-                            <a:srgbClr val="000000"/>
-                          </a:solidFill>
-                        </a:defRPr>
-                      </a:pPr>
-                      <a:r>
-                        <a:rPr sz="2600">
-                          <a:solidFill>
-                            <a:srgbClr val="414141"/>
-                          </a:solidFill>
-                        </a:rPr>
-                        <a:t>701</a:t>
-                      </a:r>
-                    </a:p>
-                  </a:txBody>
-                  <a:tcPr marL="50800" marR="50800" marT="50800" marB="50800" anchor="ctr" anchorCtr="0" horzOverflow="overflow">
-                    <a:lnB w="12700">
-                      <a:miter lim="400000"/>
-                    </a:lnB>
-                  </a:tcPr>
-                </a:tc>
-                <a:tc>
-                  <a:txBody>
-                    <a:bodyPr/>
-                    <a:lstStyle/>
-                    <a:p>
-                      <a:pPr lvl="0" defTabSz="914400">
-                        <a:defRPr>
-                          <a:solidFill>
-                            <a:srgbClr val="000000"/>
-                          </a:solidFill>
-                        </a:defRPr>
-                      </a:pPr>
-                      <a:r>
-                        <a:rPr sz="2600">
-                          <a:solidFill>
-                            <a:srgbClr val="414141"/>
-                          </a:solidFill>
-                        </a:rPr>
-                        <a:t>14</a:t>
-                      </a:r>
-                    </a:p>
-                  </a:txBody>
-                  <a:tcPr marL="50800" marR="50800" marT="50800" marB="50800" anchor="ctr" anchorCtr="0" horzOverflow="overflow">
-                    <a:lnB w="12700">
-                      <a:miter lim="400000"/>
-                    </a:lnB>
-                  </a:tcPr>
-                </a:tc>
-                <a:tc>
-                  <a:txBody>
-                    <a:bodyPr/>
-                    <a:lstStyle/>
-                    <a:p>
-                      <a:pPr lvl="0" defTabSz="914400">
-                        <a:defRPr>
-                          <a:solidFill>
-                            <a:srgbClr val="000000"/>
-                          </a:solidFill>
-                        </a:defRPr>
-                      </a:pPr>
-                      <a:r>
-                        <a:rPr sz="2600">
-                          <a:solidFill>
-                            <a:srgbClr val="414141"/>
-                          </a:solidFill>
-                        </a:rPr>
-                        <a:t>715</a:t>
-                      </a:r>
-                    </a:p>
-                  </a:txBody>
-                  <a:tcPr marL="50800" marR="50800" marT="50800" marB="50800" anchor="ctr" anchorCtr="0" horzOverflow="overflow">
-                    <a:lnR w="12700">
-                      <a:miter lim="400000"/>
-                    </a:lnR>
-                    <a:lnB w="12700">
-                      <a:miter lim="400000"/>
-                    </a:lnB>
-                  </a:tcPr>
-                </a:tc>
-              </a:tr>
-            </a:tbl>
-          </a:graphicData>
-        </a:graphic>
-      </p:graphicFrame>
-      <p:sp>
-        <p:nvSpPr>
-          <p:cNvPr id="108" name="Shape 108"/>
+          <p:cNvPr id="107" name="Shape 107"/>
           <p:cNvSpPr/>
           <p:nvPr/>
         </p:nvSpPr>
         <p:spPr>
           <a:xfrm>
-            <a:off x="5734496" y="2374599"/>
-            <a:ext cx="3172273" cy="520409"/>
+            <a:off x="5930900" y="8470900"/>
+            <a:ext cx="1418729" cy="499071"/>
           </a:xfrm>
           <a:prstGeom prst="rect">
             <a:avLst/>
           </a:prstGeom>
-          <a:ln w="12700">
+          <a:solidFill>
+            <a:srgbClr val="FF2600">
+              <a:alpha val="8000"/>
+            </a:srgbClr>
+          </a:solidFill>
+          <a:ln w="25400">
+            <a:solidFill>
+              <a:srgbClr val="FF2600"/>
+            </a:solidFill>
             <a:miter lim="400000"/>
           </a:ln>
-          <a:extLst>
-            <a:ext uri="{C572A759-6A51-4108-AA02-DFA0A04FC94B}">
-              <ma14:wrappingTextBoxFlag xmlns:ma14="http://schemas.microsoft.com/office/mac/drawingml/2011/main" val="1"/>
-            </a:ext>
-          </a:extLst>
         </p:spPr>
         <p:txBody>
-          <a:bodyPr lIns="50800" tIns="50800" rIns="50800" bIns="50800" anchor="ctr">
-            <a:spAutoFit/>
-          </a:bodyPr>
+          <a:bodyPr lIns="0" tIns="0" rIns="0" bIns="0" anchor="ctr"/>
           <a:lstStyle/>
           <a:p>
             <a:pPr lvl="0">
-              <a:defRPr sz="1800">
-                <a:solidFill>
-                  <a:srgbClr val="000000"/>
-                </a:solidFill>
-              </a:defRPr>
+              <a:defRPr sz="3200"/>
             </a:pPr>
-            <a:r>
-              <a:rPr sz="2400">
-                <a:solidFill>
-                  <a:srgbClr val="414141"/>
-                </a:solidFill>
-              </a:rPr>
-              <a:t>실제 데이터 값</a:t>
-            </a:r>
-          </a:p>
-        </p:txBody>
-      </p:sp>
-      <p:sp>
-        <p:nvSpPr>
-          <p:cNvPr id="109" name="Shape 109"/>
-          <p:cNvSpPr/>
-          <p:nvPr/>
-        </p:nvSpPr>
-        <p:spPr>
-          <a:xfrm rot="16200000">
-            <a:off x="2712342" y="5950923"/>
-            <a:ext cx="2093716" cy="520410"/>
-          </a:xfrm>
-          <a:prstGeom prst="rect">
-            <a:avLst/>
-          </a:prstGeom>
-          <a:ln w="12700">
-            <a:miter lim="400000"/>
-          </a:ln>
-          <a:extLst>
-            <a:ext uri="{C572A759-6A51-4108-AA02-DFA0A04FC94B}">
-              <ma14:wrappingTextBoxFlag xmlns:ma14="http://schemas.microsoft.com/office/mac/drawingml/2011/main" val="1"/>
-            </a:ext>
-          </a:extLst>
-        </p:spPr>
-        <p:txBody>
-          <a:bodyPr wrap="none" lIns="50800" tIns="50800" rIns="50800" bIns="50800" anchor="ctr">
-            <a:spAutoFit/>
-          </a:bodyPr>
-          <a:lstStyle/>
-          <a:p>
-            <a:pPr lvl="0">
-              <a:defRPr sz="1800">
-                <a:solidFill>
-                  <a:srgbClr val="000000"/>
-                </a:solidFill>
-              </a:defRPr>
-            </a:pPr>
-            <a:r>
-              <a:rPr sz="2400">
-                <a:solidFill>
-                  <a:srgbClr val="414141"/>
-                </a:solidFill>
-              </a:rPr>
-              <a:t>예측 데이터 값</a:t>
-            </a:r>
           </a:p>
         </p:txBody>
       </p:sp>
@@ -6721,7 +6576,7 @@
       </p:grpSpPr>
       <p:sp>
         <p:nvSpPr>
-          <p:cNvPr id="111" name="Shape 111"/>
+          <p:cNvPr id="109" name="Shape 109"/>
           <p:cNvSpPr/>
           <p:nvPr>
             <p:ph type="title"/>
@@ -6752,7 +6607,7 @@
                   <a:srgbClr val="D93E2B"/>
                 </a:solidFill>
               </a:rPr>
-              <a:t>분류 방법 비교</a:t>
+              <a:t>최종 모델 선택</a:t>
             </a:r>
             <a:r>
               <a:rPr sz="6930">
@@ -6784,81 +6639,53 @@
                 <a:cs typeface="Bodoni SvtyTwo ITC TT-BookIta"/>
                 <a:sym typeface="Bodoni SvtyTwo ITC TT-BookIta"/>
               </a:rPr>
-              <a:t>QDA</a:t>
-            </a:r>
-          </a:p>
-        </p:txBody>
-      </p:sp>
-      <p:sp>
-        <p:nvSpPr>
-          <p:cNvPr id="112" name="Shape 112"/>
-          <p:cNvSpPr/>
-          <p:nvPr>
-            <p:ph type="body" idx="1"/>
-          </p:nvPr>
-        </p:nvSpPr>
-        <p:spPr>
-          <a:xfrm>
-            <a:off x="4037359" y="8183184"/>
-            <a:ext cx="5765355" cy="1072931"/>
-          </a:xfrm>
-          <a:prstGeom prst="rect">
-            <a:avLst/>
-          </a:prstGeom>
-        </p:spPr>
-        <p:txBody>
-          <a:bodyPr/>
-          <a:lstStyle/>
-          <a:p>
-            <a:pPr lvl="0">
-              <a:defRPr sz="1800">
-                <a:solidFill>
-                  <a:srgbClr val="000000"/>
-                </a:solidFill>
-              </a:defRPr>
-            </a:pPr>
-            <a:r>
-              <a:rPr sz="3600">
-                <a:solidFill>
-                  <a:srgbClr val="414141"/>
-                </a:solidFill>
-              </a:rPr>
-              <a:t>Error rate = 0.07132867</a:t>
+              <a:t> Best Model</a:t>
             </a:r>
           </a:p>
         </p:txBody>
       </p:sp>
       <p:graphicFrame>
         <p:nvGraphicFramePr>
-          <p:cNvPr id="113" name="Table 113"/>
+          <p:cNvPr id="110" name="Table 110"/>
           <p:cNvGraphicFramePr/>
           <p:nvPr/>
         </p:nvGraphicFramePr>
         <p:xfrm>
-          <a:off x="4271516" y="3091557"/>
-          <a:ext cx="4927402" cy="5019477"/>
+          <a:off x="2057400" y="3479800"/>
+          <a:ext cx="9044236" cy="4517827"/>
         </p:xfrm>
         <a:graphic xmlns:a="http://schemas.openxmlformats.org/drawingml/2006/main">
           <a:graphicData uri="http://schemas.openxmlformats.org/drawingml/2006/table">
             <a:tbl>
-              <a:tblPr firstCol="1" firstRow="1" lastCol="0" lastRow="0" bandCol="0" bandRow="0" rtl="0">
+              <a:tblPr firstCol="0" firstRow="1" lastCol="0" lastRow="0" bandCol="0" bandRow="0" rtl="0">
                 <a:tableStyleId>{33BA23B1-9221-436E-865A-0063620EA4FD}</a:tableStyleId>
               </a:tblPr>
               <a:tblGrid>
-                <a:gridCol w="1231850"/>
-                <a:gridCol w="1231850"/>
-                <a:gridCol w="1231850"/>
-                <a:gridCol w="1231850"/>
+                <a:gridCol w="3014745"/>
+                <a:gridCol w="3014745"/>
+                <a:gridCol w="3014745"/>
               </a:tblGrid>
-              <a:tr h="1254869">
-                <a:tc>
-                  <a:txBody>
-                    <a:bodyPr/>
-                    <a:lstStyle/>
-                    <a:p>
-                      <a:pPr lvl="0" defTabSz="914400">
-                        <a:defRPr sz="2600"/>
-                      </a:pPr>
+              <a:tr h="564728">
+                <a:tc>
+                  <a:txBody>
+                    <a:bodyPr/>
+                    <a:lstStyle/>
+                    <a:p>
+                      <a:pPr lvl="0" defTabSz="914400">
+                        <a:defRPr>
+                          <a:solidFill>
+                            <a:srgbClr val="000000"/>
+                          </a:solidFill>
+                        </a:defRPr>
+                      </a:pPr>
+                      <a:r>
+                        <a:rPr sz="2200">
+                          <a:solidFill>
+                            <a:srgbClr val="FFFFFF"/>
+                          </a:solidFill>
+                        </a:rPr>
+                        <a:t>변수 이름</a:t>
+                      </a:r>
                     </a:p>
                   </a:txBody>
                   <a:tcPr marL="50800" marR="50800" marT="50800" marB="50800" anchor="ctr" anchorCtr="0" horzOverflow="overflow"/>
@@ -6876,17 +6703,95 @@
                         </a:defRPr>
                       </a:pPr>
                       <a:r>
+                        <a:rPr sz="2200">
+                          <a:solidFill>
+                            <a:srgbClr val="FFFFFF"/>
+                          </a:solidFill>
+                        </a:rPr>
+                        <a:t>범위</a:t>
+                      </a:r>
+                    </a:p>
+                  </a:txBody>
+                  <a:tcPr marL="50800" marR="50800" marT="50800" marB="50800" anchor="ctr" anchorCtr="0" horzOverflow="overflow"/>
+                </a:tc>
+                <a:tc>
+                  <a:txBody>
+                    <a:bodyPr/>
+                    <a:lstStyle/>
+                    <a:p>
+                      <a:pPr lvl="0" defTabSz="914400">
+                        <a:defRPr>
+                          <a:solidFill>
+                            <a:srgbClr val="000000"/>
+                          </a:solidFill>
+                        </a:defRPr>
+                      </a:pPr>
+                      <a:r>
                         <a:rPr sz="2600">
                           <a:solidFill>
                             <a:srgbClr val="FFFFFF"/>
                           </a:solidFill>
                         </a:rPr>
-                        <a:t>NO</a:t>
+                        <a:t>설명</a:t>
                       </a:r>
                     </a:p>
                   </a:txBody>
                   <a:tcPr marL="50800" marR="50800" marT="50800" marB="50800" anchor="ctr" anchorCtr="0" horzOverflow="overflow"/>
                 </a:tc>
+              </a:tr>
+              <a:tr h="564728">
+                <a:tc>
+                  <a:txBody>
+                    <a:bodyPr/>
+                    <a:lstStyle/>
+                    <a:p>
+                      <a:pPr lvl="0" defTabSz="914400">
+                        <a:defRPr>
+                          <a:solidFill>
+                            <a:srgbClr val="000000"/>
+                          </a:solidFill>
+                        </a:defRPr>
+                      </a:pPr>
+                      <a:r>
+                        <a:rPr sz="2200">
+                          <a:solidFill>
+                            <a:srgbClr val="414141"/>
+                          </a:solidFill>
+                        </a:rPr>
+                        <a:t>SIZE</a:t>
+                      </a:r>
+                    </a:p>
+                  </a:txBody>
+                  <a:tcPr marL="50800" marR="50800" marT="50800" marB="50800" anchor="ctr" anchorCtr="0" horzOverflow="overflow">
+                    <a:lnL w="12700">
+                      <a:miter lim="400000"/>
+                    </a:lnL>
+                  </a:tcPr>
+                </a:tc>
+                <a:tc>
+                  <a:txBody>
+                    <a:bodyPr/>
+                    <a:lstStyle/>
+                    <a:p>
+                      <a:pPr lvl="0" defTabSz="914400">
+                        <a:defRPr>
+                          <a:solidFill>
+                            <a:srgbClr val="000000"/>
+                          </a:solidFill>
+                        </a:defRPr>
+                      </a:pPr>
+                      <a:r>
+                        <a:rPr sz="2200">
+                          <a:solidFill>
+                            <a:srgbClr val="414141"/>
+                          </a:solidFill>
+                        </a:rPr>
+                        <a:t>small, medium, big</a:t>
+                      </a:r>
+                    </a:p>
+                  </a:txBody>
+                  <a:tcPr marL="50800" marR="50800" marT="50800" marB="50800" anchor="ctr" anchorCtr="0" horzOverflow="overflow"/>
+                </a:tc>
                 <a:tc>
                   <a:txBody>
                     <a:bodyPr/>
@@ -6902,132 +6807,10 @@
                       <a:r>
                         <a:rPr sz="2600">
                           <a:solidFill>
-                            <a:srgbClr val="FFFFFF"/>
-                          </a:solidFill>
-                        </a:rPr>
-                        <a:t>YES</a:t>
-                      </a:r>
-                    </a:p>
-                  </a:txBody>
-                  <a:tcPr marL="50800" marR="50800" marT="50800" marB="50800" anchor="ctr" anchorCtr="0" horzOverflow="overflow"/>
-                </a:tc>
-                <a:tc>
-                  <a:txBody>
-                    <a:bodyPr/>
-                    <a:lstStyle/>
-                    <a:p>
-                      <a:pPr lvl="0" defTabSz="914400">
-                        <a:defRPr>
-                          <a:solidFill>
-                            <a:srgbClr val="000000"/>
-                          </a:solidFill>
-                        </a:defRPr>
-                      </a:pPr>
-                      <a:r>
-                        <a:rPr sz="2600">
-                          <a:solidFill>
-                            <a:srgbClr val="FFFFFF"/>
-                          </a:solidFill>
-                        </a:rPr>
-                        <a:t>Total</a:t>
-                      </a:r>
-                    </a:p>
-                  </a:txBody>
-                  <a:tcPr marL="50800" marR="50800" marT="50800" marB="50800" anchor="ctr" anchorCtr="0" horzOverflow="overflow"/>
-                </a:tc>
-              </a:tr>
-              <a:tr h="1254869">
-                <a:tc>
-                  <a:txBody>
-                    <a:bodyPr/>
-                    <a:lstStyle/>
-                    <a:p>
-                      <a:pPr lvl="0" defTabSz="914400">
-                        <a:defRPr>
-                          <a:solidFill>
-                            <a:srgbClr val="000000"/>
-                          </a:solidFill>
-                        </a:defRPr>
-                      </a:pPr>
-                      <a:r>
-                        <a:rPr sz="2600">
-                          <a:solidFill>
-                            <a:srgbClr val="FFFFFF"/>
-                          </a:solidFill>
-                        </a:rPr>
-                        <a:t>NO</a:t>
-                      </a:r>
-                    </a:p>
-                  </a:txBody>
-                  <a:tcPr marL="50800" marR="50800" marT="50800" marB="50800" anchor="ctr" anchorCtr="0" horzOverflow="overflow"/>
-                </a:tc>
-                <a:tc>
-                  <a:txBody>
-                    <a:bodyPr/>
-                    <a:lstStyle/>
-                    <a:p>
-                      <a:pPr lvl="0" defTabSz="914400">
-                        <a:defRPr>
-                          <a:solidFill>
-                            <a:srgbClr val="000000"/>
-                          </a:solidFill>
-                        </a:defRPr>
-                      </a:pPr>
-                      <a:r>
-                        <a:rPr sz="2600">
-                          <a:solidFill>
-                            <a:srgbClr val="414141"/>
-                          </a:solidFill>
-                        </a:rPr>
-                        <a:t>660</a:t>
-                      </a:r>
-                    </a:p>
-                  </a:txBody>
-                  <a:tcPr marL="50800" marR="50800" marT="50800" marB="50800" anchor="ctr" anchorCtr="0" horzOverflow="overflow"/>
-                </a:tc>
-                <a:tc>
-                  <a:txBody>
-                    <a:bodyPr/>
-                    <a:lstStyle/>
-                    <a:p>
-                      <a:pPr lvl="0" defTabSz="914400">
-                        <a:defRPr>
-                          <a:solidFill>
-                            <a:srgbClr val="000000"/>
-                          </a:solidFill>
-                        </a:defRPr>
-                      </a:pPr>
-                      <a:r>
-                        <a:rPr sz="2600">
-                          <a:solidFill>
-                            <a:srgbClr val="414141"/>
-                          </a:solidFill>
-                        </a:rPr>
-                        <a:t>10</a:t>
-                      </a:r>
-                    </a:p>
-                  </a:txBody>
-                  <a:tcPr marL="50800" marR="50800" marT="50800" marB="50800" anchor="ctr" anchorCtr="0" horzOverflow="overflow"/>
-                </a:tc>
-                <a:tc>
-                  <a:txBody>
-                    <a:bodyPr/>
-                    <a:lstStyle/>
-                    <a:p>
-                      <a:pPr lvl="0" defTabSz="914400">
-                        <a:defRPr>
-                          <a:solidFill>
-                            <a:srgbClr val="000000"/>
-                          </a:solidFill>
-                        </a:defRPr>
-                      </a:pPr>
-                      <a:r>
-                        <a:rPr sz="2600">
-                          <a:solidFill>
-                            <a:srgbClr val="414141"/>
-                          </a:solidFill>
-                        </a:rPr>
-                        <a:t>670</a:t>
+                            <a:srgbClr val="414141"/>
+                          </a:solidFill>
+                        </a:rPr>
+                        <a:t>기업의 크기</a:t>
                       </a:r>
                     </a:p>
                   </a:txBody>
@@ -7038,7 +6821,59 @@
                   </a:tcPr>
                 </a:tc>
               </a:tr>
-              <a:tr h="1254869">
+              <a:tr h="564728">
+                <a:tc>
+                  <a:txBody>
+                    <a:bodyPr/>
+                    <a:lstStyle/>
+                    <a:p>
+                      <a:pPr lvl="0" defTabSz="914400">
+                        <a:defRPr>
+                          <a:solidFill>
+                            <a:srgbClr val="000000"/>
+                          </a:solidFill>
+                        </a:defRPr>
+                      </a:pPr>
+                      <a:r>
+                        <a:rPr sz="2200">
+                          <a:solidFill>
+                            <a:srgbClr val="414141"/>
+                          </a:solidFill>
+                        </a:rPr>
+                        <a:t>DEBT_COST</a:t>
+                      </a:r>
+                    </a:p>
+                  </a:txBody>
+                  <a:tcPr marL="50800" marR="50800" marT="50800" marB="50800" anchor="ctr" anchorCtr="0" horzOverflow="overflow">
+                    <a:lnL w="12700">
+                      <a:miter lim="400000"/>
+                    </a:lnL>
+                  </a:tcPr>
+                </a:tc>
+                <a:tc>
+                  <a:txBody>
+                    <a:bodyPr/>
+                    <a:lstStyle/>
+                    <a:p>
+                      <a:pPr lvl="0" defTabSz="914400">
+                        <a:defRPr>
+                          <a:solidFill>
+                            <a:srgbClr val="000000"/>
+                          </a:solidFill>
+                        </a:defRPr>
+                      </a:pPr>
+                      <a:r>
+                        <a:rPr sz="2200">
+                          <a:solidFill>
+                            <a:srgbClr val="414141"/>
+                          </a:solidFill>
+                        </a:rPr>
+                        <a:t>-0.87~8151.25</a:t>
+                      </a:r>
+                    </a:p>
+                  </a:txBody>
+                  <a:tcPr marL="50800" marR="50800" marT="50800" marB="50800" anchor="ctr" anchorCtr="0" horzOverflow="overflow"/>
+                </a:tc>
                 <a:tc>
                   <a:txBody>
                     <a:bodyPr/>
@@ -7054,82 +6889,10 @@
                       <a:r>
                         <a:rPr sz="2600">
                           <a:solidFill>
-                            <a:srgbClr val="FFFFFF"/>
-                          </a:solidFill>
-                        </a:rPr>
-                        <a:t>YES</a:t>
-                      </a:r>
-                    </a:p>
-                  </a:txBody>
-                  <a:tcPr marL="50800" marR="50800" marT="50800" marB="50800" anchor="ctr" anchorCtr="0" horzOverflow="overflow"/>
-                </a:tc>
-                <a:tc>
-                  <a:txBody>
-                    <a:bodyPr/>
-                    <a:lstStyle/>
-                    <a:p>
-                      <a:pPr lvl="0" defTabSz="914400">
-                        <a:defRPr>
-                          <a:solidFill>
-                            <a:srgbClr val="000000"/>
-                          </a:solidFill>
-                        </a:defRPr>
-                      </a:pPr>
-                      <a:r>
-                        <a:rPr sz="2600">
-                          <a:solidFill>
-                            <a:srgbClr val="414141"/>
-                          </a:solidFill>
-                        </a:rPr>
-                        <a:t>41</a:t>
-                      </a:r>
-                    </a:p>
-                  </a:txBody>
-                  <a:tcPr marL="50800" marR="50800" marT="50800" marB="50800" anchor="ctr" anchorCtr="0" horzOverflow="overflow"/>
-                </a:tc>
-                <a:tc>
-                  <a:txBody>
-                    <a:bodyPr/>
-                    <a:lstStyle/>
-                    <a:p>
-                      <a:pPr lvl="0" defTabSz="914400">
-                        <a:defRPr>
-                          <a:solidFill>
-                            <a:srgbClr val="000000"/>
-                          </a:solidFill>
-                        </a:defRPr>
-                      </a:pPr>
-                      <a:r>
-                        <a:rPr sz="2600">
-                          <a:solidFill>
-                            <a:srgbClr val="414141"/>
-                          </a:solidFill>
-                        </a:rPr>
-                        <a:t>4</a:t>
-                      </a:r>
-                    </a:p>
-                  </a:txBody>
-                  <a:tcPr marL="50800" marR="50800" marT="50800" marB="50800" anchor="ctr" anchorCtr="0" horzOverflow="overflow"/>
-                </a:tc>
-                <a:tc>
-                  <a:txBody>
-                    <a:bodyPr/>
-                    <a:lstStyle/>
-                    <a:p>
-                      <a:pPr lvl="0" defTabSz="914400">
-                        <a:defRPr>
-                          <a:solidFill>
-                            <a:srgbClr val="000000"/>
-                          </a:solidFill>
-                        </a:defRPr>
-                      </a:pPr>
-                      <a:r>
-                        <a:rPr sz="2600">
-                          <a:solidFill>
-                            <a:srgbClr val="414141"/>
-                          </a:solidFill>
-                        </a:rPr>
-                        <a:t>45</a:t>
+                            <a:srgbClr val="414141"/>
+                          </a:solidFill>
+                        </a:rPr>
+                        <a:t>부채 비용</a:t>
                       </a:r>
                     </a:p>
                   </a:txBody>
@@ -7140,7 +6903,59 @@
                   </a:tcPr>
                 </a:tc>
               </a:tr>
-              <a:tr h="1254869">
+              <a:tr h="564728">
+                <a:tc>
+                  <a:txBody>
+                    <a:bodyPr/>
+                    <a:lstStyle/>
+                    <a:p>
+                      <a:pPr lvl="0" defTabSz="914400">
+                        <a:defRPr>
+                          <a:solidFill>
+                            <a:srgbClr val="000000"/>
+                          </a:solidFill>
+                        </a:defRPr>
+                      </a:pPr>
+                      <a:r>
+                        <a:rPr sz="2200">
+                          <a:solidFill>
+                            <a:srgbClr val="414141"/>
+                          </a:solidFill>
+                        </a:rPr>
+                        <a:t>RETURN_EQUITY</a:t>
+                      </a:r>
+                    </a:p>
+                  </a:txBody>
+                  <a:tcPr marL="50800" marR="50800" marT="50800" marB="50800" anchor="ctr" anchorCtr="0" horzOverflow="overflow">
+                    <a:lnL w="12700">
+                      <a:miter lim="400000"/>
+                    </a:lnL>
+                  </a:tcPr>
+                </a:tc>
+                <a:tc>
+                  <a:txBody>
+                    <a:bodyPr/>
+                    <a:lstStyle/>
+                    <a:p>
+                      <a:pPr lvl="0" defTabSz="914400">
+                        <a:defRPr>
+                          <a:solidFill>
+                            <a:srgbClr val="000000"/>
+                          </a:solidFill>
+                        </a:defRPr>
+                      </a:pPr>
+                      <a:r>
+                        <a:rPr sz="2200">
+                          <a:solidFill>
+                            <a:srgbClr val="414141"/>
+                          </a:solidFill>
+                        </a:rPr>
+                        <a:t>-1825426 ~ 9349.018</a:t>
+                      </a:r>
+                    </a:p>
+                  </a:txBody>
+                  <a:tcPr marL="50800" marR="50800" marT="50800" marB="50800" anchor="ctr" anchorCtr="0" horzOverflow="overflow"/>
+                </a:tc>
                 <a:tc>
                   <a:txBody>
                     <a:bodyPr/>
@@ -7156,10 +6971,68 @@
                       <a:r>
                         <a:rPr sz="2600">
                           <a:solidFill>
-                            <a:srgbClr val="FFFFFF"/>
-                          </a:solidFill>
-                        </a:rPr>
-                        <a:t>Total</a:t>
+                            <a:srgbClr val="414141"/>
+                          </a:solidFill>
+                        </a:rPr>
+                        <a:t>자기자본이익률</a:t>
+                      </a:r>
+                    </a:p>
+                  </a:txBody>
+                  <a:tcPr marL="50800" marR="50800" marT="50800" marB="50800" anchor="ctr" anchorCtr="0" horzOverflow="overflow">
+                    <a:lnR w="12700">
+                      <a:miter lim="400000"/>
+                    </a:lnR>
+                  </a:tcPr>
+                </a:tc>
+              </a:tr>
+              <a:tr h="564728">
+                <a:tc>
+                  <a:txBody>
+                    <a:bodyPr/>
+                    <a:lstStyle/>
+                    <a:p>
+                      <a:pPr lvl="0" defTabSz="914400">
+                        <a:defRPr>
+                          <a:solidFill>
+                            <a:srgbClr val="000000"/>
+                          </a:solidFill>
+                        </a:defRPr>
+                      </a:pPr>
+                      <a:r>
+                        <a:rPr sz="2200">
+                          <a:solidFill>
+                            <a:srgbClr val="414141"/>
+                          </a:solidFill>
+                        </a:rPr>
+                        <a:t>RETURN_ASSETS</a:t>
+                      </a:r>
+                    </a:p>
+                  </a:txBody>
+                  <a:tcPr marL="50800" marR="50800" marT="50800" marB="50800" anchor="ctr" anchorCtr="0" horzOverflow="overflow">
+                    <a:lnL w="12700">
+                      <a:miter lim="400000"/>
+                    </a:lnL>
+                  </a:tcPr>
+                </a:tc>
+                <a:tc>
+                  <a:txBody>
+                    <a:bodyPr/>
+                    <a:lstStyle/>
+                    <a:p>
+                      <a:pPr lvl="0" defTabSz="914400">
+                        <a:defRPr>
+                          <a:solidFill>
+                            <a:srgbClr val="000000"/>
+                          </a:solidFill>
+                        </a:defRPr>
+                      </a:pPr>
+                      <a:r>
+                        <a:rPr>
+                          <a:solidFill>
+                            <a:srgbClr val="414141"/>
+                          </a:solidFill>
+                        </a:rPr>
+                        <a:t>-481.07 ~ 711.22</a:t>
                       </a:r>
                     </a:p>
                   </a:txBody>
@@ -7183,7 +7056,232 @@
                             <a:srgbClr val="414141"/>
                           </a:solidFill>
                         </a:rPr>
-                        <a:t>701</a:t>
+                        <a:t>총자산순이익률</a:t>
+                      </a:r>
+                    </a:p>
+                  </a:txBody>
+                  <a:tcPr marL="50800" marR="50800" marT="50800" marB="50800" anchor="ctr" anchorCtr="0" horzOverflow="overflow">
+                    <a:lnR w="12700">
+                      <a:miter lim="400000"/>
+                    </a:lnR>
+                  </a:tcPr>
+                </a:tc>
+              </a:tr>
+              <a:tr h="564728">
+                <a:tc>
+                  <a:txBody>
+                    <a:bodyPr/>
+                    <a:lstStyle/>
+                    <a:p>
+                      <a:pPr lvl="0" defTabSz="914400">
+                        <a:defRPr>
+                          <a:solidFill>
+                            <a:srgbClr val="000000"/>
+                          </a:solidFill>
+                        </a:defRPr>
+                      </a:pPr>
+                      <a:r>
+                        <a:rPr sz="1100">
+                          <a:solidFill>
+                            <a:srgbClr val="414141"/>
+                          </a:solidFill>
+                        </a:rPr>
+                        <a:t>NUMBER_JUDICIAL_INCIDENCES_YEAR</a:t>
+                      </a:r>
+                    </a:p>
+                  </a:txBody>
+                  <a:tcPr marL="50800" marR="50800" marT="50800" marB="50800" anchor="ctr" anchorCtr="0" horzOverflow="overflow">
+                    <a:lnL w="12700">
+                      <a:miter lim="400000"/>
+                    </a:lnL>
+                  </a:tcPr>
+                </a:tc>
+                <a:tc>
+                  <a:txBody>
+                    <a:bodyPr/>
+                    <a:lstStyle/>
+                    <a:p>
+                      <a:pPr lvl="0" defTabSz="914400">
+                        <a:defRPr>
+                          <a:solidFill>
+                            <a:srgbClr val="000000"/>
+                          </a:solidFill>
+                        </a:defRPr>
+                      </a:pPr>
+                      <a:r>
+                        <a:rPr sz="2200">
+                          <a:solidFill>
+                            <a:srgbClr val="414141"/>
+                          </a:solidFill>
+                        </a:rPr>
+                        <a:t>0 ~ 1</a:t>
+                      </a:r>
+                    </a:p>
+                  </a:txBody>
+                  <a:tcPr marL="50800" marR="50800" marT="50800" marB="50800" anchor="ctr" anchorCtr="0" horzOverflow="overflow"/>
+                </a:tc>
+                <a:tc>
+                  <a:txBody>
+                    <a:bodyPr/>
+                    <a:lstStyle/>
+                    <a:p>
+                      <a:pPr lvl="0" defTabSz="914400">
+                        <a:defRPr>
+                          <a:solidFill>
+                            <a:srgbClr val="000000"/>
+                          </a:solidFill>
+                        </a:defRPr>
+                      </a:pPr>
+                      <a:r>
+                        <a:rPr sz="2600">
+                          <a:solidFill>
+                            <a:srgbClr val="414141"/>
+                          </a:solidFill>
+                        </a:rPr>
+                        <a:t>법적 분쟁 발생 수</a:t>
+                      </a:r>
+                    </a:p>
+                  </a:txBody>
+                  <a:tcPr marL="50800" marR="50800" marT="50800" marB="50800" anchor="ctr" anchorCtr="0" horzOverflow="overflow">
+                    <a:lnR w="12700">
+                      <a:miter lim="400000"/>
+                    </a:lnR>
+                  </a:tcPr>
+                </a:tc>
+              </a:tr>
+              <a:tr h="564728">
+                <a:tc>
+                  <a:txBody>
+                    <a:bodyPr/>
+                    <a:lstStyle/>
+                    <a:p>
+                      <a:pPr lvl="0" defTabSz="914400">
+                        <a:defRPr>
+                          <a:solidFill>
+                            <a:srgbClr val="000000"/>
+                          </a:solidFill>
+                        </a:defRPr>
+                      </a:pPr>
+                      <a:r>
+                        <a:rPr sz="1100">
+                          <a:solidFill>
+                            <a:srgbClr val="414141"/>
+                          </a:solidFill>
+                        </a:rPr>
+                        <a:t>SPENT_JUDICAL_INCIDENCES_TOTAL</a:t>
+                      </a:r>
+                    </a:p>
+                  </a:txBody>
+                  <a:tcPr marL="50800" marR="50800" marT="50800" marB="50800" anchor="ctr" anchorCtr="0" horzOverflow="overflow">
+                    <a:lnL w="12700">
+                      <a:miter lim="400000"/>
+                    </a:lnL>
+                  </a:tcPr>
+                </a:tc>
+                <a:tc>
+                  <a:txBody>
+                    <a:bodyPr/>
+                    <a:lstStyle/>
+                    <a:p>
+                      <a:pPr lvl="0" defTabSz="914400">
+                        <a:defRPr>
+                          <a:solidFill>
+                            <a:srgbClr val="000000"/>
+                          </a:solidFill>
+                        </a:defRPr>
+                      </a:pPr>
+                      <a:r>
+                        <a:rPr sz="2200">
+                          <a:solidFill>
+                            <a:srgbClr val="414141"/>
+                          </a:solidFill>
+                        </a:rPr>
+                        <a:t>0 ~ 448342.4</a:t>
+                      </a:r>
+                    </a:p>
+                  </a:txBody>
+                  <a:tcPr marL="50800" marR="50800" marT="50800" marB="50800" anchor="ctr" anchorCtr="0" horzOverflow="overflow"/>
+                </a:tc>
+                <a:tc>
+                  <a:txBody>
+                    <a:bodyPr/>
+                    <a:lstStyle/>
+                    <a:p>
+                      <a:pPr lvl="0" defTabSz="914400">
+                        <a:defRPr>
+                          <a:solidFill>
+                            <a:srgbClr val="000000"/>
+                          </a:solidFill>
+                        </a:defRPr>
+                      </a:pPr>
+                      <a:r>
+                        <a:rPr sz="2600">
+                          <a:solidFill>
+                            <a:srgbClr val="414141"/>
+                          </a:solidFill>
+                        </a:rPr>
+                        <a:t>법적 분쟁 부담 비용</a:t>
+                      </a:r>
+                    </a:p>
+                  </a:txBody>
+                  <a:tcPr marL="50800" marR="50800" marT="50800" marB="50800" anchor="ctr" anchorCtr="0" horzOverflow="overflow">
+                    <a:lnR w="12700">
+                      <a:miter lim="400000"/>
+                    </a:lnR>
+                  </a:tcPr>
+                </a:tc>
+              </a:tr>
+              <a:tr h="564728">
+                <a:tc>
+                  <a:txBody>
+                    <a:bodyPr/>
+                    <a:lstStyle/>
+                    <a:p>
+                      <a:pPr lvl="0" defTabSz="914400">
+                        <a:defRPr>
+                          <a:solidFill>
+                            <a:srgbClr val="000000"/>
+                          </a:solidFill>
+                        </a:defRPr>
+                      </a:pPr>
+                      <a:r>
+                        <a:rPr sz="2200">
+                          <a:solidFill>
+                            <a:srgbClr val="414141"/>
+                          </a:solidFill>
+                        </a:rPr>
+                        <a:t>AUDITED</a:t>
+                      </a:r>
+                    </a:p>
+                  </a:txBody>
+                  <a:tcPr marL="50800" marR="50800" marT="50800" marB="50800" anchor="ctr" anchorCtr="0" horzOverflow="overflow">
+                    <a:lnL w="12700">
+                      <a:miter lim="400000"/>
+                    </a:lnL>
+                    <a:lnB w="12700">
+                      <a:miter lim="400000"/>
+                    </a:lnB>
+                  </a:tcPr>
+                </a:tc>
+                <a:tc>
+                  <a:txBody>
+                    <a:bodyPr/>
+                    <a:lstStyle/>
+                    <a:p>
+                      <a:pPr lvl="0" defTabSz="914400">
+                        <a:defRPr>
+                          <a:solidFill>
+                            <a:srgbClr val="000000"/>
+                          </a:solidFill>
+                        </a:defRPr>
+                      </a:pPr>
+                      <a:r>
+                        <a:rPr sz="2200">
+                          <a:solidFill>
+                            <a:srgbClr val="414141"/>
+                          </a:solidFill>
+                        </a:rPr>
+                        <a:t>no, yes</a:t>
                       </a:r>
                     </a:p>
                   </a:txBody>
@@ -7211,35 +7309,7 @@
                             <a:srgbClr val="414141"/>
                           </a:solidFill>
                         </a:rPr>
-                        <a:t>14</a:t>
-                      </a:r>
-                    </a:p>
-                  </a:txBody>
-                  <a:tcPr marL="50800" marR="50800" marT="50800" marB="50800" anchor="ctr" anchorCtr="0" horzOverflow="overflow">
-                    <a:lnB w="12700">
-                      <a:miter lim="400000"/>
-                    </a:lnB>
-                  </a:tcPr>
-                </a:tc>
-                <a:tc>
-                  <a:txBody>
-                    <a:bodyPr/>
-                    <a:lstStyle/>
-                    <a:p>
-                      <a:pPr lvl="0" defTabSz="914400">
-                        <a:defRPr>
-                          <a:solidFill>
-                            <a:srgbClr val="000000"/>
-                          </a:solidFill>
-                        </a:defRPr>
-                      </a:pPr>
-                      <a:r>
-                        <a:rPr sz="2600">
-                          <a:solidFill>
-                            <a:srgbClr val="414141"/>
-                          </a:solidFill>
-                        </a:rPr>
-                        <a:t>715</a:t>
+                        <a:t>감사 여부</a:t>
                       </a:r>
                     </a:p>
                   </a:txBody>
@@ -7257,100 +7327,6 @@
           </a:graphicData>
         </a:graphic>
       </p:graphicFrame>
-      <p:sp>
-        <p:nvSpPr>
-          <p:cNvPr id="114" name="Shape 114"/>
-          <p:cNvSpPr/>
-          <p:nvPr/>
-        </p:nvSpPr>
-        <p:spPr>
-          <a:xfrm>
-            <a:off x="5734496" y="2374599"/>
-            <a:ext cx="3172273" cy="520409"/>
-          </a:xfrm>
-          <a:prstGeom prst="rect">
-            <a:avLst/>
-          </a:prstGeom>
-          <a:ln w="12700">
-            <a:miter lim="400000"/>
-          </a:ln>
-          <a:extLst>
-            <a:ext uri="{C572A759-6A51-4108-AA02-DFA0A04FC94B}">
-              <ma14:wrappingTextBoxFlag xmlns:ma14="http://schemas.microsoft.com/office/mac/drawingml/2011/main" val="1"/>
-            </a:ext>
-          </a:extLst>
-        </p:spPr>
-        <p:txBody>
-          <a:bodyPr lIns="50800" tIns="50800" rIns="50800" bIns="50800" anchor="ctr">
-            <a:spAutoFit/>
-          </a:bodyPr>
-          <a:lstStyle/>
-          <a:p>
-            <a:pPr lvl="0">
-              <a:defRPr sz="1800">
-                <a:solidFill>
-                  <a:srgbClr val="000000"/>
-                </a:solidFill>
-              </a:defRPr>
-            </a:pPr>
-            <a:r>
-              <a:rPr sz="2400">
-                <a:solidFill>
-                  <a:srgbClr val="414141"/>
-                </a:solidFill>
-              </a:rPr>
-              <a:t>실제 데이터 값</a:t>
-            </a:r>
-          </a:p>
-        </p:txBody>
-      </p:sp>
-      <p:sp>
-        <p:nvSpPr>
-          <p:cNvPr id="115" name="Shape 115"/>
-          <p:cNvSpPr/>
-          <p:nvPr/>
-        </p:nvSpPr>
-        <p:spPr>
-          <a:xfrm rot="16200000">
-            <a:off x="2712342" y="5950923"/>
-            <a:ext cx="2093716" cy="520410"/>
-          </a:xfrm>
-          <a:prstGeom prst="rect">
-            <a:avLst/>
-          </a:prstGeom>
-          <a:ln w="12700">
-            <a:miter lim="400000"/>
-          </a:ln>
-          <a:extLst>
-            <a:ext uri="{C572A759-6A51-4108-AA02-DFA0A04FC94B}">
-              <ma14:wrappingTextBoxFlag xmlns:ma14="http://schemas.microsoft.com/office/mac/drawingml/2011/main" val="1"/>
-            </a:ext>
-          </a:extLst>
-        </p:spPr>
-        <p:txBody>
-          <a:bodyPr wrap="none" lIns="50800" tIns="50800" rIns="50800" bIns="50800" anchor="ctr">
-            <a:spAutoFit/>
-          </a:bodyPr>
-          <a:lstStyle/>
-          <a:p>
-            <a:pPr lvl="0">
-              <a:defRPr sz="1800">
-                <a:solidFill>
-                  <a:srgbClr val="000000"/>
-                </a:solidFill>
-              </a:defRPr>
-            </a:pPr>
-            <a:r>
-              <a:rPr sz="2400">
-                <a:solidFill>
-                  <a:srgbClr val="414141"/>
-                </a:solidFill>
-              </a:rPr>
-              <a:t>예측 데이터 값</a:t>
-            </a:r>
-          </a:p>
-        </p:txBody>
-      </p:sp>
     </p:spTree>
   </p:cSld>
   <p:clrMapOvr>
@@ -7519,7 +7495,821 @@
       </p:grpSpPr>
       <p:sp>
         <p:nvSpPr>
-          <p:cNvPr id="117" name="Shape 117"/>
+          <p:cNvPr id="112" name="Shape 112"/>
+          <p:cNvSpPr/>
+          <p:nvPr>
+            <p:ph type="title"/>
+          </p:nvPr>
+        </p:nvSpPr>
+        <p:spPr>
+          <a:prstGeom prst="rect">
+            <a:avLst/>
+          </a:prstGeom>
+        </p:spPr>
+        <p:txBody>
+          <a:bodyPr/>
+          <a:lstStyle>
+            <a:lvl1pPr>
+              <a:defRPr>
+                <a:latin typeface="Bodoni SvtyTwo ITC TT-Bold"/>
+                <a:ea typeface="Bodoni SvtyTwo ITC TT-Bold"/>
+                <a:cs typeface="Bodoni SvtyTwo ITC TT-Bold"/>
+                <a:sym typeface="Bodoni SvtyTwo ITC TT-Bold"/>
+              </a:defRPr>
+            </a:lvl1pPr>
+          </a:lstStyle>
+          <a:p>
+            <a:pPr lvl="0">
+              <a:defRPr sz="1800">
+                <a:solidFill>
+                  <a:srgbClr val="000000"/>
+                </a:solidFill>
+              </a:defRPr>
+            </a:pPr>
+            <a:r>
+              <a:rPr sz="7000">
+                <a:solidFill>
+                  <a:srgbClr val="D93E2B"/>
+                </a:solidFill>
+              </a:rPr>
+              <a:t>분류 방법 비교</a:t>
+            </a:r>
+          </a:p>
+        </p:txBody>
+      </p:sp>
+      <p:sp>
+        <p:nvSpPr>
+          <p:cNvPr id="113" name="Shape 113"/>
+          <p:cNvSpPr/>
+          <p:nvPr>
+            <p:ph type="body" idx="1"/>
+          </p:nvPr>
+        </p:nvSpPr>
+        <p:spPr>
+          <a:xfrm>
+            <a:off x="520700" y="2178050"/>
+            <a:ext cx="11988800" cy="2740025"/>
+          </a:xfrm>
+          <a:prstGeom prst="rect">
+            <a:avLst/>
+          </a:prstGeom>
+        </p:spPr>
+        <p:txBody>
+          <a:bodyPr/>
+          <a:lstStyle/>
+          <a:p>
+            <a:pPr lvl="0">
+              <a:defRPr sz="1800">
+                <a:solidFill>
+                  <a:srgbClr val="000000"/>
+                </a:solidFill>
+              </a:defRPr>
+            </a:pPr>
+            <a:r>
+              <a:rPr sz="3600">
+                <a:solidFill>
+                  <a:srgbClr val="414141"/>
+                </a:solidFill>
+              </a:rPr>
+              <a:t>변수 선택 방법으로 선택된 최종 모델을 이용</a:t>
+            </a:r>
+            <a:endParaRPr sz="3600">
+              <a:solidFill>
+                <a:srgbClr val="414141"/>
+              </a:solidFill>
+            </a:endParaRPr>
+          </a:p>
+          <a:p>
+            <a:pPr lvl="0">
+              <a:defRPr sz="1800">
+                <a:solidFill>
+                  <a:srgbClr val="000000"/>
+                </a:solidFill>
+              </a:defRPr>
+            </a:pPr>
+            <a:r>
+              <a:rPr sz="3600">
+                <a:solidFill>
+                  <a:srgbClr val="414141"/>
+                </a:solidFill>
+              </a:rPr>
+              <a:t>Logistic regression, LDA, QDA, KNN 분류 방법 비교</a:t>
+            </a:r>
+          </a:p>
+        </p:txBody>
+      </p:sp>
+      <p:graphicFrame>
+        <p:nvGraphicFramePr>
+          <p:cNvPr id="114" name="Table 114"/>
+          <p:cNvGraphicFramePr/>
+          <p:nvPr/>
+        </p:nvGraphicFramePr>
+        <p:xfrm>
+          <a:off x="1943100" y="4584700"/>
+          <a:ext cx="9044236" cy="4517827"/>
+        </p:xfrm>
+        <a:graphic xmlns:a="http://schemas.openxmlformats.org/drawingml/2006/main">
+          <a:graphicData uri="http://schemas.openxmlformats.org/drawingml/2006/table">
+            <a:tbl>
+              <a:tblPr firstCol="0" firstRow="1" lastCol="0" lastRow="0" bandCol="0" bandRow="0" rtl="0">
+                <a:tableStyleId>{33BA23B1-9221-436E-865A-0063620EA4FD}</a:tableStyleId>
+              </a:tblPr>
+              <a:tblGrid>
+                <a:gridCol w="3014745"/>
+                <a:gridCol w="3014745"/>
+                <a:gridCol w="3014745"/>
+              </a:tblGrid>
+              <a:tr h="564728">
+                <a:tc>
+                  <a:txBody>
+                    <a:bodyPr/>
+                    <a:lstStyle/>
+                    <a:p>
+                      <a:pPr lvl="0" defTabSz="914400">
+                        <a:defRPr>
+                          <a:solidFill>
+                            <a:srgbClr val="000000"/>
+                          </a:solidFill>
+                        </a:defRPr>
+                      </a:pPr>
+                      <a:r>
+                        <a:rPr sz="2200">
+                          <a:solidFill>
+                            <a:srgbClr val="FFFFFF"/>
+                          </a:solidFill>
+                        </a:rPr>
+                        <a:t>변수 이름</a:t>
+                      </a:r>
+                    </a:p>
+                  </a:txBody>
+                  <a:tcPr marL="50800" marR="50800" marT="50800" marB="50800" anchor="ctr" anchorCtr="0" horzOverflow="overflow"/>
+                </a:tc>
+                <a:tc>
+                  <a:txBody>
+                    <a:bodyPr/>
+                    <a:lstStyle/>
+                    <a:p>
+                      <a:pPr lvl="0" defTabSz="914400">
+                        <a:defRPr>
+                          <a:solidFill>
+                            <a:srgbClr val="000000"/>
+                          </a:solidFill>
+                        </a:defRPr>
+                      </a:pPr>
+                      <a:r>
+                        <a:rPr sz="2200">
+                          <a:solidFill>
+                            <a:srgbClr val="FFFFFF"/>
+                          </a:solidFill>
+                        </a:rPr>
+                        <a:t>범위</a:t>
+                      </a:r>
+                    </a:p>
+                  </a:txBody>
+                  <a:tcPr marL="50800" marR="50800" marT="50800" marB="50800" anchor="ctr" anchorCtr="0" horzOverflow="overflow"/>
+                </a:tc>
+                <a:tc>
+                  <a:txBody>
+                    <a:bodyPr/>
+                    <a:lstStyle/>
+                    <a:p>
+                      <a:pPr lvl="0" defTabSz="914400">
+                        <a:defRPr>
+                          <a:solidFill>
+                            <a:srgbClr val="000000"/>
+                          </a:solidFill>
+                        </a:defRPr>
+                      </a:pPr>
+                      <a:r>
+                        <a:rPr sz="2600">
+                          <a:solidFill>
+                            <a:srgbClr val="FFFFFF"/>
+                          </a:solidFill>
+                        </a:rPr>
+                        <a:t>설명</a:t>
+                      </a:r>
+                    </a:p>
+                  </a:txBody>
+                  <a:tcPr marL="50800" marR="50800" marT="50800" marB="50800" anchor="ctr" anchorCtr="0" horzOverflow="overflow"/>
+                </a:tc>
+              </a:tr>
+              <a:tr h="564728">
+                <a:tc>
+                  <a:txBody>
+                    <a:bodyPr/>
+                    <a:lstStyle/>
+                    <a:p>
+                      <a:pPr lvl="0" defTabSz="914400">
+                        <a:defRPr>
+                          <a:solidFill>
+                            <a:srgbClr val="000000"/>
+                          </a:solidFill>
+                        </a:defRPr>
+                      </a:pPr>
+                      <a:r>
+                        <a:rPr sz="2200">
+                          <a:solidFill>
+                            <a:srgbClr val="414141"/>
+                          </a:solidFill>
+                        </a:rPr>
+                        <a:t>SIZE</a:t>
+                      </a:r>
+                    </a:p>
+                  </a:txBody>
+                  <a:tcPr marL="50800" marR="50800" marT="50800" marB="50800" anchor="ctr" anchorCtr="0" horzOverflow="overflow">
+                    <a:lnL w="12700">
+                      <a:miter lim="400000"/>
+                    </a:lnL>
+                  </a:tcPr>
+                </a:tc>
+                <a:tc>
+                  <a:txBody>
+                    <a:bodyPr/>
+                    <a:lstStyle/>
+                    <a:p>
+                      <a:pPr lvl="0" defTabSz="914400">
+                        <a:defRPr>
+                          <a:solidFill>
+                            <a:srgbClr val="000000"/>
+                          </a:solidFill>
+                        </a:defRPr>
+                      </a:pPr>
+                      <a:r>
+                        <a:rPr sz="2200">
+                          <a:solidFill>
+                            <a:srgbClr val="414141"/>
+                          </a:solidFill>
+                        </a:rPr>
+                        <a:t>small, medium, big</a:t>
+                      </a:r>
+                    </a:p>
+                  </a:txBody>
+                  <a:tcPr marL="50800" marR="50800" marT="50800" marB="50800" anchor="ctr" anchorCtr="0" horzOverflow="overflow"/>
+                </a:tc>
+                <a:tc>
+                  <a:txBody>
+                    <a:bodyPr/>
+                    <a:lstStyle/>
+                    <a:p>
+                      <a:pPr lvl="0" defTabSz="914400">
+                        <a:defRPr>
+                          <a:solidFill>
+                            <a:srgbClr val="000000"/>
+                          </a:solidFill>
+                        </a:defRPr>
+                      </a:pPr>
+                      <a:r>
+                        <a:rPr sz="2600">
+                          <a:solidFill>
+                            <a:srgbClr val="414141"/>
+                          </a:solidFill>
+                        </a:rPr>
+                        <a:t>기업의 크기</a:t>
+                      </a:r>
+                    </a:p>
+                  </a:txBody>
+                  <a:tcPr marL="50800" marR="50800" marT="50800" marB="50800" anchor="ctr" anchorCtr="0" horzOverflow="overflow">
+                    <a:lnR w="12700">
+                      <a:miter lim="400000"/>
+                    </a:lnR>
+                  </a:tcPr>
+                </a:tc>
+              </a:tr>
+              <a:tr h="564728">
+                <a:tc>
+                  <a:txBody>
+                    <a:bodyPr/>
+                    <a:lstStyle/>
+                    <a:p>
+                      <a:pPr lvl="0" defTabSz="914400">
+                        <a:defRPr>
+                          <a:solidFill>
+                            <a:srgbClr val="000000"/>
+                          </a:solidFill>
+                        </a:defRPr>
+                      </a:pPr>
+                      <a:r>
+                        <a:rPr sz="2200">
+                          <a:solidFill>
+                            <a:srgbClr val="414141"/>
+                          </a:solidFill>
+                        </a:rPr>
+                        <a:t>DEBT_COST</a:t>
+                      </a:r>
+                    </a:p>
+                  </a:txBody>
+                  <a:tcPr marL="50800" marR="50800" marT="50800" marB="50800" anchor="ctr" anchorCtr="0" horzOverflow="overflow">
+                    <a:lnL w="12700">
+                      <a:miter lim="400000"/>
+                    </a:lnL>
+                  </a:tcPr>
+                </a:tc>
+                <a:tc>
+                  <a:txBody>
+                    <a:bodyPr/>
+                    <a:lstStyle/>
+                    <a:p>
+                      <a:pPr lvl="0" defTabSz="914400">
+                        <a:defRPr>
+                          <a:solidFill>
+                            <a:srgbClr val="000000"/>
+                          </a:solidFill>
+                        </a:defRPr>
+                      </a:pPr>
+                      <a:r>
+                        <a:rPr sz="2200">
+                          <a:solidFill>
+                            <a:srgbClr val="414141"/>
+                          </a:solidFill>
+                        </a:rPr>
+                        <a:t>-0.87~8151.25</a:t>
+                      </a:r>
+                    </a:p>
+                  </a:txBody>
+                  <a:tcPr marL="50800" marR="50800" marT="50800" marB="50800" anchor="ctr" anchorCtr="0" horzOverflow="overflow"/>
+                </a:tc>
+                <a:tc>
+                  <a:txBody>
+                    <a:bodyPr/>
+                    <a:lstStyle/>
+                    <a:p>
+                      <a:pPr lvl="0" defTabSz="914400">
+                        <a:defRPr>
+                          <a:solidFill>
+                            <a:srgbClr val="000000"/>
+                          </a:solidFill>
+                        </a:defRPr>
+                      </a:pPr>
+                      <a:r>
+                        <a:rPr sz="2600">
+                          <a:solidFill>
+                            <a:srgbClr val="414141"/>
+                          </a:solidFill>
+                        </a:rPr>
+                        <a:t>부채 비용</a:t>
+                      </a:r>
+                    </a:p>
+                  </a:txBody>
+                  <a:tcPr marL="50800" marR="50800" marT="50800" marB="50800" anchor="ctr" anchorCtr="0" horzOverflow="overflow">
+                    <a:lnR w="12700">
+                      <a:miter lim="400000"/>
+                    </a:lnR>
+                  </a:tcPr>
+                </a:tc>
+              </a:tr>
+              <a:tr h="564728">
+                <a:tc>
+                  <a:txBody>
+                    <a:bodyPr/>
+                    <a:lstStyle/>
+                    <a:p>
+                      <a:pPr lvl="0" defTabSz="914400">
+                        <a:defRPr>
+                          <a:solidFill>
+                            <a:srgbClr val="000000"/>
+                          </a:solidFill>
+                        </a:defRPr>
+                      </a:pPr>
+                      <a:r>
+                        <a:rPr sz="2200">
+                          <a:solidFill>
+                            <a:srgbClr val="414141"/>
+                          </a:solidFill>
+                        </a:rPr>
+                        <a:t>RETURN_EQUITY</a:t>
+                      </a:r>
+                    </a:p>
+                  </a:txBody>
+                  <a:tcPr marL="50800" marR="50800" marT="50800" marB="50800" anchor="ctr" anchorCtr="0" horzOverflow="overflow">
+                    <a:lnL w="12700">
+                      <a:miter lim="400000"/>
+                    </a:lnL>
+                  </a:tcPr>
+                </a:tc>
+                <a:tc>
+                  <a:txBody>
+                    <a:bodyPr/>
+                    <a:lstStyle/>
+                    <a:p>
+                      <a:pPr lvl="0" defTabSz="914400">
+                        <a:defRPr>
+                          <a:solidFill>
+                            <a:srgbClr val="000000"/>
+                          </a:solidFill>
+                        </a:defRPr>
+                      </a:pPr>
+                      <a:r>
+                        <a:rPr sz="2200">
+                          <a:solidFill>
+                            <a:srgbClr val="414141"/>
+                          </a:solidFill>
+                        </a:rPr>
+                        <a:t>-1825426 ~ 9349.018</a:t>
+                      </a:r>
+                    </a:p>
+                  </a:txBody>
+                  <a:tcPr marL="50800" marR="50800" marT="50800" marB="50800" anchor="ctr" anchorCtr="0" horzOverflow="overflow"/>
+                </a:tc>
+                <a:tc>
+                  <a:txBody>
+                    <a:bodyPr/>
+                    <a:lstStyle/>
+                    <a:p>
+                      <a:pPr lvl="0" defTabSz="914400">
+                        <a:defRPr>
+                          <a:solidFill>
+                            <a:srgbClr val="000000"/>
+                          </a:solidFill>
+                        </a:defRPr>
+                      </a:pPr>
+                      <a:r>
+                        <a:rPr sz="2600">
+                          <a:solidFill>
+                            <a:srgbClr val="414141"/>
+                          </a:solidFill>
+                        </a:rPr>
+                        <a:t>자기자본이익률</a:t>
+                      </a:r>
+                    </a:p>
+                  </a:txBody>
+                  <a:tcPr marL="50800" marR="50800" marT="50800" marB="50800" anchor="ctr" anchorCtr="0" horzOverflow="overflow">
+                    <a:lnR w="12700">
+                      <a:miter lim="400000"/>
+                    </a:lnR>
+                  </a:tcPr>
+                </a:tc>
+              </a:tr>
+              <a:tr h="564728">
+                <a:tc>
+                  <a:txBody>
+                    <a:bodyPr/>
+                    <a:lstStyle/>
+                    <a:p>
+                      <a:pPr lvl="0" defTabSz="914400">
+                        <a:defRPr>
+                          <a:solidFill>
+                            <a:srgbClr val="000000"/>
+                          </a:solidFill>
+                        </a:defRPr>
+                      </a:pPr>
+                      <a:r>
+                        <a:rPr sz="2200">
+                          <a:solidFill>
+                            <a:srgbClr val="414141"/>
+                          </a:solidFill>
+                        </a:rPr>
+                        <a:t>RETURN_ASSETS</a:t>
+                      </a:r>
+                    </a:p>
+                  </a:txBody>
+                  <a:tcPr marL="50800" marR="50800" marT="50800" marB="50800" anchor="ctr" anchorCtr="0" horzOverflow="overflow">
+                    <a:lnL w="12700">
+                      <a:miter lim="400000"/>
+                    </a:lnL>
+                  </a:tcPr>
+                </a:tc>
+                <a:tc>
+                  <a:txBody>
+                    <a:bodyPr/>
+                    <a:lstStyle/>
+                    <a:p>
+                      <a:pPr lvl="0" defTabSz="914400">
+                        <a:defRPr>
+                          <a:solidFill>
+                            <a:srgbClr val="000000"/>
+                          </a:solidFill>
+                        </a:defRPr>
+                      </a:pPr>
+                      <a:r>
+                        <a:rPr>
+                          <a:solidFill>
+                            <a:srgbClr val="414141"/>
+                          </a:solidFill>
+                        </a:rPr>
+                        <a:t>-481.07 ~ 711.22</a:t>
+                      </a:r>
+                    </a:p>
+                  </a:txBody>
+                  <a:tcPr marL="50800" marR="50800" marT="50800" marB="50800" anchor="ctr" anchorCtr="0" horzOverflow="overflow"/>
+                </a:tc>
+                <a:tc>
+                  <a:txBody>
+                    <a:bodyPr/>
+                    <a:lstStyle/>
+                    <a:p>
+                      <a:pPr lvl="0" defTabSz="914400">
+                        <a:defRPr>
+                          <a:solidFill>
+                            <a:srgbClr val="000000"/>
+                          </a:solidFill>
+                        </a:defRPr>
+                      </a:pPr>
+                      <a:r>
+                        <a:rPr sz="2600">
+                          <a:solidFill>
+                            <a:srgbClr val="414141"/>
+                          </a:solidFill>
+                        </a:rPr>
+                        <a:t>총자산순이익률</a:t>
+                      </a:r>
+                    </a:p>
+                  </a:txBody>
+                  <a:tcPr marL="50800" marR="50800" marT="50800" marB="50800" anchor="ctr" anchorCtr="0" horzOverflow="overflow">
+                    <a:lnR w="12700">
+                      <a:miter lim="400000"/>
+                    </a:lnR>
+                  </a:tcPr>
+                </a:tc>
+              </a:tr>
+              <a:tr h="564728">
+                <a:tc>
+                  <a:txBody>
+                    <a:bodyPr/>
+                    <a:lstStyle/>
+                    <a:p>
+                      <a:pPr lvl="0" defTabSz="914400">
+                        <a:defRPr>
+                          <a:solidFill>
+                            <a:srgbClr val="000000"/>
+                          </a:solidFill>
+                        </a:defRPr>
+                      </a:pPr>
+                      <a:r>
+                        <a:rPr sz="1100">
+                          <a:solidFill>
+                            <a:srgbClr val="414141"/>
+                          </a:solidFill>
+                        </a:rPr>
+                        <a:t>NUMBER_JUDICIAL_INCIDENCES_YEAR</a:t>
+                      </a:r>
+                    </a:p>
+                  </a:txBody>
+                  <a:tcPr marL="50800" marR="50800" marT="50800" marB="50800" anchor="ctr" anchorCtr="0" horzOverflow="overflow">
+                    <a:lnL w="12700">
+                      <a:miter lim="400000"/>
+                    </a:lnL>
+                  </a:tcPr>
+                </a:tc>
+                <a:tc>
+                  <a:txBody>
+                    <a:bodyPr/>
+                    <a:lstStyle/>
+                    <a:p>
+                      <a:pPr lvl="0" defTabSz="914400">
+                        <a:defRPr>
+                          <a:solidFill>
+                            <a:srgbClr val="000000"/>
+                          </a:solidFill>
+                        </a:defRPr>
+                      </a:pPr>
+                      <a:r>
+                        <a:rPr sz="2200">
+                          <a:solidFill>
+                            <a:srgbClr val="414141"/>
+                          </a:solidFill>
+                        </a:rPr>
+                        <a:t>0 ~ 1</a:t>
+                      </a:r>
+                    </a:p>
+                  </a:txBody>
+                  <a:tcPr marL="50800" marR="50800" marT="50800" marB="50800" anchor="ctr" anchorCtr="0" horzOverflow="overflow"/>
+                </a:tc>
+                <a:tc>
+                  <a:txBody>
+                    <a:bodyPr/>
+                    <a:lstStyle/>
+                    <a:p>
+                      <a:pPr lvl="0" defTabSz="914400">
+                        <a:defRPr>
+                          <a:solidFill>
+                            <a:srgbClr val="000000"/>
+                          </a:solidFill>
+                        </a:defRPr>
+                      </a:pPr>
+                      <a:r>
+                        <a:rPr sz="2600">
+                          <a:solidFill>
+                            <a:srgbClr val="414141"/>
+                          </a:solidFill>
+                        </a:rPr>
+                        <a:t>법적 분쟁 발생 수</a:t>
+                      </a:r>
+                    </a:p>
+                  </a:txBody>
+                  <a:tcPr marL="50800" marR="50800" marT="50800" marB="50800" anchor="ctr" anchorCtr="0" horzOverflow="overflow">
+                    <a:lnR w="12700">
+                      <a:miter lim="400000"/>
+                    </a:lnR>
+                  </a:tcPr>
+                </a:tc>
+              </a:tr>
+              <a:tr h="564728">
+                <a:tc>
+                  <a:txBody>
+                    <a:bodyPr/>
+                    <a:lstStyle/>
+                    <a:p>
+                      <a:pPr lvl="0" defTabSz="914400">
+                        <a:defRPr>
+                          <a:solidFill>
+                            <a:srgbClr val="000000"/>
+                          </a:solidFill>
+                        </a:defRPr>
+                      </a:pPr>
+                      <a:r>
+                        <a:rPr sz="1100">
+                          <a:solidFill>
+                            <a:srgbClr val="414141"/>
+                          </a:solidFill>
+                        </a:rPr>
+                        <a:t>SPENT_JUDICAL_INCIDENCES_TOTAL</a:t>
+                      </a:r>
+                    </a:p>
+                  </a:txBody>
+                  <a:tcPr marL="50800" marR="50800" marT="50800" marB="50800" anchor="ctr" anchorCtr="0" horzOverflow="overflow">
+                    <a:lnL w="12700">
+                      <a:miter lim="400000"/>
+                    </a:lnL>
+                  </a:tcPr>
+                </a:tc>
+                <a:tc>
+                  <a:txBody>
+                    <a:bodyPr/>
+                    <a:lstStyle/>
+                    <a:p>
+                      <a:pPr lvl="0" defTabSz="914400">
+                        <a:defRPr>
+                          <a:solidFill>
+                            <a:srgbClr val="000000"/>
+                          </a:solidFill>
+                        </a:defRPr>
+                      </a:pPr>
+                      <a:r>
+                        <a:rPr sz="2200">
+                          <a:solidFill>
+                            <a:srgbClr val="414141"/>
+                          </a:solidFill>
+                        </a:rPr>
+                        <a:t>0 ~ 448342.4</a:t>
+                      </a:r>
+                    </a:p>
+                  </a:txBody>
+                  <a:tcPr marL="50800" marR="50800" marT="50800" marB="50800" anchor="ctr" anchorCtr="0" horzOverflow="overflow"/>
+                </a:tc>
+                <a:tc>
+                  <a:txBody>
+                    <a:bodyPr/>
+                    <a:lstStyle/>
+                    <a:p>
+                      <a:pPr lvl="0" defTabSz="914400">
+                        <a:defRPr>
+                          <a:solidFill>
+                            <a:srgbClr val="000000"/>
+                          </a:solidFill>
+                        </a:defRPr>
+                      </a:pPr>
+                      <a:r>
+                        <a:rPr sz="2600">
+                          <a:solidFill>
+                            <a:srgbClr val="414141"/>
+                          </a:solidFill>
+                        </a:rPr>
+                        <a:t>법적 분쟁 부담 비용</a:t>
+                      </a:r>
+                    </a:p>
+                  </a:txBody>
+                  <a:tcPr marL="50800" marR="50800" marT="50800" marB="50800" anchor="ctr" anchorCtr="0" horzOverflow="overflow">
+                    <a:lnR w="12700">
+                      <a:miter lim="400000"/>
+                    </a:lnR>
+                  </a:tcPr>
+                </a:tc>
+              </a:tr>
+              <a:tr h="564728">
+                <a:tc>
+                  <a:txBody>
+                    <a:bodyPr/>
+                    <a:lstStyle/>
+                    <a:p>
+                      <a:pPr lvl="0" defTabSz="914400">
+                        <a:defRPr>
+                          <a:solidFill>
+                            <a:srgbClr val="000000"/>
+                          </a:solidFill>
+                        </a:defRPr>
+                      </a:pPr>
+                      <a:r>
+                        <a:rPr sz="2200">
+                          <a:solidFill>
+                            <a:srgbClr val="414141"/>
+                          </a:solidFill>
+                        </a:rPr>
+                        <a:t>AUDITED</a:t>
+                      </a:r>
+                    </a:p>
+                  </a:txBody>
+                  <a:tcPr marL="50800" marR="50800" marT="50800" marB="50800" anchor="ctr" anchorCtr="0" horzOverflow="overflow">
+                    <a:lnL w="12700">
+                      <a:miter lim="400000"/>
+                    </a:lnL>
+                    <a:lnB w="12700">
+                      <a:miter lim="400000"/>
+                    </a:lnB>
+                  </a:tcPr>
+                </a:tc>
+                <a:tc>
+                  <a:txBody>
+                    <a:bodyPr/>
+                    <a:lstStyle/>
+                    <a:p>
+                      <a:pPr lvl="0" defTabSz="914400">
+                        <a:defRPr>
+                          <a:solidFill>
+                            <a:srgbClr val="000000"/>
+                          </a:solidFill>
+                        </a:defRPr>
+                      </a:pPr>
+                      <a:r>
+                        <a:rPr sz="2200">
+                          <a:solidFill>
+                            <a:srgbClr val="414141"/>
+                          </a:solidFill>
+                        </a:rPr>
+                        <a:t>no, yes</a:t>
+                      </a:r>
+                    </a:p>
+                  </a:txBody>
+                  <a:tcPr marL="50800" marR="50800" marT="50800" marB="50800" anchor="ctr" anchorCtr="0" horzOverflow="overflow">
+                    <a:lnB w="12700">
+                      <a:miter lim="400000"/>
+                    </a:lnB>
+                  </a:tcPr>
+                </a:tc>
+                <a:tc>
+                  <a:txBody>
+                    <a:bodyPr/>
+                    <a:lstStyle/>
+                    <a:p>
+                      <a:pPr lvl="0" defTabSz="914400">
+                        <a:defRPr>
+                          <a:solidFill>
+                            <a:srgbClr val="000000"/>
+                          </a:solidFill>
+                        </a:defRPr>
+                      </a:pPr>
+                      <a:r>
+                        <a:rPr sz="2600">
+                          <a:solidFill>
+                            <a:srgbClr val="414141"/>
+                          </a:solidFill>
+                        </a:rPr>
+                        <a:t>감사 여부</a:t>
+                      </a:r>
+                    </a:p>
+                  </a:txBody>
+                  <a:tcPr marL="50800" marR="50800" marT="50800" marB="50800" anchor="ctr" anchorCtr="0" horzOverflow="overflow">
+                    <a:lnR w="12700">
+                      <a:miter lim="400000"/>
+                    </a:lnR>
+                    <a:lnB w="12700">
+                      <a:miter lim="400000"/>
+                    </a:lnB>
+                  </a:tcPr>
+                </a:tc>
+              </a:tr>
+            </a:tbl>
+          </a:graphicData>
+        </a:graphic>
+      </p:graphicFrame>
+    </p:spTree>
+  </p:cSld>
+  <p:clrMapOvr>
+    <a:masterClrMapping/>
+  </p:clrMapOvr>
+  <p:transition spd="med" advClick="1"/>
+</p:sld>
+</file>
+
+<file path=ppt/slides/slide21.xml><?xml version="1.0" encoding="utf-8"?>
+<p:sld xmlns:a="http://schemas.openxmlformats.org/drawingml/2006/main" xmlns:r="http://schemas.openxmlformats.org/officeDocument/2006/relationships" xmlns:p="http://schemas.openxmlformats.org/presentationml/2006/main" showMasterSp="1" showMasterPhAnim="1">
+  <p:cSld>
+    <p:spTree>
+      <p:nvGrpSpPr>
+        <p:cNvPr id="1" name=""/>
+        <p:cNvGrpSpPr/>
+        <p:nvPr/>
+      </p:nvGrpSpPr>
+      <p:grpSpPr>
+        <a:xfrm>
+          <a:off x="0" y="0"/>
+          <a:ext cx="0" cy="0"/>
+          <a:chOff x="0" y="0"/>
+          <a:chExt cx="0" cy="0"/>
+        </a:xfrm>
+      </p:grpSpPr>
+      <p:sp>
+        <p:nvSpPr>
+          <p:cNvPr id="116" name="Shape 116"/>
           <p:cNvSpPr/>
           <p:nvPr>
             <p:ph type="title"/>
@@ -7582,14 +8372,2324 @@
                 <a:cs typeface="Bodoni SvtyTwo ITC TT-BookIta"/>
                 <a:sym typeface="Bodoni SvtyTwo ITC TT-BookIta"/>
               </a:rPr>
-              <a:t>KNN</a:t>
+              <a:t>데이터셋 설정</a:t>
+            </a:r>
+          </a:p>
+        </p:txBody>
+      </p:sp>
+      <p:sp>
+        <p:nvSpPr>
+          <p:cNvPr id="117" name="Shape 117"/>
+          <p:cNvSpPr/>
+          <p:nvPr>
+            <p:ph type="body" idx="1"/>
+          </p:nvPr>
+        </p:nvSpPr>
+        <p:spPr>
+          <a:xfrm>
+            <a:off x="508000" y="2628900"/>
+            <a:ext cx="11988800" cy="2111375"/>
+          </a:xfrm>
+          <a:prstGeom prst="rect">
+            <a:avLst/>
+          </a:prstGeom>
+        </p:spPr>
+        <p:txBody>
+          <a:bodyPr/>
+          <a:lstStyle>
+            <a:lvl1pPr marL="443794" indent="-443794">
+              <a:defRPr sz="3400"/>
+            </a:lvl1pPr>
+          </a:lstStyle>
+          <a:p>
+            <a:pPr lvl="0">
+              <a:defRPr sz="1800">
+                <a:solidFill>
+                  <a:srgbClr val="000000"/>
+                </a:solidFill>
+              </a:defRPr>
+            </a:pPr>
+            <a:r>
+              <a:rPr sz="3400">
+                <a:solidFill>
+                  <a:srgbClr val="414141"/>
+                </a:solidFill>
+              </a:rPr>
+              <a:t>랜덤으로 Training dataset과 Test dataset을 7:3비율로 설정</a:t>
             </a:r>
           </a:p>
         </p:txBody>
       </p:sp>
       <p:pic>
         <p:nvPicPr>
-          <p:cNvPr id="118" name="image10.png"/>
+          <p:cNvPr id="118" name="image4.png"/>
+          <p:cNvPicPr/>
+          <p:nvPr/>
+        </p:nvPicPr>
+        <p:blipFill>
+          <a:blip r:embed="rId2">
+            <a:extLst/>
+          </a:blip>
+          <a:stretch>
+            <a:fillRect/>
+          </a:stretch>
+        </p:blipFill>
+        <p:spPr>
+          <a:xfrm>
+            <a:off x="853591" y="5349874"/>
+            <a:ext cx="11043955" cy="1936475"/>
+          </a:xfrm>
+          <a:prstGeom prst="rect">
+            <a:avLst/>
+          </a:prstGeom>
+          <a:ln w="12700">
+            <a:miter lim="400000"/>
+          </a:ln>
+        </p:spPr>
+      </p:pic>
+    </p:spTree>
+  </p:cSld>
+  <p:clrMapOvr>
+    <a:masterClrMapping/>
+  </p:clrMapOvr>
+  <p:transition spd="med" advClick="1"/>
+</p:sld>
+</file>
+
+<file path=ppt/slides/slide22.xml><?xml version="1.0" encoding="utf-8"?>
+<p:sld xmlns:a="http://schemas.openxmlformats.org/drawingml/2006/main" xmlns:r="http://schemas.openxmlformats.org/officeDocument/2006/relationships" xmlns:p="http://schemas.openxmlformats.org/presentationml/2006/main" showMasterSp="1" showMasterPhAnim="1">
+  <p:cSld>
+    <p:spTree>
+      <p:nvGrpSpPr>
+        <p:cNvPr id="1" name=""/>
+        <p:cNvGrpSpPr/>
+        <p:nvPr/>
+      </p:nvGrpSpPr>
+      <p:grpSpPr>
+        <a:xfrm>
+          <a:off x="0" y="0"/>
+          <a:ext cx="0" cy="0"/>
+          <a:chOff x="0" y="0"/>
+          <a:chExt cx="0" cy="0"/>
+        </a:xfrm>
+      </p:grpSpPr>
+      <p:sp>
+        <p:nvSpPr>
+          <p:cNvPr id="120" name="Shape 120"/>
+          <p:cNvSpPr/>
+          <p:nvPr>
+            <p:ph type="title"/>
+          </p:nvPr>
+        </p:nvSpPr>
+        <p:spPr>
+          <a:prstGeom prst="rect">
+            <a:avLst/>
+          </a:prstGeom>
+        </p:spPr>
+        <p:txBody>
+          <a:bodyPr/>
+          <a:lstStyle/>
+          <a:p>
+            <a:pPr lvl="0" algn="l" defTabSz="578358">
+              <a:spcBef>
+                <a:spcPts val="1500"/>
+              </a:spcBef>
+              <a:defRPr sz="1800">
+                <a:solidFill>
+                  <a:srgbClr val="000000"/>
+                </a:solidFill>
+              </a:defRPr>
+            </a:pPr>
+            <a:r>
+              <a:rPr sz="6930">
+                <a:solidFill>
+                  <a:srgbClr val="D93E2B"/>
+                </a:solidFill>
+              </a:rPr>
+              <a:t>분류 방법 비교</a:t>
+            </a:r>
+            <a:r>
+              <a:rPr sz="6930">
+                <a:solidFill>
+                  <a:srgbClr val="D93E2B"/>
+                </a:solidFill>
+                <a:latin typeface="Bodoni SvtyTwo ITC TT-Bold"/>
+                <a:ea typeface="Bodoni SvtyTwo ITC TT-Bold"/>
+                <a:cs typeface="Bodoni SvtyTwo ITC TT-Bold"/>
+                <a:sym typeface="Bodoni SvtyTwo ITC TT-Bold"/>
+              </a:rPr>
+              <a:t>:</a:t>
+            </a:r>
+            <a:r>
+              <a:rPr sz="6930">
+                <a:solidFill>
+                  <a:srgbClr val="D93E2B"/>
+                </a:solidFill>
+              </a:rPr>
+              <a:t> </a:t>
+            </a:r>
+            <a:r>
+              <a:rPr sz="5940">
+                <a:solidFill>
+                  <a:srgbClr val="D93E2B"/>
+                </a:solidFill>
+                <a:latin typeface="Bodoni SvtyTwo ITC TT-BookIta"/>
+                <a:ea typeface="Bodoni SvtyTwo ITC TT-BookIta"/>
+                <a:cs typeface="Bodoni SvtyTwo ITC TT-BookIta"/>
+                <a:sym typeface="Bodoni SvtyTwo ITC TT-BookIta"/>
+              </a:rPr>
+              <a:t>Logistic Regression</a:t>
+            </a:r>
+          </a:p>
+        </p:txBody>
+      </p:sp>
+      <p:pic>
+        <p:nvPicPr>
+          <p:cNvPr id="121" name="image5.png"/>
+          <p:cNvPicPr/>
+          <p:nvPr/>
+        </p:nvPicPr>
+        <p:blipFill>
+          <a:blip r:embed="rId2">
+            <a:extLst/>
+          </a:blip>
+          <a:stretch>
+            <a:fillRect/>
+          </a:stretch>
+        </p:blipFill>
+        <p:spPr>
+          <a:xfrm>
+            <a:off x="108980" y="2963930"/>
+            <a:ext cx="12786840" cy="3516383"/>
+          </a:xfrm>
+          <a:prstGeom prst="rect">
+            <a:avLst/>
+          </a:prstGeom>
+          <a:ln w="12700">
+            <a:miter lim="400000"/>
+          </a:ln>
+        </p:spPr>
+      </p:pic>
+      <p:sp>
+        <p:nvSpPr>
+          <p:cNvPr id="122" name="Shape 122"/>
+          <p:cNvSpPr/>
+          <p:nvPr>
+            <p:ph type="body" idx="1"/>
+          </p:nvPr>
+        </p:nvSpPr>
+        <p:spPr>
+          <a:xfrm>
+            <a:off x="508000" y="6480311"/>
+            <a:ext cx="11988800" cy="2244588"/>
+          </a:xfrm>
+          <a:prstGeom prst="rect">
+            <a:avLst/>
+          </a:prstGeom>
+        </p:spPr>
+        <p:txBody>
+          <a:bodyPr/>
+          <a:lstStyle/>
+          <a:p>
+            <a:pPr lvl="0">
+              <a:defRPr sz="1800">
+                <a:solidFill>
+                  <a:srgbClr val="000000"/>
+                </a:solidFill>
+              </a:defRPr>
+            </a:pPr>
+            <a:r>
+              <a:rPr sz="3600">
+                <a:solidFill>
+                  <a:srgbClr val="414141"/>
+                </a:solidFill>
+              </a:rPr>
+              <a:t>Threshold=0.05</a:t>
+            </a:r>
+            <a:r>
+              <a:rPr sz="3600">
+                <a:solidFill>
+                  <a:srgbClr val="414141"/>
+                </a:solidFill>
+              </a:rPr>
+              <a:t>로 설정</a:t>
+            </a:r>
+          </a:p>
+        </p:txBody>
+      </p:sp>
+    </p:spTree>
+  </p:cSld>
+  <p:clrMapOvr>
+    <a:masterClrMapping/>
+  </p:clrMapOvr>
+  <p:transition spd="med" advClick="1"/>
+</p:sld>
+</file>
+
+<file path=ppt/slides/slide23.xml><?xml version="1.0" encoding="utf-8"?>
+<p:sld xmlns:a="http://schemas.openxmlformats.org/drawingml/2006/main" xmlns:r="http://schemas.openxmlformats.org/officeDocument/2006/relationships" xmlns:p="http://schemas.openxmlformats.org/presentationml/2006/main" showMasterSp="1" showMasterPhAnim="1">
+  <p:cSld>
+    <p:spTree>
+      <p:nvGrpSpPr>
+        <p:cNvPr id="1" name=""/>
+        <p:cNvGrpSpPr/>
+        <p:nvPr/>
+      </p:nvGrpSpPr>
+      <p:grpSpPr>
+        <a:xfrm>
+          <a:off x="0" y="0"/>
+          <a:ext cx="0" cy="0"/>
+          <a:chOff x="0" y="0"/>
+          <a:chExt cx="0" cy="0"/>
+        </a:xfrm>
+      </p:grpSpPr>
+      <p:sp>
+        <p:nvSpPr>
+          <p:cNvPr id="124" name="Shape 124"/>
+          <p:cNvSpPr/>
+          <p:nvPr>
+            <p:ph type="title"/>
+          </p:nvPr>
+        </p:nvSpPr>
+        <p:spPr>
+          <a:prstGeom prst="rect">
+            <a:avLst/>
+          </a:prstGeom>
+        </p:spPr>
+        <p:txBody>
+          <a:bodyPr/>
+          <a:lstStyle/>
+          <a:p>
+            <a:pPr lvl="0" algn="l" defTabSz="578358">
+              <a:spcBef>
+                <a:spcPts val="1500"/>
+              </a:spcBef>
+              <a:defRPr sz="1800">
+                <a:solidFill>
+                  <a:srgbClr val="000000"/>
+                </a:solidFill>
+              </a:defRPr>
+            </a:pPr>
+            <a:r>
+              <a:rPr sz="6930">
+                <a:solidFill>
+                  <a:srgbClr val="D93E2B"/>
+                </a:solidFill>
+              </a:rPr>
+              <a:t>분류 방법 비교</a:t>
+            </a:r>
+            <a:r>
+              <a:rPr sz="6930">
+                <a:solidFill>
+                  <a:srgbClr val="D93E2B"/>
+                </a:solidFill>
+                <a:latin typeface="Bodoni SvtyTwo ITC TT-Bold"/>
+                <a:ea typeface="Bodoni SvtyTwo ITC TT-Bold"/>
+                <a:cs typeface="Bodoni SvtyTwo ITC TT-Bold"/>
+                <a:sym typeface="Bodoni SvtyTwo ITC TT-Bold"/>
+              </a:rPr>
+              <a:t>:</a:t>
+            </a:r>
+            <a:r>
+              <a:rPr sz="6930">
+                <a:solidFill>
+                  <a:srgbClr val="D93E2B"/>
+                </a:solidFill>
+              </a:rPr>
+              <a:t> </a:t>
+            </a:r>
+            <a:r>
+              <a:rPr sz="5940">
+                <a:solidFill>
+                  <a:srgbClr val="D93E2B"/>
+                </a:solidFill>
+                <a:latin typeface="Bodoni SvtyTwo ITC TT-BookIta"/>
+                <a:ea typeface="Bodoni SvtyTwo ITC TT-BookIta"/>
+                <a:cs typeface="Bodoni SvtyTwo ITC TT-BookIta"/>
+                <a:sym typeface="Bodoni SvtyTwo ITC TT-BookIta"/>
+              </a:rPr>
+              <a:t>Logistic Regression</a:t>
+            </a:r>
+          </a:p>
+        </p:txBody>
+      </p:sp>
+      <p:sp>
+        <p:nvSpPr>
+          <p:cNvPr id="125" name="Shape 125"/>
+          <p:cNvSpPr/>
+          <p:nvPr>
+            <p:ph type="body" idx="1"/>
+          </p:nvPr>
+        </p:nvSpPr>
+        <p:spPr>
+          <a:xfrm>
+            <a:off x="4037359" y="8183184"/>
+            <a:ext cx="5765355" cy="1072931"/>
+          </a:xfrm>
+          <a:prstGeom prst="rect">
+            <a:avLst/>
+          </a:prstGeom>
+        </p:spPr>
+        <p:txBody>
+          <a:bodyPr/>
+          <a:lstStyle/>
+          <a:p>
+            <a:pPr lvl="0">
+              <a:defRPr sz="1800">
+                <a:solidFill>
+                  <a:srgbClr val="000000"/>
+                </a:solidFill>
+              </a:defRPr>
+            </a:pPr>
+            <a:r>
+              <a:rPr sz="3600">
+                <a:solidFill>
+                  <a:srgbClr val="414141"/>
+                </a:solidFill>
+              </a:rPr>
+              <a:t>Error rate = 0.08811189</a:t>
+            </a:r>
+          </a:p>
+        </p:txBody>
+      </p:sp>
+      <p:graphicFrame>
+        <p:nvGraphicFramePr>
+          <p:cNvPr id="126" name="Table 126"/>
+          <p:cNvGraphicFramePr/>
+          <p:nvPr/>
+        </p:nvGraphicFramePr>
+        <p:xfrm>
+          <a:off x="4271516" y="3091557"/>
+          <a:ext cx="4927402" cy="5019477"/>
+        </p:xfrm>
+        <a:graphic xmlns:a="http://schemas.openxmlformats.org/drawingml/2006/main">
+          <a:graphicData uri="http://schemas.openxmlformats.org/drawingml/2006/table">
+            <a:tbl>
+              <a:tblPr firstCol="1" firstRow="1" lastCol="0" lastRow="0" bandCol="0" bandRow="0" rtl="0">
+                <a:tableStyleId>{33BA23B1-9221-436E-865A-0063620EA4FD}</a:tableStyleId>
+              </a:tblPr>
+              <a:tblGrid>
+                <a:gridCol w="1231850"/>
+                <a:gridCol w="1231850"/>
+                <a:gridCol w="1231850"/>
+                <a:gridCol w="1231850"/>
+              </a:tblGrid>
+              <a:tr h="1254869">
+                <a:tc>
+                  <a:txBody>
+                    <a:bodyPr/>
+                    <a:lstStyle/>
+                    <a:p>
+                      <a:pPr lvl="0" defTabSz="914400">
+                        <a:defRPr sz="2600"/>
+                      </a:pPr>
+                    </a:p>
+                  </a:txBody>
+                  <a:tcPr marL="50800" marR="50800" marT="50800" marB="50800" anchor="ctr" anchorCtr="0" horzOverflow="overflow"/>
+                </a:tc>
+                <a:tc>
+                  <a:txBody>
+                    <a:bodyPr/>
+                    <a:lstStyle/>
+                    <a:p>
+                      <a:pPr lvl="0" defTabSz="914400">
+                        <a:defRPr>
+                          <a:solidFill>
+                            <a:srgbClr val="000000"/>
+                          </a:solidFill>
+                        </a:defRPr>
+                      </a:pPr>
+                      <a:r>
+                        <a:rPr sz="2600">
+                          <a:solidFill>
+                            <a:srgbClr val="FFFFFF"/>
+                          </a:solidFill>
+                        </a:rPr>
+                        <a:t>NO</a:t>
+                      </a:r>
+                    </a:p>
+                  </a:txBody>
+                  <a:tcPr marL="50800" marR="50800" marT="50800" marB="50800" anchor="ctr" anchorCtr="0" horzOverflow="overflow"/>
+                </a:tc>
+                <a:tc>
+                  <a:txBody>
+                    <a:bodyPr/>
+                    <a:lstStyle/>
+                    <a:p>
+                      <a:pPr lvl="0" defTabSz="914400">
+                        <a:defRPr>
+                          <a:solidFill>
+                            <a:srgbClr val="000000"/>
+                          </a:solidFill>
+                        </a:defRPr>
+                      </a:pPr>
+                      <a:r>
+                        <a:rPr sz="2600">
+                          <a:solidFill>
+                            <a:srgbClr val="FFFFFF"/>
+                          </a:solidFill>
+                        </a:rPr>
+                        <a:t>YES</a:t>
+                      </a:r>
+                    </a:p>
+                  </a:txBody>
+                  <a:tcPr marL="50800" marR="50800" marT="50800" marB="50800" anchor="ctr" anchorCtr="0" horzOverflow="overflow"/>
+                </a:tc>
+                <a:tc>
+                  <a:txBody>
+                    <a:bodyPr/>
+                    <a:lstStyle/>
+                    <a:p>
+                      <a:pPr lvl="0" defTabSz="914400">
+                        <a:defRPr>
+                          <a:solidFill>
+                            <a:srgbClr val="000000"/>
+                          </a:solidFill>
+                        </a:defRPr>
+                      </a:pPr>
+                      <a:r>
+                        <a:rPr sz="2600">
+                          <a:solidFill>
+                            <a:srgbClr val="FFFFFF"/>
+                          </a:solidFill>
+                        </a:rPr>
+                        <a:t>Total</a:t>
+                      </a:r>
+                    </a:p>
+                  </a:txBody>
+                  <a:tcPr marL="50800" marR="50800" marT="50800" marB="50800" anchor="ctr" anchorCtr="0" horzOverflow="overflow"/>
+                </a:tc>
+              </a:tr>
+              <a:tr h="1254869">
+                <a:tc>
+                  <a:txBody>
+                    <a:bodyPr/>
+                    <a:lstStyle/>
+                    <a:p>
+                      <a:pPr lvl="0" defTabSz="914400">
+                        <a:defRPr>
+                          <a:solidFill>
+                            <a:srgbClr val="000000"/>
+                          </a:solidFill>
+                        </a:defRPr>
+                      </a:pPr>
+                      <a:r>
+                        <a:rPr sz="2600">
+                          <a:solidFill>
+                            <a:srgbClr val="FFFFFF"/>
+                          </a:solidFill>
+                        </a:rPr>
+                        <a:t>NO</a:t>
+                      </a:r>
+                    </a:p>
+                  </a:txBody>
+                  <a:tcPr marL="50800" marR="50800" marT="50800" marB="50800" anchor="ctr" anchorCtr="0" horzOverflow="overflow"/>
+                </a:tc>
+                <a:tc>
+                  <a:txBody>
+                    <a:bodyPr/>
+                    <a:lstStyle/>
+                    <a:p>
+                      <a:pPr lvl="0" defTabSz="914400">
+                        <a:defRPr>
+                          <a:solidFill>
+                            <a:srgbClr val="000000"/>
+                          </a:solidFill>
+                        </a:defRPr>
+                      </a:pPr>
+                      <a:r>
+                        <a:rPr sz="2600">
+                          <a:solidFill>
+                            <a:srgbClr val="414141"/>
+                          </a:solidFill>
+                        </a:rPr>
+                        <a:t>646</a:t>
+                      </a:r>
+                    </a:p>
+                  </a:txBody>
+                  <a:tcPr marL="50800" marR="50800" marT="50800" marB="50800" anchor="ctr" anchorCtr="0" horzOverflow="overflow"/>
+                </a:tc>
+                <a:tc>
+                  <a:txBody>
+                    <a:bodyPr/>
+                    <a:lstStyle/>
+                    <a:p>
+                      <a:pPr lvl="0" defTabSz="914400">
+                        <a:defRPr>
+                          <a:solidFill>
+                            <a:srgbClr val="000000"/>
+                          </a:solidFill>
+                        </a:defRPr>
+                      </a:pPr>
+                      <a:r>
+                        <a:rPr sz="2600">
+                          <a:solidFill>
+                            <a:srgbClr val="414141"/>
+                          </a:solidFill>
+                        </a:rPr>
+                        <a:t>8</a:t>
+                      </a:r>
+                    </a:p>
+                  </a:txBody>
+                  <a:tcPr marL="50800" marR="50800" marT="50800" marB="50800" anchor="ctr" anchorCtr="0" horzOverflow="overflow"/>
+                </a:tc>
+                <a:tc>
+                  <a:txBody>
+                    <a:bodyPr/>
+                    <a:lstStyle/>
+                    <a:p>
+                      <a:pPr lvl="0" defTabSz="914400">
+                        <a:defRPr>
+                          <a:solidFill>
+                            <a:srgbClr val="000000"/>
+                          </a:solidFill>
+                        </a:defRPr>
+                      </a:pPr>
+                      <a:r>
+                        <a:rPr sz="2600">
+                          <a:solidFill>
+                            <a:srgbClr val="414141"/>
+                          </a:solidFill>
+                        </a:rPr>
+                        <a:t>654</a:t>
+                      </a:r>
+                    </a:p>
+                  </a:txBody>
+                  <a:tcPr marL="50800" marR="50800" marT="50800" marB="50800" anchor="ctr" anchorCtr="0" horzOverflow="overflow">
+                    <a:lnR w="12700">
+                      <a:miter lim="400000"/>
+                    </a:lnR>
+                  </a:tcPr>
+                </a:tc>
+              </a:tr>
+              <a:tr h="1254869">
+                <a:tc>
+                  <a:txBody>
+                    <a:bodyPr/>
+                    <a:lstStyle/>
+                    <a:p>
+                      <a:pPr lvl="0" defTabSz="914400">
+                        <a:defRPr>
+                          <a:solidFill>
+                            <a:srgbClr val="000000"/>
+                          </a:solidFill>
+                        </a:defRPr>
+                      </a:pPr>
+                      <a:r>
+                        <a:rPr sz="2600">
+                          <a:solidFill>
+                            <a:srgbClr val="FFFFFF"/>
+                          </a:solidFill>
+                        </a:rPr>
+                        <a:t>YES</a:t>
+                      </a:r>
+                    </a:p>
+                  </a:txBody>
+                  <a:tcPr marL="50800" marR="50800" marT="50800" marB="50800" anchor="ctr" anchorCtr="0" horzOverflow="overflow"/>
+                </a:tc>
+                <a:tc>
+                  <a:txBody>
+                    <a:bodyPr/>
+                    <a:lstStyle/>
+                    <a:p>
+                      <a:pPr lvl="0" defTabSz="914400">
+                        <a:defRPr>
+                          <a:solidFill>
+                            <a:srgbClr val="000000"/>
+                          </a:solidFill>
+                        </a:defRPr>
+                      </a:pPr>
+                      <a:r>
+                        <a:rPr sz="2600">
+                          <a:solidFill>
+                            <a:srgbClr val="414141"/>
+                          </a:solidFill>
+                        </a:rPr>
+                        <a:t>55</a:t>
+                      </a:r>
+                    </a:p>
+                  </a:txBody>
+                  <a:tcPr marL="50800" marR="50800" marT="50800" marB="50800" anchor="ctr" anchorCtr="0" horzOverflow="overflow"/>
+                </a:tc>
+                <a:tc>
+                  <a:txBody>
+                    <a:bodyPr/>
+                    <a:lstStyle/>
+                    <a:p>
+                      <a:pPr lvl="0" defTabSz="914400">
+                        <a:defRPr>
+                          <a:solidFill>
+                            <a:srgbClr val="000000"/>
+                          </a:solidFill>
+                        </a:defRPr>
+                      </a:pPr>
+                      <a:r>
+                        <a:rPr sz="2600">
+                          <a:solidFill>
+                            <a:srgbClr val="414141"/>
+                          </a:solidFill>
+                        </a:rPr>
+                        <a:t>6</a:t>
+                      </a:r>
+                    </a:p>
+                  </a:txBody>
+                  <a:tcPr marL="50800" marR="50800" marT="50800" marB="50800" anchor="ctr" anchorCtr="0" horzOverflow="overflow"/>
+                </a:tc>
+                <a:tc>
+                  <a:txBody>
+                    <a:bodyPr/>
+                    <a:lstStyle/>
+                    <a:p>
+                      <a:pPr lvl="0" defTabSz="914400">
+                        <a:defRPr>
+                          <a:solidFill>
+                            <a:srgbClr val="000000"/>
+                          </a:solidFill>
+                        </a:defRPr>
+                      </a:pPr>
+                      <a:r>
+                        <a:rPr sz="2600">
+                          <a:solidFill>
+                            <a:srgbClr val="414141"/>
+                          </a:solidFill>
+                        </a:rPr>
+                        <a:t>61</a:t>
+                      </a:r>
+                    </a:p>
+                  </a:txBody>
+                  <a:tcPr marL="50800" marR="50800" marT="50800" marB="50800" anchor="ctr" anchorCtr="0" horzOverflow="overflow">
+                    <a:lnR w="12700">
+                      <a:miter lim="400000"/>
+                    </a:lnR>
+                  </a:tcPr>
+                </a:tc>
+              </a:tr>
+              <a:tr h="1254869">
+                <a:tc>
+                  <a:txBody>
+                    <a:bodyPr/>
+                    <a:lstStyle/>
+                    <a:p>
+                      <a:pPr lvl="0" defTabSz="914400">
+                        <a:defRPr>
+                          <a:solidFill>
+                            <a:srgbClr val="000000"/>
+                          </a:solidFill>
+                        </a:defRPr>
+                      </a:pPr>
+                      <a:r>
+                        <a:rPr sz="2600">
+                          <a:solidFill>
+                            <a:srgbClr val="FFFFFF"/>
+                          </a:solidFill>
+                        </a:rPr>
+                        <a:t>Total</a:t>
+                      </a:r>
+                    </a:p>
+                  </a:txBody>
+                  <a:tcPr marL="50800" marR="50800" marT="50800" marB="50800" anchor="ctr" anchorCtr="0" horzOverflow="overflow"/>
+                </a:tc>
+                <a:tc>
+                  <a:txBody>
+                    <a:bodyPr/>
+                    <a:lstStyle/>
+                    <a:p>
+                      <a:pPr lvl="0" defTabSz="914400">
+                        <a:defRPr>
+                          <a:solidFill>
+                            <a:srgbClr val="000000"/>
+                          </a:solidFill>
+                        </a:defRPr>
+                      </a:pPr>
+                      <a:r>
+                        <a:rPr sz="2600">
+                          <a:solidFill>
+                            <a:srgbClr val="414141"/>
+                          </a:solidFill>
+                        </a:rPr>
+                        <a:t>701</a:t>
+                      </a:r>
+                    </a:p>
+                  </a:txBody>
+                  <a:tcPr marL="50800" marR="50800" marT="50800" marB="50800" anchor="ctr" anchorCtr="0" horzOverflow="overflow">
+                    <a:lnB w="12700">
+                      <a:miter lim="400000"/>
+                    </a:lnB>
+                  </a:tcPr>
+                </a:tc>
+                <a:tc>
+                  <a:txBody>
+                    <a:bodyPr/>
+                    <a:lstStyle/>
+                    <a:p>
+                      <a:pPr lvl="0" defTabSz="914400">
+                        <a:defRPr>
+                          <a:solidFill>
+                            <a:srgbClr val="000000"/>
+                          </a:solidFill>
+                        </a:defRPr>
+                      </a:pPr>
+                      <a:r>
+                        <a:rPr sz="2600">
+                          <a:solidFill>
+                            <a:srgbClr val="414141"/>
+                          </a:solidFill>
+                        </a:rPr>
+                        <a:t>14</a:t>
+                      </a:r>
+                    </a:p>
+                  </a:txBody>
+                  <a:tcPr marL="50800" marR="50800" marT="50800" marB="50800" anchor="ctr" anchorCtr="0" horzOverflow="overflow">
+                    <a:lnB w="12700">
+                      <a:miter lim="400000"/>
+                    </a:lnB>
+                  </a:tcPr>
+                </a:tc>
+                <a:tc>
+                  <a:txBody>
+                    <a:bodyPr/>
+                    <a:lstStyle/>
+                    <a:p>
+                      <a:pPr lvl="0" defTabSz="914400">
+                        <a:defRPr>
+                          <a:solidFill>
+                            <a:srgbClr val="000000"/>
+                          </a:solidFill>
+                        </a:defRPr>
+                      </a:pPr>
+                      <a:r>
+                        <a:rPr sz="2600">
+                          <a:solidFill>
+                            <a:srgbClr val="414141"/>
+                          </a:solidFill>
+                        </a:rPr>
+                        <a:t>715</a:t>
+                      </a:r>
+                    </a:p>
+                  </a:txBody>
+                  <a:tcPr marL="50800" marR="50800" marT="50800" marB="50800" anchor="ctr" anchorCtr="0" horzOverflow="overflow">
+                    <a:lnR w="12700">
+                      <a:miter lim="400000"/>
+                    </a:lnR>
+                    <a:lnB w="12700">
+                      <a:miter lim="400000"/>
+                    </a:lnB>
+                  </a:tcPr>
+                </a:tc>
+              </a:tr>
+            </a:tbl>
+          </a:graphicData>
+        </a:graphic>
+      </p:graphicFrame>
+      <p:sp>
+        <p:nvSpPr>
+          <p:cNvPr id="127" name="Shape 127"/>
+          <p:cNvSpPr/>
+          <p:nvPr/>
+        </p:nvSpPr>
+        <p:spPr>
+          <a:xfrm>
+            <a:off x="5734496" y="2374599"/>
+            <a:ext cx="3172273" cy="520409"/>
+          </a:xfrm>
+          <a:prstGeom prst="rect">
+            <a:avLst/>
+          </a:prstGeom>
+          <a:ln w="12700">
+            <a:miter lim="400000"/>
+          </a:ln>
+          <a:extLst>
+            <a:ext uri="{C572A759-6A51-4108-AA02-DFA0A04FC94B}">
+              <ma14:wrappingTextBoxFlag xmlns:ma14="http://schemas.microsoft.com/office/mac/drawingml/2011/main" val="1"/>
+            </a:ext>
+          </a:extLst>
+        </p:spPr>
+        <p:txBody>
+          <a:bodyPr lIns="50800" tIns="50800" rIns="50800" bIns="50800" anchor="ctr">
+            <a:spAutoFit/>
+          </a:bodyPr>
+          <a:lstStyle/>
+          <a:p>
+            <a:pPr lvl="0">
+              <a:defRPr sz="1800">
+                <a:solidFill>
+                  <a:srgbClr val="000000"/>
+                </a:solidFill>
+              </a:defRPr>
+            </a:pPr>
+            <a:r>
+              <a:rPr sz="2400">
+                <a:solidFill>
+                  <a:srgbClr val="414141"/>
+                </a:solidFill>
+              </a:rPr>
+              <a:t>실제 데이터 값</a:t>
+            </a:r>
+          </a:p>
+        </p:txBody>
+      </p:sp>
+      <p:sp>
+        <p:nvSpPr>
+          <p:cNvPr id="128" name="Shape 128"/>
+          <p:cNvSpPr/>
+          <p:nvPr/>
+        </p:nvSpPr>
+        <p:spPr>
+          <a:xfrm rot="16200000">
+            <a:off x="2712342" y="5950923"/>
+            <a:ext cx="2093716" cy="520410"/>
+          </a:xfrm>
+          <a:prstGeom prst="rect">
+            <a:avLst/>
+          </a:prstGeom>
+          <a:ln w="12700">
+            <a:miter lim="400000"/>
+          </a:ln>
+          <a:extLst>
+            <a:ext uri="{C572A759-6A51-4108-AA02-DFA0A04FC94B}">
+              <ma14:wrappingTextBoxFlag xmlns:ma14="http://schemas.microsoft.com/office/mac/drawingml/2011/main" val="1"/>
+            </a:ext>
+          </a:extLst>
+        </p:spPr>
+        <p:txBody>
+          <a:bodyPr wrap="none" lIns="50800" tIns="50800" rIns="50800" bIns="50800" anchor="ctr">
+            <a:spAutoFit/>
+          </a:bodyPr>
+          <a:lstStyle/>
+          <a:p>
+            <a:pPr lvl="0">
+              <a:defRPr sz="1800">
+                <a:solidFill>
+                  <a:srgbClr val="000000"/>
+                </a:solidFill>
+              </a:defRPr>
+            </a:pPr>
+            <a:r>
+              <a:rPr sz="2400">
+                <a:solidFill>
+                  <a:srgbClr val="414141"/>
+                </a:solidFill>
+              </a:rPr>
+              <a:t>예측 데이터 값</a:t>
+            </a:r>
+          </a:p>
+        </p:txBody>
+      </p:sp>
+    </p:spTree>
+  </p:cSld>
+  <p:clrMapOvr>
+    <a:masterClrMapping/>
+  </p:clrMapOvr>
+  <p:transition spd="med" advClick="1"/>
+</p:sld>
+</file>
+
+<file path=ppt/slides/slide24.xml><?xml version="1.0" encoding="utf-8"?>
+<p:sld xmlns:a="http://schemas.openxmlformats.org/drawingml/2006/main" xmlns:r="http://schemas.openxmlformats.org/officeDocument/2006/relationships" xmlns:p="http://schemas.openxmlformats.org/presentationml/2006/main" showMasterSp="1" showMasterPhAnim="1">
+  <p:cSld>
+    <p:spTree>
+      <p:nvGrpSpPr>
+        <p:cNvPr id="1" name=""/>
+        <p:cNvGrpSpPr/>
+        <p:nvPr/>
+      </p:nvGrpSpPr>
+      <p:grpSpPr>
+        <a:xfrm>
+          <a:off x="0" y="0"/>
+          <a:ext cx="0" cy="0"/>
+          <a:chOff x="0" y="0"/>
+          <a:chExt cx="0" cy="0"/>
+        </a:xfrm>
+      </p:grpSpPr>
+      <p:sp>
+        <p:nvSpPr>
+          <p:cNvPr id="130" name="Shape 130"/>
+          <p:cNvSpPr/>
+          <p:nvPr>
+            <p:ph type="title"/>
+          </p:nvPr>
+        </p:nvSpPr>
+        <p:spPr>
+          <a:prstGeom prst="rect">
+            <a:avLst/>
+          </a:prstGeom>
+        </p:spPr>
+        <p:txBody>
+          <a:bodyPr/>
+          <a:lstStyle/>
+          <a:p>
+            <a:pPr lvl="0" algn="l" defTabSz="578358">
+              <a:spcBef>
+                <a:spcPts val="1500"/>
+              </a:spcBef>
+              <a:defRPr sz="1800">
+                <a:solidFill>
+                  <a:srgbClr val="000000"/>
+                </a:solidFill>
+              </a:defRPr>
+            </a:pPr>
+            <a:r>
+              <a:rPr sz="6930">
+                <a:solidFill>
+                  <a:srgbClr val="D93E2B"/>
+                </a:solidFill>
+              </a:rPr>
+              <a:t>분류 방법 비교</a:t>
+            </a:r>
+            <a:r>
+              <a:rPr sz="6930">
+                <a:solidFill>
+                  <a:srgbClr val="D93E2B"/>
+                </a:solidFill>
+                <a:latin typeface="Bodoni SvtyTwo ITC TT-Bold"/>
+                <a:ea typeface="Bodoni SvtyTwo ITC TT-Bold"/>
+                <a:cs typeface="Bodoni SvtyTwo ITC TT-Bold"/>
+                <a:sym typeface="Bodoni SvtyTwo ITC TT-Bold"/>
+              </a:rPr>
+              <a:t>:</a:t>
+            </a:r>
+            <a:r>
+              <a:rPr sz="6930">
+                <a:solidFill>
+                  <a:srgbClr val="D93E2B"/>
+                </a:solidFill>
+              </a:rPr>
+              <a:t> </a:t>
+            </a:r>
+            <a:r>
+              <a:rPr sz="5940">
+                <a:solidFill>
+                  <a:srgbClr val="D93E2B"/>
+                </a:solidFill>
+                <a:latin typeface="Bodoni SvtyTwo ITC TT-BookIta"/>
+                <a:ea typeface="Bodoni SvtyTwo ITC TT-BookIta"/>
+                <a:cs typeface="Bodoni SvtyTwo ITC TT-BookIta"/>
+                <a:sym typeface="Bodoni SvtyTwo ITC TT-BookIta"/>
+              </a:rPr>
+              <a:t>LDA</a:t>
+            </a:r>
+          </a:p>
+        </p:txBody>
+      </p:sp>
+      <p:sp>
+        <p:nvSpPr>
+          <p:cNvPr id="131" name="Shape 131"/>
+          <p:cNvSpPr/>
+          <p:nvPr>
+            <p:ph type="body" idx="1"/>
+          </p:nvPr>
+        </p:nvSpPr>
+        <p:spPr>
+          <a:xfrm>
+            <a:off x="4037359" y="8183184"/>
+            <a:ext cx="5765355" cy="1072931"/>
+          </a:xfrm>
+          <a:prstGeom prst="rect">
+            <a:avLst/>
+          </a:prstGeom>
+        </p:spPr>
+        <p:txBody>
+          <a:bodyPr/>
+          <a:lstStyle/>
+          <a:p>
+            <a:pPr lvl="0">
+              <a:defRPr sz="1800">
+                <a:solidFill>
+                  <a:srgbClr val="000000"/>
+                </a:solidFill>
+              </a:defRPr>
+            </a:pPr>
+            <a:r>
+              <a:rPr sz="3600">
+                <a:solidFill>
+                  <a:srgbClr val="414141"/>
+                </a:solidFill>
+              </a:rPr>
+              <a:t>Error rate = 0.05174825</a:t>
+            </a:r>
+          </a:p>
+        </p:txBody>
+      </p:sp>
+      <p:graphicFrame>
+        <p:nvGraphicFramePr>
+          <p:cNvPr id="132" name="Table 132"/>
+          <p:cNvGraphicFramePr/>
+          <p:nvPr/>
+        </p:nvGraphicFramePr>
+        <p:xfrm>
+          <a:off x="4271516" y="3091557"/>
+          <a:ext cx="4927402" cy="5019477"/>
+        </p:xfrm>
+        <a:graphic xmlns:a="http://schemas.openxmlformats.org/drawingml/2006/main">
+          <a:graphicData uri="http://schemas.openxmlformats.org/drawingml/2006/table">
+            <a:tbl>
+              <a:tblPr firstCol="1" firstRow="1" lastCol="0" lastRow="0" bandCol="0" bandRow="0" rtl="0">
+                <a:tableStyleId>{33BA23B1-9221-436E-865A-0063620EA4FD}</a:tableStyleId>
+              </a:tblPr>
+              <a:tblGrid>
+                <a:gridCol w="1231850"/>
+                <a:gridCol w="1231850"/>
+                <a:gridCol w="1231850"/>
+                <a:gridCol w="1231850"/>
+              </a:tblGrid>
+              <a:tr h="1254869">
+                <a:tc>
+                  <a:txBody>
+                    <a:bodyPr/>
+                    <a:lstStyle/>
+                    <a:p>
+                      <a:pPr lvl="0" defTabSz="914400">
+                        <a:defRPr sz="2600"/>
+                      </a:pPr>
+                    </a:p>
+                  </a:txBody>
+                  <a:tcPr marL="50800" marR="50800" marT="50800" marB="50800" anchor="ctr" anchorCtr="0" horzOverflow="overflow"/>
+                </a:tc>
+                <a:tc>
+                  <a:txBody>
+                    <a:bodyPr/>
+                    <a:lstStyle/>
+                    <a:p>
+                      <a:pPr lvl="0" defTabSz="914400">
+                        <a:defRPr>
+                          <a:solidFill>
+                            <a:srgbClr val="000000"/>
+                          </a:solidFill>
+                        </a:defRPr>
+                      </a:pPr>
+                      <a:r>
+                        <a:rPr sz="2600">
+                          <a:solidFill>
+                            <a:srgbClr val="FFFFFF"/>
+                          </a:solidFill>
+                        </a:rPr>
+                        <a:t>NO</a:t>
+                      </a:r>
+                    </a:p>
+                  </a:txBody>
+                  <a:tcPr marL="50800" marR="50800" marT="50800" marB="50800" anchor="ctr" anchorCtr="0" horzOverflow="overflow"/>
+                </a:tc>
+                <a:tc>
+                  <a:txBody>
+                    <a:bodyPr/>
+                    <a:lstStyle/>
+                    <a:p>
+                      <a:pPr lvl="0" defTabSz="914400">
+                        <a:defRPr>
+                          <a:solidFill>
+                            <a:srgbClr val="000000"/>
+                          </a:solidFill>
+                        </a:defRPr>
+                      </a:pPr>
+                      <a:r>
+                        <a:rPr sz="2600">
+                          <a:solidFill>
+                            <a:srgbClr val="FFFFFF"/>
+                          </a:solidFill>
+                        </a:rPr>
+                        <a:t>YES</a:t>
+                      </a:r>
+                    </a:p>
+                  </a:txBody>
+                  <a:tcPr marL="50800" marR="50800" marT="50800" marB="50800" anchor="ctr" anchorCtr="0" horzOverflow="overflow"/>
+                </a:tc>
+                <a:tc>
+                  <a:txBody>
+                    <a:bodyPr/>
+                    <a:lstStyle/>
+                    <a:p>
+                      <a:pPr lvl="0" defTabSz="914400">
+                        <a:defRPr>
+                          <a:solidFill>
+                            <a:srgbClr val="000000"/>
+                          </a:solidFill>
+                        </a:defRPr>
+                      </a:pPr>
+                      <a:r>
+                        <a:rPr sz="2600">
+                          <a:solidFill>
+                            <a:srgbClr val="FFFFFF"/>
+                          </a:solidFill>
+                        </a:rPr>
+                        <a:t>Total</a:t>
+                      </a:r>
+                    </a:p>
+                  </a:txBody>
+                  <a:tcPr marL="50800" marR="50800" marT="50800" marB="50800" anchor="ctr" anchorCtr="0" horzOverflow="overflow"/>
+                </a:tc>
+              </a:tr>
+              <a:tr h="1254869">
+                <a:tc>
+                  <a:txBody>
+                    <a:bodyPr/>
+                    <a:lstStyle/>
+                    <a:p>
+                      <a:pPr lvl="0" defTabSz="914400">
+                        <a:defRPr>
+                          <a:solidFill>
+                            <a:srgbClr val="000000"/>
+                          </a:solidFill>
+                        </a:defRPr>
+                      </a:pPr>
+                      <a:r>
+                        <a:rPr sz="2600">
+                          <a:solidFill>
+                            <a:srgbClr val="FFFFFF"/>
+                          </a:solidFill>
+                        </a:rPr>
+                        <a:t>NO</a:t>
+                      </a:r>
+                    </a:p>
+                  </a:txBody>
+                  <a:tcPr marL="50800" marR="50800" marT="50800" marB="50800" anchor="ctr" anchorCtr="0" horzOverflow="overflow"/>
+                </a:tc>
+                <a:tc>
+                  <a:txBody>
+                    <a:bodyPr/>
+                    <a:lstStyle/>
+                    <a:p>
+                      <a:pPr lvl="0" defTabSz="914400">
+                        <a:defRPr>
+                          <a:solidFill>
+                            <a:srgbClr val="000000"/>
+                          </a:solidFill>
+                        </a:defRPr>
+                      </a:pPr>
+                      <a:r>
+                        <a:rPr sz="2600">
+                          <a:solidFill>
+                            <a:srgbClr val="414141"/>
+                          </a:solidFill>
+                        </a:rPr>
+                        <a:t>676</a:t>
+                      </a:r>
+                    </a:p>
+                  </a:txBody>
+                  <a:tcPr marL="50800" marR="50800" marT="50800" marB="50800" anchor="ctr" anchorCtr="0" horzOverflow="overflow"/>
+                </a:tc>
+                <a:tc>
+                  <a:txBody>
+                    <a:bodyPr/>
+                    <a:lstStyle/>
+                    <a:p>
+                      <a:pPr lvl="0" defTabSz="914400">
+                        <a:defRPr>
+                          <a:solidFill>
+                            <a:srgbClr val="000000"/>
+                          </a:solidFill>
+                        </a:defRPr>
+                      </a:pPr>
+                      <a:r>
+                        <a:rPr sz="2600">
+                          <a:solidFill>
+                            <a:srgbClr val="414141"/>
+                          </a:solidFill>
+                        </a:rPr>
+                        <a:t>12</a:t>
+                      </a:r>
+                    </a:p>
+                  </a:txBody>
+                  <a:tcPr marL="50800" marR="50800" marT="50800" marB="50800" anchor="ctr" anchorCtr="0" horzOverflow="overflow"/>
+                </a:tc>
+                <a:tc>
+                  <a:txBody>
+                    <a:bodyPr/>
+                    <a:lstStyle/>
+                    <a:p>
+                      <a:pPr lvl="0" defTabSz="914400">
+                        <a:defRPr>
+                          <a:solidFill>
+                            <a:srgbClr val="000000"/>
+                          </a:solidFill>
+                        </a:defRPr>
+                      </a:pPr>
+                      <a:r>
+                        <a:rPr sz="2600">
+                          <a:solidFill>
+                            <a:srgbClr val="414141"/>
+                          </a:solidFill>
+                        </a:rPr>
+                        <a:t>688</a:t>
+                      </a:r>
+                    </a:p>
+                  </a:txBody>
+                  <a:tcPr marL="50800" marR="50800" marT="50800" marB="50800" anchor="ctr" anchorCtr="0" horzOverflow="overflow">
+                    <a:lnR w="12700">
+                      <a:miter lim="400000"/>
+                    </a:lnR>
+                  </a:tcPr>
+                </a:tc>
+              </a:tr>
+              <a:tr h="1254869">
+                <a:tc>
+                  <a:txBody>
+                    <a:bodyPr/>
+                    <a:lstStyle/>
+                    <a:p>
+                      <a:pPr lvl="0" defTabSz="914400">
+                        <a:defRPr>
+                          <a:solidFill>
+                            <a:srgbClr val="000000"/>
+                          </a:solidFill>
+                        </a:defRPr>
+                      </a:pPr>
+                      <a:r>
+                        <a:rPr sz="2600">
+                          <a:solidFill>
+                            <a:srgbClr val="FFFFFF"/>
+                          </a:solidFill>
+                        </a:rPr>
+                        <a:t>YES</a:t>
+                      </a:r>
+                    </a:p>
+                  </a:txBody>
+                  <a:tcPr marL="50800" marR="50800" marT="50800" marB="50800" anchor="ctr" anchorCtr="0" horzOverflow="overflow"/>
+                </a:tc>
+                <a:tc>
+                  <a:txBody>
+                    <a:bodyPr/>
+                    <a:lstStyle/>
+                    <a:p>
+                      <a:pPr lvl="0" defTabSz="914400">
+                        <a:defRPr>
+                          <a:solidFill>
+                            <a:srgbClr val="000000"/>
+                          </a:solidFill>
+                        </a:defRPr>
+                      </a:pPr>
+                      <a:r>
+                        <a:rPr sz="2600">
+                          <a:solidFill>
+                            <a:srgbClr val="414141"/>
+                          </a:solidFill>
+                        </a:rPr>
+                        <a:t>25</a:t>
+                      </a:r>
+                    </a:p>
+                  </a:txBody>
+                  <a:tcPr marL="50800" marR="50800" marT="50800" marB="50800" anchor="ctr" anchorCtr="0" horzOverflow="overflow"/>
+                </a:tc>
+                <a:tc>
+                  <a:txBody>
+                    <a:bodyPr/>
+                    <a:lstStyle/>
+                    <a:p>
+                      <a:pPr lvl="0" defTabSz="914400">
+                        <a:defRPr>
+                          <a:solidFill>
+                            <a:srgbClr val="000000"/>
+                          </a:solidFill>
+                        </a:defRPr>
+                      </a:pPr>
+                      <a:r>
+                        <a:rPr sz="2600">
+                          <a:solidFill>
+                            <a:srgbClr val="414141"/>
+                          </a:solidFill>
+                        </a:rPr>
+                        <a:t>2</a:t>
+                      </a:r>
+                    </a:p>
+                  </a:txBody>
+                  <a:tcPr marL="50800" marR="50800" marT="50800" marB="50800" anchor="ctr" anchorCtr="0" horzOverflow="overflow"/>
+                </a:tc>
+                <a:tc>
+                  <a:txBody>
+                    <a:bodyPr/>
+                    <a:lstStyle/>
+                    <a:p>
+                      <a:pPr lvl="0" defTabSz="914400">
+                        <a:defRPr>
+                          <a:solidFill>
+                            <a:srgbClr val="000000"/>
+                          </a:solidFill>
+                        </a:defRPr>
+                      </a:pPr>
+                      <a:r>
+                        <a:rPr sz="2600">
+                          <a:solidFill>
+                            <a:srgbClr val="414141"/>
+                          </a:solidFill>
+                        </a:rPr>
+                        <a:t>27</a:t>
+                      </a:r>
+                    </a:p>
+                  </a:txBody>
+                  <a:tcPr marL="50800" marR="50800" marT="50800" marB="50800" anchor="ctr" anchorCtr="0" horzOverflow="overflow">
+                    <a:lnR w="12700">
+                      <a:miter lim="400000"/>
+                    </a:lnR>
+                  </a:tcPr>
+                </a:tc>
+              </a:tr>
+              <a:tr h="1254869">
+                <a:tc>
+                  <a:txBody>
+                    <a:bodyPr/>
+                    <a:lstStyle/>
+                    <a:p>
+                      <a:pPr lvl="0" defTabSz="914400">
+                        <a:defRPr>
+                          <a:solidFill>
+                            <a:srgbClr val="000000"/>
+                          </a:solidFill>
+                        </a:defRPr>
+                      </a:pPr>
+                      <a:r>
+                        <a:rPr sz="2600">
+                          <a:solidFill>
+                            <a:srgbClr val="FFFFFF"/>
+                          </a:solidFill>
+                        </a:rPr>
+                        <a:t>Total</a:t>
+                      </a:r>
+                    </a:p>
+                  </a:txBody>
+                  <a:tcPr marL="50800" marR="50800" marT="50800" marB="50800" anchor="ctr" anchorCtr="0" horzOverflow="overflow"/>
+                </a:tc>
+                <a:tc>
+                  <a:txBody>
+                    <a:bodyPr/>
+                    <a:lstStyle/>
+                    <a:p>
+                      <a:pPr lvl="0" defTabSz="914400">
+                        <a:defRPr>
+                          <a:solidFill>
+                            <a:srgbClr val="000000"/>
+                          </a:solidFill>
+                        </a:defRPr>
+                      </a:pPr>
+                      <a:r>
+                        <a:rPr sz="2600">
+                          <a:solidFill>
+                            <a:srgbClr val="414141"/>
+                          </a:solidFill>
+                        </a:rPr>
+                        <a:t>701</a:t>
+                      </a:r>
+                    </a:p>
+                  </a:txBody>
+                  <a:tcPr marL="50800" marR="50800" marT="50800" marB="50800" anchor="ctr" anchorCtr="0" horzOverflow="overflow">
+                    <a:lnB w="12700">
+                      <a:miter lim="400000"/>
+                    </a:lnB>
+                  </a:tcPr>
+                </a:tc>
+                <a:tc>
+                  <a:txBody>
+                    <a:bodyPr/>
+                    <a:lstStyle/>
+                    <a:p>
+                      <a:pPr lvl="0" defTabSz="914400">
+                        <a:defRPr>
+                          <a:solidFill>
+                            <a:srgbClr val="000000"/>
+                          </a:solidFill>
+                        </a:defRPr>
+                      </a:pPr>
+                      <a:r>
+                        <a:rPr sz="2600">
+                          <a:solidFill>
+                            <a:srgbClr val="414141"/>
+                          </a:solidFill>
+                        </a:rPr>
+                        <a:t>14</a:t>
+                      </a:r>
+                    </a:p>
+                  </a:txBody>
+                  <a:tcPr marL="50800" marR="50800" marT="50800" marB="50800" anchor="ctr" anchorCtr="0" horzOverflow="overflow">
+                    <a:lnB w="12700">
+                      <a:miter lim="400000"/>
+                    </a:lnB>
+                  </a:tcPr>
+                </a:tc>
+                <a:tc>
+                  <a:txBody>
+                    <a:bodyPr/>
+                    <a:lstStyle/>
+                    <a:p>
+                      <a:pPr lvl="0" defTabSz="914400">
+                        <a:defRPr>
+                          <a:solidFill>
+                            <a:srgbClr val="000000"/>
+                          </a:solidFill>
+                        </a:defRPr>
+                      </a:pPr>
+                      <a:r>
+                        <a:rPr sz="2600">
+                          <a:solidFill>
+                            <a:srgbClr val="414141"/>
+                          </a:solidFill>
+                        </a:rPr>
+                        <a:t>715</a:t>
+                      </a:r>
+                    </a:p>
+                  </a:txBody>
+                  <a:tcPr marL="50800" marR="50800" marT="50800" marB="50800" anchor="ctr" anchorCtr="0" horzOverflow="overflow">
+                    <a:lnR w="12700">
+                      <a:miter lim="400000"/>
+                    </a:lnR>
+                    <a:lnB w="12700">
+                      <a:miter lim="400000"/>
+                    </a:lnB>
+                  </a:tcPr>
+                </a:tc>
+              </a:tr>
+            </a:tbl>
+          </a:graphicData>
+        </a:graphic>
+      </p:graphicFrame>
+      <p:sp>
+        <p:nvSpPr>
+          <p:cNvPr id="133" name="Shape 133"/>
+          <p:cNvSpPr/>
+          <p:nvPr/>
+        </p:nvSpPr>
+        <p:spPr>
+          <a:xfrm>
+            <a:off x="5734496" y="2374599"/>
+            <a:ext cx="3172273" cy="520409"/>
+          </a:xfrm>
+          <a:prstGeom prst="rect">
+            <a:avLst/>
+          </a:prstGeom>
+          <a:ln w="12700">
+            <a:miter lim="400000"/>
+          </a:ln>
+          <a:extLst>
+            <a:ext uri="{C572A759-6A51-4108-AA02-DFA0A04FC94B}">
+              <ma14:wrappingTextBoxFlag xmlns:ma14="http://schemas.microsoft.com/office/mac/drawingml/2011/main" val="1"/>
+            </a:ext>
+          </a:extLst>
+        </p:spPr>
+        <p:txBody>
+          <a:bodyPr lIns="50800" tIns="50800" rIns="50800" bIns="50800" anchor="ctr">
+            <a:spAutoFit/>
+          </a:bodyPr>
+          <a:lstStyle/>
+          <a:p>
+            <a:pPr lvl="0">
+              <a:defRPr sz="1800">
+                <a:solidFill>
+                  <a:srgbClr val="000000"/>
+                </a:solidFill>
+              </a:defRPr>
+            </a:pPr>
+            <a:r>
+              <a:rPr sz="2400">
+                <a:solidFill>
+                  <a:srgbClr val="414141"/>
+                </a:solidFill>
+              </a:rPr>
+              <a:t>실제 데이터 값</a:t>
+            </a:r>
+          </a:p>
+        </p:txBody>
+      </p:sp>
+      <p:sp>
+        <p:nvSpPr>
+          <p:cNvPr id="134" name="Shape 134"/>
+          <p:cNvSpPr/>
+          <p:nvPr/>
+        </p:nvSpPr>
+        <p:spPr>
+          <a:xfrm rot="16200000">
+            <a:off x="2712342" y="5950923"/>
+            <a:ext cx="2093716" cy="520410"/>
+          </a:xfrm>
+          <a:prstGeom prst="rect">
+            <a:avLst/>
+          </a:prstGeom>
+          <a:ln w="12700">
+            <a:miter lim="400000"/>
+          </a:ln>
+          <a:extLst>
+            <a:ext uri="{C572A759-6A51-4108-AA02-DFA0A04FC94B}">
+              <ma14:wrappingTextBoxFlag xmlns:ma14="http://schemas.microsoft.com/office/mac/drawingml/2011/main" val="1"/>
+            </a:ext>
+          </a:extLst>
+        </p:spPr>
+        <p:txBody>
+          <a:bodyPr wrap="none" lIns="50800" tIns="50800" rIns="50800" bIns="50800" anchor="ctr">
+            <a:spAutoFit/>
+          </a:bodyPr>
+          <a:lstStyle/>
+          <a:p>
+            <a:pPr lvl="0">
+              <a:defRPr sz="1800">
+                <a:solidFill>
+                  <a:srgbClr val="000000"/>
+                </a:solidFill>
+              </a:defRPr>
+            </a:pPr>
+            <a:r>
+              <a:rPr sz="2400">
+                <a:solidFill>
+                  <a:srgbClr val="414141"/>
+                </a:solidFill>
+              </a:rPr>
+              <a:t>예측 데이터 값</a:t>
+            </a:r>
+          </a:p>
+        </p:txBody>
+      </p:sp>
+    </p:spTree>
+  </p:cSld>
+  <p:clrMapOvr>
+    <a:masterClrMapping/>
+  </p:clrMapOvr>
+  <p:transition spd="med" advClick="1"/>
+</p:sld>
+</file>
+
+<file path=ppt/slides/slide25.xml><?xml version="1.0" encoding="utf-8"?>
+<p:sld xmlns:a="http://schemas.openxmlformats.org/drawingml/2006/main" xmlns:r="http://schemas.openxmlformats.org/officeDocument/2006/relationships" xmlns:p="http://schemas.openxmlformats.org/presentationml/2006/main" showMasterSp="1" showMasterPhAnim="1">
+  <p:cSld>
+    <p:spTree>
+      <p:nvGrpSpPr>
+        <p:cNvPr id="1" name=""/>
+        <p:cNvGrpSpPr/>
+        <p:nvPr/>
+      </p:nvGrpSpPr>
+      <p:grpSpPr>
+        <a:xfrm>
+          <a:off x="0" y="0"/>
+          <a:ext cx="0" cy="0"/>
+          <a:chOff x="0" y="0"/>
+          <a:chExt cx="0" cy="0"/>
+        </a:xfrm>
+      </p:grpSpPr>
+      <p:sp>
+        <p:nvSpPr>
+          <p:cNvPr id="136" name="Shape 136"/>
+          <p:cNvSpPr/>
+          <p:nvPr>
+            <p:ph type="title"/>
+          </p:nvPr>
+        </p:nvSpPr>
+        <p:spPr>
+          <a:prstGeom prst="rect">
+            <a:avLst/>
+          </a:prstGeom>
+        </p:spPr>
+        <p:txBody>
+          <a:bodyPr/>
+          <a:lstStyle/>
+          <a:p>
+            <a:pPr lvl="0" algn="l" defTabSz="578358">
+              <a:spcBef>
+                <a:spcPts val="1500"/>
+              </a:spcBef>
+              <a:defRPr sz="1800">
+                <a:solidFill>
+                  <a:srgbClr val="000000"/>
+                </a:solidFill>
+              </a:defRPr>
+            </a:pPr>
+            <a:r>
+              <a:rPr sz="6930">
+                <a:solidFill>
+                  <a:srgbClr val="D93E2B"/>
+                </a:solidFill>
+              </a:rPr>
+              <a:t>분류 방법 비교</a:t>
+            </a:r>
+            <a:r>
+              <a:rPr sz="6930">
+                <a:solidFill>
+                  <a:srgbClr val="D93E2B"/>
+                </a:solidFill>
+                <a:latin typeface="Bodoni SvtyTwo ITC TT-Bold"/>
+                <a:ea typeface="Bodoni SvtyTwo ITC TT-Bold"/>
+                <a:cs typeface="Bodoni SvtyTwo ITC TT-Bold"/>
+                <a:sym typeface="Bodoni SvtyTwo ITC TT-Bold"/>
+              </a:rPr>
+              <a:t>:</a:t>
+            </a:r>
+            <a:r>
+              <a:rPr sz="6930">
+                <a:solidFill>
+                  <a:srgbClr val="D93E2B"/>
+                </a:solidFill>
+              </a:rPr>
+              <a:t> </a:t>
+            </a:r>
+            <a:r>
+              <a:rPr sz="5940">
+                <a:solidFill>
+                  <a:srgbClr val="D93E2B"/>
+                </a:solidFill>
+                <a:latin typeface="Bodoni SvtyTwo ITC TT-BookIta"/>
+                <a:ea typeface="Bodoni SvtyTwo ITC TT-BookIta"/>
+                <a:cs typeface="Bodoni SvtyTwo ITC TT-BookIta"/>
+                <a:sym typeface="Bodoni SvtyTwo ITC TT-BookIta"/>
+              </a:rPr>
+              <a:t>QDA</a:t>
+            </a:r>
+          </a:p>
+        </p:txBody>
+      </p:sp>
+      <p:sp>
+        <p:nvSpPr>
+          <p:cNvPr id="137" name="Shape 137"/>
+          <p:cNvSpPr/>
+          <p:nvPr>
+            <p:ph type="body" idx="1"/>
+          </p:nvPr>
+        </p:nvSpPr>
+        <p:spPr>
+          <a:xfrm>
+            <a:off x="4037359" y="8183184"/>
+            <a:ext cx="5765355" cy="1072931"/>
+          </a:xfrm>
+          <a:prstGeom prst="rect">
+            <a:avLst/>
+          </a:prstGeom>
+        </p:spPr>
+        <p:txBody>
+          <a:bodyPr/>
+          <a:lstStyle/>
+          <a:p>
+            <a:pPr lvl="0">
+              <a:defRPr sz="1800">
+                <a:solidFill>
+                  <a:srgbClr val="000000"/>
+                </a:solidFill>
+              </a:defRPr>
+            </a:pPr>
+            <a:r>
+              <a:rPr sz="3600">
+                <a:solidFill>
+                  <a:srgbClr val="414141"/>
+                </a:solidFill>
+              </a:rPr>
+              <a:t>Error rate = 0.07132867</a:t>
+            </a:r>
+          </a:p>
+        </p:txBody>
+      </p:sp>
+      <p:graphicFrame>
+        <p:nvGraphicFramePr>
+          <p:cNvPr id="138" name="Table 138"/>
+          <p:cNvGraphicFramePr/>
+          <p:nvPr/>
+        </p:nvGraphicFramePr>
+        <p:xfrm>
+          <a:off x="4271516" y="3091557"/>
+          <a:ext cx="4927402" cy="5019477"/>
+        </p:xfrm>
+        <a:graphic xmlns:a="http://schemas.openxmlformats.org/drawingml/2006/main">
+          <a:graphicData uri="http://schemas.openxmlformats.org/drawingml/2006/table">
+            <a:tbl>
+              <a:tblPr firstCol="1" firstRow="1" lastCol="0" lastRow="0" bandCol="0" bandRow="0" rtl="0">
+                <a:tableStyleId>{33BA23B1-9221-436E-865A-0063620EA4FD}</a:tableStyleId>
+              </a:tblPr>
+              <a:tblGrid>
+                <a:gridCol w="1231850"/>
+                <a:gridCol w="1231850"/>
+                <a:gridCol w="1231850"/>
+                <a:gridCol w="1231850"/>
+              </a:tblGrid>
+              <a:tr h="1254869">
+                <a:tc>
+                  <a:txBody>
+                    <a:bodyPr/>
+                    <a:lstStyle/>
+                    <a:p>
+                      <a:pPr lvl="0" defTabSz="914400">
+                        <a:defRPr sz="2600"/>
+                      </a:pPr>
+                    </a:p>
+                  </a:txBody>
+                  <a:tcPr marL="50800" marR="50800" marT="50800" marB="50800" anchor="ctr" anchorCtr="0" horzOverflow="overflow"/>
+                </a:tc>
+                <a:tc>
+                  <a:txBody>
+                    <a:bodyPr/>
+                    <a:lstStyle/>
+                    <a:p>
+                      <a:pPr lvl="0" defTabSz="914400">
+                        <a:defRPr>
+                          <a:solidFill>
+                            <a:srgbClr val="000000"/>
+                          </a:solidFill>
+                        </a:defRPr>
+                      </a:pPr>
+                      <a:r>
+                        <a:rPr sz="2600">
+                          <a:solidFill>
+                            <a:srgbClr val="FFFFFF"/>
+                          </a:solidFill>
+                        </a:rPr>
+                        <a:t>NO</a:t>
+                      </a:r>
+                    </a:p>
+                  </a:txBody>
+                  <a:tcPr marL="50800" marR="50800" marT="50800" marB="50800" anchor="ctr" anchorCtr="0" horzOverflow="overflow"/>
+                </a:tc>
+                <a:tc>
+                  <a:txBody>
+                    <a:bodyPr/>
+                    <a:lstStyle/>
+                    <a:p>
+                      <a:pPr lvl="0" defTabSz="914400">
+                        <a:defRPr>
+                          <a:solidFill>
+                            <a:srgbClr val="000000"/>
+                          </a:solidFill>
+                        </a:defRPr>
+                      </a:pPr>
+                      <a:r>
+                        <a:rPr sz="2600">
+                          <a:solidFill>
+                            <a:srgbClr val="FFFFFF"/>
+                          </a:solidFill>
+                        </a:rPr>
+                        <a:t>YES</a:t>
+                      </a:r>
+                    </a:p>
+                  </a:txBody>
+                  <a:tcPr marL="50800" marR="50800" marT="50800" marB="50800" anchor="ctr" anchorCtr="0" horzOverflow="overflow"/>
+                </a:tc>
+                <a:tc>
+                  <a:txBody>
+                    <a:bodyPr/>
+                    <a:lstStyle/>
+                    <a:p>
+                      <a:pPr lvl="0" defTabSz="914400">
+                        <a:defRPr>
+                          <a:solidFill>
+                            <a:srgbClr val="000000"/>
+                          </a:solidFill>
+                        </a:defRPr>
+                      </a:pPr>
+                      <a:r>
+                        <a:rPr sz="2600">
+                          <a:solidFill>
+                            <a:srgbClr val="FFFFFF"/>
+                          </a:solidFill>
+                        </a:rPr>
+                        <a:t>Total</a:t>
+                      </a:r>
+                    </a:p>
+                  </a:txBody>
+                  <a:tcPr marL="50800" marR="50800" marT="50800" marB="50800" anchor="ctr" anchorCtr="0" horzOverflow="overflow"/>
+                </a:tc>
+              </a:tr>
+              <a:tr h="1254869">
+                <a:tc>
+                  <a:txBody>
+                    <a:bodyPr/>
+                    <a:lstStyle/>
+                    <a:p>
+                      <a:pPr lvl="0" defTabSz="914400">
+                        <a:defRPr>
+                          <a:solidFill>
+                            <a:srgbClr val="000000"/>
+                          </a:solidFill>
+                        </a:defRPr>
+                      </a:pPr>
+                      <a:r>
+                        <a:rPr sz="2600">
+                          <a:solidFill>
+                            <a:srgbClr val="FFFFFF"/>
+                          </a:solidFill>
+                        </a:rPr>
+                        <a:t>NO</a:t>
+                      </a:r>
+                    </a:p>
+                  </a:txBody>
+                  <a:tcPr marL="50800" marR="50800" marT="50800" marB="50800" anchor="ctr" anchorCtr="0" horzOverflow="overflow"/>
+                </a:tc>
+                <a:tc>
+                  <a:txBody>
+                    <a:bodyPr/>
+                    <a:lstStyle/>
+                    <a:p>
+                      <a:pPr lvl="0" defTabSz="914400">
+                        <a:defRPr>
+                          <a:solidFill>
+                            <a:srgbClr val="000000"/>
+                          </a:solidFill>
+                        </a:defRPr>
+                      </a:pPr>
+                      <a:r>
+                        <a:rPr sz="2600">
+                          <a:solidFill>
+                            <a:srgbClr val="414141"/>
+                          </a:solidFill>
+                        </a:rPr>
+                        <a:t>660</a:t>
+                      </a:r>
+                    </a:p>
+                  </a:txBody>
+                  <a:tcPr marL="50800" marR="50800" marT="50800" marB="50800" anchor="ctr" anchorCtr="0" horzOverflow="overflow"/>
+                </a:tc>
+                <a:tc>
+                  <a:txBody>
+                    <a:bodyPr/>
+                    <a:lstStyle/>
+                    <a:p>
+                      <a:pPr lvl="0" defTabSz="914400">
+                        <a:defRPr>
+                          <a:solidFill>
+                            <a:srgbClr val="000000"/>
+                          </a:solidFill>
+                        </a:defRPr>
+                      </a:pPr>
+                      <a:r>
+                        <a:rPr sz="2600">
+                          <a:solidFill>
+                            <a:srgbClr val="414141"/>
+                          </a:solidFill>
+                        </a:rPr>
+                        <a:t>10</a:t>
+                      </a:r>
+                    </a:p>
+                  </a:txBody>
+                  <a:tcPr marL="50800" marR="50800" marT="50800" marB="50800" anchor="ctr" anchorCtr="0" horzOverflow="overflow"/>
+                </a:tc>
+                <a:tc>
+                  <a:txBody>
+                    <a:bodyPr/>
+                    <a:lstStyle/>
+                    <a:p>
+                      <a:pPr lvl="0" defTabSz="914400">
+                        <a:defRPr>
+                          <a:solidFill>
+                            <a:srgbClr val="000000"/>
+                          </a:solidFill>
+                        </a:defRPr>
+                      </a:pPr>
+                      <a:r>
+                        <a:rPr sz="2600">
+                          <a:solidFill>
+                            <a:srgbClr val="414141"/>
+                          </a:solidFill>
+                        </a:rPr>
+                        <a:t>670</a:t>
+                      </a:r>
+                    </a:p>
+                  </a:txBody>
+                  <a:tcPr marL="50800" marR="50800" marT="50800" marB="50800" anchor="ctr" anchorCtr="0" horzOverflow="overflow">
+                    <a:lnR w="12700">
+                      <a:miter lim="400000"/>
+                    </a:lnR>
+                  </a:tcPr>
+                </a:tc>
+              </a:tr>
+              <a:tr h="1254869">
+                <a:tc>
+                  <a:txBody>
+                    <a:bodyPr/>
+                    <a:lstStyle/>
+                    <a:p>
+                      <a:pPr lvl="0" defTabSz="914400">
+                        <a:defRPr>
+                          <a:solidFill>
+                            <a:srgbClr val="000000"/>
+                          </a:solidFill>
+                        </a:defRPr>
+                      </a:pPr>
+                      <a:r>
+                        <a:rPr sz="2600">
+                          <a:solidFill>
+                            <a:srgbClr val="FFFFFF"/>
+                          </a:solidFill>
+                        </a:rPr>
+                        <a:t>YES</a:t>
+                      </a:r>
+                    </a:p>
+                  </a:txBody>
+                  <a:tcPr marL="50800" marR="50800" marT="50800" marB="50800" anchor="ctr" anchorCtr="0" horzOverflow="overflow"/>
+                </a:tc>
+                <a:tc>
+                  <a:txBody>
+                    <a:bodyPr/>
+                    <a:lstStyle/>
+                    <a:p>
+                      <a:pPr lvl="0" defTabSz="914400">
+                        <a:defRPr>
+                          <a:solidFill>
+                            <a:srgbClr val="000000"/>
+                          </a:solidFill>
+                        </a:defRPr>
+                      </a:pPr>
+                      <a:r>
+                        <a:rPr sz="2600">
+                          <a:solidFill>
+                            <a:srgbClr val="414141"/>
+                          </a:solidFill>
+                        </a:rPr>
+                        <a:t>41</a:t>
+                      </a:r>
+                    </a:p>
+                  </a:txBody>
+                  <a:tcPr marL="50800" marR="50800" marT="50800" marB="50800" anchor="ctr" anchorCtr="0" horzOverflow="overflow"/>
+                </a:tc>
+                <a:tc>
+                  <a:txBody>
+                    <a:bodyPr/>
+                    <a:lstStyle/>
+                    <a:p>
+                      <a:pPr lvl="0" defTabSz="914400">
+                        <a:defRPr>
+                          <a:solidFill>
+                            <a:srgbClr val="000000"/>
+                          </a:solidFill>
+                        </a:defRPr>
+                      </a:pPr>
+                      <a:r>
+                        <a:rPr sz="2600">
+                          <a:solidFill>
+                            <a:srgbClr val="414141"/>
+                          </a:solidFill>
+                        </a:rPr>
+                        <a:t>4</a:t>
+                      </a:r>
+                    </a:p>
+                  </a:txBody>
+                  <a:tcPr marL="50800" marR="50800" marT="50800" marB="50800" anchor="ctr" anchorCtr="0" horzOverflow="overflow"/>
+                </a:tc>
+                <a:tc>
+                  <a:txBody>
+                    <a:bodyPr/>
+                    <a:lstStyle/>
+                    <a:p>
+                      <a:pPr lvl="0" defTabSz="914400">
+                        <a:defRPr>
+                          <a:solidFill>
+                            <a:srgbClr val="000000"/>
+                          </a:solidFill>
+                        </a:defRPr>
+                      </a:pPr>
+                      <a:r>
+                        <a:rPr sz="2600">
+                          <a:solidFill>
+                            <a:srgbClr val="414141"/>
+                          </a:solidFill>
+                        </a:rPr>
+                        <a:t>45</a:t>
+                      </a:r>
+                    </a:p>
+                  </a:txBody>
+                  <a:tcPr marL="50800" marR="50800" marT="50800" marB="50800" anchor="ctr" anchorCtr="0" horzOverflow="overflow">
+                    <a:lnR w="12700">
+                      <a:miter lim="400000"/>
+                    </a:lnR>
+                  </a:tcPr>
+                </a:tc>
+              </a:tr>
+              <a:tr h="1254869">
+                <a:tc>
+                  <a:txBody>
+                    <a:bodyPr/>
+                    <a:lstStyle/>
+                    <a:p>
+                      <a:pPr lvl="0" defTabSz="914400">
+                        <a:defRPr>
+                          <a:solidFill>
+                            <a:srgbClr val="000000"/>
+                          </a:solidFill>
+                        </a:defRPr>
+                      </a:pPr>
+                      <a:r>
+                        <a:rPr sz="2600">
+                          <a:solidFill>
+                            <a:srgbClr val="FFFFFF"/>
+                          </a:solidFill>
+                        </a:rPr>
+                        <a:t>Total</a:t>
+                      </a:r>
+                    </a:p>
+                  </a:txBody>
+                  <a:tcPr marL="50800" marR="50800" marT="50800" marB="50800" anchor="ctr" anchorCtr="0" horzOverflow="overflow"/>
+                </a:tc>
+                <a:tc>
+                  <a:txBody>
+                    <a:bodyPr/>
+                    <a:lstStyle/>
+                    <a:p>
+                      <a:pPr lvl="0" defTabSz="914400">
+                        <a:defRPr>
+                          <a:solidFill>
+                            <a:srgbClr val="000000"/>
+                          </a:solidFill>
+                        </a:defRPr>
+                      </a:pPr>
+                      <a:r>
+                        <a:rPr sz="2600">
+                          <a:solidFill>
+                            <a:srgbClr val="414141"/>
+                          </a:solidFill>
+                        </a:rPr>
+                        <a:t>701</a:t>
+                      </a:r>
+                    </a:p>
+                  </a:txBody>
+                  <a:tcPr marL="50800" marR="50800" marT="50800" marB="50800" anchor="ctr" anchorCtr="0" horzOverflow="overflow">
+                    <a:lnB w="12700">
+                      <a:miter lim="400000"/>
+                    </a:lnB>
+                  </a:tcPr>
+                </a:tc>
+                <a:tc>
+                  <a:txBody>
+                    <a:bodyPr/>
+                    <a:lstStyle/>
+                    <a:p>
+                      <a:pPr lvl="0" defTabSz="914400">
+                        <a:defRPr>
+                          <a:solidFill>
+                            <a:srgbClr val="000000"/>
+                          </a:solidFill>
+                        </a:defRPr>
+                      </a:pPr>
+                      <a:r>
+                        <a:rPr sz="2600">
+                          <a:solidFill>
+                            <a:srgbClr val="414141"/>
+                          </a:solidFill>
+                        </a:rPr>
+                        <a:t>14</a:t>
+                      </a:r>
+                    </a:p>
+                  </a:txBody>
+                  <a:tcPr marL="50800" marR="50800" marT="50800" marB="50800" anchor="ctr" anchorCtr="0" horzOverflow="overflow">
+                    <a:lnB w="12700">
+                      <a:miter lim="400000"/>
+                    </a:lnB>
+                  </a:tcPr>
+                </a:tc>
+                <a:tc>
+                  <a:txBody>
+                    <a:bodyPr/>
+                    <a:lstStyle/>
+                    <a:p>
+                      <a:pPr lvl="0" defTabSz="914400">
+                        <a:defRPr>
+                          <a:solidFill>
+                            <a:srgbClr val="000000"/>
+                          </a:solidFill>
+                        </a:defRPr>
+                      </a:pPr>
+                      <a:r>
+                        <a:rPr sz="2600">
+                          <a:solidFill>
+                            <a:srgbClr val="414141"/>
+                          </a:solidFill>
+                        </a:rPr>
+                        <a:t>715</a:t>
+                      </a:r>
+                    </a:p>
+                  </a:txBody>
+                  <a:tcPr marL="50800" marR="50800" marT="50800" marB="50800" anchor="ctr" anchorCtr="0" horzOverflow="overflow">
+                    <a:lnR w="12700">
+                      <a:miter lim="400000"/>
+                    </a:lnR>
+                    <a:lnB w="12700">
+                      <a:miter lim="400000"/>
+                    </a:lnB>
+                  </a:tcPr>
+                </a:tc>
+              </a:tr>
+            </a:tbl>
+          </a:graphicData>
+        </a:graphic>
+      </p:graphicFrame>
+      <p:sp>
+        <p:nvSpPr>
+          <p:cNvPr id="139" name="Shape 139"/>
+          <p:cNvSpPr/>
+          <p:nvPr/>
+        </p:nvSpPr>
+        <p:spPr>
+          <a:xfrm>
+            <a:off x="5734496" y="2374599"/>
+            <a:ext cx="3172273" cy="520409"/>
+          </a:xfrm>
+          <a:prstGeom prst="rect">
+            <a:avLst/>
+          </a:prstGeom>
+          <a:ln w="12700">
+            <a:miter lim="400000"/>
+          </a:ln>
+          <a:extLst>
+            <a:ext uri="{C572A759-6A51-4108-AA02-DFA0A04FC94B}">
+              <ma14:wrappingTextBoxFlag xmlns:ma14="http://schemas.microsoft.com/office/mac/drawingml/2011/main" val="1"/>
+            </a:ext>
+          </a:extLst>
+        </p:spPr>
+        <p:txBody>
+          <a:bodyPr lIns="50800" tIns="50800" rIns="50800" bIns="50800" anchor="ctr">
+            <a:spAutoFit/>
+          </a:bodyPr>
+          <a:lstStyle/>
+          <a:p>
+            <a:pPr lvl="0">
+              <a:defRPr sz="1800">
+                <a:solidFill>
+                  <a:srgbClr val="000000"/>
+                </a:solidFill>
+              </a:defRPr>
+            </a:pPr>
+            <a:r>
+              <a:rPr sz="2400">
+                <a:solidFill>
+                  <a:srgbClr val="414141"/>
+                </a:solidFill>
+              </a:rPr>
+              <a:t>실제 데이터 값</a:t>
+            </a:r>
+          </a:p>
+        </p:txBody>
+      </p:sp>
+      <p:sp>
+        <p:nvSpPr>
+          <p:cNvPr id="140" name="Shape 140"/>
+          <p:cNvSpPr/>
+          <p:nvPr/>
+        </p:nvSpPr>
+        <p:spPr>
+          <a:xfrm rot="16200000">
+            <a:off x="2712342" y="5950923"/>
+            <a:ext cx="2093716" cy="520410"/>
+          </a:xfrm>
+          <a:prstGeom prst="rect">
+            <a:avLst/>
+          </a:prstGeom>
+          <a:ln w="12700">
+            <a:miter lim="400000"/>
+          </a:ln>
+          <a:extLst>
+            <a:ext uri="{C572A759-6A51-4108-AA02-DFA0A04FC94B}">
+              <ma14:wrappingTextBoxFlag xmlns:ma14="http://schemas.microsoft.com/office/mac/drawingml/2011/main" val="1"/>
+            </a:ext>
+          </a:extLst>
+        </p:spPr>
+        <p:txBody>
+          <a:bodyPr wrap="none" lIns="50800" tIns="50800" rIns="50800" bIns="50800" anchor="ctr">
+            <a:spAutoFit/>
+          </a:bodyPr>
+          <a:lstStyle/>
+          <a:p>
+            <a:pPr lvl="0">
+              <a:defRPr sz="1800">
+                <a:solidFill>
+                  <a:srgbClr val="000000"/>
+                </a:solidFill>
+              </a:defRPr>
+            </a:pPr>
+            <a:r>
+              <a:rPr sz="2400">
+                <a:solidFill>
+                  <a:srgbClr val="414141"/>
+                </a:solidFill>
+              </a:rPr>
+              <a:t>예측 데이터 값</a:t>
+            </a:r>
+          </a:p>
+        </p:txBody>
+      </p:sp>
+    </p:spTree>
+  </p:cSld>
+  <p:clrMapOvr>
+    <a:masterClrMapping/>
+  </p:clrMapOvr>
+  <p:transition spd="med" advClick="1"/>
+</p:sld>
+</file>
+
+<file path=ppt/slides/slide26.xml><?xml version="1.0" encoding="utf-8"?>
+<p:sld xmlns:a="http://schemas.openxmlformats.org/drawingml/2006/main" xmlns:r="http://schemas.openxmlformats.org/officeDocument/2006/relationships" xmlns:p="http://schemas.openxmlformats.org/presentationml/2006/main" showMasterSp="1" showMasterPhAnim="1">
+  <p:cSld>
+    <p:spTree>
+      <p:nvGrpSpPr>
+        <p:cNvPr id="1" name=""/>
+        <p:cNvGrpSpPr/>
+        <p:nvPr/>
+      </p:nvGrpSpPr>
+      <p:grpSpPr>
+        <a:xfrm>
+          <a:off x="0" y="0"/>
+          <a:ext cx="0" cy="0"/>
+          <a:chOff x="0" y="0"/>
+          <a:chExt cx="0" cy="0"/>
+        </a:xfrm>
+      </p:grpSpPr>
+      <p:sp>
+        <p:nvSpPr>
+          <p:cNvPr id="142" name="Shape 142"/>
+          <p:cNvSpPr/>
+          <p:nvPr>
+            <p:ph type="title"/>
+          </p:nvPr>
+        </p:nvSpPr>
+        <p:spPr>
+          <a:prstGeom prst="rect">
+            <a:avLst/>
+          </a:prstGeom>
+        </p:spPr>
+        <p:txBody>
+          <a:bodyPr/>
+          <a:lstStyle/>
+          <a:p>
+            <a:pPr lvl="0" algn="l" defTabSz="578358">
+              <a:spcBef>
+                <a:spcPts val="1500"/>
+              </a:spcBef>
+              <a:defRPr sz="1800">
+                <a:solidFill>
+                  <a:srgbClr val="000000"/>
+                </a:solidFill>
+              </a:defRPr>
+            </a:pPr>
+            <a:r>
+              <a:rPr sz="6930">
+                <a:solidFill>
+                  <a:srgbClr val="D93E2B"/>
+                </a:solidFill>
+              </a:rPr>
+              <a:t>분류 방법 비교</a:t>
+            </a:r>
+            <a:r>
+              <a:rPr sz="6930">
+                <a:solidFill>
+                  <a:srgbClr val="D93E2B"/>
+                </a:solidFill>
+                <a:latin typeface="Bodoni SvtyTwo ITC TT-Bold"/>
+                <a:ea typeface="Bodoni SvtyTwo ITC TT-Bold"/>
+                <a:cs typeface="Bodoni SvtyTwo ITC TT-Bold"/>
+                <a:sym typeface="Bodoni SvtyTwo ITC TT-Bold"/>
+              </a:rPr>
+              <a:t>:</a:t>
+            </a:r>
+            <a:r>
+              <a:rPr sz="6930">
+                <a:solidFill>
+                  <a:srgbClr val="D93E2B"/>
+                </a:solidFill>
+              </a:rPr>
+              <a:t> </a:t>
+            </a:r>
+            <a:r>
+              <a:rPr sz="5940">
+                <a:solidFill>
+                  <a:srgbClr val="D93E2B"/>
+                </a:solidFill>
+                <a:latin typeface="Bodoni SvtyTwo ITC TT-BookIta"/>
+                <a:ea typeface="Bodoni SvtyTwo ITC TT-BookIta"/>
+                <a:cs typeface="Bodoni SvtyTwo ITC TT-BookIta"/>
+                <a:sym typeface="Bodoni SvtyTwo ITC TT-BookIta"/>
+              </a:rPr>
+              <a:t>KNN</a:t>
+            </a:r>
+          </a:p>
+        </p:txBody>
+      </p:sp>
+      <p:pic>
+        <p:nvPicPr>
+          <p:cNvPr id="143" name="image10.png"/>
           <p:cNvPicPr/>
           <p:nvPr/>
         </p:nvPicPr>
@@ -7616,7 +10716,7 @@
       </p:pic>
       <p:pic>
         <p:nvPicPr>
-          <p:cNvPr id="119" name="image9.png"/>
+          <p:cNvPr id="144" name="image9.png"/>
           <p:cNvPicPr/>
           <p:nvPr/>
         </p:nvPicPr>
@@ -7650,7 +10750,7 @@
 </p:sld>
 </file>
 
-<file path=ppt/slides/slide21.xml><?xml version="1.0" encoding="utf-8"?>
+<file path=ppt/slides/slide27.xml><?xml version="1.0" encoding="utf-8"?>
 <p:sld xmlns:a="http://schemas.openxmlformats.org/drawingml/2006/main" xmlns:r="http://schemas.openxmlformats.org/officeDocument/2006/relationships" xmlns:p="http://schemas.openxmlformats.org/presentationml/2006/main" showMasterSp="1" showMasterPhAnim="1">
   <p:cSld>
     <p:spTree>
@@ -7669,7 +10769,7 @@
       </p:grpSpPr>
       <p:sp>
         <p:nvSpPr>
-          <p:cNvPr id="121" name="Shape 121"/>
+          <p:cNvPr id="146" name="Shape 146"/>
           <p:cNvSpPr/>
           <p:nvPr>
             <p:ph type="title"/>
@@ -7739,7 +10839,7 @@
       </p:sp>
       <p:sp>
         <p:nvSpPr>
-          <p:cNvPr id="122" name="Shape 122"/>
+          <p:cNvPr id="147" name="Shape 147"/>
           <p:cNvSpPr/>
           <p:nvPr>
             <p:ph type="body" idx="1"/>
@@ -7778,7 +10878,7 @@
       </p:sp>
       <p:graphicFrame>
         <p:nvGraphicFramePr>
-          <p:cNvPr id="123" name="Table 123"/>
+          <p:cNvPr id="148" name="Table 148"/>
           <p:cNvGraphicFramePr/>
           <p:nvPr/>
         </p:nvGraphicFramePr>
@@ -8207,7 +11307,7 @@
       </p:graphicFrame>
       <p:sp>
         <p:nvSpPr>
-          <p:cNvPr id="124" name="Shape 124"/>
+          <p:cNvPr id="149" name="Shape 149"/>
           <p:cNvSpPr/>
           <p:nvPr/>
         </p:nvSpPr>
@@ -8254,7 +11354,7 @@
       </p:sp>
       <p:sp>
         <p:nvSpPr>
-          <p:cNvPr id="125" name="Shape 125"/>
+          <p:cNvPr id="150" name="Shape 150"/>
           <p:cNvSpPr/>
           <p:nvPr/>
         </p:nvSpPr>
@@ -8308,7 +11408,7 @@
 </p:sld>
 </file>
 
-<file path=ppt/slides/slide22.xml><?xml version="1.0" encoding="utf-8"?>
+<file path=ppt/slides/slide28.xml><?xml version="1.0" encoding="utf-8"?>
 <p:sld xmlns:a="http://schemas.openxmlformats.org/drawingml/2006/main" xmlns:r="http://schemas.openxmlformats.org/officeDocument/2006/relationships" xmlns:p="http://schemas.openxmlformats.org/presentationml/2006/main" showMasterSp="1" showMasterPhAnim="1">
   <p:cSld>
     <p:spTree>
@@ -8327,7 +11427,7 @@
       </p:grpSpPr>
       <p:sp>
         <p:nvSpPr>
-          <p:cNvPr id="127" name="Shape 127"/>
+          <p:cNvPr id="152" name="Shape 152"/>
           <p:cNvSpPr/>
           <p:nvPr>
             <p:ph type="title"/>
@@ -8397,7 +11497,7 @@
       </p:sp>
       <p:graphicFrame>
         <p:nvGraphicFramePr>
-          <p:cNvPr id="128" name="Table 128"/>
+          <p:cNvPr id="153" name="Table 153"/>
           <p:cNvGraphicFramePr/>
           <p:nvPr/>
         </p:nvGraphicFramePr>
@@ -8723,7 +11823,7 @@
       </p:graphicFrame>
       <p:sp>
         <p:nvSpPr>
-          <p:cNvPr id="129" name="Shape 129"/>
+          <p:cNvPr id="154" name="Shape 154"/>
           <p:cNvSpPr/>
           <p:nvPr>
             <p:ph type="body" idx="1"/>

--- a/presentation.pptx
+++ b/presentation.pptx
@@ -36,6 +36,7 @@
     <p:sldId id="281" r:id="rId33"/>
     <p:sldId id="282" r:id="rId34"/>
     <p:sldId id="283" r:id="rId35"/>
+    <p:sldId id="284" r:id="rId36"/>
   </p:sldIdLst>
   <p:sldSz cx="13004800" cy="9753600"/>
   <p:notesSz cx="6858000" cy="9144000"/>
@@ -7532,7 +7533,7 @@
                   <a:srgbClr val="D93E2B"/>
                 </a:solidFill>
               </a:rPr>
-              <a:t>분류 방법 비교</a:t>
+              <a:t>Bootstrap</a:t>
             </a:r>
           </a:p>
         </p:txBody>
@@ -7541,14 +7542,127 @@
         <p:nvSpPr>
           <p:cNvPr id="113" name="Shape 113"/>
           <p:cNvSpPr/>
+          <p:nvPr/>
+        </p:nvSpPr>
+        <p:spPr>
+          <a:xfrm>
+            <a:off x="401960" y="6819899"/>
+            <a:ext cx="8794552" cy="1727201"/>
+          </a:xfrm>
+          <a:prstGeom prst="rect">
+            <a:avLst/>
+          </a:prstGeom>
+          <a:ln w="12700">
+            <a:miter lim="400000"/>
+          </a:ln>
+          <a:extLst>
+            <a:ext uri="{C572A759-6A51-4108-AA02-DFA0A04FC94B}">
+              <ma14:wrappingTextBoxFlag xmlns:ma14="http://schemas.microsoft.com/office/mac/drawingml/2011/main" val="1"/>
+            </a:ext>
+          </a:extLst>
+        </p:spPr>
+        <p:txBody>
+          <a:bodyPr lIns="50800" tIns="50800" rIns="50800" bIns="50800" anchor="ctr">
+            <a:spAutoFit/>
+          </a:bodyPr>
+          <a:lstStyle/>
+          <a:p>
+            <a:pPr lvl="0">
+              <a:defRPr sz="1800">
+                <a:solidFill>
+                  <a:srgbClr val="000000"/>
+                </a:solidFill>
+              </a:defRPr>
+            </a:pPr>
+            <a:r>
+              <a:rPr sz="2400">
+                <a:solidFill>
+                  <a:srgbClr val="414141"/>
+                </a:solidFill>
+              </a:rPr>
+              <a:t>         original        bias     std. error</a:t>
+            </a:r>
+            <a:endParaRPr sz="2400">
+              <a:solidFill>
+                <a:srgbClr val="414141"/>
+              </a:solidFill>
+            </a:endParaRPr>
+          </a:p>
+          <a:p>
+            <a:pPr lvl="0">
+              <a:defRPr sz="1800">
+                <a:solidFill>
+                  <a:srgbClr val="000000"/>
+                </a:solidFill>
+              </a:defRPr>
+            </a:pPr>
+            <a:r>
+              <a:rPr sz="2400">
+                <a:solidFill>
+                  <a:srgbClr val="414141"/>
+                </a:solidFill>
+              </a:rPr>
+              <a:t>t1* -3.149042e+00 -2.176324e+13 1.538894e+14</a:t>
+            </a:r>
+            <a:endParaRPr sz="2400">
+              <a:solidFill>
+                <a:srgbClr val="414141"/>
+              </a:solidFill>
+            </a:endParaRPr>
+          </a:p>
+          <a:p>
+            <a:pPr lvl="0">
+              <a:defRPr sz="1800">
+                <a:solidFill>
+                  <a:srgbClr val="000000"/>
+                </a:solidFill>
+              </a:defRPr>
+            </a:pPr>
+            <a:r>
+              <a:rPr sz="2400">
+                <a:solidFill>
+                  <a:srgbClr val="414141"/>
+                </a:solidFill>
+              </a:rPr>
+              <a:t>t2* -2.618635e-01 -9.641534e+09 6.817594e+10</a:t>
+            </a:r>
+            <a:endParaRPr sz="2400">
+              <a:solidFill>
+                <a:srgbClr val="414141"/>
+              </a:solidFill>
+            </a:endParaRPr>
+          </a:p>
+          <a:p>
+            <a:pPr lvl="0">
+              <a:defRPr sz="1800">
+                <a:solidFill>
+                  <a:srgbClr val="000000"/>
+                </a:solidFill>
+              </a:defRPr>
+            </a:pPr>
+            <a:r>
+              <a:rPr sz="2400">
+                <a:solidFill>
+                  <a:srgbClr val="414141"/>
+                </a:solidFill>
+              </a:rPr>
+              <a:t>t3* -9.300784e-06 -6.317561e+07 4.467190e+08</a:t>
+            </a:r>
+          </a:p>
+        </p:txBody>
+      </p:sp>
+      <p:sp>
+        <p:nvSpPr>
+          <p:cNvPr id="114" name="Shape 114"/>
+          <p:cNvSpPr/>
           <p:nvPr>
             <p:ph type="body" idx="1"/>
           </p:nvPr>
         </p:nvSpPr>
         <p:spPr>
           <a:xfrm>
-            <a:off x="520700" y="2178050"/>
-            <a:ext cx="11988800" cy="2740025"/>
+            <a:off x="508000" y="2628900"/>
+            <a:ext cx="11988800" cy="4539953"/>
           </a:xfrm>
           <a:prstGeom prst="rect">
             <a:avLst/>
@@ -7571,716 +7685,11 @@
                   <a:srgbClr val="414141"/>
                 </a:solidFill>
               </a:rPr>
-              <a:t>변수 선택 방법으로 선택된 최종 모델을 이용</a:t>
-            </a:r>
-            <a:endParaRPr sz="3600">
-              <a:solidFill>
-                <a:srgbClr val="414141"/>
-              </a:solidFill>
-            </a:endParaRPr>
-          </a:p>
-          <a:p>
-            <a:pPr lvl="0">
-              <a:defRPr sz="1800">
-                <a:solidFill>
-                  <a:srgbClr val="000000"/>
-                </a:solidFill>
-              </a:defRPr>
-            </a:pPr>
-            <a:r>
-              <a:rPr sz="3600">
-                <a:solidFill>
-                  <a:srgbClr val="414141"/>
-                </a:solidFill>
-              </a:rPr>
-              <a:t>Logistic regression, LDA, QDA, KNN 분류 방법 비교</a:t>
+              <a:t>Formula: BANKRUPTCY ~ DEBT_COST+ RETURN_EQUITY</a:t>
             </a:r>
           </a:p>
         </p:txBody>
       </p:sp>
-      <p:graphicFrame>
-        <p:nvGraphicFramePr>
-          <p:cNvPr id="114" name="Table 114"/>
-          <p:cNvGraphicFramePr/>
-          <p:nvPr/>
-        </p:nvGraphicFramePr>
-        <p:xfrm>
-          <a:off x="1943100" y="4584700"/>
-          <a:ext cx="9044236" cy="4517827"/>
-        </p:xfrm>
-        <a:graphic xmlns:a="http://schemas.openxmlformats.org/drawingml/2006/main">
-          <a:graphicData uri="http://schemas.openxmlformats.org/drawingml/2006/table">
-            <a:tbl>
-              <a:tblPr firstCol="0" firstRow="1" lastCol="0" lastRow="0" bandCol="0" bandRow="0" rtl="0">
-                <a:tableStyleId>{33BA23B1-9221-436E-865A-0063620EA4FD}</a:tableStyleId>
-              </a:tblPr>
-              <a:tblGrid>
-                <a:gridCol w="3014745"/>
-                <a:gridCol w="3014745"/>
-                <a:gridCol w="3014745"/>
-              </a:tblGrid>
-              <a:tr h="564728">
-                <a:tc>
-                  <a:txBody>
-                    <a:bodyPr/>
-                    <a:lstStyle/>
-                    <a:p>
-                      <a:pPr lvl="0" defTabSz="914400">
-                        <a:defRPr>
-                          <a:solidFill>
-                            <a:srgbClr val="000000"/>
-                          </a:solidFill>
-                        </a:defRPr>
-                      </a:pPr>
-                      <a:r>
-                        <a:rPr sz="2200">
-                          <a:solidFill>
-                            <a:srgbClr val="FFFFFF"/>
-                          </a:solidFill>
-                        </a:rPr>
-                        <a:t>변수 이름</a:t>
-                      </a:r>
-                    </a:p>
-                  </a:txBody>
-                  <a:tcPr marL="50800" marR="50800" marT="50800" marB="50800" anchor="ctr" anchorCtr="0" horzOverflow="overflow"/>
-                </a:tc>
-                <a:tc>
-                  <a:txBody>
-                    <a:bodyPr/>
-                    <a:lstStyle/>
-                    <a:p>
-                      <a:pPr lvl="0" defTabSz="914400">
-                        <a:defRPr>
-                          <a:solidFill>
-                            <a:srgbClr val="000000"/>
-                          </a:solidFill>
-                        </a:defRPr>
-                      </a:pPr>
-                      <a:r>
-                        <a:rPr sz="2200">
-                          <a:solidFill>
-                            <a:srgbClr val="FFFFFF"/>
-                          </a:solidFill>
-                        </a:rPr>
-                        <a:t>범위</a:t>
-                      </a:r>
-                    </a:p>
-                  </a:txBody>
-                  <a:tcPr marL="50800" marR="50800" marT="50800" marB="50800" anchor="ctr" anchorCtr="0" horzOverflow="overflow"/>
-                </a:tc>
-                <a:tc>
-                  <a:txBody>
-                    <a:bodyPr/>
-                    <a:lstStyle/>
-                    <a:p>
-                      <a:pPr lvl="0" defTabSz="914400">
-                        <a:defRPr>
-                          <a:solidFill>
-                            <a:srgbClr val="000000"/>
-                          </a:solidFill>
-                        </a:defRPr>
-                      </a:pPr>
-                      <a:r>
-                        <a:rPr sz="2600">
-                          <a:solidFill>
-                            <a:srgbClr val="FFFFFF"/>
-                          </a:solidFill>
-                        </a:rPr>
-                        <a:t>설명</a:t>
-                      </a:r>
-                    </a:p>
-                  </a:txBody>
-                  <a:tcPr marL="50800" marR="50800" marT="50800" marB="50800" anchor="ctr" anchorCtr="0" horzOverflow="overflow"/>
-                </a:tc>
-              </a:tr>
-              <a:tr h="564728">
-                <a:tc>
-                  <a:txBody>
-                    <a:bodyPr/>
-                    <a:lstStyle/>
-                    <a:p>
-                      <a:pPr lvl="0" defTabSz="914400">
-                        <a:defRPr>
-                          <a:solidFill>
-                            <a:srgbClr val="000000"/>
-                          </a:solidFill>
-                        </a:defRPr>
-                      </a:pPr>
-                      <a:r>
-                        <a:rPr sz="2200">
-                          <a:solidFill>
-                            <a:srgbClr val="414141"/>
-                          </a:solidFill>
-                        </a:rPr>
-                        <a:t>SIZE</a:t>
-                      </a:r>
-                    </a:p>
-                  </a:txBody>
-                  <a:tcPr marL="50800" marR="50800" marT="50800" marB="50800" anchor="ctr" anchorCtr="0" horzOverflow="overflow">
-                    <a:lnL w="12700">
-                      <a:miter lim="400000"/>
-                    </a:lnL>
-                  </a:tcPr>
-                </a:tc>
-                <a:tc>
-                  <a:txBody>
-                    <a:bodyPr/>
-                    <a:lstStyle/>
-                    <a:p>
-                      <a:pPr lvl="0" defTabSz="914400">
-                        <a:defRPr>
-                          <a:solidFill>
-                            <a:srgbClr val="000000"/>
-                          </a:solidFill>
-                        </a:defRPr>
-                      </a:pPr>
-                      <a:r>
-                        <a:rPr sz="2200">
-                          <a:solidFill>
-                            <a:srgbClr val="414141"/>
-                          </a:solidFill>
-                        </a:rPr>
-                        <a:t>small, medium, big</a:t>
-                      </a:r>
-                    </a:p>
-                  </a:txBody>
-                  <a:tcPr marL="50800" marR="50800" marT="50800" marB="50800" anchor="ctr" anchorCtr="0" horzOverflow="overflow"/>
-                </a:tc>
-                <a:tc>
-                  <a:txBody>
-                    <a:bodyPr/>
-                    <a:lstStyle/>
-                    <a:p>
-                      <a:pPr lvl="0" defTabSz="914400">
-                        <a:defRPr>
-                          <a:solidFill>
-                            <a:srgbClr val="000000"/>
-                          </a:solidFill>
-                        </a:defRPr>
-                      </a:pPr>
-                      <a:r>
-                        <a:rPr sz="2600">
-                          <a:solidFill>
-                            <a:srgbClr val="414141"/>
-                          </a:solidFill>
-                        </a:rPr>
-                        <a:t>기업의 크기</a:t>
-                      </a:r>
-                    </a:p>
-                  </a:txBody>
-                  <a:tcPr marL="50800" marR="50800" marT="50800" marB="50800" anchor="ctr" anchorCtr="0" horzOverflow="overflow">
-                    <a:lnR w="12700">
-                      <a:miter lim="400000"/>
-                    </a:lnR>
-                  </a:tcPr>
-                </a:tc>
-              </a:tr>
-              <a:tr h="564728">
-                <a:tc>
-                  <a:txBody>
-                    <a:bodyPr/>
-                    <a:lstStyle/>
-                    <a:p>
-                      <a:pPr lvl="0" defTabSz="914400">
-                        <a:defRPr>
-                          <a:solidFill>
-                            <a:srgbClr val="000000"/>
-                          </a:solidFill>
-                        </a:defRPr>
-                      </a:pPr>
-                      <a:r>
-                        <a:rPr sz="2200">
-                          <a:solidFill>
-                            <a:srgbClr val="414141"/>
-                          </a:solidFill>
-                        </a:rPr>
-                        <a:t>DEBT_COST</a:t>
-                      </a:r>
-                    </a:p>
-                  </a:txBody>
-                  <a:tcPr marL="50800" marR="50800" marT="50800" marB="50800" anchor="ctr" anchorCtr="0" horzOverflow="overflow">
-                    <a:lnL w="12700">
-                      <a:miter lim="400000"/>
-                    </a:lnL>
-                  </a:tcPr>
-                </a:tc>
-                <a:tc>
-                  <a:txBody>
-                    <a:bodyPr/>
-                    <a:lstStyle/>
-                    <a:p>
-                      <a:pPr lvl="0" defTabSz="914400">
-                        <a:defRPr>
-                          <a:solidFill>
-                            <a:srgbClr val="000000"/>
-                          </a:solidFill>
-                        </a:defRPr>
-                      </a:pPr>
-                      <a:r>
-                        <a:rPr sz="2200">
-                          <a:solidFill>
-                            <a:srgbClr val="414141"/>
-                          </a:solidFill>
-                        </a:rPr>
-                        <a:t>-0.87~8151.25</a:t>
-                      </a:r>
-                    </a:p>
-                  </a:txBody>
-                  <a:tcPr marL="50800" marR="50800" marT="50800" marB="50800" anchor="ctr" anchorCtr="0" horzOverflow="overflow"/>
-                </a:tc>
-                <a:tc>
-                  <a:txBody>
-                    <a:bodyPr/>
-                    <a:lstStyle/>
-                    <a:p>
-                      <a:pPr lvl="0" defTabSz="914400">
-                        <a:defRPr>
-                          <a:solidFill>
-                            <a:srgbClr val="000000"/>
-                          </a:solidFill>
-                        </a:defRPr>
-                      </a:pPr>
-                      <a:r>
-                        <a:rPr sz="2600">
-                          <a:solidFill>
-                            <a:srgbClr val="414141"/>
-                          </a:solidFill>
-                        </a:rPr>
-                        <a:t>부채 비용</a:t>
-                      </a:r>
-                    </a:p>
-                  </a:txBody>
-                  <a:tcPr marL="50800" marR="50800" marT="50800" marB="50800" anchor="ctr" anchorCtr="0" horzOverflow="overflow">
-                    <a:lnR w="12700">
-                      <a:miter lim="400000"/>
-                    </a:lnR>
-                  </a:tcPr>
-                </a:tc>
-              </a:tr>
-              <a:tr h="564728">
-                <a:tc>
-                  <a:txBody>
-                    <a:bodyPr/>
-                    <a:lstStyle/>
-                    <a:p>
-                      <a:pPr lvl="0" defTabSz="914400">
-                        <a:defRPr>
-                          <a:solidFill>
-                            <a:srgbClr val="000000"/>
-                          </a:solidFill>
-                        </a:defRPr>
-                      </a:pPr>
-                      <a:r>
-                        <a:rPr sz="2200">
-                          <a:solidFill>
-                            <a:srgbClr val="414141"/>
-                          </a:solidFill>
-                        </a:rPr>
-                        <a:t>RETURN_EQUITY</a:t>
-                      </a:r>
-                    </a:p>
-                  </a:txBody>
-                  <a:tcPr marL="50800" marR="50800" marT="50800" marB="50800" anchor="ctr" anchorCtr="0" horzOverflow="overflow">
-                    <a:lnL w="12700">
-                      <a:miter lim="400000"/>
-                    </a:lnL>
-                  </a:tcPr>
-                </a:tc>
-                <a:tc>
-                  <a:txBody>
-                    <a:bodyPr/>
-                    <a:lstStyle/>
-                    <a:p>
-                      <a:pPr lvl="0" defTabSz="914400">
-                        <a:defRPr>
-                          <a:solidFill>
-                            <a:srgbClr val="000000"/>
-                          </a:solidFill>
-                        </a:defRPr>
-                      </a:pPr>
-                      <a:r>
-                        <a:rPr sz="2200">
-                          <a:solidFill>
-                            <a:srgbClr val="414141"/>
-                          </a:solidFill>
-                        </a:rPr>
-                        <a:t>-1825426 ~ 9349.018</a:t>
-                      </a:r>
-                    </a:p>
-                  </a:txBody>
-                  <a:tcPr marL="50800" marR="50800" marT="50800" marB="50800" anchor="ctr" anchorCtr="0" horzOverflow="overflow"/>
-                </a:tc>
-                <a:tc>
-                  <a:txBody>
-                    <a:bodyPr/>
-                    <a:lstStyle/>
-                    <a:p>
-                      <a:pPr lvl="0" defTabSz="914400">
-                        <a:defRPr>
-                          <a:solidFill>
-                            <a:srgbClr val="000000"/>
-                          </a:solidFill>
-                        </a:defRPr>
-                      </a:pPr>
-                      <a:r>
-                        <a:rPr sz="2600">
-                          <a:solidFill>
-                            <a:srgbClr val="414141"/>
-                          </a:solidFill>
-                        </a:rPr>
-                        <a:t>자기자본이익률</a:t>
-                      </a:r>
-                    </a:p>
-                  </a:txBody>
-                  <a:tcPr marL="50800" marR="50800" marT="50800" marB="50800" anchor="ctr" anchorCtr="0" horzOverflow="overflow">
-                    <a:lnR w="12700">
-                      <a:miter lim="400000"/>
-                    </a:lnR>
-                  </a:tcPr>
-                </a:tc>
-              </a:tr>
-              <a:tr h="564728">
-                <a:tc>
-                  <a:txBody>
-                    <a:bodyPr/>
-                    <a:lstStyle/>
-                    <a:p>
-                      <a:pPr lvl="0" defTabSz="914400">
-                        <a:defRPr>
-                          <a:solidFill>
-                            <a:srgbClr val="000000"/>
-                          </a:solidFill>
-                        </a:defRPr>
-                      </a:pPr>
-                      <a:r>
-                        <a:rPr sz="2200">
-                          <a:solidFill>
-                            <a:srgbClr val="414141"/>
-                          </a:solidFill>
-                        </a:rPr>
-                        <a:t>RETURN_ASSETS</a:t>
-                      </a:r>
-                    </a:p>
-                  </a:txBody>
-                  <a:tcPr marL="50800" marR="50800" marT="50800" marB="50800" anchor="ctr" anchorCtr="0" horzOverflow="overflow">
-                    <a:lnL w="12700">
-                      <a:miter lim="400000"/>
-                    </a:lnL>
-                  </a:tcPr>
-                </a:tc>
-                <a:tc>
-                  <a:txBody>
-                    <a:bodyPr/>
-                    <a:lstStyle/>
-                    <a:p>
-                      <a:pPr lvl="0" defTabSz="914400">
-                        <a:defRPr>
-                          <a:solidFill>
-                            <a:srgbClr val="000000"/>
-                          </a:solidFill>
-                        </a:defRPr>
-                      </a:pPr>
-                      <a:r>
-                        <a:rPr>
-                          <a:solidFill>
-                            <a:srgbClr val="414141"/>
-                          </a:solidFill>
-                        </a:rPr>
-                        <a:t>-481.07 ~ 711.22</a:t>
-                      </a:r>
-                    </a:p>
-                  </a:txBody>
-                  <a:tcPr marL="50800" marR="50800" marT="50800" marB="50800" anchor="ctr" anchorCtr="0" horzOverflow="overflow"/>
-                </a:tc>
-                <a:tc>
-                  <a:txBody>
-                    <a:bodyPr/>
-                    <a:lstStyle/>
-                    <a:p>
-                      <a:pPr lvl="0" defTabSz="914400">
-                        <a:defRPr>
-                          <a:solidFill>
-                            <a:srgbClr val="000000"/>
-                          </a:solidFill>
-                        </a:defRPr>
-                      </a:pPr>
-                      <a:r>
-                        <a:rPr sz="2600">
-                          <a:solidFill>
-                            <a:srgbClr val="414141"/>
-                          </a:solidFill>
-                        </a:rPr>
-                        <a:t>총자산순이익률</a:t>
-                      </a:r>
-                    </a:p>
-                  </a:txBody>
-                  <a:tcPr marL="50800" marR="50800" marT="50800" marB="50800" anchor="ctr" anchorCtr="0" horzOverflow="overflow">
-                    <a:lnR w="12700">
-                      <a:miter lim="400000"/>
-                    </a:lnR>
-                  </a:tcPr>
-                </a:tc>
-              </a:tr>
-              <a:tr h="564728">
-                <a:tc>
-                  <a:txBody>
-                    <a:bodyPr/>
-                    <a:lstStyle/>
-                    <a:p>
-                      <a:pPr lvl="0" defTabSz="914400">
-                        <a:defRPr>
-                          <a:solidFill>
-                            <a:srgbClr val="000000"/>
-                          </a:solidFill>
-                        </a:defRPr>
-                      </a:pPr>
-                      <a:r>
-                        <a:rPr sz="1100">
-                          <a:solidFill>
-                            <a:srgbClr val="414141"/>
-                          </a:solidFill>
-                        </a:rPr>
-                        <a:t>NUMBER_JUDICIAL_INCIDENCES_YEAR</a:t>
-                      </a:r>
-                    </a:p>
-                  </a:txBody>
-                  <a:tcPr marL="50800" marR="50800" marT="50800" marB="50800" anchor="ctr" anchorCtr="0" horzOverflow="overflow">
-                    <a:lnL w="12700">
-                      <a:miter lim="400000"/>
-                    </a:lnL>
-                  </a:tcPr>
-                </a:tc>
-                <a:tc>
-                  <a:txBody>
-                    <a:bodyPr/>
-                    <a:lstStyle/>
-                    <a:p>
-                      <a:pPr lvl="0" defTabSz="914400">
-                        <a:defRPr>
-                          <a:solidFill>
-                            <a:srgbClr val="000000"/>
-                          </a:solidFill>
-                        </a:defRPr>
-                      </a:pPr>
-                      <a:r>
-                        <a:rPr sz="2200">
-                          <a:solidFill>
-                            <a:srgbClr val="414141"/>
-                          </a:solidFill>
-                        </a:rPr>
-                        <a:t>0 ~ 1</a:t>
-                      </a:r>
-                    </a:p>
-                  </a:txBody>
-                  <a:tcPr marL="50800" marR="50800" marT="50800" marB="50800" anchor="ctr" anchorCtr="0" horzOverflow="overflow"/>
-                </a:tc>
-                <a:tc>
-                  <a:txBody>
-                    <a:bodyPr/>
-                    <a:lstStyle/>
-                    <a:p>
-                      <a:pPr lvl="0" defTabSz="914400">
-                        <a:defRPr>
-                          <a:solidFill>
-                            <a:srgbClr val="000000"/>
-                          </a:solidFill>
-                        </a:defRPr>
-                      </a:pPr>
-                      <a:r>
-                        <a:rPr sz="2600">
-                          <a:solidFill>
-                            <a:srgbClr val="414141"/>
-                          </a:solidFill>
-                        </a:rPr>
-                        <a:t>법적 분쟁 발생 수</a:t>
-                      </a:r>
-                    </a:p>
-                  </a:txBody>
-                  <a:tcPr marL="50800" marR="50800" marT="50800" marB="50800" anchor="ctr" anchorCtr="0" horzOverflow="overflow">
-                    <a:lnR w="12700">
-                      <a:miter lim="400000"/>
-                    </a:lnR>
-                  </a:tcPr>
-                </a:tc>
-              </a:tr>
-              <a:tr h="564728">
-                <a:tc>
-                  <a:txBody>
-                    <a:bodyPr/>
-                    <a:lstStyle/>
-                    <a:p>
-                      <a:pPr lvl="0" defTabSz="914400">
-                        <a:defRPr>
-                          <a:solidFill>
-                            <a:srgbClr val="000000"/>
-                          </a:solidFill>
-                        </a:defRPr>
-                      </a:pPr>
-                      <a:r>
-                        <a:rPr sz="1100">
-                          <a:solidFill>
-                            <a:srgbClr val="414141"/>
-                          </a:solidFill>
-                        </a:rPr>
-                        <a:t>SPENT_JUDICAL_INCIDENCES_TOTAL</a:t>
-                      </a:r>
-                    </a:p>
-                  </a:txBody>
-                  <a:tcPr marL="50800" marR="50800" marT="50800" marB="50800" anchor="ctr" anchorCtr="0" horzOverflow="overflow">
-                    <a:lnL w="12700">
-                      <a:miter lim="400000"/>
-                    </a:lnL>
-                  </a:tcPr>
-                </a:tc>
-                <a:tc>
-                  <a:txBody>
-                    <a:bodyPr/>
-                    <a:lstStyle/>
-                    <a:p>
-                      <a:pPr lvl="0" defTabSz="914400">
-                        <a:defRPr>
-                          <a:solidFill>
-                            <a:srgbClr val="000000"/>
-                          </a:solidFill>
-                        </a:defRPr>
-                      </a:pPr>
-                      <a:r>
-                        <a:rPr sz="2200">
-                          <a:solidFill>
-                            <a:srgbClr val="414141"/>
-                          </a:solidFill>
-                        </a:rPr>
-                        <a:t>0 ~ 448342.4</a:t>
-                      </a:r>
-                    </a:p>
-                  </a:txBody>
-                  <a:tcPr marL="50800" marR="50800" marT="50800" marB="50800" anchor="ctr" anchorCtr="0" horzOverflow="overflow"/>
-                </a:tc>
-                <a:tc>
-                  <a:txBody>
-                    <a:bodyPr/>
-                    <a:lstStyle/>
-                    <a:p>
-                      <a:pPr lvl="0" defTabSz="914400">
-                        <a:defRPr>
-                          <a:solidFill>
-                            <a:srgbClr val="000000"/>
-                          </a:solidFill>
-                        </a:defRPr>
-                      </a:pPr>
-                      <a:r>
-                        <a:rPr sz="2600">
-                          <a:solidFill>
-                            <a:srgbClr val="414141"/>
-                          </a:solidFill>
-                        </a:rPr>
-                        <a:t>법적 분쟁 부담 비용</a:t>
-                      </a:r>
-                    </a:p>
-                  </a:txBody>
-                  <a:tcPr marL="50800" marR="50800" marT="50800" marB="50800" anchor="ctr" anchorCtr="0" horzOverflow="overflow">
-                    <a:lnR w="12700">
-                      <a:miter lim="400000"/>
-                    </a:lnR>
-                  </a:tcPr>
-                </a:tc>
-              </a:tr>
-              <a:tr h="564728">
-                <a:tc>
-                  <a:txBody>
-                    <a:bodyPr/>
-                    <a:lstStyle/>
-                    <a:p>
-                      <a:pPr lvl="0" defTabSz="914400">
-                        <a:defRPr>
-                          <a:solidFill>
-                            <a:srgbClr val="000000"/>
-                          </a:solidFill>
-                        </a:defRPr>
-                      </a:pPr>
-                      <a:r>
-                        <a:rPr sz="2200">
-                          <a:solidFill>
-                            <a:srgbClr val="414141"/>
-                          </a:solidFill>
-                        </a:rPr>
-                        <a:t>AUDITED</a:t>
-                      </a:r>
-                    </a:p>
-                  </a:txBody>
-                  <a:tcPr marL="50800" marR="50800" marT="50800" marB="50800" anchor="ctr" anchorCtr="0" horzOverflow="overflow">
-                    <a:lnL w="12700">
-                      <a:miter lim="400000"/>
-                    </a:lnL>
-                    <a:lnB w="12700">
-                      <a:miter lim="400000"/>
-                    </a:lnB>
-                  </a:tcPr>
-                </a:tc>
-                <a:tc>
-                  <a:txBody>
-                    <a:bodyPr/>
-                    <a:lstStyle/>
-                    <a:p>
-                      <a:pPr lvl="0" defTabSz="914400">
-                        <a:defRPr>
-                          <a:solidFill>
-                            <a:srgbClr val="000000"/>
-                          </a:solidFill>
-                        </a:defRPr>
-                      </a:pPr>
-                      <a:r>
-                        <a:rPr sz="2200">
-                          <a:solidFill>
-                            <a:srgbClr val="414141"/>
-                          </a:solidFill>
-                        </a:rPr>
-                        <a:t>no, yes</a:t>
-                      </a:r>
-                    </a:p>
-                  </a:txBody>
-                  <a:tcPr marL="50800" marR="50800" marT="50800" marB="50800" anchor="ctr" anchorCtr="0" horzOverflow="overflow">
-                    <a:lnB w="12700">
-                      <a:miter lim="400000"/>
-                    </a:lnB>
-                  </a:tcPr>
-                </a:tc>
-                <a:tc>
-                  <a:txBody>
-                    <a:bodyPr/>
-                    <a:lstStyle/>
-                    <a:p>
-                      <a:pPr lvl="0" defTabSz="914400">
-                        <a:defRPr>
-                          <a:solidFill>
-                            <a:srgbClr val="000000"/>
-                          </a:solidFill>
-                        </a:defRPr>
-                      </a:pPr>
-                      <a:r>
-                        <a:rPr sz="2600">
-                          <a:solidFill>
-                            <a:srgbClr val="414141"/>
-                          </a:solidFill>
-                        </a:rPr>
-                        <a:t>감사 여부</a:t>
-                      </a:r>
-                    </a:p>
-                  </a:txBody>
-                  <a:tcPr marL="50800" marR="50800" marT="50800" marB="50800" anchor="ctr" anchorCtr="0" horzOverflow="overflow">
-                    <a:lnR w="12700">
-                      <a:miter lim="400000"/>
-                    </a:lnR>
-                    <a:lnB w="12700">
-                      <a:miter lim="400000"/>
-                    </a:lnB>
-                  </a:tcPr>
-                </a:tc>
-              </a:tr>
-            </a:tbl>
-          </a:graphicData>
-        </a:graphic>
-      </p:graphicFrame>
     </p:spTree>
   </p:cSld>
   <p:clrMapOvr>
@@ -8322,57 +7731,31 @@
         </p:spPr>
         <p:txBody>
           <a:bodyPr/>
-          <a:lstStyle/>
-          <a:p>
-            <a:pPr lvl="0" algn="l" defTabSz="578358">
-              <a:spcBef>
-                <a:spcPts val="1500"/>
-              </a:spcBef>
-              <a:defRPr sz="1800">
-                <a:solidFill>
-                  <a:srgbClr val="000000"/>
-                </a:solidFill>
-              </a:defRPr>
-            </a:pPr>
-            <a:r>
-              <a:rPr sz="6930">
-                <a:solidFill>
-                  <a:srgbClr val="D93E2B"/>
-                </a:solidFill>
-              </a:rPr>
-              <a:t>분류 방법 비교</a:t>
-            </a:r>
-            <a:r>
-              <a:rPr sz="6930">
-                <a:solidFill>
-                  <a:srgbClr val="D93E2B"/>
-                </a:solidFill>
+          <a:lstStyle>
+            <a:lvl1pPr>
+              <a:defRPr>
                 <a:latin typeface="Bodoni SvtyTwo ITC TT-Bold"/>
                 <a:ea typeface="Bodoni SvtyTwo ITC TT-Bold"/>
                 <a:cs typeface="Bodoni SvtyTwo ITC TT-Bold"/>
                 <a:sym typeface="Bodoni SvtyTwo ITC TT-Bold"/>
-              </a:rPr>
-              <a:t>:</a:t>
-            </a:r>
-            <a:r>
-              <a:rPr sz="6930">
+              </a:defRPr>
+            </a:lvl1pPr>
+          </a:lstStyle>
+          <a:p>
+            <a:pPr lvl="0">
+              <a:defRPr sz="1800">
+                <a:solidFill>
+                  <a:srgbClr val="000000"/>
+                </a:solidFill>
+              </a:defRPr>
+            </a:pPr>
+            <a:r>
+              <a:rPr sz="7000">
                 <a:solidFill>
                   <a:srgbClr val="D93E2B"/>
                 </a:solidFill>
               </a:rPr>
-              <a:t> </a:t>
-            </a:r>
-            <a:r>
-              <a:rPr sz="5940">
-                <a:solidFill>
-                  <a:srgbClr val="D93E2B"/>
-                </a:solidFill>
-                <a:latin typeface="Bodoni SvtyTwo ITC TT-BookIta"/>
-                <a:ea typeface="Bodoni SvtyTwo ITC TT-BookIta"/>
-                <a:cs typeface="Bodoni SvtyTwo ITC TT-BookIta"/>
-                <a:sym typeface="Bodoni SvtyTwo ITC TT-BookIta"/>
-              </a:rPr>
-              <a:t>데이터셋 설정</a:t>
+              <a:t>분류 방법 비교</a:t>
             </a:r>
           </a:p>
         </p:txBody>
@@ -8387,8 +7770,8 @@
         </p:nvSpPr>
         <p:spPr>
           <a:xfrm>
-            <a:off x="508000" y="2628900"/>
-            <a:ext cx="11988800" cy="2111375"/>
+            <a:off x="520700" y="2178050"/>
+            <a:ext cx="11988800" cy="2740025"/>
           </a:xfrm>
           <a:prstGeom prst="rect">
             <a:avLst/>
@@ -8396,11 +7779,7 @@
         </p:spPr>
         <p:txBody>
           <a:bodyPr/>
-          <a:lstStyle>
-            <a:lvl1pPr marL="443794" indent="-443794">
-              <a:defRPr sz="3400"/>
-            </a:lvl1pPr>
-          </a:lstStyle>
+          <a:lstStyle/>
           <a:p>
             <a:pPr lvl="0">
               <a:defRPr sz="1800">
@@ -8410,43 +7789,721 @@
               </a:defRPr>
             </a:pPr>
             <a:r>
-              <a:rPr sz="3400">
+              <a:rPr sz="3600">
                 <a:solidFill>
                   <a:srgbClr val="414141"/>
                 </a:solidFill>
               </a:rPr>
-              <a:t>랜덤으로 Training dataset과 Test dataset을 7:3비율로 설정</a:t>
+              <a:t>변수 선택 방법으로 선택된 최종 모델을 이용</a:t>
+            </a:r>
+            <a:endParaRPr sz="3600">
+              <a:solidFill>
+                <a:srgbClr val="414141"/>
+              </a:solidFill>
+            </a:endParaRPr>
+          </a:p>
+          <a:p>
+            <a:pPr lvl="0">
+              <a:defRPr sz="1800">
+                <a:solidFill>
+                  <a:srgbClr val="000000"/>
+                </a:solidFill>
+              </a:defRPr>
+            </a:pPr>
+            <a:r>
+              <a:rPr sz="3600">
+                <a:solidFill>
+                  <a:srgbClr val="414141"/>
+                </a:solidFill>
+              </a:rPr>
+              <a:t>Logistic regression, LDA, QDA, KNN 분류 방법 비교</a:t>
             </a:r>
           </a:p>
         </p:txBody>
       </p:sp>
-      <p:pic>
-        <p:nvPicPr>
-          <p:cNvPr id="118" name="image4.png"/>
-          <p:cNvPicPr/>
+      <p:graphicFrame>
+        <p:nvGraphicFramePr>
+          <p:cNvPr id="118" name="Table 118"/>
+          <p:cNvGraphicFramePr/>
           <p:nvPr/>
-        </p:nvPicPr>
-        <p:blipFill>
-          <a:blip r:embed="rId2">
-            <a:extLst/>
-          </a:blip>
-          <a:stretch>
-            <a:fillRect/>
-          </a:stretch>
-        </p:blipFill>
-        <p:spPr>
-          <a:xfrm>
-            <a:off x="853591" y="5349874"/>
-            <a:ext cx="11043955" cy="1936475"/>
-          </a:xfrm>
-          <a:prstGeom prst="rect">
-            <a:avLst/>
-          </a:prstGeom>
-          <a:ln w="12700">
-            <a:miter lim="400000"/>
-          </a:ln>
-        </p:spPr>
-      </p:pic>
+        </p:nvGraphicFramePr>
+        <p:xfrm>
+          <a:off x="1943100" y="4584700"/>
+          <a:ext cx="9044236" cy="4517827"/>
+        </p:xfrm>
+        <a:graphic xmlns:a="http://schemas.openxmlformats.org/drawingml/2006/main">
+          <a:graphicData uri="http://schemas.openxmlformats.org/drawingml/2006/table">
+            <a:tbl>
+              <a:tblPr firstCol="0" firstRow="1" lastCol="0" lastRow="0" bandCol="0" bandRow="0" rtl="0">
+                <a:tableStyleId>{33BA23B1-9221-436E-865A-0063620EA4FD}</a:tableStyleId>
+              </a:tblPr>
+              <a:tblGrid>
+                <a:gridCol w="3014745"/>
+                <a:gridCol w="3014745"/>
+                <a:gridCol w="3014745"/>
+              </a:tblGrid>
+              <a:tr h="564728">
+                <a:tc>
+                  <a:txBody>
+                    <a:bodyPr/>
+                    <a:lstStyle/>
+                    <a:p>
+                      <a:pPr lvl="0" defTabSz="914400">
+                        <a:defRPr>
+                          <a:solidFill>
+                            <a:srgbClr val="000000"/>
+                          </a:solidFill>
+                        </a:defRPr>
+                      </a:pPr>
+                      <a:r>
+                        <a:rPr sz="2200">
+                          <a:solidFill>
+                            <a:srgbClr val="FFFFFF"/>
+                          </a:solidFill>
+                        </a:rPr>
+                        <a:t>변수 이름</a:t>
+                      </a:r>
+                    </a:p>
+                  </a:txBody>
+                  <a:tcPr marL="50800" marR="50800" marT="50800" marB="50800" anchor="ctr" anchorCtr="0" horzOverflow="overflow"/>
+                </a:tc>
+                <a:tc>
+                  <a:txBody>
+                    <a:bodyPr/>
+                    <a:lstStyle/>
+                    <a:p>
+                      <a:pPr lvl="0" defTabSz="914400">
+                        <a:defRPr>
+                          <a:solidFill>
+                            <a:srgbClr val="000000"/>
+                          </a:solidFill>
+                        </a:defRPr>
+                      </a:pPr>
+                      <a:r>
+                        <a:rPr sz="2200">
+                          <a:solidFill>
+                            <a:srgbClr val="FFFFFF"/>
+                          </a:solidFill>
+                        </a:rPr>
+                        <a:t>범위</a:t>
+                      </a:r>
+                    </a:p>
+                  </a:txBody>
+                  <a:tcPr marL="50800" marR="50800" marT="50800" marB="50800" anchor="ctr" anchorCtr="0" horzOverflow="overflow"/>
+                </a:tc>
+                <a:tc>
+                  <a:txBody>
+                    <a:bodyPr/>
+                    <a:lstStyle/>
+                    <a:p>
+                      <a:pPr lvl="0" defTabSz="914400">
+                        <a:defRPr>
+                          <a:solidFill>
+                            <a:srgbClr val="000000"/>
+                          </a:solidFill>
+                        </a:defRPr>
+                      </a:pPr>
+                      <a:r>
+                        <a:rPr sz="2600">
+                          <a:solidFill>
+                            <a:srgbClr val="FFFFFF"/>
+                          </a:solidFill>
+                        </a:rPr>
+                        <a:t>설명</a:t>
+                      </a:r>
+                    </a:p>
+                  </a:txBody>
+                  <a:tcPr marL="50800" marR="50800" marT="50800" marB="50800" anchor="ctr" anchorCtr="0" horzOverflow="overflow"/>
+                </a:tc>
+              </a:tr>
+              <a:tr h="564728">
+                <a:tc>
+                  <a:txBody>
+                    <a:bodyPr/>
+                    <a:lstStyle/>
+                    <a:p>
+                      <a:pPr lvl="0" defTabSz="914400">
+                        <a:defRPr>
+                          <a:solidFill>
+                            <a:srgbClr val="000000"/>
+                          </a:solidFill>
+                        </a:defRPr>
+                      </a:pPr>
+                      <a:r>
+                        <a:rPr sz="2200">
+                          <a:solidFill>
+                            <a:srgbClr val="414141"/>
+                          </a:solidFill>
+                        </a:rPr>
+                        <a:t>SIZE</a:t>
+                      </a:r>
+                    </a:p>
+                  </a:txBody>
+                  <a:tcPr marL="50800" marR="50800" marT="50800" marB="50800" anchor="ctr" anchorCtr="0" horzOverflow="overflow">
+                    <a:lnL w="12700">
+                      <a:miter lim="400000"/>
+                    </a:lnL>
+                  </a:tcPr>
+                </a:tc>
+                <a:tc>
+                  <a:txBody>
+                    <a:bodyPr/>
+                    <a:lstStyle/>
+                    <a:p>
+                      <a:pPr lvl="0" defTabSz="914400">
+                        <a:defRPr>
+                          <a:solidFill>
+                            <a:srgbClr val="000000"/>
+                          </a:solidFill>
+                        </a:defRPr>
+                      </a:pPr>
+                      <a:r>
+                        <a:rPr sz="2200">
+                          <a:solidFill>
+                            <a:srgbClr val="414141"/>
+                          </a:solidFill>
+                        </a:rPr>
+                        <a:t>small, medium, big</a:t>
+                      </a:r>
+                    </a:p>
+                  </a:txBody>
+                  <a:tcPr marL="50800" marR="50800" marT="50800" marB="50800" anchor="ctr" anchorCtr="0" horzOverflow="overflow"/>
+                </a:tc>
+                <a:tc>
+                  <a:txBody>
+                    <a:bodyPr/>
+                    <a:lstStyle/>
+                    <a:p>
+                      <a:pPr lvl="0" defTabSz="914400">
+                        <a:defRPr>
+                          <a:solidFill>
+                            <a:srgbClr val="000000"/>
+                          </a:solidFill>
+                        </a:defRPr>
+                      </a:pPr>
+                      <a:r>
+                        <a:rPr sz="2600">
+                          <a:solidFill>
+                            <a:srgbClr val="414141"/>
+                          </a:solidFill>
+                        </a:rPr>
+                        <a:t>기업의 크기</a:t>
+                      </a:r>
+                    </a:p>
+                  </a:txBody>
+                  <a:tcPr marL="50800" marR="50800" marT="50800" marB="50800" anchor="ctr" anchorCtr="0" horzOverflow="overflow">
+                    <a:lnR w="12700">
+                      <a:miter lim="400000"/>
+                    </a:lnR>
+                  </a:tcPr>
+                </a:tc>
+              </a:tr>
+              <a:tr h="564728">
+                <a:tc>
+                  <a:txBody>
+                    <a:bodyPr/>
+                    <a:lstStyle/>
+                    <a:p>
+                      <a:pPr lvl="0" defTabSz="914400">
+                        <a:defRPr>
+                          <a:solidFill>
+                            <a:srgbClr val="000000"/>
+                          </a:solidFill>
+                        </a:defRPr>
+                      </a:pPr>
+                      <a:r>
+                        <a:rPr sz="2200">
+                          <a:solidFill>
+                            <a:srgbClr val="414141"/>
+                          </a:solidFill>
+                        </a:rPr>
+                        <a:t>DEBT_COST</a:t>
+                      </a:r>
+                    </a:p>
+                  </a:txBody>
+                  <a:tcPr marL="50800" marR="50800" marT="50800" marB="50800" anchor="ctr" anchorCtr="0" horzOverflow="overflow">
+                    <a:lnL w="12700">
+                      <a:miter lim="400000"/>
+                    </a:lnL>
+                  </a:tcPr>
+                </a:tc>
+                <a:tc>
+                  <a:txBody>
+                    <a:bodyPr/>
+                    <a:lstStyle/>
+                    <a:p>
+                      <a:pPr lvl="0" defTabSz="914400">
+                        <a:defRPr>
+                          <a:solidFill>
+                            <a:srgbClr val="000000"/>
+                          </a:solidFill>
+                        </a:defRPr>
+                      </a:pPr>
+                      <a:r>
+                        <a:rPr sz="2200">
+                          <a:solidFill>
+                            <a:srgbClr val="414141"/>
+                          </a:solidFill>
+                        </a:rPr>
+                        <a:t>-0.87~8151.25</a:t>
+                      </a:r>
+                    </a:p>
+                  </a:txBody>
+                  <a:tcPr marL="50800" marR="50800" marT="50800" marB="50800" anchor="ctr" anchorCtr="0" horzOverflow="overflow"/>
+                </a:tc>
+                <a:tc>
+                  <a:txBody>
+                    <a:bodyPr/>
+                    <a:lstStyle/>
+                    <a:p>
+                      <a:pPr lvl="0" defTabSz="914400">
+                        <a:defRPr>
+                          <a:solidFill>
+                            <a:srgbClr val="000000"/>
+                          </a:solidFill>
+                        </a:defRPr>
+                      </a:pPr>
+                      <a:r>
+                        <a:rPr sz="2600">
+                          <a:solidFill>
+                            <a:srgbClr val="414141"/>
+                          </a:solidFill>
+                        </a:rPr>
+                        <a:t>부채 비용</a:t>
+                      </a:r>
+                    </a:p>
+                  </a:txBody>
+                  <a:tcPr marL="50800" marR="50800" marT="50800" marB="50800" anchor="ctr" anchorCtr="0" horzOverflow="overflow">
+                    <a:lnR w="12700">
+                      <a:miter lim="400000"/>
+                    </a:lnR>
+                  </a:tcPr>
+                </a:tc>
+              </a:tr>
+              <a:tr h="564728">
+                <a:tc>
+                  <a:txBody>
+                    <a:bodyPr/>
+                    <a:lstStyle/>
+                    <a:p>
+                      <a:pPr lvl="0" defTabSz="914400">
+                        <a:defRPr>
+                          <a:solidFill>
+                            <a:srgbClr val="000000"/>
+                          </a:solidFill>
+                        </a:defRPr>
+                      </a:pPr>
+                      <a:r>
+                        <a:rPr sz="2200">
+                          <a:solidFill>
+                            <a:srgbClr val="414141"/>
+                          </a:solidFill>
+                        </a:rPr>
+                        <a:t>RETURN_EQUITY</a:t>
+                      </a:r>
+                    </a:p>
+                  </a:txBody>
+                  <a:tcPr marL="50800" marR="50800" marT="50800" marB="50800" anchor="ctr" anchorCtr="0" horzOverflow="overflow">
+                    <a:lnL w="12700">
+                      <a:miter lim="400000"/>
+                    </a:lnL>
+                  </a:tcPr>
+                </a:tc>
+                <a:tc>
+                  <a:txBody>
+                    <a:bodyPr/>
+                    <a:lstStyle/>
+                    <a:p>
+                      <a:pPr lvl="0" defTabSz="914400">
+                        <a:defRPr>
+                          <a:solidFill>
+                            <a:srgbClr val="000000"/>
+                          </a:solidFill>
+                        </a:defRPr>
+                      </a:pPr>
+                      <a:r>
+                        <a:rPr sz="2200">
+                          <a:solidFill>
+                            <a:srgbClr val="414141"/>
+                          </a:solidFill>
+                        </a:rPr>
+                        <a:t>-1825426 ~ 9349.018</a:t>
+                      </a:r>
+                    </a:p>
+                  </a:txBody>
+                  <a:tcPr marL="50800" marR="50800" marT="50800" marB="50800" anchor="ctr" anchorCtr="0" horzOverflow="overflow"/>
+                </a:tc>
+                <a:tc>
+                  <a:txBody>
+                    <a:bodyPr/>
+                    <a:lstStyle/>
+                    <a:p>
+                      <a:pPr lvl="0" defTabSz="914400">
+                        <a:defRPr>
+                          <a:solidFill>
+                            <a:srgbClr val="000000"/>
+                          </a:solidFill>
+                        </a:defRPr>
+                      </a:pPr>
+                      <a:r>
+                        <a:rPr sz="2600">
+                          <a:solidFill>
+                            <a:srgbClr val="414141"/>
+                          </a:solidFill>
+                        </a:rPr>
+                        <a:t>자기자본이익률</a:t>
+                      </a:r>
+                    </a:p>
+                  </a:txBody>
+                  <a:tcPr marL="50800" marR="50800" marT="50800" marB="50800" anchor="ctr" anchorCtr="0" horzOverflow="overflow">
+                    <a:lnR w="12700">
+                      <a:miter lim="400000"/>
+                    </a:lnR>
+                  </a:tcPr>
+                </a:tc>
+              </a:tr>
+              <a:tr h="564728">
+                <a:tc>
+                  <a:txBody>
+                    <a:bodyPr/>
+                    <a:lstStyle/>
+                    <a:p>
+                      <a:pPr lvl="0" defTabSz="914400">
+                        <a:defRPr>
+                          <a:solidFill>
+                            <a:srgbClr val="000000"/>
+                          </a:solidFill>
+                        </a:defRPr>
+                      </a:pPr>
+                      <a:r>
+                        <a:rPr sz="2200">
+                          <a:solidFill>
+                            <a:srgbClr val="414141"/>
+                          </a:solidFill>
+                        </a:rPr>
+                        <a:t>RETURN_ASSETS</a:t>
+                      </a:r>
+                    </a:p>
+                  </a:txBody>
+                  <a:tcPr marL="50800" marR="50800" marT="50800" marB="50800" anchor="ctr" anchorCtr="0" horzOverflow="overflow">
+                    <a:lnL w="12700">
+                      <a:miter lim="400000"/>
+                    </a:lnL>
+                  </a:tcPr>
+                </a:tc>
+                <a:tc>
+                  <a:txBody>
+                    <a:bodyPr/>
+                    <a:lstStyle/>
+                    <a:p>
+                      <a:pPr lvl="0" defTabSz="914400">
+                        <a:defRPr>
+                          <a:solidFill>
+                            <a:srgbClr val="000000"/>
+                          </a:solidFill>
+                        </a:defRPr>
+                      </a:pPr>
+                      <a:r>
+                        <a:rPr>
+                          <a:solidFill>
+                            <a:srgbClr val="414141"/>
+                          </a:solidFill>
+                        </a:rPr>
+                        <a:t>-481.07 ~ 711.22</a:t>
+                      </a:r>
+                    </a:p>
+                  </a:txBody>
+                  <a:tcPr marL="50800" marR="50800" marT="50800" marB="50800" anchor="ctr" anchorCtr="0" horzOverflow="overflow"/>
+                </a:tc>
+                <a:tc>
+                  <a:txBody>
+                    <a:bodyPr/>
+                    <a:lstStyle/>
+                    <a:p>
+                      <a:pPr lvl="0" defTabSz="914400">
+                        <a:defRPr>
+                          <a:solidFill>
+                            <a:srgbClr val="000000"/>
+                          </a:solidFill>
+                        </a:defRPr>
+                      </a:pPr>
+                      <a:r>
+                        <a:rPr sz="2600">
+                          <a:solidFill>
+                            <a:srgbClr val="414141"/>
+                          </a:solidFill>
+                        </a:rPr>
+                        <a:t>총자산순이익률</a:t>
+                      </a:r>
+                    </a:p>
+                  </a:txBody>
+                  <a:tcPr marL="50800" marR="50800" marT="50800" marB="50800" anchor="ctr" anchorCtr="0" horzOverflow="overflow">
+                    <a:lnR w="12700">
+                      <a:miter lim="400000"/>
+                    </a:lnR>
+                  </a:tcPr>
+                </a:tc>
+              </a:tr>
+              <a:tr h="564728">
+                <a:tc>
+                  <a:txBody>
+                    <a:bodyPr/>
+                    <a:lstStyle/>
+                    <a:p>
+                      <a:pPr lvl="0" defTabSz="914400">
+                        <a:defRPr>
+                          <a:solidFill>
+                            <a:srgbClr val="000000"/>
+                          </a:solidFill>
+                        </a:defRPr>
+                      </a:pPr>
+                      <a:r>
+                        <a:rPr sz="1100">
+                          <a:solidFill>
+                            <a:srgbClr val="414141"/>
+                          </a:solidFill>
+                        </a:rPr>
+                        <a:t>NUMBER_JUDICIAL_INCIDENCES_YEAR</a:t>
+                      </a:r>
+                    </a:p>
+                  </a:txBody>
+                  <a:tcPr marL="50800" marR="50800" marT="50800" marB="50800" anchor="ctr" anchorCtr="0" horzOverflow="overflow">
+                    <a:lnL w="12700">
+                      <a:miter lim="400000"/>
+                    </a:lnL>
+                  </a:tcPr>
+                </a:tc>
+                <a:tc>
+                  <a:txBody>
+                    <a:bodyPr/>
+                    <a:lstStyle/>
+                    <a:p>
+                      <a:pPr lvl="0" defTabSz="914400">
+                        <a:defRPr>
+                          <a:solidFill>
+                            <a:srgbClr val="000000"/>
+                          </a:solidFill>
+                        </a:defRPr>
+                      </a:pPr>
+                      <a:r>
+                        <a:rPr sz="2200">
+                          <a:solidFill>
+                            <a:srgbClr val="414141"/>
+                          </a:solidFill>
+                        </a:rPr>
+                        <a:t>0 ~ 1</a:t>
+                      </a:r>
+                    </a:p>
+                  </a:txBody>
+                  <a:tcPr marL="50800" marR="50800" marT="50800" marB="50800" anchor="ctr" anchorCtr="0" horzOverflow="overflow"/>
+                </a:tc>
+                <a:tc>
+                  <a:txBody>
+                    <a:bodyPr/>
+                    <a:lstStyle/>
+                    <a:p>
+                      <a:pPr lvl="0" defTabSz="914400">
+                        <a:defRPr>
+                          <a:solidFill>
+                            <a:srgbClr val="000000"/>
+                          </a:solidFill>
+                        </a:defRPr>
+                      </a:pPr>
+                      <a:r>
+                        <a:rPr sz="2600">
+                          <a:solidFill>
+                            <a:srgbClr val="414141"/>
+                          </a:solidFill>
+                        </a:rPr>
+                        <a:t>법적 분쟁 발생 수</a:t>
+                      </a:r>
+                    </a:p>
+                  </a:txBody>
+                  <a:tcPr marL="50800" marR="50800" marT="50800" marB="50800" anchor="ctr" anchorCtr="0" horzOverflow="overflow">
+                    <a:lnR w="12700">
+                      <a:miter lim="400000"/>
+                    </a:lnR>
+                  </a:tcPr>
+                </a:tc>
+              </a:tr>
+              <a:tr h="564728">
+                <a:tc>
+                  <a:txBody>
+                    <a:bodyPr/>
+                    <a:lstStyle/>
+                    <a:p>
+                      <a:pPr lvl="0" defTabSz="914400">
+                        <a:defRPr>
+                          <a:solidFill>
+                            <a:srgbClr val="000000"/>
+                          </a:solidFill>
+                        </a:defRPr>
+                      </a:pPr>
+                      <a:r>
+                        <a:rPr sz="1100">
+                          <a:solidFill>
+                            <a:srgbClr val="414141"/>
+                          </a:solidFill>
+                        </a:rPr>
+                        <a:t>SPENT_JUDICAL_INCIDENCES_TOTAL</a:t>
+                      </a:r>
+                    </a:p>
+                  </a:txBody>
+                  <a:tcPr marL="50800" marR="50800" marT="50800" marB="50800" anchor="ctr" anchorCtr="0" horzOverflow="overflow">
+                    <a:lnL w="12700">
+                      <a:miter lim="400000"/>
+                    </a:lnL>
+                  </a:tcPr>
+                </a:tc>
+                <a:tc>
+                  <a:txBody>
+                    <a:bodyPr/>
+                    <a:lstStyle/>
+                    <a:p>
+                      <a:pPr lvl="0" defTabSz="914400">
+                        <a:defRPr>
+                          <a:solidFill>
+                            <a:srgbClr val="000000"/>
+                          </a:solidFill>
+                        </a:defRPr>
+                      </a:pPr>
+                      <a:r>
+                        <a:rPr sz="2200">
+                          <a:solidFill>
+                            <a:srgbClr val="414141"/>
+                          </a:solidFill>
+                        </a:rPr>
+                        <a:t>0 ~ 448342.4</a:t>
+                      </a:r>
+                    </a:p>
+                  </a:txBody>
+                  <a:tcPr marL="50800" marR="50800" marT="50800" marB="50800" anchor="ctr" anchorCtr="0" horzOverflow="overflow"/>
+                </a:tc>
+                <a:tc>
+                  <a:txBody>
+                    <a:bodyPr/>
+                    <a:lstStyle/>
+                    <a:p>
+                      <a:pPr lvl="0" defTabSz="914400">
+                        <a:defRPr>
+                          <a:solidFill>
+                            <a:srgbClr val="000000"/>
+                          </a:solidFill>
+                        </a:defRPr>
+                      </a:pPr>
+                      <a:r>
+                        <a:rPr sz="2600">
+                          <a:solidFill>
+                            <a:srgbClr val="414141"/>
+                          </a:solidFill>
+                        </a:rPr>
+                        <a:t>법적 분쟁 부담 비용</a:t>
+                      </a:r>
+                    </a:p>
+                  </a:txBody>
+                  <a:tcPr marL="50800" marR="50800" marT="50800" marB="50800" anchor="ctr" anchorCtr="0" horzOverflow="overflow">
+                    <a:lnR w="12700">
+                      <a:miter lim="400000"/>
+                    </a:lnR>
+                  </a:tcPr>
+                </a:tc>
+              </a:tr>
+              <a:tr h="564728">
+                <a:tc>
+                  <a:txBody>
+                    <a:bodyPr/>
+                    <a:lstStyle/>
+                    <a:p>
+                      <a:pPr lvl="0" defTabSz="914400">
+                        <a:defRPr>
+                          <a:solidFill>
+                            <a:srgbClr val="000000"/>
+                          </a:solidFill>
+                        </a:defRPr>
+                      </a:pPr>
+                      <a:r>
+                        <a:rPr sz="2200">
+                          <a:solidFill>
+                            <a:srgbClr val="414141"/>
+                          </a:solidFill>
+                        </a:rPr>
+                        <a:t>AUDITED</a:t>
+                      </a:r>
+                    </a:p>
+                  </a:txBody>
+                  <a:tcPr marL="50800" marR="50800" marT="50800" marB="50800" anchor="ctr" anchorCtr="0" horzOverflow="overflow">
+                    <a:lnL w="12700">
+                      <a:miter lim="400000"/>
+                    </a:lnL>
+                    <a:lnB w="12700">
+                      <a:miter lim="400000"/>
+                    </a:lnB>
+                  </a:tcPr>
+                </a:tc>
+                <a:tc>
+                  <a:txBody>
+                    <a:bodyPr/>
+                    <a:lstStyle/>
+                    <a:p>
+                      <a:pPr lvl="0" defTabSz="914400">
+                        <a:defRPr>
+                          <a:solidFill>
+                            <a:srgbClr val="000000"/>
+                          </a:solidFill>
+                        </a:defRPr>
+                      </a:pPr>
+                      <a:r>
+                        <a:rPr sz="2200">
+                          <a:solidFill>
+                            <a:srgbClr val="414141"/>
+                          </a:solidFill>
+                        </a:rPr>
+                        <a:t>no, yes</a:t>
+                      </a:r>
+                    </a:p>
+                  </a:txBody>
+                  <a:tcPr marL="50800" marR="50800" marT="50800" marB="50800" anchor="ctr" anchorCtr="0" horzOverflow="overflow">
+                    <a:lnB w="12700">
+                      <a:miter lim="400000"/>
+                    </a:lnB>
+                  </a:tcPr>
+                </a:tc>
+                <a:tc>
+                  <a:txBody>
+                    <a:bodyPr/>
+                    <a:lstStyle/>
+                    <a:p>
+                      <a:pPr lvl="0" defTabSz="914400">
+                        <a:defRPr>
+                          <a:solidFill>
+                            <a:srgbClr val="000000"/>
+                          </a:solidFill>
+                        </a:defRPr>
+                      </a:pPr>
+                      <a:r>
+                        <a:rPr sz="2600">
+                          <a:solidFill>
+                            <a:srgbClr val="414141"/>
+                          </a:solidFill>
+                        </a:rPr>
+                        <a:t>감사 여부</a:t>
+                      </a:r>
+                    </a:p>
+                  </a:txBody>
+                  <a:tcPr marL="50800" marR="50800" marT="50800" marB="50800" anchor="ctr" anchorCtr="0" horzOverflow="overflow">
+                    <a:lnR w="12700">
+                      <a:miter lim="400000"/>
+                    </a:lnR>
+                    <a:lnB w="12700">
+                      <a:miter lim="400000"/>
+                    </a:lnB>
+                  </a:tcPr>
+                </a:tc>
+              </a:tr>
+            </a:tbl>
+          </a:graphicData>
+        </a:graphic>
+      </p:graphicFrame>
     </p:spTree>
   </p:cSld>
   <p:clrMapOvr>
@@ -8538,14 +8595,57 @@
                 <a:cs typeface="Bodoni SvtyTwo ITC TT-BookIta"/>
                 <a:sym typeface="Bodoni SvtyTwo ITC TT-BookIta"/>
               </a:rPr>
-              <a:t>Logistic Regression</a:t>
+              <a:t>데이터셋 설정</a:t>
+            </a:r>
+          </a:p>
+        </p:txBody>
+      </p:sp>
+      <p:sp>
+        <p:nvSpPr>
+          <p:cNvPr id="121" name="Shape 121"/>
+          <p:cNvSpPr/>
+          <p:nvPr>
+            <p:ph type="body" idx="1"/>
+          </p:nvPr>
+        </p:nvSpPr>
+        <p:spPr>
+          <a:xfrm>
+            <a:off x="508000" y="2628900"/>
+            <a:ext cx="11988800" cy="2111375"/>
+          </a:xfrm>
+          <a:prstGeom prst="rect">
+            <a:avLst/>
+          </a:prstGeom>
+        </p:spPr>
+        <p:txBody>
+          <a:bodyPr/>
+          <a:lstStyle>
+            <a:lvl1pPr marL="443794" indent="-443794">
+              <a:defRPr sz="3400"/>
+            </a:lvl1pPr>
+          </a:lstStyle>
+          <a:p>
+            <a:pPr lvl="0">
+              <a:defRPr sz="1800">
+                <a:solidFill>
+                  <a:srgbClr val="000000"/>
+                </a:solidFill>
+              </a:defRPr>
+            </a:pPr>
+            <a:r>
+              <a:rPr sz="3400">
+                <a:solidFill>
+                  <a:srgbClr val="414141"/>
+                </a:solidFill>
+              </a:rPr>
+              <a:t>랜덤으로 Training dataset과 Test dataset을 7:3비율로 설정</a:t>
             </a:r>
           </a:p>
         </p:txBody>
       </p:sp>
       <p:pic>
         <p:nvPicPr>
-          <p:cNvPr id="121" name="image5.png"/>
+          <p:cNvPr id="122" name="image4.png"/>
           <p:cNvPicPr/>
           <p:nvPr/>
         </p:nvPicPr>
@@ -8559,8 +8659,8 @@
         </p:blipFill>
         <p:spPr>
           <a:xfrm>
-            <a:off x="108980" y="2963930"/>
-            <a:ext cx="12786840" cy="3516383"/>
+            <a:off x="853591" y="5349874"/>
+            <a:ext cx="11043955" cy="1936475"/>
           </a:xfrm>
           <a:prstGeom prst="rect">
             <a:avLst/>
@@ -8570,53 +8670,6 @@
           </a:ln>
         </p:spPr>
       </p:pic>
-      <p:sp>
-        <p:nvSpPr>
-          <p:cNvPr id="122" name="Shape 122"/>
-          <p:cNvSpPr/>
-          <p:nvPr>
-            <p:ph type="body" idx="1"/>
-          </p:nvPr>
-        </p:nvSpPr>
-        <p:spPr>
-          <a:xfrm>
-            <a:off x="508000" y="6480311"/>
-            <a:ext cx="11988800" cy="2244588"/>
-          </a:xfrm>
-          <a:prstGeom prst="rect">
-            <a:avLst/>
-          </a:prstGeom>
-        </p:spPr>
-        <p:txBody>
-          <a:bodyPr/>
-          <a:lstStyle/>
-          <a:p>
-            <a:pPr lvl="0">
-              <a:defRPr sz="1800">
-                <a:solidFill>
-                  <a:srgbClr val="000000"/>
-                </a:solidFill>
-              </a:defRPr>
-            </a:pPr>
-            <a:r>
-              <a:rPr sz="3600">
-                <a:solidFill>
-                  <a:srgbClr val="414141"/>
-                </a:solidFill>
-              </a:rPr>
-              <a:t>Threshold=0.05</a:t>
-            </a:r>
-            <a:r>
-              <a:rPr sz="3600">
-                <a:solidFill>
-                  <a:srgbClr val="414141"/>
-                </a:solidFill>
-              </a:rPr>
-              <a:t>로 설정</a:t>
-            </a:r>
-          </a:p>
-        </p:txBody>
-      </p:sp>
     </p:spTree>
   </p:cSld>
   <p:clrMapOvr>
@@ -8713,9 +8766,36 @@
           </a:p>
         </p:txBody>
       </p:sp>
+      <p:pic>
+        <p:nvPicPr>
+          <p:cNvPr id="125" name="image5.png"/>
+          <p:cNvPicPr/>
+          <p:nvPr/>
+        </p:nvPicPr>
+        <p:blipFill>
+          <a:blip r:embed="rId2">
+            <a:extLst/>
+          </a:blip>
+          <a:stretch>
+            <a:fillRect/>
+          </a:stretch>
+        </p:blipFill>
+        <p:spPr>
+          <a:xfrm>
+            <a:off x="108980" y="2963930"/>
+            <a:ext cx="12786840" cy="3516383"/>
+          </a:xfrm>
+          <a:prstGeom prst="rect">
+            <a:avLst/>
+          </a:prstGeom>
+          <a:ln w="12700">
+            <a:miter lim="400000"/>
+          </a:ln>
+        </p:spPr>
+      </p:pic>
       <p:sp>
         <p:nvSpPr>
-          <p:cNvPr id="125" name="Shape 125"/>
+          <p:cNvPr id="126" name="Shape 126"/>
           <p:cNvSpPr/>
           <p:nvPr>
             <p:ph type="body" idx="1"/>
@@ -8723,8 +8803,8 @@
         </p:nvSpPr>
         <p:spPr>
           <a:xfrm>
-            <a:off x="4037359" y="8183184"/>
-            <a:ext cx="5765355" cy="1072931"/>
+            <a:off x="508000" y="6480311"/>
+            <a:ext cx="11988800" cy="2244588"/>
           </a:xfrm>
           <a:prstGeom prst="rect">
             <a:avLst/>
@@ -8747,530 +8827,15 @@
                   <a:srgbClr val="414141"/>
                 </a:solidFill>
               </a:rPr>
-              <a:t>Error rate = 0.08811189</a:t>
-            </a:r>
-          </a:p>
-        </p:txBody>
-      </p:sp>
-      <p:graphicFrame>
-        <p:nvGraphicFramePr>
-          <p:cNvPr id="126" name="Table 126"/>
-          <p:cNvGraphicFramePr/>
-          <p:nvPr/>
-        </p:nvGraphicFramePr>
-        <p:xfrm>
-          <a:off x="4271516" y="3091557"/>
-          <a:ext cx="4927402" cy="5019477"/>
-        </p:xfrm>
-        <a:graphic xmlns:a="http://schemas.openxmlformats.org/drawingml/2006/main">
-          <a:graphicData uri="http://schemas.openxmlformats.org/drawingml/2006/table">
-            <a:tbl>
-              <a:tblPr firstCol="1" firstRow="1" lastCol="0" lastRow="0" bandCol="0" bandRow="0" rtl="0">
-                <a:tableStyleId>{33BA23B1-9221-436E-865A-0063620EA4FD}</a:tableStyleId>
-              </a:tblPr>
-              <a:tblGrid>
-                <a:gridCol w="1231850"/>
-                <a:gridCol w="1231850"/>
-                <a:gridCol w="1231850"/>
-                <a:gridCol w="1231850"/>
-              </a:tblGrid>
-              <a:tr h="1254869">
-                <a:tc>
-                  <a:txBody>
-                    <a:bodyPr/>
-                    <a:lstStyle/>
-                    <a:p>
-                      <a:pPr lvl="0" defTabSz="914400">
-                        <a:defRPr sz="2600"/>
-                      </a:pPr>
-                    </a:p>
-                  </a:txBody>
-                  <a:tcPr marL="50800" marR="50800" marT="50800" marB="50800" anchor="ctr" anchorCtr="0" horzOverflow="overflow"/>
-                </a:tc>
-                <a:tc>
-                  <a:txBody>
-                    <a:bodyPr/>
-                    <a:lstStyle/>
-                    <a:p>
-                      <a:pPr lvl="0" defTabSz="914400">
-                        <a:defRPr>
-                          <a:solidFill>
-                            <a:srgbClr val="000000"/>
-                          </a:solidFill>
-                        </a:defRPr>
-                      </a:pPr>
-                      <a:r>
-                        <a:rPr sz="2600">
-                          <a:solidFill>
-                            <a:srgbClr val="FFFFFF"/>
-                          </a:solidFill>
-                        </a:rPr>
-                        <a:t>NO</a:t>
-                      </a:r>
-                    </a:p>
-                  </a:txBody>
-                  <a:tcPr marL="50800" marR="50800" marT="50800" marB="50800" anchor="ctr" anchorCtr="0" horzOverflow="overflow"/>
-                </a:tc>
-                <a:tc>
-                  <a:txBody>
-                    <a:bodyPr/>
-                    <a:lstStyle/>
-                    <a:p>
-                      <a:pPr lvl="0" defTabSz="914400">
-                        <a:defRPr>
-                          <a:solidFill>
-                            <a:srgbClr val="000000"/>
-                          </a:solidFill>
-                        </a:defRPr>
-                      </a:pPr>
-                      <a:r>
-                        <a:rPr sz="2600">
-                          <a:solidFill>
-                            <a:srgbClr val="FFFFFF"/>
-                          </a:solidFill>
-                        </a:rPr>
-                        <a:t>YES</a:t>
-                      </a:r>
-                    </a:p>
-                  </a:txBody>
-                  <a:tcPr marL="50800" marR="50800" marT="50800" marB="50800" anchor="ctr" anchorCtr="0" horzOverflow="overflow"/>
-                </a:tc>
-                <a:tc>
-                  <a:txBody>
-                    <a:bodyPr/>
-                    <a:lstStyle/>
-                    <a:p>
-                      <a:pPr lvl="0" defTabSz="914400">
-                        <a:defRPr>
-                          <a:solidFill>
-                            <a:srgbClr val="000000"/>
-                          </a:solidFill>
-                        </a:defRPr>
-                      </a:pPr>
-                      <a:r>
-                        <a:rPr sz="2600">
-                          <a:solidFill>
-                            <a:srgbClr val="FFFFFF"/>
-                          </a:solidFill>
-                        </a:rPr>
-                        <a:t>Total</a:t>
-                      </a:r>
-                    </a:p>
-                  </a:txBody>
-                  <a:tcPr marL="50800" marR="50800" marT="50800" marB="50800" anchor="ctr" anchorCtr="0" horzOverflow="overflow"/>
-                </a:tc>
-              </a:tr>
-              <a:tr h="1254869">
-                <a:tc>
-                  <a:txBody>
-                    <a:bodyPr/>
-                    <a:lstStyle/>
-                    <a:p>
-                      <a:pPr lvl="0" defTabSz="914400">
-                        <a:defRPr>
-                          <a:solidFill>
-                            <a:srgbClr val="000000"/>
-                          </a:solidFill>
-                        </a:defRPr>
-                      </a:pPr>
-                      <a:r>
-                        <a:rPr sz="2600">
-                          <a:solidFill>
-                            <a:srgbClr val="FFFFFF"/>
-                          </a:solidFill>
-                        </a:rPr>
-                        <a:t>NO</a:t>
-                      </a:r>
-                    </a:p>
-                  </a:txBody>
-                  <a:tcPr marL="50800" marR="50800" marT="50800" marB="50800" anchor="ctr" anchorCtr="0" horzOverflow="overflow"/>
-                </a:tc>
-                <a:tc>
-                  <a:txBody>
-                    <a:bodyPr/>
-                    <a:lstStyle/>
-                    <a:p>
-                      <a:pPr lvl="0" defTabSz="914400">
-                        <a:defRPr>
-                          <a:solidFill>
-                            <a:srgbClr val="000000"/>
-                          </a:solidFill>
-                        </a:defRPr>
-                      </a:pPr>
-                      <a:r>
-                        <a:rPr sz="2600">
-                          <a:solidFill>
-                            <a:srgbClr val="414141"/>
-                          </a:solidFill>
-                        </a:rPr>
-                        <a:t>646</a:t>
-                      </a:r>
-                    </a:p>
-                  </a:txBody>
-                  <a:tcPr marL="50800" marR="50800" marT="50800" marB="50800" anchor="ctr" anchorCtr="0" horzOverflow="overflow"/>
-                </a:tc>
-                <a:tc>
-                  <a:txBody>
-                    <a:bodyPr/>
-                    <a:lstStyle/>
-                    <a:p>
-                      <a:pPr lvl="0" defTabSz="914400">
-                        <a:defRPr>
-                          <a:solidFill>
-                            <a:srgbClr val="000000"/>
-                          </a:solidFill>
-                        </a:defRPr>
-                      </a:pPr>
-                      <a:r>
-                        <a:rPr sz="2600">
-                          <a:solidFill>
-                            <a:srgbClr val="414141"/>
-                          </a:solidFill>
-                        </a:rPr>
-                        <a:t>8</a:t>
-                      </a:r>
-                    </a:p>
-                  </a:txBody>
-                  <a:tcPr marL="50800" marR="50800" marT="50800" marB="50800" anchor="ctr" anchorCtr="0" horzOverflow="overflow"/>
-                </a:tc>
-                <a:tc>
-                  <a:txBody>
-                    <a:bodyPr/>
-                    <a:lstStyle/>
-                    <a:p>
-                      <a:pPr lvl="0" defTabSz="914400">
-                        <a:defRPr>
-                          <a:solidFill>
-                            <a:srgbClr val="000000"/>
-                          </a:solidFill>
-                        </a:defRPr>
-                      </a:pPr>
-                      <a:r>
-                        <a:rPr sz="2600">
-                          <a:solidFill>
-                            <a:srgbClr val="414141"/>
-                          </a:solidFill>
-                        </a:rPr>
-                        <a:t>654</a:t>
-                      </a:r>
-                    </a:p>
-                  </a:txBody>
-                  <a:tcPr marL="50800" marR="50800" marT="50800" marB="50800" anchor="ctr" anchorCtr="0" horzOverflow="overflow">
-                    <a:lnR w="12700">
-                      <a:miter lim="400000"/>
-                    </a:lnR>
-                  </a:tcPr>
-                </a:tc>
-              </a:tr>
-              <a:tr h="1254869">
-                <a:tc>
-                  <a:txBody>
-                    <a:bodyPr/>
-                    <a:lstStyle/>
-                    <a:p>
-                      <a:pPr lvl="0" defTabSz="914400">
-                        <a:defRPr>
-                          <a:solidFill>
-                            <a:srgbClr val="000000"/>
-                          </a:solidFill>
-                        </a:defRPr>
-                      </a:pPr>
-                      <a:r>
-                        <a:rPr sz="2600">
-                          <a:solidFill>
-                            <a:srgbClr val="FFFFFF"/>
-                          </a:solidFill>
-                        </a:rPr>
-                        <a:t>YES</a:t>
-                      </a:r>
-                    </a:p>
-                  </a:txBody>
-                  <a:tcPr marL="50800" marR="50800" marT="50800" marB="50800" anchor="ctr" anchorCtr="0" horzOverflow="overflow"/>
-                </a:tc>
-                <a:tc>
-                  <a:txBody>
-                    <a:bodyPr/>
-                    <a:lstStyle/>
-                    <a:p>
-                      <a:pPr lvl="0" defTabSz="914400">
-                        <a:defRPr>
-                          <a:solidFill>
-                            <a:srgbClr val="000000"/>
-                          </a:solidFill>
-                        </a:defRPr>
-                      </a:pPr>
-                      <a:r>
-                        <a:rPr sz="2600">
-                          <a:solidFill>
-                            <a:srgbClr val="414141"/>
-                          </a:solidFill>
-                        </a:rPr>
-                        <a:t>55</a:t>
-                      </a:r>
-                    </a:p>
-                  </a:txBody>
-                  <a:tcPr marL="50800" marR="50800" marT="50800" marB="50800" anchor="ctr" anchorCtr="0" horzOverflow="overflow"/>
-                </a:tc>
-                <a:tc>
-                  <a:txBody>
-                    <a:bodyPr/>
-                    <a:lstStyle/>
-                    <a:p>
-                      <a:pPr lvl="0" defTabSz="914400">
-                        <a:defRPr>
-                          <a:solidFill>
-                            <a:srgbClr val="000000"/>
-                          </a:solidFill>
-                        </a:defRPr>
-                      </a:pPr>
-                      <a:r>
-                        <a:rPr sz="2600">
-                          <a:solidFill>
-                            <a:srgbClr val="414141"/>
-                          </a:solidFill>
-                        </a:rPr>
-                        <a:t>6</a:t>
-                      </a:r>
-                    </a:p>
-                  </a:txBody>
-                  <a:tcPr marL="50800" marR="50800" marT="50800" marB="50800" anchor="ctr" anchorCtr="0" horzOverflow="overflow"/>
-                </a:tc>
-                <a:tc>
-                  <a:txBody>
-                    <a:bodyPr/>
-                    <a:lstStyle/>
-                    <a:p>
-                      <a:pPr lvl="0" defTabSz="914400">
-                        <a:defRPr>
-                          <a:solidFill>
-                            <a:srgbClr val="000000"/>
-                          </a:solidFill>
-                        </a:defRPr>
-                      </a:pPr>
-                      <a:r>
-                        <a:rPr sz="2600">
-                          <a:solidFill>
-                            <a:srgbClr val="414141"/>
-                          </a:solidFill>
-                        </a:rPr>
-                        <a:t>61</a:t>
-                      </a:r>
-                    </a:p>
-                  </a:txBody>
-                  <a:tcPr marL="50800" marR="50800" marT="50800" marB="50800" anchor="ctr" anchorCtr="0" horzOverflow="overflow">
-                    <a:lnR w="12700">
-                      <a:miter lim="400000"/>
-                    </a:lnR>
-                  </a:tcPr>
-                </a:tc>
-              </a:tr>
-              <a:tr h="1254869">
-                <a:tc>
-                  <a:txBody>
-                    <a:bodyPr/>
-                    <a:lstStyle/>
-                    <a:p>
-                      <a:pPr lvl="0" defTabSz="914400">
-                        <a:defRPr>
-                          <a:solidFill>
-                            <a:srgbClr val="000000"/>
-                          </a:solidFill>
-                        </a:defRPr>
-                      </a:pPr>
-                      <a:r>
-                        <a:rPr sz="2600">
-                          <a:solidFill>
-                            <a:srgbClr val="FFFFFF"/>
-                          </a:solidFill>
-                        </a:rPr>
-                        <a:t>Total</a:t>
-                      </a:r>
-                    </a:p>
-                  </a:txBody>
-                  <a:tcPr marL="50800" marR="50800" marT="50800" marB="50800" anchor="ctr" anchorCtr="0" horzOverflow="overflow"/>
-                </a:tc>
-                <a:tc>
-                  <a:txBody>
-                    <a:bodyPr/>
-                    <a:lstStyle/>
-                    <a:p>
-                      <a:pPr lvl="0" defTabSz="914400">
-                        <a:defRPr>
-                          <a:solidFill>
-                            <a:srgbClr val="000000"/>
-                          </a:solidFill>
-                        </a:defRPr>
-                      </a:pPr>
-                      <a:r>
-                        <a:rPr sz="2600">
-                          <a:solidFill>
-                            <a:srgbClr val="414141"/>
-                          </a:solidFill>
-                        </a:rPr>
-                        <a:t>701</a:t>
-                      </a:r>
-                    </a:p>
-                  </a:txBody>
-                  <a:tcPr marL="50800" marR="50800" marT="50800" marB="50800" anchor="ctr" anchorCtr="0" horzOverflow="overflow">
-                    <a:lnB w="12700">
-                      <a:miter lim="400000"/>
-                    </a:lnB>
-                  </a:tcPr>
-                </a:tc>
-                <a:tc>
-                  <a:txBody>
-                    <a:bodyPr/>
-                    <a:lstStyle/>
-                    <a:p>
-                      <a:pPr lvl="0" defTabSz="914400">
-                        <a:defRPr>
-                          <a:solidFill>
-                            <a:srgbClr val="000000"/>
-                          </a:solidFill>
-                        </a:defRPr>
-                      </a:pPr>
-                      <a:r>
-                        <a:rPr sz="2600">
-                          <a:solidFill>
-                            <a:srgbClr val="414141"/>
-                          </a:solidFill>
-                        </a:rPr>
-                        <a:t>14</a:t>
-                      </a:r>
-                    </a:p>
-                  </a:txBody>
-                  <a:tcPr marL="50800" marR="50800" marT="50800" marB="50800" anchor="ctr" anchorCtr="0" horzOverflow="overflow">
-                    <a:lnB w="12700">
-                      <a:miter lim="400000"/>
-                    </a:lnB>
-                  </a:tcPr>
-                </a:tc>
-                <a:tc>
-                  <a:txBody>
-                    <a:bodyPr/>
-                    <a:lstStyle/>
-                    <a:p>
-                      <a:pPr lvl="0" defTabSz="914400">
-                        <a:defRPr>
-                          <a:solidFill>
-                            <a:srgbClr val="000000"/>
-                          </a:solidFill>
-                        </a:defRPr>
-                      </a:pPr>
-                      <a:r>
-                        <a:rPr sz="2600">
-                          <a:solidFill>
-                            <a:srgbClr val="414141"/>
-                          </a:solidFill>
-                        </a:rPr>
-                        <a:t>715</a:t>
-                      </a:r>
-                    </a:p>
-                  </a:txBody>
-                  <a:tcPr marL="50800" marR="50800" marT="50800" marB="50800" anchor="ctr" anchorCtr="0" horzOverflow="overflow">
-                    <a:lnR w="12700">
-                      <a:miter lim="400000"/>
-                    </a:lnR>
-                    <a:lnB w="12700">
-                      <a:miter lim="400000"/>
-                    </a:lnB>
-                  </a:tcPr>
-                </a:tc>
-              </a:tr>
-            </a:tbl>
-          </a:graphicData>
-        </a:graphic>
-      </p:graphicFrame>
-      <p:sp>
-        <p:nvSpPr>
-          <p:cNvPr id="127" name="Shape 127"/>
-          <p:cNvSpPr/>
-          <p:nvPr/>
-        </p:nvSpPr>
-        <p:spPr>
-          <a:xfrm>
-            <a:off x="5734496" y="2374599"/>
-            <a:ext cx="3172273" cy="520409"/>
-          </a:xfrm>
-          <a:prstGeom prst="rect">
-            <a:avLst/>
-          </a:prstGeom>
-          <a:ln w="12700">
-            <a:miter lim="400000"/>
-          </a:ln>
-          <a:extLst>
-            <a:ext uri="{C572A759-6A51-4108-AA02-DFA0A04FC94B}">
-              <ma14:wrappingTextBoxFlag xmlns:ma14="http://schemas.microsoft.com/office/mac/drawingml/2011/main" val="1"/>
-            </a:ext>
-          </a:extLst>
-        </p:spPr>
-        <p:txBody>
-          <a:bodyPr lIns="50800" tIns="50800" rIns="50800" bIns="50800" anchor="ctr">
-            <a:spAutoFit/>
-          </a:bodyPr>
-          <a:lstStyle/>
-          <a:p>
-            <a:pPr lvl="0">
-              <a:defRPr sz="1800">
-                <a:solidFill>
-                  <a:srgbClr val="000000"/>
-                </a:solidFill>
-              </a:defRPr>
-            </a:pPr>
-            <a:r>
-              <a:rPr sz="2400">
+              <a:t>Threshold=0.05</a:t>
+            </a:r>
+            <a:r>
+              <a:rPr sz="3600">
                 <a:solidFill>
                   <a:srgbClr val="414141"/>
                 </a:solidFill>
               </a:rPr>
-              <a:t>실제 데이터 값</a:t>
-            </a:r>
-          </a:p>
-        </p:txBody>
-      </p:sp>
-      <p:sp>
-        <p:nvSpPr>
-          <p:cNvPr id="128" name="Shape 128"/>
-          <p:cNvSpPr/>
-          <p:nvPr/>
-        </p:nvSpPr>
-        <p:spPr>
-          <a:xfrm rot="16200000">
-            <a:off x="2712342" y="5950923"/>
-            <a:ext cx="2093716" cy="520410"/>
-          </a:xfrm>
-          <a:prstGeom prst="rect">
-            <a:avLst/>
-          </a:prstGeom>
-          <a:ln w="12700">
-            <a:miter lim="400000"/>
-          </a:ln>
-          <a:extLst>
-            <a:ext uri="{C572A759-6A51-4108-AA02-DFA0A04FC94B}">
-              <ma14:wrappingTextBoxFlag xmlns:ma14="http://schemas.microsoft.com/office/mac/drawingml/2011/main" val="1"/>
-            </a:ext>
-          </a:extLst>
-        </p:spPr>
-        <p:txBody>
-          <a:bodyPr wrap="none" lIns="50800" tIns="50800" rIns="50800" bIns="50800" anchor="ctr">
-            <a:spAutoFit/>
-          </a:bodyPr>
-          <a:lstStyle/>
-          <a:p>
-            <a:pPr lvl="0">
-              <a:defRPr sz="1800">
-                <a:solidFill>
-                  <a:srgbClr val="000000"/>
-                </a:solidFill>
-              </a:defRPr>
-            </a:pPr>
-            <a:r>
-              <a:rPr sz="2400">
-                <a:solidFill>
-                  <a:srgbClr val="414141"/>
-                </a:solidFill>
-              </a:rPr>
-              <a:t>예측 데이터 값</a:t>
+              <a:t>로 설정</a:t>
             </a:r>
           </a:p>
         </p:txBody>
@@ -9303,7 +8868,7 @@
       </p:grpSpPr>
       <p:sp>
         <p:nvSpPr>
-          <p:cNvPr id="130" name="Shape 130"/>
+          <p:cNvPr id="128" name="Shape 128"/>
           <p:cNvSpPr/>
           <p:nvPr>
             <p:ph type="title"/>
@@ -9366,14 +8931,14 @@
                 <a:cs typeface="Bodoni SvtyTwo ITC TT-BookIta"/>
                 <a:sym typeface="Bodoni SvtyTwo ITC TT-BookIta"/>
               </a:rPr>
-              <a:t>LDA</a:t>
+              <a:t>Logistic Regression</a:t>
             </a:r>
           </a:p>
         </p:txBody>
       </p:sp>
       <p:sp>
         <p:nvSpPr>
-          <p:cNvPr id="131" name="Shape 131"/>
+          <p:cNvPr id="129" name="Shape 129"/>
           <p:cNvSpPr/>
           <p:nvPr>
             <p:ph type="body" idx="1"/>
@@ -9405,14 +8970,14 @@
                   <a:srgbClr val="414141"/>
                 </a:solidFill>
               </a:rPr>
-              <a:t>Error rate = 0.05174825</a:t>
+              <a:t>Error rate = 0.08811189</a:t>
             </a:r>
           </a:p>
         </p:txBody>
       </p:sp>
       <p:graphicFrame>
         <p:nvGraphicFramePr>
-          <p:cNvPr id="132" name="Table 132"/>
+          <p:cNvPr id="130" name="Table 130"/>
           <p:cNvGraphicFramePr/>
           <p:nvPr/>
         </p:nvGraphicFramePr>
@@ -9561,7 +9126,7 @@
                             <a:srgbClr val="414141"/>
                           </a:solidFill>
                         </a:rPr>
-                        <a:t>676</a:t>
+                        <a:t>646</a:t>
                       </a:r>
                     </a:p>
                   </a:txBody>
@@ -9585,7 +9150,7 @@
                             <a:srgbClr val="414141"/>
                           </a:solidFill>
                         </a:rPr>
-                        <a:t>12</a:t>
+                        <a:t>8</a:t>
                       </a:r>
                     </a:p>
                   </a:txBody>
@@ -9609,7 +9174,7 @@
                             <a:srgbClr val="414141"/>
                           </a:solidFill>
                         </a:rPr>
-                        <a:t>688</a:t>
+                        <a:t>654</a:t>
                       </a:r>
                     </a:p>
                   </a:txBody>
@@ -9663,7 +9228,7 @@
                             <a:srgbClr val="414141"/>
                           </a:solidFill>
                         </a:rPr>
-                        <a:t>25</a:t>
+                        <a:t>55</a:t>
                       </a:r>
                     </a:p>
                   </a:txBody>
@@ -9687,7 +9252,7 @@
                             <a:srgbClr val="414141"/>
                           </a:solidFill>
                         </a:rPr>
-                        <a:t>2</a:t>
+                        <a:t>6</a:t>
                       </a:r>
                     </a:p>
                   </a:txBody>
@@ -9711,7 +9276,7 @@
                             <a:srgbClr val="414141"/>
                           </a:solidFill>
                         </a:rPr>
-                        <a:t>27</a:t>
+                        <a:t>61</a:t>
                       </a:r>
                     </a:p>
                   </a:txBody>
@@ -9841,7 +9406,7 @@
       </p:graphicFrame>
       <p:sp>
         <p:nvSpPr>
-          <p:cNvPr id="133" name="Shape 133"/>
+          <p:cNvPr id="131" name="Shape 131"/>
           <p:cNvSpPr/>
           <p:nvPr/>
         </p:nvSpPr>
@@ -9888,7 +9453,7 @@
       </p:sp>
       <p:sp>
         <p:nvSpPr>
-          <p:cNvPr id="134" name="Shape 134"/>
+          <p:cNvPr id="132" name="Shape 132"/>
           <p:cNvSpPr/>
           <p:nvPr/>
         </p:nvSpPr>
@@ -9961,7 +9526,7 @@
       </p:grpSpPr>
       <p:sp>
         <p:nvSpPr>
-          <p:cNvPr id="136" name="Shape 136"/>
+          <p:cNvPr id="134" name="Shape 134"/>
           <p:cNvSpPr/>
           <p:nvPr>
             <p:ph type="title"/>
@@ -10024,14 +9589,14 @@
                 <a:cs typeface="Bodoni SvtyTwo ITC TT-BookIta"/>
                 <a:sym typeface="Bodoni SvtyTwo ITC TT-BookIta"/>
               </a:rPr>
-              <a:t>QDA</a:t>
+              <a:t>LDA</a:t>
             </a:r>
           </a:p>
         </p:txBody>
       </p:sp>
       <p:sp>
         <p:nvSpPr>
-          <p:cNvPr id="137" name="Shape 137"/>
+          <p:cNvPr id="135" name="Shape 135"/>
           <p:cNvSpPr/>
           <p:nvPr>
             <p:ph type="body" idx="1"/>
@@ -10063,14 +9628,14 @@
                   <a:srgbClr val="414141"/>
                 </a:solidFill>
               </a:rPr>
-              <a:t>Error rate = 0.07132867</a:t>
+              <a:t>Error rate = 0.05174825</a:t>
             </a:r>
           </a:p>
         </p:txBody>
       </p:sp>
       <p:graphicFrame>
         <p:nvGraphicFramePr>
-          <p:cNvPr id="138" name="Table 138"/>
+          <p:cNvPr id="136" name="Table 136"/>
           <p:cNvGraphicFramePr/>
           <p:nvPr/>
         </p:nvGraphicFramePr>
@@ -10219,7 +9784,7 @@
                             <a:srgbClr val="414141"/>
                           </a:solidFill>
                         </a:rPr>
-                        <a:t>660</a:t>
+                        <a:t>676</a:t>
                       </a:r>
                     </a:p>
                   </a:txBody>
@@ -10243,7 +9808,7 @@
                             <a:srgbClr val="414141"/>
                           </a:solidFill>
                         </a:rPr>
-                        <a:t>10</a:t>
+                        <a:t>12</a:t>
                       </a:r>
                     </a:p>
                   </a:txBody>
@@ -10267,7 +9832,7 @@
                             <a:srgbClr val="414141"/>
                           </a:solidFill>
                         </a:rPr>
-                        <a:t>670</a:t>
+                        <a:t>688</a:t>
                       </a:r>
                     </a:p>
                   </a:txBody>
@@ -10321,7 +9886,7 @@
                             <a:srgbClr val="414141"/>
                           </a:solidFill>
                         </a:rPr>
-                        <a:t>41</a:t>
+                        <a:t>25</a:t>
                       </a:r>
                     </a:p>
                   </a:txBody>
@@ -10345,7 +9910,7 @@
                             <a:srgbClr val="414141"/>
                           </a:solidFill>
                         </a:rPr>
-                        <a:t>4</a:t>
+                        <a:t>2</a:t>
                       </a:r>
                     </a:p>
                   </a:txBody>
@@ -10369,7 +9934,7 @@
                             <a:srgbClr val="414141"/>
                           </a:solidFill>
                         </a:rPr>
-                        <a:t>45</a:t>
+                        <a:t>27</a:t>
                       </a:r>
                     </a:p>
                   </a:txBody>
@@ -10499,7 +10064,7 @@
       </p:graphicFrame>
       <p:sp>
         <p:nvSpPr>
-          <p:cNvPr id="139" name="Shape 139"/>
+          <p:cNvPr id="137" name="Shape 137"/>
           <p:cNvSpPr/>
           <p:nvPr/>
         </p:nvSpPr>
@@ -10546,7 +10111,7 @@
       </p:sp>
       <p:sp>
         <p:nvSpPr>
-          <p:cNvPr id="140" name="Shape 140"/>
+          <p:cNvPr id="138" name="Shape 138"/>
           <p:cNvSpPr/>
           <p:nvPr/>
         </p:nvSpPr>
@@ -10619,7 +10184,7 @@
       </p:grpSpPr>
       <p:sp>
         <p:nvSpPr>
-          <p:cNvPr id="142" name="Shape 142"/>
+          <p:cNvPr id="140" name="Shape 140"/>
           <p:cNvSpPr/>
           <p:nvPr>
             <p:ph type="title"/>
@@ -10682,29 +10247,489 @@
                 <a:cs typeface="Bodoni SvtyTwo ITC TT-BookIta"/>
                 <a:sym typeface="Bodoni SvtyTwo ITC TT-BookIta"/>
               </a:rPr>
-              <a:t>KNN</a:t>
+              <a:t>QDA</a:t>
             </a:r>
           </a:p>
         </p:txBody>
       </p:sp>
-      <p:pic>
-        <p:nvPicPr>
-          <p:cNvPr id="143" name="image10.png"/>
-          <p:cNvPicPr/>
-          <p:nvPr/>
-        </p:nvPicPr>
-        <p:blipFill>
-          <a:blip r:embed="rId2">
-            <a:extLst/>
-          </a:blip>
-          <a:stretch>
-            <a:fillRect/>
-          </a:stretch>
-        </p:blipFill>
+      <p:sp>
+        <p:nvSpPr>
+          <p:cNvPr id="141" name="Shape 141"/>
+          <p:cNvSpPr/>
+          <p:nvPr>
+            <p:ph type="body" idx="1"/>
+          </p:nvPr>
+        </p:nvSpPr>
         <p:spPr>
           <a:xfrm>
-            <a:off x="6416313" y="2950816"/>
-            <a:ext cx="6308353" cy="5102813"/>
+            <a:off x="4037359" y="8183184"/>
+            <a:ext cx="5765355" cy="1072931"/>
+          </a:xfrm>
+          <a:prstGeom prst="rect">
+            <a:avLst/>
+          </a:prstGeom>
+        </p:spPr>
+        <p:txBody>
+          <a:bodyPr/>
+          <a:lstStyle/>
+          <a:p>
+            <a:pPr lvl="0">
+              <a:defRPr sz="1800">
+                <a:solidFill>
+                  <a:srgbClr val="000000"/>
+                </a:solidFill>
+              </a:defRPr>
+            </a:pPr>
+            <a:r>
+              <a:rPr sz="3600">
+                <a:solidFill>
+                  <a:srgbClr val="414141"/>
+                </a:solidFill>
+              </a:rPr>
+              <a:t>Error rate = 0.07132867</a:t>
+            </a:r>
+          </a:p>
+        </p:txBody>
+      </p:sp>
+      <p:graphicFrame>
+        <p:nvGraphicFramePr>
+          <p:cNvPr id="142" name="Table 142"/>
+          <p:cNvGraphicFramePr/>
+          <p:nvPr/>
+        </p:nvGraphicFramePr>
+        <p:xfrm>
+          <a:off x="4271516" y="3091557"/>
+          <a:ext cx="4927402" cy="5019477"/>
+        </p:xfrm>
+        <a:graphic xmlns:a="http://schemas.openxmlformats.org/drawingml/2006/main">
+          <a:graphicData uri="http://schemas.openxmlformats.org/drawingml/2006/table">
+            <a:tbl>
+              <a:tblPr firstCol="1" firstRow="1" lastCol="0" lastRow="0" bandCol="0" bandRow="0" rtl="0">
+                <a:tableStyleId>{33BA23B1-9221-436E-865A-0063620EA4FD}</a:tableStyleId>
+              </a:tblPr>
+              <a:tblGrid>
+                <a:gridCol w="1231850"/>
+                <a:gridCol w="1231850"/>
+                <a:gridCol w="1231850"/>
+                <a:gridCol w="1231850"/>
+              </a:tblGrid>
+              <a:tr h="1254869">
+                <a:tc>
+                  <a:txBody>
+                    <a:bodyPr/>
+                    <a:lstStyle/>
+                    <a:p>
+                      <a:pPr lvl="0" defTabSz="914400">
+                        <a:defRPr sz="2600"/>
+                      </a:pPr>
+                    </a:p>
+                  </a:txBody>
+                  <a:tcPr marL="50800" marR="50800" marT="50800" marB="50800" anchor="ctr" anchorCtr="0" horzOverflow="overflow"/>
+                </a:tc>
+                <a:tc>
+                  <a:txBody>
+                    <a:bodyPr/>
+                    <a:lstStyle/>
+                    <a:p>
+                      <a:pPr lvl="0" defTabSz="914400">
+                        <a:defRPr>
+                          <a:solidFill>
+                            <a:srgbClr val="000000"/>
+                          </a:solidFill>
+                        </a:defRPr>
+                      </a:pPr>
+                      <a:r>
+                        <a:rPr sz="2600">
+                          <a:solidFill>
+                            <a:srgbClr val="FFFFFF"/>
+                          </a:solidFill>
+                        </a:rPr>
+                        <a:t>NO</a:t>
+                      </a:r>
+                    </a:p>
+                  </a:txBody>
+                  <a:tcPr marL="50800" marR="50800" marT="50800" marB="50800" anchor="ctr" anchorCtr="0" horzOverflow="overflow"/>
+                </a:tc>
+                <a:tc>
+                  <a:txBody>
+                    <a:bodyPr/>
+                    <a:lstStyle/>
+                    <a:p>
+                      <a:pPr lvl="0" defTabSz="914400">
+                        <a:defRPr>
+                          <a:solidFill>
+                            <a:srgbClr val="000000"/>
+                          </a:solidFill>
+                        </a:defRPr>
+                      </a:pPr>
+                      <a:r>
+                        <a:rPr sz="2600">
+                          <a:solidFill>
+                            <a:srgbClr val="FFFFFF"/>
+                          </a:solidFill>
+                        </a:rPr>
+                        <a:t>YES</a:t>
+                      </a:r>
+                    </a:p>
+                  </a:txBody>
+                  <a:tcPr marL="50800" marR="50800" marT="50800" marB="50800" anchor="ctr" anchorCtr="0" horzOverflow="overflow"/>
+                </a:tc>
+                <a:tc>
+                  <a:txBody>
+                    <a:bodyPr/>
+                    <a:lstStyle/>
+                    <a:p>
+                      <a:pPr lvl="0" defTabSz="914400">
+                        <a:defRPr>
+                          <a:solidFill>
+                            <a:srgbClr val="000000"/>
+                          </a:solidFill>
+                        </a:defRPr>
+                      </a:pPr>
+                      <a:r>
+                        <a:rPr sz="2600">
+                          <a:solidFill>
+                            <a:srgbClr val="FFFFFF"/>
+                          </a:solidFill>
+                        </a:rPr>
+                        <a:t>Total</a:t>
+                      </a:r>
+                    </a:p>
+                  </a:txBody>
+                  <a:tcPr marL="50800" marR="50800" marT="50800" marB="50800" anchor="ctr" anchorCtr="0" horzOverflow="overflow"/>
+                </a:tc>
+              </a:tr>
+              <a:tr h="1254869">
+                <a:tc>
+                  <a:txBody>
+                    <a:bodyPr/>
+                    <a:lstStyle/>
+                    <a:p>
+                      <a:pPr lvl="0" defTabSz="914400">
+                        <a:defRPr>
+                          <a:solidFill>
+                            <a:srgbClr val="000000"/>
+                          </a:solidFill>
+                        </a:defRPr>
+                      </a:pPr>
+                      <a:r>
+                        <a:rPr sz="2600">
+                          <a:solidFill>
+                            <a:srgbClr val="FFFFFF"/>
+                          </a:solidFill>
+                        </a:rPr>
+                        <a:t>NO</a:t>
+                      </a:r>
+                    </a:p>
+                  </a:txBody>
+                  <a:tcPr marL="50800" marR="50800" marT="50800" marB="50800" anchor="ctr" anchorCtr="0" horzOverflow="overflow"/>
+                </a:tc>
+                <a:tc>
+                  <a:txBody>
+                    <a:bodyPr/>
+                    <a:lstStyle/>
+                    <a:p>
+                      <a:pPr lvl="0" defTabSz="914400">
+                        <a:defRPr>
+                          <a:solidFill>
+                            <a:srgbClr val="000000"/>
+                          </a:solidFill>
+                        </a:defRPr>
+                      </a:pPr>
+                      <a:r>
+                        <a:rPr sz="2600">
+                          <a:solidFill>
+                            <a:srgbClr val="414141"/>
+                          </a:solidFill>
+                        </a:rPr>
+                        <a:t>660</a:t>
+                      </a:r>
+                    </a:p>
+                  </a:txBody>
+                  <a:tcPr marL="50800" marR="50800" marT="50800" marB="50800" anchor="ctr" anchorCtr="0" horzOverflow="overflow"/>
+                </a:tc>
+                <a:tc>
+                  <a:txBody>
+                    <a:bodyPr/>
+                    <a:lstStyle/>
+                    <a:p>
+                      <a:pPr lvl="0" defTabSz="914400">
+                        <a:defRPr>
+                          <a:solidFill>
+                            <a:srgbClr val="000000"/>
+                          </a:solidFill>
+                        </a:defRPr>
+                      </a:pPr>
+                      <a:r>
+                        <a:rPr sz="2600">
+                          <a:solidFill>
+                            <a:srgbClr val="414141"/>
+                          </a:solidFill>
+                        </a:rPr>
+                        <a:t>10</a:t>
+                      </a:r>
+                    </a:p>
+                  </a:txBody>
+                  <a:tcPr marL="50800" marR="50800" marT="50800" marB="50800" anchor="ctr" anchorCtr="0" horzOverflow="overflow"/>
+                </a:tc>
+                <a:tc>
+                  <a:txBody>
+                    <a:bodyPr/>
+                    <a:lstStyle/>
+                    <a:p>
+                      <a:pPr lvl="0" defTabSz="914400">
+                        <a:defRPr>
+                          <a:solidFill>
+                            <a:srgbClr val="000000"/>
+                          </a:solidFill>
+                        </a:defRPr>
+                      </a:pPr>
+                      <a:r>
+                        <a:rPr sz="2600">
+                          <a:solidFill>
+                            <a:srgbClr val="414141"/>
+                          </a:solidFill>
+                        </a:rPr>
+                        <a:t>670</a:t>
+                      </a:r>
+                    </a:p>
+                  </a:txBody>
+                  <a:tcPr marL="50800" marR="50800" marT="50800" marB="50800" anchor="ctr" anchorCtr="0" horzOverflow="overflow">
+                    <a:lnR w="12700">
+                      <a:miter lim="400000"/>
+                    </a:lnR>
+                  </a:tcPr>
+                </a:tc>
+              </a:tr>
+              <a:tr h="1254869">
+                <a:tc>
+                  <a:txBody>
+                    <a:bodyPr/>
+                    <a:lstStyle/>
+                    <a:p>
+                      <a:pPr lvl="0" defTabSz="914400">
+                        <a:defRPr>
+                          <a:solidFill>
+                            <a:srgbClr val="000000"/>
+                          </a:solidFill>
+                        </a:defRPr>
+                      </a:pPr>
+                      <a:r>
+                        <a:rPr sz="2600">
+                          <a:solidFill>
+                            <a:srgbClr val="FFFFFF"/>
+                          </a:solidFill>
+                        </a:rPr>
+                        <a:t>YES</a:t>
+                      </a:r>
+                    </a:p>
+                  </a:txBody>
+                  <a:tcPr marL="50800" marR="50800" marT="50800" marB="50800" anchor="ctr" anchorCtr="0" horzOverflow="overflow"/>
+                </a:tc>
+                <a:tc>
+                  <a:txBody>
+                    <a:bodyPr/>
+                    <a:lstStyle/>
+                    <a:p>
+                      <a:pPr lvl="0" defTabSz="914400">
+                        <a:defRPr>
+                          <a:solidFill>
+                            <a:srgbClr val="000000"/>
+                          </a:solidFill>
+                        </a:defRPr>
+                      </a:pPr>
+                      <a:r>
+                        <a:rPr sz="2600">
+                          <a:solidFill>
+                            <a:srgbClr val="414141"/>
+                          </a:solidFill>
+                        </a:rPr>
+                        <a:t>41</a:t>
+                      </a:r>
+                    </a:p>
+                  </a:txBody>
+                  <a:tcPr marL="50800" marR="50800" marT="50800" marB="50800" anchor="ctr" anchorCtr="0" horzOverflow="overflow"/>
+                </a:tc>
+                <a:tc>
+                  <a:txBody>
+                    <a:bodyPr/>
+                    <a:lstStyle/>
+                    <a:p>
+                      <a:pPr lvl="0" defTabSz="914400">
+                        <a:defRPr>
+                          <a:solidFill>
+                            <a:srgbClr val="000000"/>
+                          </a:solidFill>
+                        </a:defRPr>
+                      </a:pPr>
+                      <a:r>
+                        <a:rPr sz="2600">
+                          <a:solidFill>
+                            <a:srgbClr val="414141"/>
+                          </a:solidFill>
+                        </a:rPr>
+                        <a:t>4</a:t>
+                      </a:r>
+                    </a:p>
+                  </a:txBody>
+                  <a:tcPr marL="50800" marR="50800" marT="50800" marB="50800" anchor="ctr" anchorCtr="0" horzOverflow="overflow"/>
+                </a:tc>
+                <a:tc>
+                  <a:txBody>
+                    <a:bodyPr/>
+                    <a:lstStyle/>
+                    <a:p>
+                      <a:pPr lvl="0" defTabSz="914400">
+                        <a:defRPr>
+                          <a:solidFill>
+                            <a:srgbClr val="000000"/>
+                          </a:solidFill>
+                        </a:defRPr>
+                      </a:pPr>
+                      <a:r>
+                        <a:rPr sz="2600">
+                          <a:solidFill>
+                            <a:srgbClr val="414141"/>
+                          </a:solidFill>
+                        </a:rPr>
+                        <a:t>45</a:t>
+                      </a:r>
+                    </a:p>
+                  </a:txBody>
+                  <a:tcPr marL="50800" marR="50800" marT="50800" marB="50800" anchor="ctr" anchorCtr="0" horzOverflow="overflow">
+                    <a:lnR w="12700">
+                      <a:miter lim="400000"/>
+                    </a:lnR>
+                  </a:tcPr>
+                </a:tc>
+              </a:tr>
+              <a:tr h="1254869">
+                <a:tc>
+                  <a:txBody>
+                    <a:bodyPr/>
+                    <a:lstStyle/>
+                    <a:p>
+                      <a:pPr lvl="0" defTabSz="914400">
+                        <a:defRPr>
+                          <a:solidFill>
+                            <a:srgbClr val="000000"/>
+                          </a:solidFill>
+                        </a:defRPr>
+                      </a:pPr>
+                      <a:r>
+                        <a:rPr sz="2600">
+                          <a:solidFill>
+                            <a:srgbClr val="FFFFFF"/>
+                          </a:solidFill>
+                        </a:rPr>
+                        <a:t>Total</a:t>
+                      </a:r>
+                    </a:p>
+                  </a:txBody>
+                  <a:tcPr marL="50800" marR="50800" marT="50800" marB="50800" anchor="ctr" anchorCtr="0" horzOverflow="overflow"/>
+                </a:tc>
+                <a:tc>
+                  <a:txBody>
+                    <a:bodyPr/>
+                    <a:lstStyle/>
+                    <a:p>
+                      <a:pPr lvl="0" defTabSz="914400">
+                        <a:defRPr>
+                          <a:solidFill>
+                            <a:srgbClr val="000000"/>
+                          </a:solidFill>
+                        </a:defRPr>
+                      </a:pPr>
+                      <a:r>
+                        <a:rPr sz="2600">
+                          <a:solidFill>
+                            <a:srgbClr val="414141"/>
+                          </a:solidFill>
+                        </a:rPr>
+                        <a:t>701</a:t>
+                      </a:r>
+                    </a:p>
+                  </a:txBody>
+                  <a:tcPr marL="50800" marR="50800" marT="50800" marB="50800" anchor="ctr" anchorCtr="0" horzOverflow="overflow">
+                    <a:lnB w="12700">
+                      <a:miter lim="400000"/>
+                    </a:lnB>
+                  </a:tcPr>
+                </a:tc>
+                <a:tc>
+                  <a:txBody>
+                    <a:bodyPr/>
+                    <a:lstStyle/>
+                    <a:p>
+                      <a:pPr lvl="0" defTabSz="914400">
+                        <a:defRPr>
+                          <a:solidFill>
+                            <a:srgbClr val="000000"/>
+                          </a:solidFill>
+                        </a:defRPr>
+                      </a:pPr>
+                      <a:r>
+                        <a:rPr sz="2600">
+                          <a:solidFill>
+                            <a:srgbClr val="414141"/>
+                          </a:solidFill>
+                        </a:rPr>
+                        <a:t>14</a:t>
+                      </a:r>
+                    </a:p>
+                  </a:txBody>
+                  <a:tcPr marL="50800" marR="50800" marT="50800" marB="50800" anchor="ctr" anchorCtr="0" horzOverflow="overflow">
+                    <a:lnB w="12700">
+                      <a:miter lim="400000"/>
+                    </a:lnB>
+                  </a:tcPr>
+                </a:tc>
+                <a:tc>
+                  <a:txBody>
+                    <a:bodyPr/>
+                    <a:lstStyle/>
+                    <a:p>
+                      <a:pPr lvl="0" defTabSz="914400">
+                        <a:defRPr>
+                          <a:solidFill>
+                            <a:srgbClr val="000000"/>
+                          </a:solidFill>
+                        </a:defRPr>
+                      </a:pPr>
+                      <a:r>
+                        <a:rPr sz="2600">
+                          <a:solidFill>
+                            <a:srgbClr val="414141"/>
+                          </a:solidFill>
+                        </a:rPr>
+                        <a:t>715</a:t>
+                      </a:r>
+                    </a:p>
+                  </a:txBody>
+                  <a:tcPr marL="50800" marR="50800" marT="50800" marB="50800" anchor="ctr" anchorCtr="0" horzOverflow="overflow">
+                    <a:lnR w="12700">
+                      <a:miter lim="400000"/>
+                    </a:lnR>
+                    <a:lnB w="12700">
+                      <a:miter lim="400000"/>
+                    </a:lnB>
+                  </a:tcPr>
+                </a:tc>
+              </a:tr>
+            </a:tbl>
+          </a:graphicData>
+        </a:graphic>
+      </p:graphicFrame>
+      <p:sp>
+        <p:nvSpPr>
+          <p:cNvPr id="143" name="Shape 143"/>
+          <p:cNvSpPr/>
+          <p:nvPr/>
+        </p:nvSpPr>
+        <p:spPr>
+          <a:xfrm>
+            <a:off x="5734496" y="2374599"/>
+            <a:ext cx="3172273" cy="520409"/>
           </a:xfrm>
           <a:prstGeom prst="rect">
             <a:avLst/>
@@ -10712,26 +10737,46 @@
           <a:ln w="12700">
             <a:miter lim="400000"/>
           </a:ln>
+          <a:extLst>
+            <a:ext uri="{C572A759-6A51-4108-AA02-DFA0A04FC94B}">
+              <ma14:wrappingTextBoxFlag xmlns:ma14="http://schemas.microsoft.com/office/mac/drawingml/2011/main" val="1"/>
+            </a:ext>
+          </a:extLst>
         </p:spPr>
-      </p:pic>
-      <p:pic>
-        <p:nvPicPr>
-          <p:cNvPr id="144" name="image9.png"/>
-          <p:cNvPicPr/>
+        <p:txBody>
+          <a:bodyPr lIns="50800" tIns="50800" rIns="50800" bIns="50800" anchor="ctr">
+            <a:spAutoFit/>
+          </a:bodyPr>
+          <a:lstStyle/>
+          <a:p>
+            <a:pPr lvl="0">
+              <a:defRPr sz="1800">
+                <a:solidFill>
+                  <a:srgbClr val="000000"/>
+                </a:solidFill>
+              </a:defRPr>
+            </a:pPr>
+            <a:r>
+              <a:rPr sz="2400">
+                <a:solidFill>
+                  <a:srgbClr val="414141"/>
+                </a:solidFill>
+              </a:rPr>
+              <a:t>실제 데이터 값</a:t>
+            </a:r>
+          </a:p>
+        </p:txBody>
+      </p:sp>
+      <p:sp>
+        <p:nvSpPr>
+          <p:cNvPr id="144" name="Shape 144"/>
+          <p:cNvSpPr/>
           <p:nvPr/>
-        </p:nvPicPr>
-        <p:blipFill>
-          <a:blip r:embed="rId3">
-            <a:extLst/>
-          </a:blip>
-          <a:stretch>
-            <a:fillRect/>
-          </a:stretch>
-        </p:blipFill>
+        </p:nvSpPr>
         <p:spPr>
-          <a:xfrm>
-            <a:off x="127000" y="2976907"/>
-            <a:ext cx="6308353" cy="3968158"/>
+          <a:xfrm rot="16200000">
+            <a:off x="2712342" y="5950923"/>
+            <a:ext cx="2093716" cy="520410"/>
           </a:xfrm>
           <a:prstGeom prst="rect">
             <a:avLst/>
@@ -10739,8 +10784,36 @@
           <a:ln w="12700">
             <a:miter lim="400000"/>
           </a:ln>
+          <a:extLst>
+            <a:ext uri="{C572A759-6A51-4108-AA02-DFA0A04FC94B}">
+              <ma14:wrappingTextBoxFlag xmlns:ma14="http://schemas.microsoft.com/office/mac/drawingml/2011/main" val="1"/>
+            </a:ext>
+          </a:extLst>
         </p:spPr>
-      </p:pic>
+        <p:txBody>
+          <a:bodyPr wrap="none" lIns="50800" tIns="50800" rIns="50800" bIns="50800" anchor="ctr">
+            <a:spAutoFit/>
+          </a:bodyPr>
+          <a:lstStyle/>
+          <a:p>
+            <a:pPr lvl="0">
+              <a:defRPr sz="1800">
+                <a:solidFill>
+                  <a:srgbClr val="000000"/>
+                </a:solidFill>
+              </a:defRPr>
+            </a:pPr>
+            <a:r>
+              <a:rPr sz="2400">
+                <a:solidFill>
+                  <a:srgbClr val="414141"/>
+                </a:solidFill>
+              </a:rPr>
+              <a:t>예측 데이터 값</a:t>
+            </a:r>
+          </a:p>
+        </p:txBody>
+      </p:sp>
     </p:spTree>
   </p:cSld>
   <p:clrMapOvr>
@@ -10837,9 +10910,159 @@
           </a:p>
         </p:txBody>
       </p:sp>
+      <p:pic>
+        <p:nvPicPr>
+          <p:cNvPr id="147" name="image10.png"/>
+          <p:cNvPicPr/>
+          <p:nvPr/>
+        </p:nvPicPr>
+        <p:blipFill>
+          <a:blip r:embed="rId2">
+            <a:extLst/>
+          </a:blip>
+          <a:stretch>
+            <a:fillRect/>
+          </a:stretch>
+        </p:blipFill>
+        <p:spPr>
+          <a:xfrm>
+            <a:off x="6416313" y="2950816"/>
+            <a:ext cx="6308353" cy="5102813"/>
+          </a:xfrm>
+          <a:prstGeom prst="rect">
+            <a:avLst/>
+          </a:prstGeom>
+          <a:ln w="12700">
+            <a:miter lim="400000"/>
+          </a:ln>
+        </p:spPr>
+      </p:pic>
+      <p:pic>
+        <p:nvPicPr>
+          <p:cNvPr id="148" name="image9.png"/>
+          <p:cNvPicPr/>
+          <p:nvPr/>
+        </p:nvPicPr>
+        <p:blipFill>
+          <a:blip r:embed="rId3">
+            <a:extLst/>
+          </a:blip>
+          <a:stretch>
+            <a:fillRect/>
+          </a:stretch>
+        </p:blipFill>
+        <p:spPr>
+          <a:xfrm>
+            <a:off x="127000" y="2976907"/>
+            <a:ext cx="6308353" cy="3968158"/>
+          </a:xfrm>
+          <a:prstGeom prst="rect">
+            <a:avLst/>
+          </a:prstGeom>
+          <a:ln w="12700">
+            <a:miter lim="400000"/>
+          </a:ln>
+        </p:spPr>
+      </p:pic>
+    </p:spTree>
+  </p:cSld>
+  <p:clrMapOvr>
+    <a:masterClrMapping/>
+  </p:clrMapOvr>
+  <p:transition spd="med" advClick="1"/>
+</p:sld>
+</file>
+
+<file path=ppt/slides/slide28.xml><?xml version="1.0" encoding="utf-8"?>
+<p:sld xmlns:a="http://schemas.openxmlformats.org/drawingml/2006/main" xmlns:r="http://schemas.openxmlformats.org/officeDocument/2006/relationships" xmlns:p="http://schemas.openxmlformats.org/presentationml/2006/main" showMasterSp="1" showMasterPhAnim="1">
+  <p:cSld>
+    <p:spTree>
+      <p:nvGrpSpPr>
+        <p:cNvPr id="1" name=""/>
+        <p:cNvGrpSpPr/>
+        <p:nvPr/>
+      </p:nvGrpSpPr>
+      <p:grpSpPr>
+        <a:xfrm>
+          <a:off x="0" y="0"/>
+          <a:ext cx="0" cy="0"/>
+          <a:chOff x="0" y="0"/>
+          <a:chExt cx="0" cy="0"/>
+        </a:xfrm>
+      </p:grpSpPr>
       <p:sp>
         <p:nvSpPr>
-          <p:cNvPr id="147" name="Shape 147"/>
+          <p:cNvPr id="150" name="Shape 150"/>
+          <p:cNvSpPr/>
+          <p:nvPr>
+            <p:ph type="title"/>
+          </p:nvPr>
+        </p:nvSpPr>
+        <p:spPr>
+          <a:prstGeom prst="rect">
+            <a:avLst/>
+          </a:prstGeom>
+        </p:spPr>
+        <p:txBody>
+          <a:bodyPr/>
+          <a:lstStyle/>
+          <a:p>
+            <a:pPr lvl="0" algn="l" defTabSz="578358">
+              <a:spcBef>
+                <a:spcPts val="1500"/>
+              </a:spcBef>
+              <a:defRPr sz="1800">
+                <a:solidFill>
+                  <a:srgbClr val="000000"/>
+                </a:solidFill>
+              </a:defRPr>
+            </a:pPr>
+            <a:r>
+              <a:rPr sz="6930">
+                <a:solidFill>
+                  <a:srgbClr val="D93E2B"/>
+                </a:solidFill>
+              </a:rPr>
+              <a:t>분류 방법 비교</a:t>
+            </a:r>
+            <a:r>
+              <a:rPr sz="6930">
+                <a:solidFill>
+                  <a:srgbClr val="D93E2B"/>
+                </a:solidFill>
+                <a:latin typeface="Bodoni SvtyTwo ITC TT-Bold"/>
+                <a:ea typeface="Bodoni SvtyTwo ITC TT-Bold"/>
+                <a:cs typeface="Bodoni SvtyTwo ITC TT-Bold"/>
+                <a:sym typeface="Bodoni SvtyTwo ITC TT-Bold"/>
+              </a:rPr>
+              <a:t>:</a:t>
+            </a:r>
+            <a:r>
+              <a:rPr sz="6930">
+                <a:solidFill>
+                  <a:srgbClr val="D93E2B"/>
+                </a:solidFill>
+              </a:rPr>
+              <a:t> </a:t>
+            </a:r>
+            <a:r>
+              <a:rPr sz="5940">
+                <a:solidFill>
+                  <a:srgbClr val="D93E2B"/>
+                </a:solidFill>
+                <a:latin typeface="Bodoni SvtyTwo ITC TT-BookIta"/>
+                <a:ea typeface="Bodoni SvtyTwo ITC TT-BookIta"/>
+                <a:cs typeface="Bodoni SvtyTwo ITC TT-BookIta"/>
+                <a:sym typeface="Bodoni SvtyTwo ITC TT-BookIta"/>
+              </a:rPr>
+              <a:t>KNN</a:t>
+            </a:r>
+          </a:p>
+        </p:txBody>
+      </p:sp>
+      <p:sp>
+        <p:nvSpPr>
+          <p:cNvPr id="151" name="Shape 151"/>
           <p:cNvSpPr/>
           <p:nvPr>
             <p:ph type="body" idx="1"/>
@@ -10878,7 +11101,7 @@
       </p:sp>
       <p:graphicFrame>
         <p:nvGraphicFramePr>
-          <p:cNvPr id="148" name="Table 148"/>
+          <p:cNvPr id="152" name="Table 152"/>
           <p:cNvGraphicFramePr/>
           <p:nvPr/>
         </p:nvGraphicFramePr>
@@ -11307,7 +11530,7 @@
       </p:graphicFrame>
       <p:sp>
         <p:nvSpPr>
-          <p:cNvPr id="149" name="Shape 149"/>
+          <p:cNvPr id="153" name="Shape 153"/>
           <p:cNvSpPr/>
           <p:nvPr/>
         </p:nvSpPr>
@@ -11354,7 +11577,7 @@
       </p:sp>
       <p:sp>
         <p:nvSpPr>
-          <p:cNvPr id="150" name="Shape 150"/>
+          <p:cNvPr id="154" name="Shape 154"/>
           <p:cNvSpPr/>
           <p:nvPr/>
         </p:nvSpPr>
@@ -11408,7 +11631,7 @@
 </p:sld>
 </file>
 
-<file path=ppt/slides/slide28.xml><?xml version="1.0" encoding="utf-8"?>
+<file path=ppt/slides/slide29.xml><?xml version="1.0" encoding="utf-8"?>
 <p:sld xmlns:a="http://schemas.openxmlformats.org/drawingml/2006/main" xmlns:r="http://schemas.openxmlformats.org/officeDocument/2006/relationships" xmlns:p="http://schemas.openxmlformats.org/presentationml/2006/main" showMasterSp="1" showMasterPhAnim="1">
   <p:cSld>
     <p:spTree>
@@ -11427,7 +11650,7 @@
       </p:grpSpPr>
       <p:sp>
         <p:nvSpPr>
-          <p:cNvPr id="152" name="Shape 152"/>
+          <p:cNvPr id="156" name="Shape 156"/>
           <p:cNvSpPr/>
           <p:nvPr>
             <p:ph type="title"/>
@@ -11497,7 +11720,7 @@
       </p:sp>
       <p:graphicFrame>
         <p:nvGraphicFramePr>
-          <p:cNvPr id="153" name="Table 153"/>
+          <p:cNvPr id="157" name="Table 157"/>
           <p:cNvGraphicFramePr/>
           <p:nvPr/>
         </p:nvGraphicFramePr>
@@ -11823,7 +12046,7 @@
       </p:graphicFrame>
       <p:sp>
         <p:nvSpPr>
-          <p:cNvPr id="154" name="Shape 154"/>
+          <p:cNvPr id="158" name="Shape 158"/>
           <p:cNvSpPr/>
           <p:nvPr>
             <p:ph type="body" idx="1"/>
@@ -14643,6 +14866,48 @@
               </a:rPr>
               <a:t>선택된 모델 중 Cross-Validation 방법을 이용해서 오류율이 가장 낮은 모델 선택</a:t>
             </a:r>
+            <a:endParaRPr sz="2800">
+              <a:solidFill>
+                <a:srgbClr val="5E5E5E"/>
+              </a:solidFill>
+            </a:endParaRPr>
+          </a:p>
+          <a:p>
+            <a:pPr lvl="0" marL="660400" indent="-660400">
+              <a:buClrTx/>
+              <a:buSzPct val="100000"/>
+              <a:buFontTx/>
+              <a:buAutoNum type="arabicPeriod" startAt="1"/>
+              <a:defRPr sz="1800">
+                <a:solidFill>
+                  <a:srgbClr val="000000"/>
+                </a:solidFill>
+              </a:defRPr>
+            </a:pPr>
+            <a:r>
+              <a:rPr sz="3600">
+                <a:solidFill>
+                  <a:srgbClr val="414141"/>
+                </a:solidFill>
+              </a:rPr>
+              <a:t>Bootstrap</a:t>
+            </a:r>
+            <a:r>
+              <a:rPr sz="2800">
+                <a:solidFill>
+                  <a:srgbClr val="414141"/>
+                </a:solidFill>
+              </a:rPr>
+              <a:t>: </a:t>
+            </a:r>
+            <a:r>
+              <a:rPr sz="2800">
+                <a:solidFill>
+                  <a:srgbClr val="5F5F5F"/>
+                </a:solidFill>
+              </a:rPr>
+              <a:t>선택한 모델에서 임의의 2개의 X변수를 선택, 모수 추정</a:t>
+            </a:r>
             <a:endParaRPr sz="3600">
               <a:solidFill>
                 <a:srgbClr val="424242"/>
@@ -14676,48 +14941,6 @@
                 </a:solidFill>
               </a:rPr>
               <a:t>Logistic, LDA, QDA, KNN 간 오류율 비교</a:t>
-            </a:r>
-            <a:endParaRPr sz="2800">
-              <a:solidFill>
-                <a:srgbClr val="5E5E5E"/>
-              </a:solidFill>
-            </a:endParaRPr>
-          </a:p>
-          <a:p>
-            <a:pPr lvl="0" marL="660400" indent="-660400">
-              <a:buClrTx/>
-              <a:buSzPct val="100000"/>
-              <a:buFontTx/>
-              <a:buAutoNum type="arabicPeriod" startAt="1"/>
-              <a:defRPr sz="1800">
-                <a:solidFill>
-                  <a:srgbClr val="000000"/>
-                </a:solidFill>
-              </a:defRPr>
-            </a:pPr>
-            <a:r>
-              <a:rPr sz="3600">
-                <a:solidFill>
-                  <a:srgbClr val="414141"/>
-                </a:solidFill>
-              </a:rPr>
-              <a:t>Bootstrap</a:t>
-            </a:r>
-            <a:r>
-              <a:rPr sz="2800">
-                <a:solidFill>
-                  <a:srgbClr val="414141"/>
-                </a:solidFill>
-              </a:rPr>
-              <a:t>: </a:t>
-            </a:r>
-            <a:r>
-              <a:rPr sz="2800">
-                <a:solidFill>
-                  <a:srgbClr val="5F5F5F"/>
-                </a:solidFill>
-              </a:rPr>
-              <a:t>선택한 모델에서 임의의 2개의 X변수를 선택, 모수 추정</a:t>
             </a:r>
           </a:p>
         </p:txBody>

--- a/presentation.pptx
+++ b/presentation.pptx
@@ -3417,36 +3417,11 @@
                 </a:solidFill>
               </a:defRPr>
             </a:pPr>
-            <a:r>
-              <a:rPr sz="2400">
-                <a:solidFill>
-                  <a:srgbClr val="414141"/>
-                </a:solidFill>
-              </a:rPr>
-              <a:t>이동수 2012310077</a:t>
-            </a:r>
             <a:endParaRPr sz="2400">
               <a:solidFill>
                 <a:srgbClr val="414141"/>
               </a:solidFill>
             </a:endParaRPr>
-          </a:p>
-          <a:p>
-            <a:pPr lvl="0" algn="r">
-              <a:defRPr sz="1800">
-                <a:solidFill>
-                  <a:srgbClr val="000000"/>
-                </a:solidFill>
-              </a:defRPr>
-            </a:pPr>
-            <a:r>
-              <a:rPr sz="2400">
-                <a:solidFill>
-                  <a:srgbClr val="414141"/>
-                </a:solidFill>
-              </a:rPr>
-              <a:t>주수빈 2016270308 </a:t>
-            </a:r>
           </a:p>
         </p:txBody>
       </p:sp>
@@ -8659,7 +8634,7 @@
         </p:blipFill>
         <p:spPr>
           <a:xfrm>
-            <a:off x="853591" y="5349874"/>
+            <a:off x="853591" y="5349875"/>
             <a:ext cx="11043955" cy="1936475"/>
           </a:xfrm>
           <a:prstGeom prst="rect">
